--- a/docs/slides/slide-cppnow.pptx
+++ b/docs/slides/slide-cppnow.pptx
@@ -19,24 +19,24 @@
     <p:sldId id="259" r:id="rId10"/>
     <p:sldId id="261" r:id="rId11"/>
     <p:sldId id="280" r:id="rId12"/>
-    <p:sldId id="273" r:id="rId13"/>
-    <p:sldId id="275" r:id="rId14"/>
-    <p:sldId id="266" r:id="rId15"/>
-    <p:sldId id="277" r:id="rId16"/>
-    <p:sldId id="288" r:id="rId17"/>
-    <p:sldId id="284" r:id="rId18"/>
-    <p:sldId id="285" r:id="rId19"/>
-    <p:sldId id="290" r:id="rId20"/>
-    <p:sldId id="289" r:id="rId21"/>
-    <p:sldId id="292" r:id="rId22"/>
-    <p:sldId id="293" r:id="rId23"/>
-    <p:sldId id="294" r:id="rId24"/>
-    <p:sldId id="283" r:id="rId25"/>
-    <p:sldId id="286" r:id="rId26"/>
+    <p:sldId id="266" r:id="rId13"/>
+    <p:sldId id="273" r:id="rId14"/>
+    <p:sldId id="275" r:id="rId15"/>
+    <p:sldId id="284" r:id="rId16"/>
+    <p:sldId id="285" r:id="rId17"/>
+    <p:sldId id="290" r:id="rId18"/>
+    <p:sldId id="289" r:id="rId19"/>
+    <p:sldId id="292" r:id="rId20"/>
+    <p:sldId id="293" r:id="rId21"/>
+    <p:sldId id="294" r:id="rId22"/>
+    <p:sldId id="283" r:id="rId23"/>
+    <p:sldId id="286" r:id="rId24"/>
+    <p:sldId id="277" r:id="rId25"/>
+    <p:sldId id="272" r:id="rId26"/>
     <p:sldId id="267" r:id="rId27"/>
     <p:sldId id="270" r:id="rId28"/>
     <p:sldId id="281" r:id="rId29"/>
-    <p:sldId id="272" r:id="rId30"/>
+    <p:sldId id="288" r:id="rId30"/>
     <p:sldId id="287" r:id="rId31"/>
     <p:sldId id="279" r:id="rId32"/>
     <p:sldId id="262" r:id="rId33"/>
@@ -343,21 +343,41 @@
         </c:dLbls>
         <c:marker val="1"/>
         <c:smooth val="0"/>
-        <c:axId val="67631744"/>
-        <c:axId val="78934784"/>
+        <c:axId val="68533248"/>
+        <c:axId val="77226752"/>
       </c:lineChart>
       <c:catAx>
-        <c:axId val="67631744"/>
+        <c:axId val="68533248"/>
         <c:scaling>
           <c:orientation val="minMax"/>
         </c:scaling>
         <c:delete val="0"/>
         <c:axPos val="b"/>
+        <c:title>
+          <c:tx>
+            <c:rich>
+              <a:bodyPr/>
+              <a:lstStyle/>
+              <a:p>
+                <a:pPr>
+                  <a:defRPr/>
+                </a:pPr>
+                <a:r>
+                  <a:rPr lang="en-US" sz="1400" dirty="0" smtClean="0"/>
+                  <a:t>Data Size (Bytes)</a:t>
+                </a:r>
+                <a:endParaRPr lang="en-US" sz="1400" dirty="0"/>
+              </a:p>
+            </c:rich>
+          </c:tx>
+          <c:layout/>
+          <c:overlay val="0"/>
+        </c:title>
         <c:numFmt formatCode="General" sourceLinked="1"/>
         <c:majorTickMark val="out"/>
         <c:minorTickMark val="none"/>
         <c:tickLblPos val="nextTo"/>
-        <c:crossAx val="78934784"/>
+        <c:crossAx val="77226752"/>
         <c:crosses val="autoZero"/>
         <c:auto val="1"/>
         <c:lblAlgn val="ctr"/>
@@ -365,7 +385,7 @@
         <c:noMultiLvlLbl val="0"/>
       </c:catAx>
       <c:valAx>
-        <c:axId val="78934784"/>
+        <c:axId val="77226752"/>
         <c:scaling>
           <c:orientation val="minMax"/>
         </c:scaling>
@@ -376,7 +396,7 @@
         <c:majorTickMark val="out"/>
         <c:minorTickMark val="none"/>
         <c:tickLblPos val="nextTo"/>
-        <c:crossAx val="67631744"/>
+        <c:crossAx val="68533248"/>
         <c:crosses val="autoZero"/>
         <c:crossBetween val="between"/>
         <c:dispUnits>
@@ -399,10 +419,10 @@
                     <a:defRPr/>
                   </a:pPr>
                   <a:r>
-                    <a:rPr lang="en-US" sz="1600" dirty="0" smtClean="0"/>
+                    <a:rPr lang="en-US" sz="1400" dirty="0" smtClean="0"/>
                     <a:t>Time (seconds)</a:t>
                   </a:r>
-                  <a:endParaRPr lang="en-US" sz="1600" dirty="0"/>
+                  <a:endParaRPr lang="en-US" sz="1400" dirty="0"/>
                 </a:p>
               </c:rich>
             </c:tx>
@@ -416,8 +436,8 @@
         <c:manualLayout>
           <c:xMode val="edge"/>
           <c:yMode val="edge"/>
-          <c:x val="0.19037467191601054"/>
-          <c:y val="0.21420059194728322"/>
+          <c:x val="0.76399098697568468"/>
+          <c:y val="0.10427151393309879"/>
           <c:w val="0.22795866141732279"/>
           <c:h val="0.25236108784274308"/>
         </c:manualLayout>
@@ -641,21 +661,45 @@
         </c:dLbls>
         <c:marker val="1"/>
         <c:smooth val="0"/>
-        <c:axId val="78953472"/>
-        <c:axId val="78963456"/>
+        <c:axId val="77245440"/>
+        <c:axId val="77255424"/>
       </c:lineChart>
       <c:catAx>
-        <c:axId val="78953472"/>
+        <c:axId val="77245440"/>
         <c:scaling>
           <c:orientation val="minMax"/>
         </c:scaling>
         <c:delete val="0"/>
         <c:axPos val="b"/>
+        <c:title>
+          <c:tx>
+            <c:rich>
+              <a:bodyPr/>
+              <a:lstStyle/>
+              <a:p>
+                <a:pPr>
+                  <a:defRPr/>
+                </a:pPr>
+                <a:r>
+                  <a:rPr lang="en-US" sz="1400" b="1" i="0" baseline="0" dirty="0" smtClean="0">
+                    <a:effectLst/>
+                  </a:rPr>
+                  <a:t>Data Size (Bytes)</a:t>
+                </a:r>
+                <a:endParaRPr lang="en-US" sz="1400" dirty="0">
+                  <a:effectLst/>
+                </a:endParaRPr>
+              </a:p>
+            </c:rich>
+          </c:tx>
+          <c:layout/>
+          <c:overlay val="0"/>
+        </c:title>
         <c:numFmt formatCode="General" sourceLinked="1"/>
         <c:majorTickMark val="out"/>
         <c:minorTickMark val="none"/>
         <c:tickLblPos val="nextTo"/>
-        <c:crossAx val="78963456"/>
+        <c:crossAx val="77255424"/>
         <c:crosses val="autoZero"/>
         <c:auto val="1"/>
         <c:lblAlgn val="ctr"/>
@@ -663,7 +707,7 @@
         <c:noMultiLvlLbl val="0"/>
       </c:catAx>
       <c:valAx>
-        <c:axId val="78963456"/>
+        <c:axId val="77255424"/>
         <c:scaling>
           <c:orientation val="minMax"/>
         </c:scaling>
@@ -674,7 +718,7 @@
         <c:majorTickMark val="out"/>
         <c:minorTickMark val="none"/>
         <c:tickLblPos val="nextTo"/>
-        <c:crossAx val="78953472"/>
+        <c:crossAx val="77245440"/>
         <c:crosses val="autoZero"/>
         <c:crossBetween val="between"/>
         <c:dispUnits>
@@ -697,10 +741,10 @@
                     <a:defRPr/>
                   </a:pPr>
                   <a:r>
-                    <a:rPr lang="en-US" sz="1600" dirty="0" smtClean="0"/>
+                    <a:rPr lang="en-US" sz="1400" dirty="0" smtClean="0"/>
                     <a:t>Time (seconds)</a:t>
                   </a:r>
-                  <a:endParaRPr lang="en-US" sz="1600" dirty="0"/>
+                  <a:endParaRPr lang="en-US" sz="1400" dirty="0"/>
                 </a:p>
               </c:rich>
             </c:tx>
@@ -710,8 +754,27 @@
     </c:plotArea>
     <c:legend>
       <c:legendPos val="r"/>
-      <c:layout/>
+      <c:layout>
+        <c:manualLayout>
+          <c:xMode val="edge"/>
+          <c:yMode val="edge"/>
+          <c:x val="0.82287778263828126"/>
+          <c:y val="0.43659658728982098"/>
+          <c:w val="0.16786295810245941"/>
+          <c:h val="0.15760314434740186"/>
+        </c:manualLayout>
+      </c:layout>
       <c:overlay val="0"/>
+      <c:txPr>
+        <a:bodyPr/>
+        <a:lstStyle/>
+        <a:p>
+          <a:pPr>
+            <a:defRPr sz="1400"/>
+          </a:pPr>
+          <a:endParaRPr lang="en-US"/>
+        </a:p>
+      </c:txPr>
     </c:legend>
     <c:plotVisOnly val="1"/>
     <c:dispBlanksAs val="gap"/>
@@ -900,11 +963,11 @@
         </c:dLbls>
         <c:marker val="1"/>
         <c:smooth val="0"/>
-        <c:axId val="78085504"/>
-        <c:axId val="78091392"/>
+        <c:axId val="76971392"/>
+        <c:axId val="76977280"/>
       </c:lineChart>
       <c:catAx>
-        <c:axId val="78085504"/>
+        <c:axId val="76971392"/>
         <c:scaling>
           <c:orientation val="minMax"/>
         </c:scaling>
@@ -914,7 +977,17 @@
         <c:majorTickMark val="none"/>
         <c:minorTickMark val="none"/>
         <c:tickLblPos val="nextTo"/>
-        <c:crossAx val="78091392"/>
+        <c:txPr>
+          <a:bodyPr/>
+          <a:lstStyle/>
+          <a:p>
+            <a:pPr>
+              <a:defRPr sz="1400"/>
+            </a:pPr>
+            <a:endParaRPr lang="en-US"/>
+          </a:p>
+        </c:txPr>
+        <c:crossAx val="76977280"/>
         <c:crosses val="autoZero"/>
         <c:auto val="1"/>
         <c:lblAlgn val="ctr"/>
@@ -922,7 +995,7 @@
         <c:noMultiLvlLbl val="0"/>
       </c:catAx>
       <c:valAx>
-        <c:axId val="78091392"/>
+        <c:axId val="76977280"/>
         <c:scaling>
           <c:orientation val="minMax"/>
         </c:scaling>
@@ -935,17 +1008,17 @@
               <a:lstStyle/>
               <a:p>
                 <a:pPr>
-                  <a:defRPr/>
+                  <a:defRPr sz="1400"/>
                 </a:pPr>
                 <a:r>
-                  <a:rPr lang="en-US" dirty="0" smtClean="0"/>
+                  <a:rPr lang="en-US" sz="1400" dirty="0" smtClean="0"/>
                   <a:t>Time</a:t>
                 </a:r>
                 <a:r>
-                  <a:rPr lang="en-US" baseline="0" dirty="0" smtClean="0"/>
-                  <a:t> (seconds)</a:t>
+                  <a:rPr lang="en-US" sz="1400" baseline="0" dirty="0" smtClean="0"/>
+                  <a:t> (micro seconds)</a:t>
                 </a:r>
-                <a:endParaRPr lang="en-US" dirty="0"/>
+                <a:endParaRPr lang="en-US" sz="1400" dirty="0"/>
               </a:p>
             </c:rich>
           </c:tx>
@@ -956,9 +1029,12 @@
         <c:majorTickMark val="none"/>
         <c:minorTickMark val="none"/>
         <c:tickLblPos val="nextTo"/>
-        <c:crossAx val="78085504"/>
+        <c:crossAx val="76971392"/>
         <c:crosses val="autoZero"/>
         <c:crossBetween val="between"/>
+        <c:dispUnits>
+          <c:builtInUnit val="thousands"/>
+        </c:dispUnits>
       </c:valAx>
     </c:plotArea>
     <c:legend>
@@ -967,13 +1043,23 @@
         <c:manualLayout>
           <c:xMode val="edge"/>
           <c:yMode val="edge"/>
-          <c:x val="0.55703521434820646"/>
-          <c:y val="0.65462532504132265"/>
-          <c:w val="0.29025055895790802"/>
-          <c:h val="5.0741245564756052E-2"/>
+          <c:x val="0.6372821279284534"/>
+          <c:y val="0.23372042590714948"/>
+          <c:w val="0.32265796636531546"/>
+          <c:h val="8.4413637495489913E-2"/>
         </c:manualLayout>
       </c:layout>
       <c:overlay val="0"/>
+      <c:txPr>
+        <a:bodyPr/>
+        <a:lstStyle/>
+        <a:p>
+          <a:pPr>
+            <a:defRPr sz="1400"/>
+          </a:pPr>
+          <a:endParaRPr lang="en-US"/>
+        </a:p>
+      </c:txPr>
     </c:legend>
     <c:plotVisOnly val="1"/>
     <c:dispBlanksAs val="gap"/>
@@ -1429,11 +1515,11 @@
         </c:dLbls>
         <c:marker val="1"/>
         <c:smooth val="0"/>
-        <c:axId val="78117504"/>
-        <c:axId val="76419456"/>
+        <c:axId val="74386432"/>
+        <c:axId val="74396416"/>
       </c:lineChart>
       <c:catAx>
-        <c:axId val="78117504"/>
+        <c:axId val="74386432"/>
         <c:scaling>
           <c:orientation val="minMax"/>
         </c:scaling>
@@ -1442,7 +1528,17 @@
         <c:majorTickMark val="none"/>
         <c:minorTickMark val="none"/>
         <c:tickLblPos val="nextTo"/>
-        <c:crossAx val="76419456"/>
+        <c:txPr>
+          <a:bodyPr/>
+          <a:lstStyle/>
+          <a:p>
+            <a:pPr>
+              <a:defRPr sz="1400"/>
+            </a:pPr>
+            <a:endParaRPr lang="en-US"/>
+          </a:p>
+        </c:txPr>
+        <c:crossAx val="74396416"/>
         <c:crosses val="autoZero"/>
         <c:auto val="1"/>
         <c:lblAlgn val="ctr"/>
@@ -1450,18 +1546,50 @@
         <c:noMultiLvlLbl val="0"/>
       </c:catAx>
       <c:valAx>
-        <c:axId val="76419456"/>
+        <c:axId val="74396416"/>
         <c:scaling>
           <c:logBase val="10"/>
           <c:orientation val="minMax"/>
         </c:scaling>
         <c:delete val="0"/>
         <c:axPos val="l"/>
+        <c:title>
+          <c:tx>
+            <c:rich>
+              <a:bodyPr rot="-5400000" vert="horz"/>
+              <a:lstStyle/>
+              <a:p>
+                <a:pPr>
+                  <a:defRPr sz="1400"/>
+                </a:pPr>
+                <a:r>
+                  <a:rPr lang="en-US" sz="1400" dirty="0" smtClean="0"/>
+                  <a:t>Time (</a:t>
+                </a:r>
+                <a:r>
+                  <a:rPr lang="en-US" sz="1400" dirty="0" err="1" smtClean="0"/>
+                  <a:t>nano</a:t>
+                </a:r>
+                <a:r>
+                  <a:rPr lang="en-US" sz="1400" dirty="0" smtClean="0"/>
+                  <a:t> </a:t>
+                </a:r>
+                <a:r>
+                  <a:rPr lang="en-US" sz="1400" dirty="0" smtClean="0"/>
+                  <a:t>seconds)</a:t>
+                </a:r>
+                <a:endParaRPr lang="en-US" sz="1400" dirty="0"/>
+              </a:p>
+            </c:rich>
+          </c:tx>
+          <c:layout/>
+          <c:overlay val="0"/>
+        </c:title>
         <c:numFmt formatCode="General" sourceLinked="1"/>
         <c:majorTickMark val="none"/>
         <c:minorTickMark val="none"/>
         <c:tickLblPos val="nextTo"/>
-        <c:crossAx val="78117504"/>
+        <c:crossAx val="74386432"/>
         <c:crosses val="autoZero"/>
         <c:crossBetween val="between"/>
       </c:valAx>
@@ -1472,13 +1600,23 @@
         <c:manualLayout>
           <c:xMode val="edge"/>
           <c:yMode val="edge"/>
-          <c:x val="0.11116469816272964"/>
-          <c:y val="0.72477614156368486"/>
-          <c:w val="0.57088048021775051"/>
-          <c:h val="5.0741245564756052E-2"/>
+          <c:x val="0.1163212686649463"/>
+          <c:y val="0.58031691934030638"/>
+          <c:w val="0.37805708110015662"/>
+          <c:h val="0.21012574920672231"/>
         </c:manualLayout>
       </c:layout>
       <c:overlay val="0"/>
+      <c:txPr>
+        <a:bodyPr/>
+        <a:lstStyle/>
+        <a:p>
+          <a:pPr>
+            <a:defRPr sz="1400"/>
+          </a:pPr>
+          <a:endParaRPr lang="en-US"/>
+        </a:p>
+      </c:txPr>
     </c:legend>
     <c:plotVisOnly val="1"/>
     <c:dispBlanksAs val="gap"/>
@@ -1511,8 +1649,8 @@
           <c:layoutTarget val="inner"/>
           <c:xMode val="edge"/>
           <c:yMode val="edge"/>
-          <c:x val="7.8805981390059385E-2"/>
-          <c:y val="1.7669255126744565E-2"/>
+          <c:x val="7.880600251055575E-2"/>
+          <c:y val="1.766925802079726E-2"/>
           <c:w val="0.89058665371276224"/>
           <c:h val="0.82558934564571251"/>
         </c:manualLayout>
@@ -1882,11 +2020,11 @@
         </c:dLbls>
         <c:marker val="1"/>
         <c:smooth val="0"/>
-        <c:axId val="37687680"/>
-        <c:axId val="37689600"/>
+        <c:axId val="74437376"/>
+        <c:axId val="74439296"/>
       </c:lineChart>
       <c:catAx>
-        <c:axId val="37687680"/>
+        <c:axId val="74437376"/>
         <c:scaling>
           <c:orientation val="minMax"/>
         </c:scaling>
@@ -1899,10 +2037,10 @@
               <a:lstStyle/>
               <a:p>
                 <a:pPr>
-                  <a:defRPr/>
+                  <a:defRPr sz="1400"/>
                 </a:pPr>
                 <a:r>
-                  <a:rPr lang="en-US"/>
+                  <a:rPr lang="en-US" sz="1400"/>
                   <a:t>Data size (Bytes)</a:t>
                 </a:r>
               </a:p>
@@ -1915,7 +2053,7 @@
         <c:majorTickMark val="none"/>
         <c:minorTickMark val="none"/>
         <c:tickLblPos val="nextTo"/>
-        <c:crossAx val="37689600"/>
+        <c:crossAx val="74439296"/>
         <c:crosses val="autoZero"/>
         <c:auto val="1"/>
         <c:lblAlgn val="ctr"/>
@@ -1923,9 +2061,11 @@
         <c:noMultiLvlLbl val="0"/>
       </c:catAx>
       <c:valAx>
-        <c:axId val="37689600"/>
+        <c:axId val="74439296"/>
         <c:scaling>
+          <c:logBase val="2"/>
           <c:orientation val="minMax"/>
+          <c:min val="1024"/>
         </c:scaling>
         <c:delete val="0"/>
         <c:axPos val="l"/>
@@ -1936,10 +2076,10 @@
               <a:lstStyle/>
               <a:p>
                 <a:pPr>
-                  <a:defRPr/>
+                  <a:defRPr sz="1400"/>
                 </a:pPr>
                 <a:r>
-                  <a:rPr lang="en-US"/>
+                  <a:rPr lang="en-US" sz="1400"/>
                   <a:t>Time (micro seconds)</a:t>
                 </a:r>
               </a:p>
@@ -1952,7 +2092,7 @@
         <c:majorTickMark val="none"/>
         <c:minorTickMark val="none"/>
         <c:tickLblPos val="nextTo"/>
-        <c:crossAx val="37687680"/>
+        <c:crossAx val="74437376"/>
         <c:crosses val="autoZero"/>
         <c:crossBetween val="between"/>
         <c:dispUnits>
@@ -1966,13 +2106,23 @@
         <c:manualLayout>
           <c:xMode val="edge"/>
           <c:yMode val="edge"/>
-          <c:x val="0.18151538087868141"/>
-          <c:y val="0.10671019954799792"/>
-          <c:w val="0.46649992280376718"/>
-          <c:h val="0.23290167507055554"/>
+          <c:x val="8.7312450074175499E-2"/>
+          <c:y val="9.605427684606449E-2"/>
+          <c:w val="0.37374631975350903"/>
+          <c:h val="0.14928503000568671"/>
         </c:manualLayout>
       </c:layout>
       <c:overlay val="0"/>
+      <c:txPr>
+        <a:bodyPr/>
+        <a:lstStyle/>
+        <a:p>
+          <a:pPr>
+            <a:defRPr sz="1400"/>
+          </a:pPr>
+          <a:endParaRPr lang="en-US"/>
+        </a:p>
+      </c:txPr>
     </c:legend>
     <c:plotVisOnly val="1"/>
     <c:dispBlanksAs val="gap"/>
@@ -2366,11 +2516,11 @@
         </c:dLbls>
         <c:marker val="1"/>
         <c:smooth val="0"/>
-        <c:axId val="65191296"/>
-        <c:axId val="66158592"/>
+        <c:axId val="77113984"/>
+        <c:axId val="77120256"/>
       </c:lineChart>
       <c:catAx>
-        <c:axId val="65191296"/>
+        <c:axId val="77113984"/>
         <c:scaling>
           <c:orientation val="minMax"/>
         </c:scaling>
@@ -2383,17 +2533,17 @@
               <a:lstStyle/>
               <a:p>
                 <a:pPr>
-                  <a:defRPr/>
+                  <a:defRPr sz="1400"/>
                 </a:pPr>
                 <a:r>
-                  <a:rPr lang="en-US"/>
+                  <a:rPr lang="en-US" sz="1400"/>
                   <a:t>Data</a:t>
                 </a:r>
                 <a:r>
-                  <a:rPr lang="en-US" baseline="0"/>
+                  <a:rPr lang="en-US" sz="1400" baseline="0"/>
                   <a:t> size (Bytes)</a:t>
                 </a:r>
-                <a:endParaRPr lang="en-US"/>
+                <a:endParaRPr lang="en-US" sz="1400"/>
               </a:p>
             </c:rich>
           </c:tx>
@@ -2404,7 +2554,7 @@
         <c:majorTickMark val="none"/>
         <c:minorTickMark val="none"/>
         <c:tickLblPos val="nextTo"/>
-        <c:crossAx val="66158592"/>
+        <c:crossAx val="77120256"/>
         <c:crosses val="autoZero"/>
         <c:auto val="1"/>
         <c:lblAlgn val="ctr"/>
@@ -2412,9 +2562,11 @@
         <c:noMultiLvlLbl val="0"/>
       </c:catAx>
       <c:valAx>
-        <c:axId val="66158592"/>
+        <c:axId val="77120256"/>
         <c:scaling>
+          <c:logBase val="2"/>
           <c:orientation val="minMax"/>
+          <c:min val="128"/>
         </c:scaling>
         <c:delete val="0"/>
         <c:axPos val="l"/>
@@ -2425,10 +2577,10 @@
               <a:lstStyle/>
               <a:p>
                 <a:pPr>
-                  <a:defRPr/>
+                  <a:defRPr sz="1400"/>
                 </a:pPr>
                 <a:r>
-                  <a:rPr lang="en-US"/>
+                  <a:rPr lang="en-US" sz="1400"/>
                   <a:t>Time (micro seconds)</a:t>
                 </a:r>
               </a:p>
@@ -2441,12 +2593,9 @@
         <c:majorTickMark val="none"/>
         <c:minorTickMark val="none"/>
         <c:tickLblPos val="nextTo"/>
-        <c:crossAx val="65191296"/>
+        <c:crossAx val="77113984"/>
         <c:crosses val="autoZero"/>
         <c:crossBetween val="between"/>
-        <c:dispUnits>
-          <c:builtInUnit val="thousands"/>
-        </c:dispUnits>
       </c:valAx>
     </c:plotArea>
     <c:legend>
@@ -2455,13 +2604,23 @@
         <c:manualLayout>
           <c:xMode val="edge"/>
           <c:yMode val="edge"/>
-          <c:x val="0.10460795848794763"/>
-          <c:y val="0.12996294979721354"/>
-          <c:w val="0.68733565631882221"/>
-          <c:h val="5.7611823552830718E-2"/>
+          <c:x val="0.11615914347340245"/>
+          <c:y val="3.4960572524881522E-2"/>
+          <c:w val="0.34740170473740289"/>
+          <c:h val="0.17372587717794488"/>
         </c:manualLayout>
       </c:layout>
       <c:overlay val="0"/>
+      <c:txPr>
+        <a:bodyPr/>
+        <a:lstStyle/>
+        <a:p>
+          <a:pPr>
+            <a:defRPr sz="1400"/>
+          </a:pPr>
+          <a:endParaRPr lang="en-US"/>
+        </a:p>
+      </c:txPr>
     </c:legend>
     <c:plotVisOnly val="1"/>
     <c:dispBlanksAs val="gap"/>
@@ -2855,11 +3014,11 @@
         </c:dLbls>
         <c:marker val="1"/>
         <c:smooth val="0"/>
-        <c:axId val="95326208"/>
-        <c:axId val="95329280"/>
+        <c:axId val="77026048"/>
+        <c:axId val="77027968"/>
       </c:lineChart>
       <c:catAx>
-        <c:axId val="95326208"/>
+        <c:axId val="77026048"/>
         <c:scaling>
           <c:orientation val="minMax"/>
         </c:scaling>
@@ -2872,10 +3031,10 @@
               <a:lstStyle/>
               <a:p>
                 <a:pPr>
-                  <a:defRPr/>
+                  <a:defRPr sz="1400"/>
                 </a:pPr>
                 <a:r>
-                  <a:rPr lang="en-US"/>
+                  <a:rPr lang="en-US" sz="1400"/>
                   <a:t>Data size (Bytes)</a:t>
                 </a:r>
               </a:p>
@@ -2888,7 +3047,7 @@
         <c:majorTickMark val="none"/>
         <c:minorTickMark val="none"/>
         <c:tickLblPos val="nextTo"/>
-        <c:crossAx val="95329280"/>
+        <c:crossAx val="77027968"/>
         <c:crosses val="autoZero"/>
         <c:auto val="1"/>
         <c:lblAlgn val="ctr"/>
@@ -2896,9 +3055,11 @@
         <c:noMultiLvlLbl val="0"/>
       </c:catAx>
       <c:valAx>
-        <c:axId val="95329280"/>
+        <c:axId val="77027968"/>
         <c:scaling>
+          <c:logBase val="2"/>
           <c:orientation val="minMax"/>
+          <c:min val="1024"/>
         </c:scaling>
         <c:delete val="0"/>
         <c:axPos val="l"/>
@@ -2909,10 +3070,10 @@
               <a:lstStyle/>
               <a:p>
                 <a:pPr>
-                  <a:defRPr/>
+                  <a:defRPr sz="1400"/>
                 </a:pPr>
                 <a:r>
-                  <a:rPr lang="en-US"/>
+                  <a:rPr lang="en-US" sz="1400"/>
                   <a:t>Time (micro seconds)</a:t>
                 </a:r>
               </a:p>
@@ -2925,12 +3086,9 @@
         <c:majorTickMark val="none"/>
         <c:minorTickMark val="none"/>
         <c:tickLblPos val="nextTo"/>
-        <c:crossAx val="95326208"/>
+        <c:crossAx val="77026048"/>
         <c:crosses val="autoZero"/>
         <c:crossBetween val="between"/>
-        <c:dispUnits>
-          <c:builtInUnit val="thousands"/>
-        </c:dispUnits>
       </c:valAx>
     </c:plotArea>
     <c:legend>
@@ -2939,13 +3097,23 @@
         <c:manualLayout>
           <c:xMode val="edge"/>
           <c:yMode val="edge"/>
-          <c:x val="0.1046644283273392"/>
-          <c:y val="8.5901357044237944E-2"/>
-          <c:w val="0.72592658087693518"/>
-          <c:h val="5.6398943205913252E-2"/>
+          <c:x val="0.12024075845659479"/>
+          <c:y val="8.5901450126924142E-2"/>
+          <c:w val="0.36144062599651672"/>
+          <c:h val="0.15976763551736384"/>
         </c:manualLayout>
       </c:layout>
       <c:overlay val="0"/>
+      <c:txPr>
+        <a:bodyPr/>
+        <a:lstStyle/>
+        <a:p>
+          <a:pPr>
+            <a:defRPr sz="1400"/>
+          </a:pPr>
+          <a:endParaRPr lang="en-US"/>
+        </a:p>
+      </c:txPr>
     </c:legend>
     <c:plotVisOnly val="1"/>
     <c:dispBlanksAs val="gap"/>
@@ -3374,11 +3542,11 @@
         </c:dLbls>
         <c:marker val="1"/>
         <c:smooth val="0"/>
-        <c:axId val="76471296"/>
-        <c:axId val="76473472"/>
+        <c:axId val="77145984"/>
+        <c:axId val="77148160"/>
       </c:lineChart>
       <c:catAx>
-        <c:axId val="76471296"/>
+        <c:axId val="77145984"/>
         <c:scaling>
           <c:orientation val="minMax"/>
         </c:scaling>
@@ -3391,17 +3559,17 @@
               <a:lstStyle/>
               <a:p>
                 <a:pPr>
-                  <a:defRPr/>
+                  <a:defRPr sz="1400"/>
                 </a:pPr>
                 <a:r>
-                  <a:rPr lang="en-US"/>
+                  <a:rPr lang="en-US" sz="1400"/>
                   <a:t>Container</a:t>
                 </a:r>
                 <a:r>
-                  <a:rPr lang="en-US" baseline="0"/>
+                  <a:rPr lang="en-US" sz="1400" baseline="0"/>
                   <a:t> / Data size (Byte)</a:t>
                 </a:r>
-                <a:endParaRPr lang="en-US"/>
+                <a:endParaRPr lang="en-US" sz="1400"/>
               </a:p>
             </c:rich>
           </c:tx>
@@ -3411,7 +3579,7 @@
         <c:majorTickMark val="none"/>
         <c:minorTickMark val="none"/>
         <c:tickLblPos val="nextTo"/>
-        <c:crossAx val="76473472"/>
+        <c:crossAx val="77148160"/>
         <c:crosses val="autoZero"/>
         <c:auto val="1"/>
         <c:lblAlgn val="ctr"/>
@@ -3419,9 +3587,11 @@
         <c:noMultiLvlLbl val="0"/>
       </c:catAx>
       <c:valAx>
-        <c:axId val="76473472"/>
+        <c:axId val="77148160"/>
         <c:scaling>
+          <c:logBase val="2"/>
           <c:orientation val="minMax"/>
+          <c:min val="131072"/>
         </c:scaling>
         <c:delete val="0"/>
         <c:axPos val="l"/>
@@ -3432,18 +3602,18 @@
               <a:lstStyle/>
               <a:p>
                 <a:pPr>
-                  <a:defRPr/>
+                  <a:defRPr sz="1400"/>
                 </a:pPr>
                 <a:r>
-                  <a:rPr lang="en-US" dirty="0"/>
+                  <a:rPr lang="en-US" sz="1400" dirty="0"/>
                   <a:t>Time </a:t>
                 </a:r>
                 <a:r>
-                  <a:rPr lang="en-US" dirty="0" smtClean="0"/>
+                  <a:rPr lang="en-US" sz="1400" dirty="0" smtClean="0"/>
                   <a:t>(micro seconds</a:t>
                 </a:r>
                 <a:r>
-                  <a:rPr lang="en-US" dirty="0"/>
+                  <a:rPr lang="en-US" sz="1400" dirty="0"/>
                   <a:t>)</a:t>
                 </a:r>
               </a:p>
@@ -3456,7 +3626,7 @@
         <c:majorTickMark val="none"/>
         <c:minorTickMark val="none"/>
         <c:tickLblPos val="nextTo"/>
-        <c:crossAx val="76471296"/>
+        <c:crossAx val="77145984"/>
         <c:crosses val="autoZero"/>
         <c:crossBetween val="between"/>
         <c:dispUnits>
@@ -3470,13 +3640,23 @@
         <c:manualLayout>
           <c:xMode val="edge"/>
           <c:yMode val="edge"/>
-          <c:x val="0.51834326262617947"/>
-          <c:y val="3.4715562924474766E-2"/>
+          <c:x val="0.5126453103618458"/>
+          <c:y val="1.7766359713510389E-2"/>
           <c:w val="0.23809870955868745"/>
           <c:h val="5.8167773270984574E-2"/>
         </c:manualLayout>
       </c:layout>
       <c:overlay val="0"/>
+      <c:txPr>
+        <a:bodyPr/>
+        <a:lstStyle/>
+        <a:p>
+          <a:pPr>
+            <a:defRPr sz="1400"/>
+          </a:pPr>
+          <a:endParaRPr lang="en-US"/>
+        </a:p>
+      </c:txPr>
     </c:legend>
     <c:plotVisOnly val="1"/>
     <c:dispBlanksAs val="gap"/>
@@ -3570,7 +3750,7 @@
           <a:p>
             <a:fld id="{137A90A3-B617-4C31-B054-B5C14ABB61EF}" type="datetimeFigureOut">
               <a:rPr lang="en-US" smtClean="0"/>
-              <a:t>5/14/2017</a:t>
+              <a:t>5/18/2017</a:t>
             </a:fld>
             <a:endParaRPr lang="en-US"/>
           </a:p>
@@ -4243,7 +4423,7 @@
           <a:p>
             <a:fld id="{4ED8617E-1DA8-4F34-A257-6E2CF6A68E9B}" type="datetimeFigureOut">
               <a:rPr lang="en-US" smtClean="0"/>
-              <a:t>5/14/2017</a:t>
+              <a:t>5/18/2017</a:t>
             </a:fld>
             <a:endParaRPr lang="en-US"/>
           </a:p>
@@ -4413,7 +4593,7 @@
           <a:p>
             <a:fld id="{4ED8617E-1DA8-4F34-A257-6E2CF6A68E9B}" type="datetimeFigureOut">
               <a:rPr lang="en-US" smtClean="0"/>
-              <a:t>5/14/2017</a:t>
+              <a:t>5/18/2017</a:t>
             </a:fld>
             <a:endParaRPr lang="en-US"/>
           </a:p>
@@ -4593,7 +4773,7 @@
           <a:p>
             <a:fld id="{4ED8617E-1DA8-4F34-A257-6E2CF6A68E9B}" type="datetimeFigureOut">
               <a:rPr lang="en-US" smtClean="0"/>
-              <a:t>5/14/2017</a:t>
+              <a:t>5/18/2017</a:t>
             </a:fld>
             <a:endParaRPr lang="en-US"/>
           </a:p>
@@ -4763,7 +4943,7 @@
           <a:p>
             <a:fld id="{4ED8617E-1DA8-4F34-A257-6E2CF6A68E9B}" type="datetimeFigureOut">
               <a:rPr lang="en-US" smtClean="0"/>
-              <a:t>5/14/2017</a:t>
+              <a:t>5/18/2017</a:t>
             </a:fld>
             <a:endParaRPr lang="en-US"/>
           </a:p>
@@ -5009,7 +5189,7 @@
           <a:p>
             <a:fld id="{4ED8617E-1DA8-4F34-A257-6E2CF6A68E9B}" type="datetimeFigureOut">
               <a:rPr lang="en-US" smtClean="0"/>
-              <a:t>5/14/2017</a:t>
+              <a:t>5/18/2017</a:t>
             </a:fld>
             <a:endParaRPr lang="en-US"/>
           </a:p>
@@ -5297,7 +5477,7 @@
           <a:p>
             <a:fld id="{4ED8617E-1DA8-4F34-A257-6E2CF6A68E9B}" type="datetimeFigureOut">
               <a:rPr lang="en-US" smtClean="0"/>
-              <a:t>5/14/2017</a:t>
+              <a:t>5/18/2017</a:t>
             </a:fld>
             <a:endParaRPr lang="en-US"/>
           </a:p>
@@ -5719,7 +5899,7 @@
           <a:p>
             <a:fld id="{4ED8617E-1DA8-4F34-A257-6E2CF6A68E9B}" type="datetimeFigureOut">
               <a:rPr lang="en-US" smtClean="0"/>
-              <a:t>5/14/2017</a:t>
+              <a:t>5/18/2017</a:t>
             </a:fld>
             <a:endParaRPr lang="en-US"/>
           </a:p>
@@ -5837,7 +6017,7 @@
           <a:p>
             <a:fld id="{4ED8617E-1DA8-4F34-A257-6E2CF6A68E9B}" type="datetimeFigureOut">
               <a:rPr lang="en-US" smtClean="0"/>
-              <a:t>5/14/2017</a:t>
+              <a:t>5/18/2017</a:t>
             </a:fld>
             <a:endParaRPr lang="en-US"/>
           </a:p>
@@ -5932,7 +6112,7 @@
           <a:p>
             <a:fld id="{4ED8617E-1DA8-4F34-A257-6E2CF6A68E9B}" type="datetimeFigureOut">
               <a:rPr lang="en-US" smtClean="0"/>
-              <a:t>5/14/2017</a:t>
+              <a:t>5/18/2017</a:t>
             </a:fld>
             <a:endParaRPr lang="en-US"/>
           </a:p>
@@ -6209,7 +6389,7 @@
           <a:p>
             <a:fld id="{4ED8617E-1DA8-4F34-A257-6E2CF6A68E9B}" type="datetimeFigureOut">
               <a:rPr lang="en-US" smtClean="0"/>
-              <a:t>5/14/2017</a:t>
+              <a:t>5/18/2017</a:t>
             </a:fld>
             <a:endParaRPr lang="en-US"/>
           </a:p>
@@ -6462,7 +6642,7 @@
           <a:p>
             <a:fld id="{4ED8617E-1DA8-4F34-A257-6E2CF6A68E9B}" type="datetimeFigureOut">
               <a:rPr lang="en-US" smtClean="0"/>
-              <a:t>5/14/2017</a:t>
+              <a:t>5/18/2017</a:t>
             </a:fld>
             <a:endParaRPr lang="en-US"/>
           </a:p>
@@ -6675,7 +6855,7 @@
           <a:p>
             <a:fld id="{4ED8617E-1DA8-4F34-A257-6E2CF6A68E9B}" type="datetimeFigureOut">
               <a:rPr lang="en-US" smtClean="0"/>
-              <a:t>5/14/2017</a:t>
+              <a:t>5/18/2017</a:t>
             </a:fld>
             <a:endParaRPr lang="en-US"/>
           </a:p>
@@ -7320,8 +7500,28 @@
           <a:p>
             <a:r>
               <a:rPr lang="en-US" dirty="0"/>
-              <a:t>Issues with number parsing in locale</a:t>
-            </a:r>
+              <a:t>Issues with number parsing in </a:t>
+            </a:r>
+            <a:r>
+              <a:rPr lang="en-US" dirty="0"/>
+              <a:t>locale</a:t>
+            </a:r>
+            <a:br>
+              <a:rPr lang="en-US" dirty="0"/>
+            </a:br>
+            <a:r>
+              <a:rPr lang="en-US" dirty="0"/>
+              <a:t>(</a:t>
+            </a:r>
+            <a:r>
+              <a:rPr lang="en-US" dirty="0" err="1"/>
+              <a:t>libc</a:t>
+            </a:r>
+            <a:r>
+              <a:rPr lang="en-US" dirty="0"/>
+              <a:t>++)</a:t>
+            </a:r>
+            <a:endParaRPr lang="en-US" dirty="0"/>
           </a:p>
         </p:txBody>
       </p:sp>
@@ -7685,24 +7885,12 @@
           <a:lstStyle/>
           <a:p>
             <a:r>
-              <a:rPr lang="en-US" dirty="0" smtClean="0"/>
-              <a:t>Issues with </a:t>
-            </a:r>
-            <a:r>
               <a:rPr lang="en-US" dirty="0" err="1" smtClean="0"/>
               <a:t>std</a:t>
             </a:r>
             <a:r>
               <a:rPr lang="en-US" dirty="0" smtClean="0"/>
-              <a:t>::sort (</a:t>
-            </a:r>
-            <a:r>
-              <a:rPr lang="en-US" dirty="0" err="1" smtClean="0"/>
-              <a:t>libc</a:t>
-            </a:r>
-            <a:r>
-              <a:rPr lang="en-US" dirty="0" smtClean="0"/>
-              <a:t>++)</a:t>
+              <a:t>-benchmark</a:t>
             </a:r>
             <a:endParaRPr lang="en-US" dirty="0"/>
           </a:p>
@@ -7720,28 +7908,43 @@
         </p:nvSpPr>
         <p:spPr/>
         <p:txBody>
-          <a:bodyPr/>
+          <a:bodyPr>
+            <a:normAutofit/>
+          </a:bodyPr>
           <a:lstStyle/>
           <a:p>
             <a:r>
+              <a:rPr lang="en-US" dirty="0" smtClean="0">
+                <a:hlinkClick r:id="rId2"/>
+              </a:rPr>
+              <a:t>https://github.com/hiraditya/std-benchmark</a:t>
+            </a:r>
+            <a:endParaRPr lang="en-US" dirty="0" smtClean="0"/>
+          </a:p>
+          <a:p>
+            <a:pPr lvl="1"/>
+            <a:r>
               <a:rPr lang="en-US" dirty="0" smtClean="0"/>
-              <a:t>Worst case O(N^2) comparisons against </a:t>
+              <a:t>WIP</a:t>
+            </a:r>
+          </a:p>
+          <a:p>
+            <a:pPr lvl="1"/>
+            <a:r>
+              <a:rPr lang="en-US" dirty="0" smtClean="0"/>
+              <a:t>Builds on Linux, Windows </a:t>
+            </a:r>
+            <a:r>
+              <a:rPr lang="en-US" dirty="0" smtClean="0"/>
+              <a:t>(thanks </a:t>
+            </a:r>
+            <a:r>
+              <a:rPr lang="en-US" dirty="0" smtClean="0"/>
+              <a:t>to </a:t>
             </a:r>
             <a:r>
               <a:rPr lang="en-US" dirty="0" err="1" smtClean="0"/>
-              <a:t>gcc-libstdc</a:t>
-            </a:r>
-            <a:r>
-              <a:rPr lang="en-US" dirty="0" smtClean="0"/>
-              <a:t>++ O(</a:t>
-            </a:r>
-            <a:r>
-              <a:rPr lang="en-US" dirty="0" err="1"/>
-              <a:t>N</a:t>
-            </a:r>
-            <a:r>
-              <a:rPr lang="en-US" dirty="0" err="1" smtClean="0"/>
-              <a:t>lgN</a:t>
+              <a:t>cmake</a:t>
             </a:r>
             <a:r>
               <a:rPr lang="en-US" dirty="0" smtClean="0"/>
@@ -7752,42 +7955,15 @@
             <a:pPr lvl="1"/>
             <a:r>
               <a:rPr lang="en-US" dirty="0" smtClean="0"/>
-              <a:t>PR20837</a:t>
-            </a:r>
-          </a:p>
-          <a:p>
-            <a:endParaRPr lang="en-US" dirty="0"/>
+              <a:t>Performance numbers are very stable (based on google-benchmark)</a:t>
+            </a:r>
           </a:p>
         </p:txBody>
       </p:sp>
-      <p:graphicFrame>
-        <p:nvGraphicFramePr>
-          <p:cNvPr id="6" name="Content Placeholder 3"/>
-          <p:cNvGraphicFramePr>
-            <a:graphicFrameLocks/>
-          </p:cNvGraphicFramePr>
-          <p:nvPr>
-            <p:extLst>
-              <p:ext uri="{D42A27DB-BD31-4B8C-83A1-F6EECF244321}">
-                <p14:modId xmlns:p14="http://schemas.microsoft.com/office/powerpoint/2010/main" val="3889494320"/>
-              </p:ext>
-            </p:extLst>
-          </p:nvPr>
-        </p:nvGraphicFramePr>
-        <p:xfrm>
-          <a:off x="381000" y="2971800"/>
-          <a:ext cx="7620000" cy="3581400"/>
-        </p:xfrm>
-        <a:graphic>
-          <a:graphicData uri="http://schemas.openxmlformats.org/drawingml/2006/chart">
-            <c:chart xmlns:c="http://schemas.openxmlformats.org/drawingml/2006/chart" xmlns:r="http://schemas.openxmlformats.org/officeDocument/2006/relationships" r:id="rId2"/>
-          </a:graphicData>
-        </a:graphic>
-      </p:graphicFrame>
     </p:spTree>
     <p:extLst>
       <p:ext uri="{BB962C8B-B14F-4D97-AF65-F5344CB8AC3E}">
-        <p14:creationId xmlns:p14="http://schemas.microsoft.com/office/powerpoint/2010/main" val="2425145155"/>
+        <p14:creationId xmlns:p14="http://schemas.microsoft.com/office/powerpoint/2010/main" val="3889275006"/>
       </p:ext>
     </p:extLst>
   </p:cSld>
@@ -7837,39 +8013,98 @@
           <a:lstStyle/>
           <a:p>
             <a:r>
+              <a:rPr lang="en-US" dirty="0" smtClean="0"/>
+              <a:t>Issues with </a:t>
+            </a:r>
+            <a:r>
+              <a:rPr lang="en-US" dirty="0" smtClean="0"/>
+              <a:t>sort </a:t>
+            </a:r>
+            <a:r>
+              <a:rPr lang="en-US" dirty="0" smtClean="0"/>
+              <a:t>(</a:t>
+            </a:r>
+            <a:r>
               <a:rPr lang="en-US" dirty="0" err="1" smtClean="0"/>
-              <a:t>std</a:t>
-            </a:r>
-            <a:r>
-              <a:rPr lang="en-US" dirty="0"/>
-              <a:t>::</a:t>
+              <a:t>libc</a:t>
             </a:r>
             <a:r>
               <a:rPr lang="en-US" dirty="0" smtClean="0"/>
-              <a:t>sort (Average case)</a:t>
-            </a:r>
+              <a:t>++)</a:t>
+            </a:r>
+            <a:endParaRPr lang="en-US" dirty="0"/>
+          </a:p>
+        </p:txBody>
+      </p:sp>
+      <p:sp>
+        <p:nvSpPr>
+          <p:cNvPr id="3" name="Content Placeholder 2"/>
+          <p:cNvSpPr>
+            <a:spLocks noGrp="1"/>
+          </p:cNvSpPr>
+          <p:nvPr>
+            <p:ph idx="1"/>
+          </p:nvPr>
+        </p:nvSpPr>
+        <p:spPr/>
+        <p:txBody>
+          <a:bodyPr/>
+          <a:lstStyle/>
+          <a:p>
+            <a:r>
+              <a:rPr lang="en-US" dirty="0" smtClean="0"/>
+              <a:t>Worst case O(N^2) comparisons against </a:t>
+            </a:r>
+            <a:r>
+              <a:rPr lang="en-US" dirty="0" err="1" smtClean="0"/>
+              <a:t>gcc-libstdc</a:t>
+            </a:r>
+            <a:r>
+              <a:rPr lang="en-US" dirty="0" smtClean="0"/>
+              <a:t>++ O(</a:t>
+            </a:r>
+            <a:r>
+              <a:rPr lang="en-US" dirty="0" err="1"/>
+              <a:t>N</a:t>
+            </a:r>
+            <a:r>
+              <a:rPr lang="en-US" dirty="0" err="1" smtClean="0"/>
+              <a:t>lgN</a:t>
+            </a:r>
+            <a:r>
+              <a:rPr lang="en-US" dirty="0" smtClean="0"/>
+              <a:t>)</a:t>
+            </a:r>
+          </a:p>
+          <a:p>
+            <a:pPr lvl="1"/>
+            <a:r>
+              <a:rPr lang="en-US" dirty="0" smtClean="0"/>
+              <a:t>PR20837</a:t>
+            </a:r>
+          </a:p>
+          <a:p>
             <a:endParaRPr lang="en-US" dirty="0"/>
           </a:p>
         </p:txBody>
       </p:sp>
       <p:graphicFrame>
         <p:nvGraphicFramePr>
-          <p:cNvPr id="4" name="Content Placeholder 3"/>
+          <p:cNvPr id="6" name="Content Placeholder 3"/>
           <p:cNvGraphicFramePr>
-            <a:graphicFrameLocks noGrp="1"/>
+            <a:graphicFrameLocks/>
           </p:cNvGraphicFramePr>
           <p:nvPr>
-            <p:ph idx="1"/>
             <p:extLst>
               <p:ext uri="{D42A27DB-BD31-4B8C-83A1-F6EECF244321}">
-                <p14:modId xmlns:p14="http://schemas.microsoft.com/office/powerpoint/2010/main" val="1433379646"/>
+                <p14:modId xmlns:p14="http://schemas.microsoft.com/office/powerpoint/2010/main" val="3794215032"/>
               </p:ext>
             </p:extLst>
           </p:nvPr>
         </p:nvGraphicFramePr>
         <p:xfrm>
-          <a:off x="457200" y="1600200"/>
-          <a:ext cx="8229600" cy="4525963"/>
+          <a:off x="381000" y="2971800"/>
+          <a:ext cx="8077200" cy="3581400"/>
         </p:xfrm>
         <a:graphic>
           <a:graphicData uri="http://schemas.openxmlformats.org/drawingml/2006/chart">
@@ -7880,7 +8115,7 @@
     </p:spTree>
     <p:extLst>
       <p:ext uri="{BB962C8B-B14F-4D97-AF65-F5344CB8AC3E}">
-        <p14:creationId xmlns:p14="http://schemas.microsoft.com/office/powerpoint/2010/main" val="2013685068"/>
+        <p14:creationId xmlns:p14="http://schemas.microsoft.com/office/powerpoint/2010/main" val="2425145155"/>
       </p:ext>
     </p:extLst>
   </p:cSld>
@@ -7930,85 +8165,46 @@
           <a:lstStyle/>
           <a:p>
             <a:r>
-              <a:rPr lang="en-US" dirty="0" err="1" smtClean="0"/>
-              <a:t>std</a:t>
-            </a:r>
-            <a:r>
               <a:rPr lang="en-US" dirty="0" smtClean="0"/>
-              <a:t>-benchmark</a:t>
+              <a:t>sort </a:t>
+            </a:r>
+            <a:r>
+              <a:rPr lang="en-US" dirty="0" smtClean="0"/>
+              <a:t>(Average case)</a:t>
             </a:r>
             <a:endParaRPr lang="en-US" dirty="0"/>
           </a:p>
         </p:txBody>
       </p:sp>
-      <p:sp>
-        <p:nvSpPr>
-          <p:cNvPr id="3" name="Content Placeholder 2"/>
-          <p:cNvSpPr>
-            <a:spLocks noGrp="1"/>
-          </p:cNvSpPr>
+      <p:graphicFrame>
+        <p:nvGraphicFramePr>
+          <p:cNvPr id="4" name="Content Placeholder 3"/>
+          <p:cNvGraphicFramePr>
+            <a:graphicFrameLocks noGrp="1"/>
+          </p:cNvGraphicFramePr>
           <p:nvPr>
             <p:ph idx="1"/>
+            <p:extLst>
+              <p:ext uri="{D42A27DB-BD31-4B8C-83A1-F6EECF244321}">
+                <p14:modId xmlns:p14="http://schemas.microsoft.com/office/powerpoint/2010/main" val="2926899346"/>
+              </p:ext>
+            </p:extLst>
           </p:nvPr>
-        </p:nvSpPr>
-        <p:spPr/>
-        <p:txBody>
-          <a:bodyPr>
-            <a:normAutofit/>
-          </a:bodyPr>
-          <a:lstStyle/>
-          <a:p>
-            <a:r>
-              <a:rPr lang="en-US" dirty="0" smtClean="0">
-                <a:hlinkClick r:id="rId2"/>
-              </a:rPr>
-              <a:t>https://github.com/hiraditya/std-benchmark</a:t>
-            </a:r>
-            <a:endParaRPr lang="en-US" dirty="0" smtClean="0"/>
-          </a:p>
-          <a:p>
-            <a:pPr lvl="1"/>
-            <a:r>
-              <a:rPr lang="en-US" dirty="0" smtClean="0"/>
-              <a:t>WIP</a:t>
-            </a:r>
-          </a:p>
-          <a:p>
-            <a:pPr lvl="1"/>
-            <a:r>
-              <a:rPr lang="en-US" dirty="0" smtClean="0"/>
-              <a:t>Builds on Linux, Windows, Mac (Thanks to </a:t>
-            </a:r>
-            <a:r>
-              <a:rPr lang="en-US" dirty="0" err="1" smtClean="0"/>
-              <a:t>cmake</a:t>
-            </a:r>
-            <a:r>
-              <a:rPr lang="en-US" dirty="0" smtClean="0"/>
-              <a:t>)</a:t>
-            </a:r>
-          </a:p>
-          <a:p>
-            <a:pPr lvl="1"/>
-            <a:r>
-              <a:rPr lang="en-US" dirty="0" smtClean="0"/>
-              <a:t>Performance numbers are very stable </a:t>
-            </a:r>
-            <a:r>
-              <a:rPr lang="en-US" smtClean="0"/>
-              <a:t>(based on </a:t>
-            </a:r>
-            <a:r>
-              <a:rPr lang="en-US" dirty="0" smtClean="0"/>
-              <a:t>google-benchmark)</a:t>
-            </a:r>
-          </a:p>
-        </p:txBody>
-      </p:sp>
+        </p:nvGraphicFramePr>
+        <p:xfrm>
+          <a:off x="457200" y="1600200"/>
+          <a:ext cx="8229600" cy="4525963"/>
+        </p:xfrm>
+        <a:graphic>
+          <a:graphicData uri="http://schemas.openxmlformats.org/drawingml/2006/chart">
+            <c:chart xmlns:c="http://schemas.openxmlformats.org/drawingml/2006/chart" xmlns:r="http://schemas.openxmlformats.org/officeDocument/2006/relationships" r:id="rId2"/>
+          </a:graphicData>
+        </a:graphic>
+      </p:graphicFrame>
     </p:spTree>
     <p:extLst>
       <p:ext uri="{BB962C8B-B14F-4D97-AF65-F5344CB8AC3E}">
-        <p14:creationId xmlns:p14="http://schemas.microsoft.com/office/powerpoint/2010/main" val="3889275006"/>
+        <p14:creationId xmlns:p14="http://schemas.microsoft.com/office/powerpoint/2010/main" val="2013685068"/>
       </p:ext>
     </p:extLst>
   </p:cSld>
@@ -8026,335 +8222,7 @@
 </file>
 
 <file path=ppt/slides/slide15.xml><?xml version="1.0" encoding="utf-8"?>
-<p:sld xmlns:a="http://schemas.openxmlformats.org/drawingml/2006/main" xmlns:r="http://schemas.openxmlformats.org/officeDocument/2006/relationships" xmlns:p="http://schemas.openxmlformats.org/presentationml/2006/main">
-  <p:cSld>
-    <p:spTree>
-      <p:nvGrpSpPr>
-        <p:cNvPr id="1" name=""/>
-        <p:cNvGrpSpPr/>
-        <p:nvPr/>
-      </p:nvGrpSpPr>
-      <p:grpSpPr>
-        <a:xfrm>
-          <a:off x="0" y="0"/>
-          <a:ext cx="0" cy="0"/>
-          <a:chOff x="0" y="0"/>
-          <a:chExt cx="0" cy="0"/>
-        </a:xfrm>
-      </p:grpSpPr>
-      <p:sp>
-        <p:nvSpPr>
-          <p:cNvPr id="2" name="Title 1"/>
-          <p:cNvSpPr>
-            <a:spLocks noGrp="1"/>
-          </p:cNvSpPr>
-          <p:nvPr>
-            <p:ph type="title"/>
-          </p:nvPr>
-        </p:nvSpPr>
-        <p:spPr/>
-        <p:txBody>
-          <a:bodyPr/>
-          <a:lstStyle/>
-          <a:p>
-            <a:r>
-              <a:rPr lang="en-US" dirty="0" smtClean="0"/>
-              <a:t>Lessons learned</a:t>
-            </a:r>
-            <a:endParaRPr lang="en-US" dirty="0"/>
-          </a:p>
-        </p:txBody>
-      </p:sp>
-      <p:sp>
-        <p:nvSpPr>
-          <p:cNvPr id="3" name="Content Placeholder 2"/>
-          <p:cNvSpPr>
-            <a:spLocks noGrp="1"/>
-          </p:cNvSpPr>
-          <p:nvPr>
-            <p:ph idx="1"/>
-          </p:nvPr>
-        </p:nvSpPr>
-        <p:spPr/>
-        <p:txBody>
-          <a:bodyPr>
-            <a:normAutofit/>
-          </a:bodyPr>
-          <a:lstStyle/>
-          <a:p>
-            <a:r>
-              <a:rPr lang="en-US" dirty="0" err="1" smtClean="0"/>
-              <a:t>std</a:t>
-            </a:r>
-            <a:r>
-              <a:rPr lang="en-US" dirty="0" smtClean="0"/>
-              <a:t>::vector</a:t>
-            </a:r>
-          </a:p>
-          <a:p>
-            <a:pPr lvl="1"/>
-            <a:r>
-              <a:rPr lang="en-US" dirty="0" err="1" smtClean="0"/>
-              <a:t>push_back</a:t>
-            </a:r>
-            <a:r>
-              <a:rPr lang="en-US" dirty="0" smtClean="0"/>
-              <a:t> without reserve will cause a lot of allocations (~2N)</a:t>
-            </a:r>
-          </a:p>
-          <a:p>
-            <a:pPr lvl="1"/>
-            <a:r>
-              <a:rPr lang="en-US" dirty="0" smtClean="0"/>
-              <a:t>resize initializes the memory</a:t>
-            </a:r>
-          </a:p>
-          <a:p>
-            <a:r>
-              <a:rPr lang="en-US" dirty="0" err="1" smtClean="0"/>
-              <a:t>std</a:t>
-            </a:r>
-            <a:r>
-              <a:rPr lang="en-US" dirty="0"/>
-              <a:t>::find may not always be the right choice</a:t>
-            </a:r>
-          </a:p>
-          <a:p>
-            <a:r>
-              <a:rPr lang="en-US" dirty="0" smtClean="0"/>
-              <a:t>Rotate </a:t>
-            </a:r>
-            <a:r>
-              <a:rPr lang="en-US" dirty="0"/>
-              <a:t>but not </a:t>
-            </a:r>
-            <a:r>
-              <a:rPr lang="en-US" dirty="0" err="1"/>
-              <a:t>std</a:t>
-            </a:r>
-            <a:r>
-              <a:rPr lang="en-US" dirty="0"/>
-              <a:t>::rotate on linked </a:t>
-            </a:r>
-            <a:r>
-              <a:rPr lang="en-US" dirty="0" smtClean="0"/>
-              <a:t>lists</a:t>
-            </a:r>
-          </a:p>
-          <a:p>
-            <a:r>
-              <a:rPr lang="en-US" dirty="0"/>
-              <a:t>The destructor of </a:t>
-            </a:r>
-            <a:r>
-              <a:rPr lang="en-US" dirty="0" err="1"/>
-              <a:t>basic_string</a:t>
-            </a:r>
-            <a:r>
-              <a:rPr lang="en-US" dirty="0"/>
-              <a:t> is difficult to optimize </a:t>
-            </a:r>
-            <a:r>
-              <a:rPr lang="en-US" dirty="0" smtClean="0"/>
-              <a:t>away</a:t>
-            </a:r>
-            <a:endParaRPr lang="en-US" dirty="0"/>
-          </a:p>
-        </p:txBody>
-      </p:sp>
-    </p:spTree>
-    <p:extLst>
-      <p:ext uri="{BB962C8B-B14F-4D97-AF65-F5344CB8AC3E}">
-        <p14:creationId xmlns:p14="http://schemas.microsoft.com/office/powerpoint/2010/main" val="48658961"/>
-      </p:ext>
-    </p:extLst>
-  </p:cSld>
-  <p:clrMapOvr>
-    <a:masterClrMapping/>
-  </p:clrMapOvr>
-  <p:timing>
-    <p:tnLst>
-      <p:par>
-        <p:cTn id="1" dur="indefinite" restart="never" nodeType="tmRoot"/>
-      </p:par>
-    </p:tnLst>
-  </p:timing>
-</p:sld>
-</file>
-
-<file path=ppt/slides/slide16.xml><?xml version="1.0" encoding="utf-8"?>
-<p:sld xmlns:a="http://schemas.openxmlformats.org/drawingml/2006/main" xmlns:r="http://schemas.openxmlformats.org/officeDocument/2006/relationships" xmlns:p="http://schemas.openxmlformats.org/presentationml/2006/main">
-  <p:cSld>
-    <p:spTree>
-      <p:nvGrpSpPr>
-        <p:cNvPr id="1" name=""/>
-        <p:cNvGrpSpPr/>
-        <p:nvPr/>
-      </p:nvGrpSpPr>
-      <p:grpSpPr>
-        <a:xfrm>
-          <a:off x="0" y="0"/>
-          <a:ext cx="0" cy="0"/>
-          <a:chOff x="0" y="0"/>
-          <a:chExt cx="0" cy="0"/>
-        </a:xfrm>
-      </p:grpSpPr>
-      <p:sp>
-        <p:nvSpPr>
-          <p:cNvPr id="2" name="Title 1"/>
-          <p:cNvSpPr>
-            <a:spLocks noGrp="1"/>
-          </p:cNvSpPr>
-          <p:nvPr>
-            <p:ph type="title"/>
-          </p:nvPr>
-        </p:nvSpPr>
-        <p:spPr/>
-        <p:txBody>
-          <a:bodyPr/>
-          <a:lstStyle/>
-          <a:p>
-            <a:r>
-              <a:rPr lang="en-US" dirty="0" smtClean="0"/>
-              <a:t>Lessons learned</a:t>
-            </a:r>
-            <a:endParaRPr lang="en-US" dirty="0"/>
-          </a:p>
-        </p:txBody>
-      </p:sp>
-      <p:sp>
-        <p:nvSpPr>
-          <p:cNvPr id="3" name="Content Placeholder 2"/>
-          <p:cNvSpPr>
-            <a:spLocks noGrp="1"/>
-          </p:cNvSpPr>
-          <p:nvPr>
-            <p:ph idx="1"/>
-          </p:nvPr>
-        </p:nvSpPr>
-        <p:spPr/>
-        <p:txBody>
-          <a:bodyPr>
-            <a:normAutofit/>
-          </a:bodyPr>
-          <a:lstStyle/>
-          <a:p>
-            <a:r>
-              <a:rPr lang="en-US" dirty="0" smtClean="0"/>
-              <a:t>The constructor and destructor cannot be </a:t>
-            </a:r>
-            <a:r>
-              <a:rPr lang="en-US" dirty="0" err="1" smtClean="0"/>
-              <a:t>const</a:t>
-            </a:r>
-            <a:r>
-              <a:rPr lang="en-US" dirty="0" smtClean="0"/>
-              <a:t> qualified*</a:t>
-            </a:r>
-          </a:p>
-          <a:p>
-            <a:r>
-              <a:rPr lang="en-US" dirty="0"/>
-              <a:t>Iterator based algorithms can lose information and hence, can result </a:t>
-            </a:r>
-            <a:r>
-              <a:rPr lang="en-US" dirty="0" smtClean="0"/>
-              <a:t>in suboptimal performance</a:t>
-            </a:r>
-          </a:p>
-          <a:p>
-            <a:endParaRPr lang="en-US" dirty="0"/>
-          </a:p>
-          <a:p>
-            <a:endParaRPr lang="en-US" sz="1600" dirty="0" smtClean="0">
-              <a:hlinkClick r:id="rId2"/>
-            </a:endParaRPr>
-          </a:p>
-          <a:p>
-            <a:endParaRPr lang="en-US" sz="1600" dirty="0">
-              <a:hlinkClick r:id="rId2"/>
-            </a:endParaRPr>
-          </a:p>
-          <a:p>
-            <a:pPr marL="0" indent="0">
-              <a:buNone/>
-            </a:pPr>
-            <a:r>
-              <a:rPr lang="en-US" sz="1600" dirty="0" smtClean="0"/>
-              <a:t>(*) </a:t>
-            </a:r>
-            <a:r>
-              <a:rPr lang="en-US" sz="1600" dirty="0" err="1" smtClean="0"/>
-              <a:t>Kevlin</a:t>
-            </a:r>
-            <a:r>
-              <a:rPr lang="en-US" sz="1600" dirty="0" smtClean="0"/>
-              <a:t> </a:t>
-            </a:r>
-            <a:r>
-              <a:rPr lang="en-US" sz="1600" dirty="0" err="1" smtClean="0"/>
-              <a:t>Henney</a:t>
-            </a:r>
-            <a:r>
-              <a:rPr lang="en-US" sz="1600" dirty="0" smtClean="0"/>
-              <a:t>: </a:t>
-            </a:r>
-            <a:r>
-              <a:rPr lang="en-US" sz="1600" dirty="0" smtClean="0">
-                <a:hlinkClick r:id="rId2"/>
-              </a:rPr>
-              <a:t>http</a:t>
-            </a:r>
-            <a:r>
-              <a:rPr lang="en-US" sz="1600" dirty="0">
-                <a:hlinkClick r:id="rId2"/>
-              </a:rPr>
-              <a:t>://</a:t>
-            </a:r>
-            <a:r>
-              <a:rPr lang="en-US" sz="1600" dirty="0" smtClean="0">
-                <a:hlinkClick r:id="rId2"/>
-              </a:rPr>
-              <a:t>www.open-std.org/jtc1/sc22/wg21/docs/papers/1995/N0798.htm</a:t>
-            </a:r>
-            <a:endParaRPr lang="en-US" sz="1600" dirty="0" smtClean="0"/>
-          </a:p>
-          <a:p>
-            <a:pPr marL="0" indent="0">
-              <a:buNone/>
-            </a:pPr>
-            <a:endParaRPr lang="en-US" sz="1600" dirty="0" smtClean="0"/>
-          </a:p>
-          <a:p>
-            <a:pPr marL="0" indent="0">
-              <a:buNone/>
-            </a:pPr>
-            <a:endParaRPr lang="en-US" dirty="0"/>
-          </a:p>
-        </p:txBody>
-      </p:sp>
-    </p:spTree>
-    <p:extLst>
-      <p:ext uri="{BB962C8B-B14F-4D97-AF65-F5344CB8AC3E}">
-        <p14:creationId xmlns:p14="http://schemas.microsoft.com/office/powerpoint/2010/main" val="2407417294"/>
-      </p:ext>
-    </p:extLst>
-  </p:cSld>
-  <p:clrMapOvr>
-    <a:masterClrMapping/>
-  </p:clrMapOvr>
-  <p:timing>
-    <p:tnLst>
-      <p:par>
-        <p:cTn id="1" dur="indefinite" restart="never" nodeType="tmRoot"/>
-      </p:par>
-    </p:tnLst>
-  </p:timing>
-</p:sld>
-</file>
-
-<file path=ppt/slides/slide17.xml><?xml version="1.0" encoding="utf-8"?>
-<p:sld xmlns:a="http://schemas.openxmlformats.org/drawingml/2006/main" xmlns:r="http://schemas.openxmlformats.org/officeDocument/2006/relationships" xmlns:p="http://schemas.openxmlformats.org/presentationml/2006/main">
+<p:sld xmlns:a="http://schemas.openxmlformats.org/drawingml/2006/main" xmlns:r="http://schemas.openxmlformats.org/officeDocument/2006/relationships" xmlns:p="http://schemas.openxmlformats.org/presentationml/2006/main" show="0">
   <p:cSld>
     <p:spTree>
       <p:nvGrpSpPr>
@@ -9186,6 +9054,14 @@
   <p:clrMapOvr>
     <a:masterClrMapping/>
   </p:clrMapOvr>
+  <mc:AlternateContent xmlns:mc="http://schemas.openxmlformats.org/markup-compatibility/2006">
+    <mc:Choice xmlns:p14="http://schemas.microsoft.com/office/powerpoint/2010/main" Requires="p14">
+      <p:transition spd="slow" p14:dur="2000"/>
+    </mc:Choice>
+    <mc:Fallback>
+      <p:transition spd="slow"/>
+    </mc:Fallback>
+  </mc:AlternateContent>
   <p:timing>
     <p:tnLst>
       <p:par>
@@ -9196,7 +9072,7 @@
 </p:sld>
 </file>
 
-<file path=ppt/slides/slide18.xml><?xml version="1.0" encoding="utf-8"?>
+<file path=ppt/slides/slide16.xml><?xml version="1.0" encoding="utf-8"?>
 <p:sld xmlns:a="http://schemas.openxmlformats.org/drawingml/2006/main" xmlns:r="http://schemas.openxmlformats.org/officeDocument/2006/relationships" xmlns:p="http://schemas.openxmlformats.org/presentationml/2006/main" show="0">
   <p:cSld>
     <p:spTree>
@@ -10122,7 +9998,7 @@
 </p:sld>
 </file>
 
-<file path=ppt/slides/slide19.xml><?xml version="1.0" encoding="utf-8"?>
+<file path=ppt/slides/slide17.xml><?xml version="1.0" encoding="utf-8"?>
 <p:sld xmlns:a="http://schemas.openxmlformats.org/drawingml/2006/main" xmlns:r="http://schemas.openxmlformats.org/officeDocument/2006/relationships" xmlns:p="http://schemas.openxmlformats.org/presentationml/2006/main">
   <p:cSld>
     <p:spTree>
@@ -10155,13 +10031,10 @@
           <a:lstStyle/>
           <a:p>
             <a:r>
-              <a:rPr lang="en-US" dirty="0" err="1"/>
-              <a:t>std</a:t>
-            </a:r>
-            <a:r>
-              <a:rPr lang="en-US" dirty="0"/>
-              <a:t>::string</a:t>
-            </a:r>
+              <a:rPr lang="en-US" dirty="0" smtClean="0"/>
+              <a:t>string::find</a:t>
+            </a:r>
+            <a:endParaRPr lang="en-US" dirty="0"/>
           </a:p>
         </p:txBody>
       </p:sp>
@@ -10175,7 +10048,7 @@
             <p:ph idx="1"/>
             <p:extLst>
               <p:ext uri="{D42A27DB-BD31-4B8C-83A1-F6EECF244321}">
-                <p14:modId xmlns:p14="http://schemas.microsoft.com/office/powerpoint/2010/main" val="2103480989"/>
+                <p14:modId xmlns:p14="http://schemas.microsoft.com/office/powerpoint/2010/main" val="3016195354"/>
               </p:ext>
             </p:extLst>
           </p:nvPr>
@@ -10198,8 +10071,231 @@
         </p:nvSpPr>
         <p:spPr>
           <a:xfrm>
-            <a:off x="5046454" y="3189982"/>
-            <a:ext cx="4249946" cy="1323439"/>
+            <a:off x="1143000" y="1267361"/>
+            <a:ext cx="4876800" cy="1323439"/>
+          </a:xfrm>
+          <a:prstGeom prst="rect">
+            <a:avLst/>
+          </a:prstGeom>
+          <a:noFill/>
+        </p:spPr>
+        <p:txBody>
+          <a:bodyPr wrap="square" rtlCol="0">
+            <a:spAutoFit/>
+          </a:bodyPr>
+          <a:lstStyle/>
+          <a:p>
+            <a:r>
+              <a:rPr lang="en-US" sz="1600" b="1" dirty="0" smtClean="0"/>
+              <a:t>Data Size</a:t>
+            </a:r>
+            <a:r>
+              <a:rPr lang="en-US" sz="1600" dirty="0" smtClean="0"/>
+              <a:t>: </a:t>
+            </a:r>
+            <a:r>
+              <a:rPr lang="en-US" sz="1600" dirty="0" smtClean="0"/>
+              <a:t>256KB</a:t>
+            </a:r>
+            <a:endParaRPr lang="en-US" sz="1600" dirty="0" smtClean="0"/>
+          </a:p>
+          <a:p>
+            <a:r>
+              <a:rPr lang="en-US" sz="1600" b="1" dirty="0" err="1" smtClean="0"/>
+              <a:t>no_match</a:t>
+            </a:r>
+            <a:r>
+              <a:rPr lang="en-US" sz="1600" b="1" dirty="0" smtClean="0"/>
+              <a:t> (N, N/8)</a:t>
+            </a:r>
+            <a:r>
+              <a:rPr lang="en-US" sz="1600" dirty="0" smtClean="0"/>
+              <a:t>: </a:t>
+            </a:r>
+            <a:r>
+              <a:rPr lang="en-US" sz="1600" dirty="0" smtClean="0"/>
+              <a:t>no match in substring</a:t>
+            </a:r>
+          </a:p>
+          <a:p>
+            <a:r>
+              <a:rPr lang="en-US" sz="1600" b="1" dirty="0" err="1" smtClean="0"/>
+              <a:t>all_match</a:t>
+            </a:r>
+            <a:r>
+              <a:rPr lang="en-US" sz="1600" b="1" dirty="0"/>
+              <a:t>  </a:t>
+            </a:r>
+            <a:r>
+              <a:rPr lang="en-US" sz="1600" b="1" dirty="0" smtClean="0"/>
+              <a:t>(</a:t>
+            </a:r>
+            <a:r>
+              <a:rPr lang="en-US" sz="1600" b="1" dirty="0"/>
+              <a:t>N, </a:t>
+            </a:r>
+            <a:r>
+              <a:rPr lang="en-US" sz="1600" b="1" dirty="0" smtClean="0"/>
+              <a:t>N)</a:t>
+            </a:r>
+            <a:r>
+              <a:rPr lang="en-US" sz="1600" dirty="0" smtClean="0"/>
+              <a:t>: </a:t>
+            </a:r>
+            <a:r>
+              <a:rPr lang="en-US" sz="1600" dirty="0" smtClean="0"/>
+              <a:t>matches in the beginning of the string</a:t>
+            </a:r>
+          </a:p>
+          <a:p>
+            <a:r>
+              <a:rPr lang="en-US" sz="1600" b="1" dirty="0" smtClean="0"/>
+              <a:t>match1  (</a:t>
+            </a:r>
+            <a:r>
+              <a:rPr lang="en-US" sz="1600" b="1" dirty="0"/>
+              <a:t>N, </a:t>
+            </a:r>
+            <a:r>
+              <a:rPr lang="en-US" sz="1600" b="1" dirty="0" smtClean="0"/>
+              <a:t>N/4)</a:t>
+            </a:r>
+            <a:r>
+              <a:rPr lang="en-US" sz="1600" dirty="0" smtClean="0"/>
+              <a:t>: </a:t>
+            </a:r>
+            <a:r>
+              <a:rPr lang="en-US" sz="1600" dirty="0" smtClean="0"/>
+              <a:t>Matches at the end</a:t>
+            </a:r>
+          </a:p>
+          <a:p>
+            <a:r>
+              <a:rPr lang="en-US" sz="1600" b="1" dirty="0" smtClean="0"/>
+              <a:t>match2  (</a:t>
+            </a:r>
+            <a:r>
+              <a:rPr lang="en-US" sz="1600" b="1" dirty="0"/>
+              <a:t>N, </a:t>
+            </a:r>
+            <a:r>
+              <a:rPr lang="en-US" sz="1600" b="1" dirty="0" smtClean="0"/>
+              <a:t>N/4)</a:t>
+            </a:r>
+            <a:r>
+              <a:rPr lang="en-US" sz="1600" dirty="0" smtClean="0"/>
+              <a:t>: </a:t>
+            </a:r>
+            <a:r>
+              <a:rPr lang="en-US" sz="1600" dirty="0" smtClean="0"/>
+              <a:t>Matches at the middle</a:t>
+            </a:r>
+          </a:p>
+        </p:txBody>
+      </p:sp>
+    </p:spTree>
+    <p:extLst>
+      <p:ext uri="{BB962C8B-B14F-4D97-AF65-F5344CB8AC3E}">
+        <p14:creationId xmlns:p14="http://schemas.microsoft.com/office/powerpoint/2010/main" val="707444391"/>
+      </p:ext>
+    </p:extLst>
+  </p:cSld>
+  <p:clrMapOvr>
+    <a:masterClrMapping/>
+  </p:clrMapOvr>
+  <p:timing>
+    <p:tnLst>
+      <p:par>
+        <p:cTn id="1" dur="indefinite" restart="never" nodeType="tmRoot"/>
+      </p:par>
+    </p:tnLst>
+  </p:timing>
+</p:sld>
+</file>
+
+<file path=ppt/slides/slide18.xml><?xml version="1.0" encoding="utf-8"?>
+<p:sld xmlns:a="http://schemas.openxmlformats.org/drawingml/2006/main" xmlns:r="http://schemas.openxmlformats.org/officeDocument/2006/relationships" xmlns:p="http://schemas.openxmlformats.org/presentationml/2006/main">
+  <p:cSld>
+    <p:spTree>
+      <p:nvGrpSpPr>
+        <p:cNvPr id="1" name=""/>
+        <p:cNvGrpSpPr/>
+        <p:nvPr/>
+      </p:nvGrpSpPr>
+      <p:grpSpPr>
+        <a:xfrm>
+          <a:off x="0" y="0"/>
+          <a:ext cx="0" cy="0"/>
+          <a:chOff x="0" y="0"/>
+          <a:chExt cx="0" cy="0"/>
+        </a:xfrm>
+      </p:grpSpPr>
+      <p:sp>
+        <p:nvSpPr>
+          <p:cNvPr id="2" name="Title 1"/>
+          <p:cNvSpPr>
+            <a:spLocks noGrp="1"/>
+          </p:cNvSpPr>
+          <p:nvPr>
+            <p:ph type="title"/>
+          </p:nvPr>
+        </p:nvSpPr>
+        <p:spPr/>
+        <p:txBody>
+          <a:bodyPr/>
+          <a:lstStyle/>
+          <a:p>
+            <a:r>
+              <a:rPr lang="en-US" dirty="0" smtClean="0"/>
+              <a:t>string</a:t>
+            </a:r>
+            <a:r>
+              <a:rPr lang="en-US" dirty="0" smtClean="0"/>
+              <a:t>::find vs. </a:t>
+            </a:r>
+            <a:r>
+              <a:rPr lang="en-US" dirty="0" err="1" smtClean="0"/>
+              <a:t>strstr</a:t>
+            </a:r>
+            <a:endParaRPr lang="en-US" dirty="0"/>
+          </a:p>
+        </p:txBody>
+      </p:sp>
+      <p:graphicFrame>
+        <p:nvGraphicFramePr>
+          <p:cNvPr id="4" name="Content Placeholder 3"/>
+          <p:cNvGraphicFramePr>
+            <a:graphicFrameLocks noGrp="1"/>
+          </p:cNvGraphicFramePr>
+          <p:nvPr>
+            <p:ph idx="1"/>
+            <p:extLst>
+              <p:ext uri="{D42A27DB-BD31-4B8C-83A1-F6EECF244321}">
+                <p14:modId xmlns:p14="http://schemas.microsoft.com/office/powerpoint/2010/main" val="909934008"/>
+              </p:ext>
+            </p:extLst>
+          </p:nvPr>
+        </p:nvGraphicFramePr>
+        <p:xfrm>
+          <a:off x="0" y="1600200"/>
+          <a:ext cx="9067800" cy="5105400"/>
+        </p:xfrm>
+        <a:graphic>
+          <a:graphicData uri="http://schemas.openxmlformats.org/drawingml/2006/chart">
+            <c:chart xmlns:c="http://schemas.openxmlformats.org/drawingml/2006/chart" xmlns:r="http://schemas.openxmlformats.org/officeDocument/2006/relationships" r:id="rId2"/>
+          </a:graphicData>
+        </a:graphic>
+      </p:graphicFrame>
+      <p:sp>
+        <p:nvSpPr>
+          <p:cNvPr id="5" name="TextBox 4"/>
+          <p:cNvSpPr txBox="1"/>
+          <p:nvPr/>
+        </p:nvSpPr>
+        <p:spPr>
+          <a:xfrm>
+            <a:off x="4953000" y="1143000"/>
+            <a:ext cx="4288097" cy="1600438"/>
           </a:xfrm>
           <a:prstGeom prst="rect">
             <a:avLst/>
@@ -10213,60 +10309,310 @@
           <a:lstStyle/>
           <a:p>
             <a:r>
-              <a:rPr lang="en-US" sz="1600" dirty="0" smtClean="0"/>
-              <a:t>Data Size: 262144 Bytes</a:t>
-            </a:r>
-          </a:p>
-          <a:p>
-            <a:r>
-              <a:rPr lang="en-US" sz="1600" dirty="0" err="1" smtClean="0"/>
+              <a:rPr lang="en-US" sz="1400" b="1" dirty="0" smtClean="0"/>
+              <a:t>Data size</a:t>
+            </a:r>
+            <a:r>
+              <a:rPr lang="en-US" sz="1400" dirty="0" smtClean="0"/>
+              <a:t>: </a:t>
+            </a:r>
+            <a:r>
+              <a:rPr lang="en-US" sz="1400" dirty="0" smtClean="0"/>
+              <a:t>32 KB</a:t>
+            </a:r>
+            <a:endParaRPr lang="en-US" sz="1400" dirty="0" smtClean="0"/>
+          </a:p>
+          <a:p>
+            <a:r>
+              <a:rPr lang="en-US" sz="1400" b="1" dirty="0" err="1"/>
               <a:t>no_match</a:t>
             </a:r>
             <a:r>
-              <a:rPr lang="en-US" sz="1600" dirty="0" smtClean="0"/>
+              <a:rPr lang="en-US" sz="1400" b="1" dirty="0"/>
+              <a:t> </a:t>
+            </a:r>
+            <a:r>
+              <a:rPr lang="en-US" sz="1400" b="1" dirty="0" smtClean="0"/>
+              <a:t>(N, N/8</a:t>
+            </a:r>
+            <a:r>
+              <a:rPr lang="en-US" sz="1400" b="1" dirty="0"/>
+              <a:t>)</a:t>
+            </a:r>
+            <a:r>
+              <a:rPr lang="en-US" sz="1400" dirty="0"/>
               <a:t>: no match in substring</a:t>
             </a:r>
           </a:p>
           <a:p>
             <a:r>
-              <a:rPr lang="en-US" sz="1600" dirty="0" err="1"/>
-              <a:t>a</a:t>
-            </a:r>
-            <a:r>
-              <a:rPr lang="en-US" sz="1600" dirty="0" err="1" smtClean="0"/>
-              <a:t>ll_match</a:t>
-            </a:r>
-            <a:r>
-              <a:rPr lang="en-US" sz="1600" dirty="0" smtClean="0"/>
+              <a:rPr lang="en-US" sz="1400" b="1" dirty="0" err="1"/>
+              <a:t>all_match</a:t>
+            </a:r>
+            <a:r>
+              <a:rPr lang="en-US" sz="1400" b="1" dirty="0"/>
+              <a:t>  </a:t>
+            </a:r>
+            <a:r>
+              <a:rPr lang="en-US" sz="1400" b="1" dirty="0" smtClean="0"/>
+              <a:t>(</a:t>
+            </a:r>
+            <a:r>
+              <a:rPr lang="en-US" sz="1400" b="1" dirty="0"/>
+              <a:t>N, </a:t>
+            </a:r>
+            <a:r>
+              <a:rPr lang="en-US" sz="1400" b="1" dirty="0" smtClean="0"/>
+              <a:t>N</a:t>
+            </a:r>
+            <a:r>
+              <a:rPr lang="en-US" sz="1400" b="1" dirty="0"/>
+              <a:t>)</a:t>
+            </a:r>
+            <a:r>
+              <a:rPr lang="en-US" sz="1400" dirty="0"/>
               <a:t>: matches in the beginning of the string</a:t>
             </a:r>
           </a:p>
           <a:p>
             <a:r>
-              <a:rPr lang="en-US" sz="1600" dirty="0"/>
-              <a:t>m</a:t>
-            </a:r>
-            <a:r>
-              <a:rPr lang="en-US" sz="1600" dirty="0" smtClean="0"/>
-              <a:t>atch1: Matches at the end</a:t>
-            </a:r>
-          </a:p>
-          <a:p>
-            <a:r>
-              <a:rPr lang="en-US" sz="1600" dirty="0"/>
-              <a:t>m</a:t>
-            </a:r>
-            <a:r>
-              <a:rPr lang="en-US" sz="1600" dirty="0" smtClean="0"/>
-              <a:t>atch2: Matches at the middle</a:t>
-            </a:r>
+              <a:rPr lang="en-US" sz="1400" b="1" dirty="0"/>
+              <a:t>match1  </a:t>
+            </a:r>
+            <a:r>
+              <a:rPr lang="en-US" sz="1400" b="1" dirty="0" smtClean="0"/>
+              <a:t>(</a:t>
+            </a:r>
+            <a:r>
+              <a:rPr lang="en-US" sz="1400" b="1" dirty="0"/>
+              <a:t>N, </a:t>
+            </a:r>
+            <a:r>
+              <a:rPr lang="en-US" sz="1400" b="1" dirty="0" smtClean="0"/>
+              <a:t>N/4</a:t>
+            </a:r>
+            <a:r>
+              <a:rPr lang="en-US" sz="1400" b="1" dirty="0"/>
+              <a:t>)</a:t>
+            </a:r>
+            <a:r>
+              <a:rPr lang="en-US" sz="1400" dirty="0"/>
+              <a:t>: Matches at the end</a:t>
+            </a:r>
+          </a:p>
+          <a:p>
+            <a:r>
+              <a:rPr lang="en-US" sz="1400" b="1" dirty="0"/>
+              <a:t>match2  </a:t>
+            </a:r>
+            <a:r>
+              <a:rPr lang="en-US" sz="1400" b="1" dirty="0" smtClean="0"/>
+              <a:t>(</a:t>
+            </a:r>
+            <a:r>
+              <a:rPr lang="en-US" sz="1400" b="1" dirty="0"/>
+              <a:t>N, </a:t>
+            </a:r>
+            <a:r>
+              <a:rPr lang="en-US" sz="1400" b="1" dirty="0" smtClean="0"/>
+              <a:t>N/4</a:t>
+            </a:r>
+            <a:r>
+              <a:rPr lang="en-US" sz="1400" b="1" dirty="0"/>
+              <a:t>)</a:t>
+            </a:r>
+            <a:r>
+              <a:rPr lang="en-US" sz="1400" dirty="0"/>
+              <a:t>: Matches at the middle</a:t>
+            </a:r>
+          </a:p>
+          <a:p>
+            <a:r>
+              <a:rPr lang="en-US" sz="1400" b="1" dirty="0" smtClean="0"/>
+              <a:t>multiple-matches (53, 9)</a:t>
+            </a:r>
+            <a:r>
+              <a:rPr lang="en-US" sz="1400" dirty="0" smtClean="0"/>
+              <a:t>: </a:t>
+            </a:r>
+            <a:r>
+              <a:rPr lang="en-US" sz="1400" dirty="0" smtClean="0"/>
+              <a:t>multiple prefix matches</a:t>
+            </a:r>
+          </a:p>
+          <a:p>
+            <a:r>
+              <a:rPr lang="en-US" sz="1400" b="1" dirty="0" err="1" smtClean="0"/>
+              <a:t>memchr</a:t>
+            </a:r>
+            <a:r>
+              <a:rPr lang="en-US" sz="1400" b="1" dirty="0" smtClean="0"/>
+              <a:t> (N, 1)</a:t>
+            </a:r>
+            <a:r>
+              <a:rPr lang="en-US" sz="1400" dirty="0" smtClean="0"/>
+              <a:t>: </a:t>
+            </a:r>
+            <a:r>
+              <a:rPr lang="en-US" sz="1400" dirty="0" err="1" smtClean="0"/>
+              <a:t>libc’s</a:t>
+            </a:r>
+            <a:r>
+              <a:rPr lang="en-US" sz="1400" dirty="0" smtClean="0"/>
+              <a:t> </a:t>
+            </a:r>
+            <a:r>
+              <a:rPr lang="en-US" sz="1400" dirty="0" err="1" smtClean="0"/>
+              <a:t>memchr</a:t>
+            </a:r>
+            <a:endParaRPr lang="en-US" sz="1400" dirty="0"/>
           </a:p>
         </p:txBody>
       </p:sp>
     </p:spTree>
     <p:extLst>
       <p:ext uri="{BB962C8B-B14F-4D97-AF65-F5344CB8AC3E}">
-        <p14:creationId xmlns:p14="http://schemas.microsoft.com/office/powerpoint/2010/main" val="707444391"/>
+        <p14:creationId xmlns:p14="http://schemas.microsoft.com/office/powerpoint/2010/main" val="4182025430"/>
+      </p:ext>
+    </p:extLst>
+  </p:cSld>
+  <p:clrMapOvr>
+    <a:masterClrMapping/>
+  </p:clrMapOvr>
+  <p:timing>
+    <p:tnLst>
+      <p:par>
+        <p:cTn id="1" dur="indefinite" restart="never" nodeType="tmRoot"/>
+      </p:par>
+    </p:tnLst>
+  </p:timing>
+</p:sld>
+</file>
+
+<file path=ppt/slides/slide19.xml><?xml version="1.0" encoding="utf-8"?>
+<p:sld xmlns:a="http://schemas.openxmlformats.org/drawingml/2006/main" xmlns:r="http://schemas.openxmlformats.org/officeDocument/2006/relationships" xmlns:p="http://schemas.openxmlformats.org/presentationml/2006/main">
+  <p:cSld>
+    <p:spTree>
+      <p:nvGrpSpPr>
+        <p:cNvPr id="1" name=""/>
+        <p:cNvGrpSpPr/>
+        <p:nvPr/>
+      </p:nvGrpSpPr>
+      <p:grpSpPr>
+        <a:xfrm>
+          <a:off x="0" y="0"/>
+          <a:ext cx="0" cy="0"/>
+          <a:chOff x="0" y="0"/>
+          <a:chExt cx="0" cy="0"/>
+        </a:xfrm>
+      </p:grpSpPr>
+      <p:sp>
+        <p:nvSpPr>
+          <p:cNvPr id="2" name="Title 1"/>
+          <p:cNvSpPr>
+            <a:spLocks noGrp="1"/>
+          </p:cNvSpPr>
+          <p:nvPr>
+            <p:ph type="title"/>
+          </p:nvPr>
+        </p:nvSpPr>
+        <p:spPr/>
+        <p:txBody>
+          <a:bodyPr>
+            <a:normAutofit/>
+          </a:bodyPr>
+          <a:lstStyle/>
+          <a:p>
+            <a:r>
+              <a:rPr lang="en-US" dirty="0" smtClean="0"/>
+              <a:t>vector vs. </a:t>
+            </a:r>
+            <a:r>
+              <a:rPr lang="en-US" dirty="0" err="1" smtClean="0"/>
+              <a:t>deque</a:t>
+            </a:r>
+            <a:r>
+              <a:rPr lang="en-US" dirty="0" smtClean="0"/>
+              <a:t> (</a:t>
+            </a:r>
+            <a:r>
+              <a:rPr lang="en-US" dirty="0" err="1" smtClean="0"/>
+              <a:t>push_back</a:t>
+            </a:r>
+            <a:r>
+              <a:rPr lang="en-US" dirty="0" smtClean="0"/>
+              <a:t>)</a:t>
+            </a:r>
+            <a:endParaRPr lang="en-US" dirty="0"/>
+          </a:p>
+        </p:txBody>
+      </p:sp>
+      <p:graphicFrame>
+        <p:nvGraphicFramePr>
+          <p:cNvPr id="4" name="Chart 3"/>
+          <p:cNvGraphicFramePr>
+            <a:graphicFrameLocks/>
+          </p:cNvGraphicFramePr>
+          <p:nvPr>
+            <p:extLst>
+              <p:ext uri="{D42A27DB-BD31-4B8C-83A1-F6EECF244321}">
+                <p14:modId xmlns:p14="http://schemas.microsoft.com/office/powerpoint/2010/main" val="177607767"/>
+              </p:ext>
+            </p:extLst>
+          </p:nvPr>
+        </p:nvGraphicFramePr>
+        <p:xfrm>
+          <a:off x="152400" y="1371600"/>
+          <a:ext cx="8763000" cy="4767263"/>
+        </p:xfrm>
+        <a:graphic>
+          <a:graphicData uri="http://schemas.openxmlformats.org/drawingml/2006/chart">
+            <c:chart xmlns:c="http://schemas.openxmlformats.org/drawingml/2006/chart" xmlns:r="http://schemas.openxmlformats.org/officeDocument/2006/relationships" r:id="rId2"/>
+          </a:graphicData>
+        </a:graphic>
+      </p:graphicFrame>
+      <p:sp>
+        <p:nvSpPr>
+          <p:cNvPr id="5" name="TextBox 4"/>
+          <p:cNvSpPr txBox="1"/>
+          <p:nvPr/>
+        </p:nvSpPr>
+        <p:spPr>
+          <a:xfrm>
+            <a:off x="381000" y="6324600"/>
+            <a:ext cx="2455609" cy="369332"/>
+          </a:xfrm>
+          <a:prstGeom prst="rect">
+            <a:avLst/>
+          </a:prstGeom>
+          <a:noFill/>
+        </p:spPr>
+        <p:txBody>
+          <a:bodyPr wrap="none" rtlCol="0">
+            <a:spAutoFit/>
+          </a:bodyPr>
+          <a:lstStyle/>
+          <a:p>
+            <a:r>
+              <a:rPr lang="en-US" dirty="0" smtClean="0"/>
+              <a:t>[</a:t>
+            </a:r>
+            <a:r>
+              <a:rPr lang="en-US" dirty="0" err="1" smtClean="0"/>
+              <a:t>push_back</a:t>
+            </a:r>
+            <a:r>
+              <a:rPr lang="en-US" dirty="0" smtClean="0"/>
+              <a:t> N elements]</a:t>
+            </a:r>
+            <a:endParaRPr lang="en-US" dirty="0"/>
+          </a:p>
+        </p:txBody>
+      </p:sp>
+    </p:spTree>
+    <p:extLst>
+      <p:ext uri="{BB962C8B-B14F-4D97-AF65-F5344CB8AC3E}">
+        <p14:creationId xmlns:p14="http://schemas.microsoft.com/office/powerpoint/2010/main" val="2543384512"/>
       </p:ext>
     </p:extLst>
   </p:cSld>
@@ -11110,20 +11456,22 @@
         </p:nvSpPr>
         <p:spPr/>
         <p:txBody>
-          <a:bodyPr/>
+          <a:bodyPr>
+            <a:normAutofit/>
+          </a:bodyPr>
           <a:lstStyle/>
           <a:p>
             <a:r>
+              <a:rPr lang="en-US" dirty="0" smtClean="0"/>
+              <a:t>vector vs. </a:t>
+            </a:r>
+            <a:r>
               <a:rPr lang="en-US" dirty="0" err="1" smtClean="0"/>
-              <a:t>std</a:t>
+              <a:t>deque</a:t>
             </a:r>
             <a:r>
               <a:rPr lang="en-US" dirty="0" smtClean="0"/>
-              <a:t>::string::find vs. </a:t>
-            </a:r>
-            <a:r>
-              <a:rPr lang="en-US" dirty="0" err="1" smtClean="0"/>
-              <a:t>strstr</a:t>
+              <a:t> (access)</a:t>
             </a:r>
             <a:endParaRPr lang="en-US" dirty="0"/>
           </a:p>
@@ -11131,22 +11479,21 @@
       </p:sp>
       <p:graphicFrame>
         <p:nvGraphicFramePr>
-          <p:cNvPr id="4" name="Content Placeholder 3"/>
+          <p:cNvPr id="5" name="Chart 4"/>
           <p:cNvGraphicFramePr>
-            <a:graphicFrameLocks noGrp="1"/>
+            <a:graphicFrameLocks/>
           </p:cNvGraphicFramePr>
           <p:nvPr>
-            <p:ph idx="1"/>
             <p:extLst>
               <p:ext uri="{D42A27DB-BD31-4B8C-83A1-F6EECF244321}">
-                <p14:modId xmlns:p14="http://schemas.microsoft.com/office/powerpoint/2010/main" val="523570838"/>
+                <p14:modId xmlns:p14="http://schemas.microsoft.com/office/powerpoint/2010/main" val="2067883997"/>
               </p:ext>
             </p:extLst>
           </p:nvPr>
         </p:nvGraphicFramePr>
         <p:xfrm>
-          <a:off x="457200" y="1600200"/>
-          <a:ext cx="8229600" cy="4525963"/>
+          <a:off x="533400" y="1435893"/>
+          <a:ext cx="7696200" cy="4812507"/>
         </p:xfrm>
         <a:graphic>
           <a:graphicData uri="http://schemas.openxmlformats.org/drawingml/2006/chart">
@@ -11156,14 +11503,14 @@
       </p:graphicFrame>
       <p:sp>
         <p:nvSpPr>
-          <p:cNvPr id="5" name="TextBox 4"/>
+          <p:cNvPr id="6" name="TextBox 5"/>
           <p:cNvSpPr txBox="1"/>
           <p:nvPr/>
         </p:nvSpPr>
         <p:spPr>
           <a:xfrm>
-            <a:off x="5638800" y="1402884"/>
-            <a:ext cx="3511474" cy="1492716"/>
+            <a:off x="381000" y="6324600"/>
+            <a:ext cx="3231462" cy="369332"/>
           </a:xfrm>
           <a:prstGeom prst="rect">
             <a:avLst/>
@@ -11177,105 +11524,17 @@
           <a:lstStyle/>
           <a:p>
             <a:r>
-              <a:rPr lang="en-US" sz="1300" b="1" dirty="0" smtClean="0"/>
-              <a:t>Data size</a:t>
-            </a:r>
-            <a:r>
-              <a:rPr lang="en-US" sz="1300" dirty="0" smtClean="0"/>
-              <a:t>: 32786 Bytes</a:t>
-            </a:r>
-          </a:p>
-          <a:p>
-            <a:r>
-              <a:rPr lang="en-US" sz="1300" b="1" dirty="0" err="1" smtClean="0"/>
-              <a:t>no_match</a:t>
-            </a:r>
-            <a:r>
-              <a:rPr lang="en-US" sz="1300" dirty="0" smtClean="0"/>
-              <a:t>: no match in substring</a:t>
-            </a:r>
-          </a:p>
-          <a:p>
-            <a:r>
-              <a:rPr lang="en-US" sz="1300" b="1" dirty="0" err="1"/>
-              <a:t>a</a:t>
-            </a:r>
-            <a:r>
-              <a:rPr lang="en-US" sz="1300" b="1" dirty="0" err="1" smtClean="0"/>
-              <a:t>ll_match</a:t>
-            </a:r>
-            <a:r>
-              <a:rPr lang="en-US" sz="1300" dirty="0" smtClean="0"/>
-              <a:t>: matches in the beginning of the string</a:t>
-            </a:r>
-          </a:p>
-          <a:p>
-            <a:r>
-              <a:rPr lang="en-US" sz="1300" b="1" dirty="0"/>
-              <a:t>m</a:t>
-            </a:r>
-            <a:r>
-              <a:rPr lang="en-US" sz="1300" b="1" dirty="0" smtClean="0"/>
-              <a:t>atch1</a:t>
-            </a:r>
-            <a:r>
-              <a:rPr lang="en-US" sz="1300" dirty="0" smtClean="0"/>
-              <a:t>: Matches at the end</a:t>
-            </a:r>
-          </a:p>
-          <a:p>
-            <a:r>
-              <a:rPr lang="en-US" sz="1300" b="1" dirty="0"/>
-              <a:t>m</a:t>
-            </a:r>
-            <a:r>
-              <a:rPr lang="en-US" sz="1300" b="1" dirty="0" smtClean="0"/>
-              <a:t>atch2</a:t>
-            </a:r>
-            <a:r>
-              <a:rPr lang="en-US" sz="1300" dirty="0" smtClean="0"/>
-              <a:t>: Matches at the middle</a:t>
-            </a:r>
-          </a:p>
-          <a:p>
-            <a:r>
-              <a:rPr lang="en-US" sz="1300" b="1" dirty="0" smtClean="0"/>
-              <a:t>multiple-matches</a:t>
-            </a:r>
-            <a:r>
-              <a:rPr lang="en-US" sz="1300" dirty="0" smtClean="0"/>
-              <a:t>: multiple prefix matches</a:t>
-            </a:r>
-          </a:p>
-          <a:p>
-            <a:r>
-              <a:rPr lang="en-US" sz="1300" b="1" dirty="0" err="1" smtClean="0"/>
-              <a:t>memchr</a:t>
-            </a:r>
-            <a:r>
-              <a:rPr lang="en-US" sz="1300" dirty="0" smtClean="0"/>
-              <a:t>: </a:t>
-            </a:r>
-            <a:r>
-              <a:rPr lang="en-US" sz="1300" dirty="0" err="1" smtClean="0"/>
-              <a:t>libc</a:t>
-            </a:r>
-            <a:r>
-              <a:rPr lang="en-US" sz="1300" dirty="0" smtClean="0"/>
-              <a:t> </a:t>
-            </a:r>
-            <a:r>
-              <a:rPr lang="en-US" sz="1300" dirty="0" err="1" smtClean="0"/>
-              <a:t>memchr</a:t>
-            </a:r>
-            <a:endParaRPr lang="en-US" sz="1300" dirty="0"/>
+              <a:rPr lang="en-US" dirty="0" smtClean="0"/>
+              <a:t>[access N elements in sequence]</a:t>
+            </a:r>
+            <a:endParaRPr lang="en-US" dirty="0"/>
           </a:p>
         </p:txBody>
       </p:sp>
     </p:spTree>
     <p:extLst>
       <p:ext uri="{BB962C8B-B14F-4D97-AF65-F5344CB8AC3E}">
-        <p14:creationId xmlns:p14="http://schemas.microsoft.com/office/powerpoint/2010/main" val="4182025430"/>
+        <p14:creationId xmlns:p14="http://schemas.microsoft.com/office/powerpoint/2010/main" val="1287024861"/>
       </p:ext>
     </p:extLst>
   </p:cSld>
@@ -11322,17 +11581,13 @@
         <p:spPr/>
         <p:txBody>
           <a:bodyPr>
-            <a:normAutofit/>
+            <a:normAutofit fontScale="90000"/>
           </a:bodyPr>
           <a:lstStyle/>
           <a:p>
             <a:r>
               <a:rPr lang="en-US" dirty="0" smtClean="0"/>
-              <a:t>vector </a:t>
-            </a:r>
-            <a:r>
-              <a:rPr lang="en-US" dirty="0" smtClean="0"/>
-              <a:t>vs. </a:t>
+              <a:t>vector vs. </a:t>
             </a:r>
             <a:r>
               <a:rPr lang="en-US" dirty="0" err="1" smtClean="0"/>
@@ -11340,11 +11595,7 @@
             </a:r>
             <a:r>
               <a:rPr lang="en-US" dirty="0" smtClean="0"/>
-              <a:t> </a:t>
-            </a:r>
-            <a:r>
-              <a:rPr lang="en-US" dirty="0" smtClean="0"/>
-              <a:t>(</a:t>
+              <a:t> (</a:t>
             </a:r>
             <a:r>
               <a:rPr lang="en-US" dirty="0" err="1" smtClean="0"/>
@@ -11352,7 +11603,7 @@
             </a:r>
             <a:r>
               <a:rPr lang="en-US" dirty="0" smtClean="0"/>
-              <a:t>)</a:t>
+              <a:t> + access)</a:t>
             </a:r>
             <a:endParaRPr lang="en-US" dirty="0"/>
           </a:p>
@@ -11360,21 +11611,21 @@
       </p:sp>
       <p:graphicFrame>
         <p:nvGraphicFramePr>
-          <p:cNvPr id="4" name="Chart 3"/>
+          <p:cNvPr id="6" name="Chart 5"/>
           <p:cNvGraphicFramePr>
             <a:graphicFrameLocks/>
           </p:cNvGraphicFramePr>
           <p:nvPr>
             <p:extLst>
               <p:ext uri="{D42A27DB-BD31-4B8C-83A1-F6EECF244321}">
-                <p14:modId xmlns:p14="http://schemas.microsoft.com/office/powerpoint/2010/main" val="3138599851"/>
+                <p14:modId xmlns:p14="http://schemas.microsoft.com/office/powerpoint/2010/main" val="1062812379"/>
               </p:ext>
             </p:extLst>
           </p:nvPr>
         </p:nvGraphicFramePr>
         <p:xfrm>
-          <a:off x="533400" y="1752600"/>
-          <a:ext cx="6638925" cy="4386263"/>
+          <a:off x="533400" y="1393030"/>
+          <a:ext cx="8153400" cy="5160169"/>
         </p:xfrm>
         <a:graphic>
           <a:graphicData uri="http://schemas.openxmlformats.org/drawingml/2006/chart">
@@ -11384,14 +11635,14 @@
       </p:graphicFrame>
       <p:sp>
         <p:nvSpPr>
-          <p:cNvPr id="5" name="TextBox 4"/>
+          <p:cNvPr id="3" name="TextBox 2"/>
           <p:cNvSpPr txBox="1"/>
           <p:nvPr/>
         </p:nvSpPr>
         <p:spPr>
           <a:xfrm>
             <a:off x="381000" y="6324600"/>
-            <a:ext cx="2455609" cy="369332"/>
+            <a:ext cx="5582554" cy="369332"/>
           </a:xfrm>
           <a:prstGeom prst="rect">
             <a:avLst/>
@@ -11414,7 +11665,7 @@
             </a:r>
             <a:r>
               <a:rPr lang="en-US" dirty="0" smtClean="0"/>
-              <a:t> N elements]</a:t>
+              <a:t> N elements + access N elements in sequence]</a:t>
             </a:r>
             <a:endParaRPr lang="en-US" dirty="0"/>
           </a:p>
@@ -11423,7 +11674,7 @@
     </p:spTree>
     <p:extLst>
       <p:ext uri="{BB962C8B-B14F-4D97-AF65-F5344CB8AC3E}">
-        <p14:creationId xmlns:p14="http://schemas.microsoft.com/office/powerpoint/2010/main" val="2543384512"/>
+        <p14:creationId xmlns:p14="http://schemas.microsoft.com/office/powerpoint/2010/main" val="1287024861"/>
       </p:ext>
     </p:extLst>
   </p:cSld>
@@ -11470,25 +11721,20 @@
         <p:spPr/>
         <p:txBody>
           <a:bodyPr>
-            <a:normAutofit/>
+            <a:normAutofit fontScale="90000"/>
           </a:bodyPr>
           <a:lstStyle/>
           <a:p>
             <a:r>
               <a:rPr lang="en-US" dirty="0" smtClean="0"/>
-              <a:t>vector </a:t>
-            </a:r>
-            <a:r>
+              <a:t>Associative vs Hashed Associative</a:t>
+            </a:r>
+            <a:br>
               <a:rPr lang="en-US" dirty="0" smtClean="0"/>
-              <a:t>vs. </a:t>
-            </a:r>
-            <a:r>
-              <a:rPr lang="en-US" dirty="0" err="1" smtClean="0"/>
-              <a:t>deque</a:t>
-            </a:r>
+            </a:br>
             <a:r>
               <a:rPr lang="en-US" dirty="0" smtClean="0"/>
-              <a:t> (access)</a:t>
+              <a:t>(Finding random integers)</a:t>
             </a:r>
             <a:endParaRPr lang="en-US" dirty="0"/>
           </a:p>
@@ -11496,21 +11742,21 @@
       </p:sp>
       <p:graphicFrame>
         <p:nvGraphicFramePr>
-          <p:cNvPr id="5" name="Chart 4"/>
+          <p:cNvPr id="4" name="Chart 3"/>
           <p:cNvGraphicFramePr>
             <a:graphicFrameLocks/>
           </p:cNvGraphicFramePr>
           <p:nvPr>
             <p:extLst>
               <p:ext uri="{D42A27DB-BD31-4B8C-83A1-F6EECF244321}">
-                <p14:modId xmlns:p14="http://schemas.microsoft.com/office/powerpoint/2010/main" val="1014382749"/>
+                <p14:modId xmlns:p14="http://schemas.microsoft.com/office/powerpoint/2010/main" val="790682648"/>
               </p:ext>
             </p:extLst>
           </p:nvPr>
         </p:nvGraphicFramePr>
         <p:xfrm>
-          <a:off x="533400" y="1435893"/>
-          <a:ext cx="7696200" cy="4812507"/>
+          <a:off x="152400" y="1676400"/>
+          <a:ext cx="8915400" cy="4648200"/>
         </p:xfrm>
         <a:graphic>
           <a:graphicData uri="http://schemas.openxmlformats.org/drawingml/2006/chart">
@@ -11518,40 +11764,10 @@
           </a:graphicData>
         </a:graphic>
       </p:graphicFrame>
-      <p:sp>
-        <p:nvSpPr>
-          <p:cNvPr id="6" name="TextBox 5"/>
-          <p:cNvSpPr txBox="1"/>
-          <p:nvPr/>
-        </p:nvSpPr>
-        <p:spPr>
-          <a:xfrm>
-            <a:off x="381000" y="6324600"/>
-            <a:ext cx="3231462" cy="369332"/>
-          </a:xfrm>
-          <a:prstGeom prst="rect">
-            <a:avLst/>
-          </a:prstGeom>
-          <a:noFill/>
-        </p:spPr>
-        <p:txBody>
-          <a:bodyPr wrap="none" rtlCol="0">
-            <a:spAutoFit/>
-          </a:bodyPr>
-          <a:lstStyle/>
-          <a:p>
-            <a:r>
-              <a:rPr lang="en-US" dirty="0" smtClean="0"/>
-              <a:t>[access N elements in sequence]</a:t>
-            </a:r>
-            <a:endParaRPr lang="en-US" dirty="0"/>
-          </a:p>
-        </p:txBody>
-      </p:sp>
     </p:spTree>
     <p:extLst>
       <p:ext uri="{BB962C8B-B14F-4D97-AF65-F5344CB8AC3E}">
-        <p14:creationId xmlns:p14="http://schemas.microsoft.com/office/powerpoint/2010/main" val="1287024861"/>
+        <p14:creationId xmlns:p14="http://schemas.microsoft.com/office/powerpoint/2010/main" val="3325137047"/>
       </p:ext>
     </p:extLst>
   </p:cSld>
@@ -11597,38 +11813,12 @@
         </p:nvSpPr>
         <p:spPr/>
         <p:txBody>
-          <a:bodyPr>
-            <a:normAutofit fontScale="90000"/>
-          </a:bodyPr>
+          <a:bodyPr/>
           <a:lstStyle/>
           <a:p>
             <a:r>
               <a:rPr lang="en-US" dirty="0" smtClean="0"/>
-              <a:t>vector </a:t>
-            </a:r>
-            <a:r>
-              <a:rPr lang="en-US" dirty="0" smtClean="0"/>
-              <a:t>vs. </a:t>
-            </a:r>
-            <a:r>
-              <a:rPr lang="en-US" dirty="0" err="1" smtClean="0"/>
-              <a:t>deque</a:t>
-            </a:r>
-            <a:r>
-              <a:rPr lang="en-US" dirty="0" smtClean="0"/>
-              <a:t> </a:t>
-            </a:r>
-            <a:r>
-              <a:rPr lang="en-US" dirty="0" smtClean="0"/>
-              <a:t>(</a:t>
-            </a:r>
-            <a:r>
-              <a:rPr lang="en-US" dirty="0" err="1" smtClean="0"/>
-              <a:t>push_back</a:t>
-            </a:r>
-            <a:r>
-              <a:rPr lang="en-US" dirty="0" smtClean="0"/>
-              <a:t> + access)</a:t>
+              <a:t>compiler vs. programmer</a:t>
             </a:r>
             <a:endParaRPr lang="en-US" dirty="0"/>
           </a:p>
@@ -11636,38 +11826,289 @@
       </p:sp>
       <p:graphicFrame>
         <p:nvGraphicFramePr>
-          <p:cNvPr id="6" name="Chart 5"/>
+          <p:cNvPr id="4" name="Content Placeholder 3"/>
           <p:cNvGraphicFramePr>
-            <a:graphicFrameLocks/>
+            <a:graphicFrameLocks noGrp="1"/>
           </p:cNvGraphicFramePr>
           <p:nvPr>
+            <p:ph idx="1"/>
             <p:extLst>
               <p:ext uri="{D42A27DB-BD31-4B8C-83A1-F6EECF244321}">
-                <p14:modId xmlns:p14="http://schemas.microsoft.com/office/powerpoint/2010/main" val="1377186997"/>
+                <p14:modId xmlns:p14="http://schemas.microsoft.com/office/powerpoint/2010/main" val="2634163156"/>
               </p:ext>
             </p:extLst>
           </p:nvPr>
         </p:nvGraphicFramePr>
         <p:xfrm>
-          <a:off x="533400" y="1393030"/>
-          <a:ext cx="8153400" cy="5160169"/>
+          <a:off x="457200" y="1600200"/>
+          <a:ext cx="8229600" cy="1483360"/>
         </p:xfrm>
         <a:graphic>
-          <a:graphicData uri="http://schemas.openxmlformats.org/drawingml/2006/chart">
-            <c:chart xmlns:c="http://schemas.openxmlformats.org/drawingml/2006/chart" xmlns:r="http://schemas.openxmlformats.org/officeDocument/2006/relationships" r:id="rId2"/>
+          <a:graphicData uri="http://schemas.openxmlformats.org/drawingml/2006/table">
+            <a:tbl>
+              <a:tblPr firstRow="1" bandRow="1">
+                <a:tableStyleId>{5C22544A-7EE6-4342-B048-85BDC9FD1C3A}</a:tableStyleId>
+              </a:tblPr>
+              <a:tblGrid>
+                <a:gridCol w="2057400"/>
+                <a:gridCol w="2057400"/>
+                <a:gridCol w="2057400"/>
+                <a:gridCol w="2057400"/>
+              </a:tblGrid>
+              <a:tr h="370840">
+                <a:tc>
+                  <a:txBody>
+                    <a:bodyPr/>
+                    <a:lstStyle/>
+                    <a:p>
+                      <a:r>
+                        <a:rPr lang="en-US" dirty="0" smtClean="0"/>
+                        <a:t>Data</a:t>
+                      </a:r>
+                      <a:r>
+                        <a:rPr lang="en-US" dirty="0" smtClean="0"/>
+                        <a:t>: 32KB</a:t>
+                      </a:r>
+                      <a:endParaRPr lang="en-US" dirty="0"/>
+                    </a:p>
+                  </a:txBody>
+                  <a:tcPr/>
+                </a:tc>
+                <a:tc>
+                  <a:txBody>
+                    <a:bodyPr/>
+                    <a:lstStyle/>
+                    <a:p>
+                      <a:r>
+                        <a:rPr lang="en-US" dirty="0" smtClean="0"/>
+                        <a:t>Programmer</a:t>
+                      </a:r>
+                      <a:endParaRPr lang="en-US" dirty="0"/>
+                    </a:p>
+                  </a:txBody>
+                  <a:tcPr/>
+                </a:tc>
+                <a:tc>
+                  <a:txBody>
+                    <a:bodyPr/>
+                    <a:lstStyle/>
+                    <a:p>
+                      <a:r>
+                        <a:rPr lang="en-US" dirty="0" smtClean="0"/>
+                        <a:t>compiler</a:t>
+                      </a:r>
+                      <a:endParaRPr lang="en-US" dirty="0"/>
+                    </a:p>
+                  </a:txBody>
+                  <a:tcPr/>
+                </a:tc>
+                <a:tc>
+                  <a:txBody>
+                    <a:bodyPr/>
+                    <a:lstStyle/>
+                    <a:p>
+                      <a:r>
+                        <a:rPr lang="en-US" dirty="0" smtClean="0"/>
+                        <a:t>C-</a:t>
+                      </a:r>
+                      <a:r>
+                        <a:rPr lang="en-US" dirty="0" err="1" smtClean="0"/>
+                        <a:t>memcpy</a:t>
+                      </a:r>
+                      <a:endParaRPr lang="en-US" dirty="0"/>
+                    </a:p>
+                  </a:txBody>
+                  <a:tcPr/>
+                </a:tc>
+              </a:tr>
+              <a:tr h="370840">
+                <a:tc>
+                  <a:txBody>
+                    <a:bodyPr/>
+                    <a:lstStyle/>
+                    <a:p>
+                      <a:r>
+                        <a:rPr lang="en-US" dirty="0" smtClean="0"/>
+                        <a:t>MSVC</a:t>
+                      </a:r>
+                      <a:endParaRPr lang="en-US" dirty="0"/>
+                    </a:p>
+                  </a:txBody>
+                  <a:tcPr/>
+                </a:tc>
+                <a:tc>
+                  <a:txBody>
+                    <a:bodyPr/>
+                    <a:lstStyle/>
+                    <a:p>
+                      <a:r>
+                        <a:rPr lang="en-US" dirty="0" smtClean="0"/>
+                        <a:t>11,736ns</a:t>
+                      </a:r>
+                      <a:endParaRPr lang="en-US" dirty="0"/>
+                    </a:p>
+                  </a:txBody>
+                  <a:tcPr/>
+                </a:tc>
+                <a:tc>
+                  <a:txBody>
+                    <a:bodyPr/>
+                    <a:lstStyle/>
+                    <a:p>
+                      <a:r>
+                        <a:rPr lang="en-US" dirty="0" smtClean="0"/>
+                        <a:t>11,808ns</a:t>
+                      </a:r>
+                      <a:endParaRPr lang="en-US" dirty="0"/>
+                    </a:p>
+                  </a:txBody>
+                  <a:tcPr/>
+                </a:tc>
+                <a:tc>
+                  <a:txBody>
+                    <a:bodyPr/>
+                    <a:lstStyle/>
+                    <a:p>
+                      <a:r>
+                        <a:rPr lang="en-US" dirty="0" smtClean="0"/>
+                        <a:t>1,124ns</a:t>
+                      </a:r>
+                      <a:endParaRPr lang="en-US" dirty="0"/>
+                    </a:p>
+                  </a:txBody>
+                  <a:tcPr/>
+                </a:tc>
+              </a:tr>
+              <a:tr h="370840">
+                <a:tc>
+                  <a:txBody>
+                    <a:bodyPr/>
+                    <a:lstStyle/>
+                    <a:p>
+                      <a:r>
+                        <a:rPr lang="en-US" dirty="0" smtClean="0"/>
+                        <a:t>clang++</a:t>
+                      </a:r>
+                      <a:endParaRPr lang="en-US" dirty="0"/>
+                    </a:p>
+                  </a:txBody>
+                  <a:tcPr/>
+                </a:tc>
+                <a:tc>
+                  <a:txBody>
+                    <a:bodyPr/>
+                    <a:lstStyle/>
+                    <a:p>
+                      <a:r>
+                        <a:rPr lang="en-US" dirty="0" smtClean="0"/>
+                        <a:t>1083ns</a:t>
+                      </a:r>
+                      <a:endParaRPr lang="en-US" dirty="0"/>
+                    </a:p>
+                  </a:txBody>
+                  <a:tcPr/>
+                </a:tc>
+                <a:tc>
+                  <a:txBody>
+                    <a:bodyPr/>
+                    <a:lstStyle/>
+                    <a:p>
+                      <a:r>
+                        <a:rPr lang="en-US" dirty="0" smtClean="0"/>
+                        <a:t>1082ns</a:t>
+                      </a:r>
+                      <a:endParaRPr lang="en-US" dirty="0"/>
+                    </a:p>
+                  </a:txBody>
+                  <a:tcPr/>
+                </a:tc>
+                <a:tc>
+                  <a:txBody>
+                    <a:bodyPr/>
+                    <a:lstStyle/>
+                    <a:p>
+                      <a:r>
+                        <a:rPr lang="en-US" dirty="0" smtClean="0"/>
+                        <a:t>1478ns</a:t>
+                      </a:r>
+                      <a:endParaRPr lang="en-US" dirty="0"/>
+                    </a:p>
+                  </a:txBody>
+                  <a:tcPr/>
+                </a:tc>
+              </a:tr>
+              <a:tr h="370840">
+                <a:tc>
+                  <a:txBody>
+                    <a:bodyPr/>
+                    <a:lstStyle/>
+                    <a:p>
+                      <a:r>
+                        <a:rPr lang="en-US" dirty="0" smtClean="0"/>
+                        <a:t>g++</a:t>
+                      </a:r>
+                      <a:endParaRPr lang="en-US" dirty="0"/>
+                    </a:p>
+                  </a:txBody>
+                  <a:tcPr/>
+                </a:tc>
+                <a:tc>
+                  <a:txBody>
+                    <a:bodyPr/>
+                    <a:lstStyle/>
+                    <a:p>
+                      <a:r>
+                        <a:rPr lang="en-US" dirty="0" smtClean="0"/>
+                        <a:t>1084ns</a:t>
+                      </a:r>
+                      <a:endParaRPr lang="en-US" dirty="0"/>
+                    </a:p>
+                  </a:txBody>
+                  <a:tcPr/>
+                </a:tc>
+                <a:tc>
+                  <a:txBody>
+                    <a:bodyPr/>
+                    <a:lstStyle/>
+                    <a:p>
+                      <a:r>
+                        <a:rPr lang="en-US" dirty="0" smtClean="0"/>
+                        <a:t>1448ns</a:t>
+                      </a:r>
+                      <a:endParaRPr lang="en-US" dirty="0"/>
+                    </a:p>
+                  </a:txBody>
+                  <a:tcPr/>
+                </a:tc>
+                <a:tc>
+                  <a:txBody>
+                    <a:bodyPr/>
+                    <a:lstStyle/>
+                    <a:p>
+                      <a:r>
+                        <a:rPr lang="en-US" dirty="0" smtClean="0"/>
+                        <a:t>1460ns</a:t>
+                      </a:r>
+                      <a:endParaRPr lang="en-US" dirty="0"/>
+                    </a:p>
+                  </a:txBody>
+                  <a:tcPr/>
+                </a:tc>
+              </a:tr>
+            </a:tbl>
           </a:graphicData>
         </a:graphic>
       </p:graphicFrame>
       <p:sp>
         <p:nvSpPr>
-          <p:cNvPr id="3" name="TextBox 2"/>
+          <p:cNvPr id="5" name="TextBox 4"/>
           <p:cNvSpPr txBox="1"/>
           <p:nvPr/>
         </p:nvSpPr>
         <p:spPr>
           <a:xfrm>
-            <a:off x="381000" y="6324600"/>
-            <a:ext cx="5582554" cy="369332"/>
+            <a:off x="152400" y="3505200"/>
+            <a:ext cx="4343400" cy="2031325"/>
           </a:xfrm>
           <a:prstGeom prst="rect">
             <a:avLst/>
@@ -11675,31 +12116,240 @@
           <a:noFill/>
         </p:spPr>
         <p:txBody>
-          <a:bodyPr wrap="none" rtlCol="0">
+          <a:bodyPr wrap="square" rtlCol="0">
             <a:spAutoFit/>
           </a:bodyPr>
           <a:lstStyle/>
           <a:p>
             <a:r>
+              <a:rPr lang="en-US" dirty="0" err="1"/>
+              <a:t>const</a:t>
+            </a:r>
+            <a:r>
+              <a:rPr lang="en-US" dirty="0"/>
+              <a:t> char</a:t>
+            </a:r>
+            <a:r>
               <a:rPr lang="en-US" dirty="0" smtClean="0"/>
-              <a:t>[</a:t>
+              <a:t>*</a:t>
+            </a:r>
+          </a:p>
+          <a:p>
+            <a:r>
+              <a:rPr lang="en-US" dirty="0" smtClean="0"/>
+              <a:t>assign(</a:t>
             </a:r>
             <a:r>
               <a:rPr lang="en-US" dirty="0" err="1" smtClean="0"/>
-              <a:t>push_back</a:t>
+              <a:t>const</a:t>
             </a:r>
             <a:r>
               <a:rPr lang="en-US" dirty="0" smtClean="0"/>
-              <a:t> N elements + access N elements in sequence]</a:t>
-            </a:r>
-            <a:endParaRPr lang="en-US" dirty="0"/>
+              <a:t> </a:t>
+            </a:r>
+            <a:r>
+              <a:rPr lang="en-US" dirty="0"/>
+              <a:t>char *beg</a:t>
+            </a:r>
+            <a:r>
+              <a:rPr lang="en-US" dirty="0" smtClean="0"/>
+              <a:t>,</a:t>
+            </a:r>
+          </a:p>
+          <a:p>
+            <a:r>
+              <a:rPr lang="en-US" dirty="0"/>
+              <a:t> </a:t>
+            </a:r>
+            <a:r>
+              <a:rPr lang="en-US" dirty="0" smtClean="0"/>
+              <a:t>           </a:t>
+            </a:r>
+            <a:r>
+              <a:rPr lang="en-US" dirty="0" err="1"/>
+              <a:t>const</a:t>
+            </a:r>
+            <a:r>
+              <a:rPr lang="en-US" dirty="0"/>
+              <a:t> char *end, char *</a:t>
+            </a:r>
+            <a:r>
+              <a:rPr lang="en-US" dirty="0" err="1"/>
+              <a:t>dest</a:t>
+            </a:r>
+            <a:r>
+              <a:rPr lang="en-US" dirty="0"/>
+              <a:t>) {</a:t>
+            </a:r>
+          </a:p>
+          <a:p>
+            <a:r>
+              <a:rPr lang="en-US" dirty="0"/>
+              <a:t>  while (beg != end)</a:t>
+            </a:r>
+          </a:p>
+          <a:p>
+            <a:r>
+              <a:rPr lang="en-US" dirty="0"/>
+              <a:t>    *</a:t>
+            </a:r>
+            <a:r>
+              <a:rPr lang="en-US" dirty="0" err="1"/>
+              <a:t>dest</a:t>
+            </a:r>
+            <a:r>
+              <a:rPr lang="en-US" dirty="0"/>
+              <a:t>++ = *beg++;</a:t>
+            </a:r>
+          </a:p>
+          <a:p>
+            <a:r>
+              <a:rPr lang="en-US" dirty="0"/>
+              <a:t>  return beg;</a:t>
+            </a:r>
+          </a:p>
+          <a:p>
+            <a:r>
+              <a:rPr lang="en-US" dirty="0"/>
+              <a:t>}</a:t>
+            </a:r>
+          </a:p>
+        </p:txBody>
+      </p:sp>
+      <p:sp>
+        <p:nvSpPr>
+          <p:cNvPr id="6" name="Rectangle 5"/>
+          <p:cNvSpPr/>
+          <p:nvPr/>
+        </p:nvSpPr>
+        <p:spPr>
+          <a:xfrm>
+            <a:off x="4953000" y="3429000"/>
+            <a:ext cx="4572000" cy="2308324"/>
+          </a:xfrm>
+          <a:prstGeom prst="rect">
+            <a:avLst/>
+          </a:prstGeom>
+        </p:spPr>
+        <p:txBody>
+          <a:bodyPr>
+            <a:spAutoFit/>
+          </a:bodyPr>
+          <a:lstStyle/>
+          <a:p>
+            <a:r>
+              <a:rPr lang="en-US" dirty="0" err="1"/>
+              <a:t>const</a:t>
+            </a:r>
+            <a:r>
+              <a:rPr lang="en-US" dirty="0"/>
+              <a:t> char</a:t>
+            </a:r>
+            <a:r>
+              <a:rPr lang="en-US" dirty="0" smtClean="0"/>
+              <a:t>*</a:t>
+            </a:r>
+          </a:p>
+          <a:p>
+            <a:r>
+              <a:rPr lang="en-US" dirty="0" err="1" smtClean="0"/>
+              <a:t>assign_res</a:t>
+            </a:r>
+            <a:r>
+              <a:rPr lang="en-US" dirty="0" smtClean="0"/>
+              <a:t>(</a:t>
+            </a:r>
+            <a:r>
+              <a:rPr lang="en-US" dirty="0" err="1" smtClean="0"/>
+              <a:t>const</a:t>
+            </a:r>
+            <a:r>
+              <a:rPr lang="en-US" dirty="0" smtClean="0"/>
+              <a:t> </a:t>
+            </a:r>
+            <a:r>
+              <a:rPr lang="en-US" dirty="0"/>
+              <a:t>char * __restrict beg,</a:t>
+            </a:r>
+          </a:p>
+          <a:p>
+            <a:r>
+              <a:rPr lang="en-US" dirty="0"/>
+              <a:t>                    </a:t>
+            </a:r>
+            <a:r>
+              <a:rPr lang="en-US" dirty="0" err="1" smtClean="0"/>
+              <a:t>const</a:t>
+            </a:r>
+            <a:r>
+              <a:rPr lang="en-US" dirty="0" smtClean="0"/>
+              <a:t> </a:t>
+            </a:r>
+            <a:r>
+              <a:rPr lang="en-US" dirty="0"/>
+              <a:t>char * __restrict end,</a:t>
+            </a:r>
+          </a:p>
+          <a:p>
+            <a:r>
+              <a:rPr lang="en-US" dirty="0"/>
+              <a:t>                    </a:t>
+            </a:r>
+            <a:r>
+              <a:rPr lang="en-US" dirty="0" smtClean="0"/>
+              <a:t>char </a:t>
+            </a:r>
+            <a:r>
+              <a:rPr lang="en-US" dirty="0"/>
+              <a:t>*__restrict </a:t>
+            </a:r>
+            <a:r>
+              <a:rPr lang="en-US" dirty="0" err="1"/>
+              <a:t>dest</a:t>
+            </a:r>
+            <a:r>
+              <a:rPr lang="en-US" dirty="0"/>
+              <a:t>) {</a:t>
+            </a:r>
+          </a:p>
+          <a:p>
+            <a:r>
+              <a:rPr lang="en-US" dirty="0"/>
+              <a:t>  while (beg != end)</a:t>
+            </a:r>
+          </a:p>
+          <a:p>
+            <a:r>
+              <a:rPr lang="en-US" dirty="0"/>
+              <a:t>    *</a:t>
+            </a:r>
+            <a:r>
+              <a:rPr lang="en-US" dirty="0" err="1"/>
+              <a:t>dest</a:t>
+            </a:r>
+            <a:r>
+              <a:rPr lang="en-US" dirty="0"/>
+              <a:t>++ = *beg++;</a:t>
+            </a:r>
+          </a:p>
+          <a:p>
+            <a:r>
+              <a:rPr lang="en-US" dirty="0"/>
+              <a:t>  return beg;</a:t>
+            </a:r>
+          </a:p>
+          <a:p>
+            <a:r>
+              <a:rPr lang="en-US" dirty="0"/>
+              <a:t>}</a:t>
+            </a:r>
           </a:p>
         </p:txBody>
       </p:sp>
     </p:spTree>
     <p:extLst>
       <p:ext uri="{BB962C8B-B14F-4D97-AF65-F5344CB8AC3E}">
-        <p14:creationId xmlns:p14="http://schemas.microsoft.com/office/powerpoint/2010/main" val="1287024861"/>
+        <p14:creationId xmlns:p14="http://schemas.microsoft.com/office/powerpoint/2010/main" val="4041579981"/>
       </p:ext>
     </p:extLst>
   </p:cSld>
@@ -11717,7 +12367,7 @@
 </file>
 
 <file path=ppt/slides/slide24.xml><?xml version="1.0" encoding="utf-8"?>
-<p:sld xmlns:a="http://schemas.openxmlformats.org/drawingml/2006/main" xmlns:r="http://schemas.openxmlformats.org/officeDocument/2006/relationships" xmlns:p="http://schemas.openxmlformats.org/presentationml/2006/main">
+<p:sld xmlns:a="http://schemas.openxmlformats.org/drawingml/2006/main" xmlns:r="http://schemas.openxmlformats.org/officeDocument/2006/relationships" xmlns:p="http://schemas.openxmlformats.org/presentationml/2006/main" show="0">
   <p:cSld>
     <p:spTree>
       <p:nvGrpSpPr>
@@ -11745,60 +12395,132 @@
         </p:nvSpPr>
         <p:spPr/>
         <p:txBody>
+          <a:bodyPr/>
+          <a:lstStyle/>
+          <a:p>
+            <a:r>
+              <a:rPr lang="en-US" dirty="0" smtClean="0"/>
+              <a:t>Lessons learned</a:t>
+            </a:r>
+            <a:endParaRPr lang="en-US" dirty="0"/>
+          </a:p>
+        </p:txBody>
+      </p:sp>
+      <p:sp>
+        <p:nvSpPr>
+          <p:cNvPr id="3" name="Content Placeholder 2"/>
+          <p:cNvSpPr>
+            <a:spLocks noGrp="1"/>
+          </p:cNvSpPr>
+          <p:nvPr>
+            <p:ph idx="1"/>
+          </p:nvPr>
+        </p:nvSpPr>
+        <p:spPr/>
+        <p:txBody>
           <a:bodyPr>
-            <a:normAutofit fontScale="90000"/>
+            <a:normAutofit/>
           </a:bodyPr>
           <a:lstStyle/>
           <a:p>
             <a:r>
+              <a:rPr lang="en-US" dirty="0" err="1" smtClean="0"/>
+              <a:t>std</a:t>
+            </a:r>
+            <a:r>
               <a:rPr lang="en-US" dirty="0" smtClean="0"/>
-              <a:t>Associative vs Hashed Associative</a:t>
-            </a:r>
-            <a:br>
+              <a:t>::vector</a:t>
+            </a:r>
+          </a:p>
+          <a:p>
+            <a:pPr lvl="1"/>
+            <a:r>
+              <a:rPr lang="en-US" dirty="0" err="1" smtClean="0"/>
+              <a:t>push_back</a:t>
+            </a:r>
+            <a:r>
               <a:rPr lang="en-US" dirty="0" smtClean="0"/>
-            </a:br>
+              <a:t> without reserve will cause a lot of allocations (~2N)</a:t>
+            </a:r>
+          </a:p>
+          <a:p>
+            <a:pPr lvl="1"/>
             <a:r>
               <a:rPr lang="en-US" dirty="0" smtClean="0"/>
-              <a:t>(Finding random integers)</a:t>
+              <a:t>resize initializes the memory</a:t>
+            </a:r>
+          </a:p>
+          <a:p>
+            <a:r>
+              <a:rPr lang="en-US" dirty="0" err="1" smtClean="0"/>
+              <a:t>std</a:t>
+            </a:r>
+            <a:r>
+              <a:rPr lang="en-US" dirty="0"/>
+              <a:t>::find may not always be the right choice</a:t>
+            </a:r>
+          </a:p>
+          <a:p>
+            <a:r>
+              <a:rPr lang="en-US" dirty="0" smtClean="0"/>
+              <a:t>Rotate </a:t>
+            </a:r>
+            <a:r>
+              <a:rPr lang="en-US" dirty="0"/>
+              <a:t>but not </a:t>
+            </a:r>
+            <a:r>
+              <a:rPr lang="en-US" dirty="0" err="1"/>
+              <a:t>std</a:t>
+            </a:r>
+            <a:r>
+              <a:rPr lang="en-US" dirty="0"/>
+              <a:t>::rotate on linked </a:t>
+            </a:r>
+            <a:r>
+              <a:rPr lang="en-US" dirty="0" smtClean="0"/>
+              <a:t>lists</a:t>
+            </a:r>
+          </a:p>
+          <a:p>
+            <a:r>
+              <a:rPr lang="en-US" dirty="0"/>
+              <a:t>The destructor of </a:t>
+            </a:r>
+            <a:r>
+              <a:rPr lang="en-US" dirty="0" err="1"/>
+              <a:t>basic_string</a:t>
+            </a:r>
+            <a:r>
+              <a:rPr lang="en-US" dirty="0"/>
+              <a:t> is difficult to optimize </a:t>
+            </a:r>
+            <a:r>
+              <a:rPr lang="en-US" dirty="0" smtClean="0"/>
+              <a:t>away</a:t>
             </a:r>
             <a:endParaRPr lang="en-US" dirty="0"/>
           </a:p>
         </p:txBody>
       </p:sp>
-      <p:graphicFrame>
-        <p:nvGraphicFramePr>
-          <p:cNvPr id="4" name="Chart 3"/>
-          <p:cNvGraphicFramePr>
-            <a:graphicFrameLocks/>
-          </p:cNvGraphicFramePr>
-          <p:nvPr>
-            <p:extLst>
-              <p:ext uri="{D42A27DB-BD31-4B8C-83A1-F6EECF244321}">
-                <p14:modId xmlns:p14="http://schemas.microsoft.com/office/powerpoint/2010/main" val="1235230039"/>
-              </p:ext>
-            </p:extLst>
-          </p:nvPr>
-        </p:nvGraphicFramePr>
-        <p:xfrm>
-          <a:off x="152400" y="1828800"/>
-          <a:ext cx="8915400" cy="4495800"/>
-        </p:xfrm>
-        <a:graphic>
-          <a:graphicData uri="http://schemas.openxmlformats.org/drawingml/2006/chart">
-            <c:chart xmlns:c="http://schemas.openxmlformats.org/drawingml/2006/chart" xmlns:r="http://schemas.openxmlformats.org/officeDocument/2006/relationships" r:id="rId2"/>
-          </a:graphicData>
-        </a:graphic>
-      </p:graphicFrame>
     </p:spTree>
     <p:extLst>
       <p:ext uri="{BB962C8B-B14F-4D97-AF65-F5344CB8AC3E}">
-        <p14:creationId xmlns:p14="http://schemas.microsoft.com/office/powerpoint/2010/main" val="3325137047"/>
+        <p14:creationId xmlns:p14="http://schemas.microsoft.com/office/powerpoint/2010/main" val="48658961"/>
       </p:ext>
     </p:extLst>
   </p:cSld>
   <p:clrMapOvr>
     <a:masterClrMapping/>
   </p:clrMapOvr>
+  <mc:AlternateContent xmlns:mc="http://schemas.openxmlformats.org/markup-compatibility/2006">
+    <mc:Choice xmlns:p14="http://schemas.microsoft.com/office/powerpoint/2010/main" Requires="p14">
+      <p:transition spd="slow" p14:dur="2000"/>
+    </mc:Choice>
+    <mc:Fallback>
+      <p:transition spd="slow"/>
+    </mc:Fallback>
+  </mc:AlternateContent>
   <p:timing>
     <p:tnLst>
       <p:par>
@@ -11842,539 +12564,64 @@
           <a:lstStyle/>
           <a:p>
             <a:r>
+              <a:rPr lang="en-US" dirty="0"/>
+              <a:t>Lessons </a:t>
+            </a:r>
+            <a:r>
               <a:rPr lang="en-US" dirty="0" smtClean="0"/>
-              <a:t>compiler vs. programmer</a:t>
+              <a:t>learned (Algorithms)</a:t>
             </a:r>
             <a:endParaRPr lang="en-US" dirty="0"/>
-          </a:p>
-        </p:txBody>
-      </p:sp>
-      <p:graphicFrame>
-        <p:nvGraphicFramePr>
-          <p:cNvPr id="4" name="Content Placeholder 3"/>
-          <p:cNvGraphicFramePr>
-            <a:graphicFrameLocks noGrp="1"/>
-          </p:cNvGraphicFramePr>
-          <p:nvPr>
-            <p:ph idx="1"/>
-            <p:extLst>
-              <p:ext uri="{D42A27DB-BD31-4B8C-83A1-F6EECF244321}">
-                <p14:modId xmlns:p14="http://schemas.microsoft.com/office/powerpoint/2010/main" val="2220118573"/>
-              </p:ext>
-            </p:extLst>
-          </p:nvPr>
-        </p:nvGraphicFramePr>
-        <p:xfrm>
-          <a:off x="457200" y="1600200"/>
-          <a:ext cx="8229600" cy="1483360"/>
-        </p:xfrm>
-        <a:graphic>
-          <a:graphicData uri="http://schemas.openxmlformats.org/drawingml/2006/table">
-            <a:tbl>
-              <a:tblPr firstRow="1" bandRow="1">
-                <a:tableStyleId>{5C22544A-7EE6-4342-B048-85BDC9FD1C3A}</a:tableStyleId>
-              </a:tblPr>
-              <a:tblGrid>
-                <a:gridCol w="2057400"/>
-                <a:gridCol w="2057400"/>
-                <a:gridCol w="2057400"/>
-                <a:gridCol w="2057400"/>
-              </a:tblGrid>
-              <a:tr h="370840">
-                <a:tc>
-                  <a:txBody>
-                    <a:bodyPr/>
-                    <a:lstStyle/>
-                    <a:p>
-                      <a:r>
-                        <a:rPr lang="en-US" dirty="0" smtClean="0"/>
-                        <a:t>Data:32KB</a:t>
-                      </a:r>
-                      <a:endParaRPr lang="en-US" dirty="0"/>
-                    </a:p>
-                  </a:txBody>
-                  <a:tcPr/>
-                </a:tc>
-                <a:tc>
-                  <a:txBody>
-                    <a:bodyPr/>
-                    <a:lstStyle/>
-                    <a:p>
-                      <a:r>
-                        <a:rPr lang="en-US" dirty="0" smtClean="0"/>
-                        <a:t>Programmer</a:t>
-                      </a:r>
-                      <a:endParaRPr lang="en-US" dirty="0"/>
-                    </a:p>
-                  </a:txBody>
-                  <a:tcPr/>
-                </a:tc>
-                <a:tc>
-                  <a:txBody>
-                    <a:bodyPr/>
-                    <a:lstStyle/>
-                    <a:p>
-                      <a:r>
-                        <a:rPr lang="en-US" dirty="0" smtClean="0"/>
-                        <a:t>compiler</a:t>
-                      </a:r>
-                      <a:endParaRPr lang="en-US" dirty="0"/>
-                    </a:p>
-                  </a:txBody>
-                  <a:tcPr/>
-                </a:tc>
-                <a:tc>
-                  <a:txBody>
-                    <a:bodyPr/>
-                    <a:lstStyle/>
-                    <a:p>
-                      <a:r>
-                        <a:rPr lang="en-US" dirty="0" err="1" smtClean="0"/>
-                        <a:t>libc</a:t>
-                      </a:r>
-                      <a:r>
-                        <a:rPr lang="en-US" dirty="0" smtClean="0"/>
-                        <a:t> </a:t>
-                      </a:r>
-                      <a:r>
-                        <a:rPr lang="en-US" dirty="0" err="1" smtClean="0"/>
-                        <a:t>memcpy</a:t>
-                      </a:r>
-                      <a:endParaRPr lang="en-US" dirty="0"/>
-                    </a:p>
-                  </a:txBody>
-                  <a:tcPr/>
-                </a:tc>
-              </a:tr>
-              <a:tr h="370840">
-                <a:tc>
-                  <a:txBody>
-                    <a:bodyPr/>
-                    <a:lstStyle/>
-                    <a:p>
-                      <a:r>
-                        <a:rPr lang="en-US" dirty="0" smtClean="0"/>
-                        <a:t>MSVC</a:t>
-                      </a:r>
-                      <a:endParaRPr lang="en-US" dirty="0"/>
-                    </a:p>
-                  </a:txBody>
-                  <a:tcPr/>
-                </a:tc>
-                <a:tc>
-                  <a:txBody>
-                    <a:bodyPr/>
-                    <a:lstStyle/>
-                    <a:p>
-                      <a:r>
-                        <a:rPr lang="en-US" dirty="0" smtClean="0"/>
-                        <a:t>11,736ns</a:t>
-                      </a:r>
-                      <a:endParaRPr lang="en-US" dirty="0"/>
-                    </a:p>
-                  </a:txBody>
-                  <a:tcPr/>
-                </a:tc>
-                <a:tc>
-                  <a:txBody>
-                    <a:bodyPr/>
-                    <a:lstStyle/>
-                    <a:p>
-                      <a:r>
-                        <a:rPr lang="en-US" dirty="0" smtClean="0"/>
-                        <a:t>11,808ns</a:t>
-                      </a:r>
-                      <a:endParaRPr lang="en-US" dirty="0"/>
-                    </a:p>
-                  </a:txBody>
-                  <a:tcPr/>
-                </a:tc>
-                <a:tc>
-                  <a:txBody>
-                    <a:bodyPr/>
-                    <a:lstStyle/>
-                    <a:p>
-                      <a:r>
-                        <a:rPr lang="en-US" dirty="0" smtClean="0"/>
-                        <a:t>1,124ns</a:t>
-                      </a:r>
-                      <a:endParaRPr lang="en-US" dirty="0"/>
-                    </a:p>
-                  </a:txBody>
-                  <a:tcPr/>
-                </a:tc>
-              </a:tr>
-              <a:tr h="370840">
-                <a:tc>
-                  <a:txBody>
-                    <a:bodyPr/>
-                    <a:lstStyle/>
-                    <a:p>
-                      <a:r>
-                        <a:rPr lang="en-US" dirty="0" smtClean="0"/>
-                        <a:t>clang++</a:t>
-                      </a:r>
-                      <a:endParaRPr lang="en-US" dirty="0"/>
-                    </a:p>
-                  </a:txBody>
-                  <a:tcPr/>
-                </a:tc>
-                <a:tc>
-                  <a:txBody>
-                    <a:bodyPr/>
-                    <a:lstStyle/>
-                    <a:p>
-                      <a:r>
-                        <a:rPr lang="en-US" dirty="0" smtClean="0"/>
-                        <a:t>1083ns</a:t>
-                      </a:r>
-                      <a:endParaRPr lang="en-US" dirty="0"/>
-                    </a:p>
-                  </a:txBody>
-                  <a:tcPr/>
-                </a:tc>
-                <a:tc>
-                  <a:txBody>
-                    <a:bodyPr/>
-                    <a:lstStyle/>
-                    <a:p>
-                      <a:r>
-                        <a:rPr lang="en-US" dirty="0" smtClean="0"/>
-                        <a:t>1082ns</a:t>
-                      </a:r>
-                      <a:endParaRPr lang="en-US" dirty="0"/>
-                    </a:p>
-                  </a:txBody>
-                  <a:tcPr/>
-                </a:tc>
-                <a:tc>
-                  <a:txBody>
-                    <a:bodyPr/>
-                    <a:lstStyle/>
-                    <a:p>
-                      <a:r>
-                        <a:rPr lang="en-US" dirty="0" smtClean="0"/>
-                        <a:t>1478ns</a:t>
-                      </a:r>
-                      <a:endParaRPr lang="en-US" dirty="0"/>
-                    </a:p>
-                  </a:txBody>
-                  <a:tcPr/>
-                </a:tc>
-              </a:tr>
-              <a:tr h="370840">
-                <a:tc>
-                  <a:txBody>
-                    <a:bodyPr/>
-                    <a:lstStyle/>
-                    <a:p>
-                      <a:r>
-                        <a:rPr lang="en-US" dirty="0" smtClean="0"/>
-                        <a:t>g++</a:t>
-                      </a:r>
-                      <a:endParaRPr lang="en-US" dirty="0"/>
-                    </a:p>
-                  </a:txBody>
-                  <a:tcPr/>
-                </a:tc>
-                <a:tc>
-                  <a:txBody>
-                    <a:bodyPr/>
-                    <a:lstStyle/>
-                    <a:p>
-                      <a:r>
-                        <a:rPr lang="en-US" dirty="0" smtClean="0"/>
-                        <a:t>1084ns</a:t>
-                      </a:r>
-                      <a:endParaRPr lang="en-US" dirty="0"/>
-                    </a:p>
-                  </a:txBody>
-                  <a:tcPr/>
-                </a:tc>
-                <a:tc>
-                  <a:txBody>
-                    <a:bodyPr/>
-                    <a:lstStyle/>
-                    <a:p>
-                      <a:r>
-                        <a:rPr lang="en-US" dirty="0" smtClean="0"/>
-                        <a:t>1448ns</a:t>
-                      </a:r>
-                      <a:endParaRPr lang="en-US" dirty="0"/>
-                    </a:p>
-                  </a:txBody>
-                  <a:tcPr/>
-                </a:tc>
-                <a:tc>
-                  <a:txBody>
-                    <a:bodyPr/>
-                    <a:lstStyle/>
-                    <a:p>
-                      <a:r>
-                        <a:rPr lang="en-US" dirty="0" smtClean="0"/>
-                        <a:t>1460ns</a:t>
-                      </a:r>
-                      <a:endParaRPr lang="en-US" dirty="0"/>
-                    </a:p>
-                  </a:txBody>
-                  <a:tcPr/>
-                </a:tc>
-              </a:tr>
-            </a:tbl>
-          </a:graphicData>
-        </a:graphic>
-      </p:graphicFrame>
-      <p:sp>
-        <p:nvSpPr>
-          <p:cNvPr id="5" name="TextBox 4"/>
-          <p:cNvSpPr txBox="1"/>
-          <p:nvPr/>
-        </p:nvSpPr>
-        <p:spPr>
-          <a:xfrm>
-            <a:off x="152400" y="3505200"/>
-            <a:ext cx="4343400" cy="2031325"/>
-          </a:xfrm>
-          <a:prstGeom prst="rect">
-            <a:avLst/>
-          </a:prstGeom>
-          <a:noFill/>
-        </p:spPr>
-        <p:txBody>
-          <a:bodyPr wrap="square" rtlCol="0">
-            <a:spAutoFit/>
-          </a:bodyPr>
-          <a:lstStyle/>
-          <a:p>
-            <a:r>
-              <a:rPr lang="en-US" dirty="0" err="1"/>
-              <a:t>const</a:t>
-            </a:r>
-            <a:r>
-              <a:rPr lang="en-US" dirty="0"/>
-              <a:t> char</a:t>
-            </a:r>
-            <a:r>
-              <a:rPr lang="en-US" dirty="0" smtClean="0"/>
-              <a:t>*</a:t>
-            </a:r>
-          </a:p>
-          <a:p>
-            <a:r>
-              <a:rPr lang="en-US" dirty="0" smtClean="0"/>
-              <a:t>assign(</a:t>
-            </a:r>
-            <a:r>
-              <a:rPr lang="en-US" dirty="0" err="1" smtClean="0"/>
-              <a:t>const</a:t>
-            </a:r>
-            <a:r>
-              <a:rPr lang="en-US" dirty="0" smtClean="0"/>
-              <a:t> </a:t>
-            </a:r>
-            <a:r>
-              <a:rPr lang="en-US" dirty="0"/>
-              <a:t>char *beg</a:t>
-            </a:r>
-            <a:r>
-              <a:rPr lang="en-US" dirty="0" smtClean="0"/>
-              <a:t>,</a:t>
-            </a:r>
-          </a:p>
-          <a:p>
-            <a:r>
-              <a:rPr lang="en-US" dirty="0"/>
-              <a:t> </a:t>
-            </a:r>
-            <a:r>
-              <a:rPr lang="en-US" dirty="0" smtClean="0"/>
-              <a:t>           </a:t>
-            </a:r>
-            <a:r>
-              <a:rPr lang="en-US" dirty="0" err="1"/>
-              <a:t>const</a:t>
-            </a:r>
-            <a:r>
-              <a:rPr lang="en-US" dirty="0"/>
-              <a:t> char *end, char *</a:t>
-            </a:r>
-            <a:r>
-              <a:rPr lang="en-US" dirty="0" err="1"/>
-              <a:t>dest</a:t>
-            </a:r>
-            <a:r>
-              <a:rPr lang="en-US" dirty="0"/>
-              <a:t>) {</a:t>
-            </a:r>
-          </a:p>
-          <a:p>
-            <a:r>
-              <a:rPr lang="en-US" dirty="0"/>
-              <a:t>  while (beg != end)</a:t>
-            </a:r>
-          </a:p>
-          <a:p>
-            <a:r>
-              <a:rPr lang="en-US" dirty="0"/>
-              <a:t>    *</a:t>
-            </a:r>
-            <a:r>
-              <a:rPr lang="en-US" dirty="0" err="1"/>
-              <a:t>dest</a:t>
-            </a:r>
-            <a:r>
-              <a:rPr lang="en-US" dirty="0"/>
-              <a:t>++ = *beg++;</a:t>
-            </a:r>
-          </a:p>
-          <a:p>
-            <a:r>
-              <a:rPr lang="en-US" dirty="0"/>
-              <a:t>  return beg;</a:t>
-            </a:r>
-          </a:p>
-          <a:p>
-            <a:r>
-              <a:rPr lang="en-US" dirty="0"/>
-              <a:t>}</a:t>
-            </a:r>
           </a:p>
         </p:txBody>
       </p:sp>
       <p:sp>
         <p:nvSpPr>
-          <p:cNvPr id="6" name="Rectangle 5"/>
-          <p:cNvSpPr/>
-          <p:nvPr/>
+          <p:cNvPr id="3" name="Content Placeholder 2"/>
+          <p:cNvSpPr>
+            <a:spLocks noGrp="1"/>
+          </p:cNvSpPr>
+          <p:nvPr>
+            <p:ph idx="1"/>
+          </p:nvPr>
         </p:nvSpPr>
-        <p:spPr>
-          <a:xfrm>
-            <a:off x="4953000" y="3429000"/>
-            <a:ext cx="4572000" cy="2308324"/>
-          </a:xfrm>
-          <a:prstGeom prst="rect">
-            <a:avLst/>
-          </a:prstGeom>
-        </p:spPr>
+        <p:spPr/>
         <p:txBody>
-          <a:bodyPr>
-            <a:spAutoFit/>
-          </a:bodyPr>
+          <a:bodyPr/>
           <a:lstStyle/>
           <a:p>
             <a:r>
-              <a:rPr lang="en-US" dirty="0" err="1"/>
-              <a:t>const</a:t>
-            </a:r>
-            <a:r>
-              <a:rPr lang="en-US" dirty="0"/>
-              <a:t> char</a:t>
+              <a:rPr lang="en-US" dirty="0" err="1" smtClean="0"/>
+              <a:t>std</a:t>
             </a:r>
             <a:r>
               <a:rPr lang="en-US" dirty="0" smtClean="0"/>
-              <a:t>*</a:t>
-            </a:r>
-          </a:p>
-          <a:p>
+              <a:t>::find may not always be the right choice</a:t>
+            </a:r>
+          </a:p>
+          <a:p>
+            <a:r>
+              <a:rPr lang="en-US" dirty="0" smtClean="0"/>
+              <a:t>Rotate but not </a:t>
+            </a:r>
             <a:r>
               <a:rPr lang="en-US" dirty="0" err="1" smtClean="0"/>
-              <a:t>assign_res</a:t>
+              <a:t>std</a:t>
             </a:r>
             <a:r>
               <a:rPr lang="en-US" dirty="0" smtClean="0"/>
-              <a:t>(</a:t>
-            </a:r>
-            <a:r>
-              <a:rPr lang="en-US" dirty="0" err="1" smtClean="0"/>
-              <a:t>const</a:t>
-            </a:r>
-            <a:r>
-              <a:rPr lang="en-US" dirty="0" smtClean="0"/>
-              <a:t> </a:t>
-            </a:r>
-            <a:r>
-              <a:rPr lang="en-US" dirty="0"/>
-              <a:t>char * __restrict beg,</a:t>
-            </a:r>
-          </a:p>
-          <a:p>
-            <a:r>
-              <a:rPr lang="en-US" dirty="0"/>
-              <a:t>                    </a:t>
-            </a:r>
-            <a:r>
-              <a:rPr lang="en-US" dirty="0" err="1" smtClean="0"/>
-              <a:t>const</a:t>
-            </a:r>
-            <a:r>
-              <a:rPr lang="en-US" dirty="0" smtClean="0"/>
-              <a:t> </a:t>
-            </a:r>
-            <a:r>
-              <a:rPr lang="en-US" dirty="0"/>
-              <a:t>char * __restrict end,</a:t>
-            </a:r>
-          </a:p>
-          <a:p>
-            <a:r>
-              <a:rPr lang="en-US" dirty="0"/>
-              <a:t>                    </a:t>
-            </a:r>
-            <a:r>
-              <a:rPr lang="en-US" dirty="0" smtClean="0"/>
-              <a:t>char </a:t>
-            </a:r>
-            <a:r>
-              <a:rPr lang="en-US" dirty="0"/>
-              <a:t>*__restrict </a:t>
-            </a:r>
-            <a:r>
-              <a:rPr lang="en-US" dirty="0" err="1"/>
-              <a:t>dest</a:t>
-            </a:r>
-            <a:r>
-              <a:rPr lang="en-US" dirty="0"/>
-              <a:t>) {</a:t>
-            </a:r>
-          </a:p>
-          <a:p>
-            <a:r>
-              <a:rPr lang="en-US" dirty="0"/>
-              <a:t>  while (beg != end)</a:t>
-            </a:r>
-          </a:p>
-          <a:p>
-            <a:r>
-              <a:rPr lang="en-US" dirty="0"/>
-              <a:t>    *</a:t>
-            </a:r>
-            <a:r>
-              <a:rPr lang="en-US" dirty="0" err="1"/>
-              <a:t>dest</a:t>
-            </a:r>
-            <a:r>
-              <a:rPr lang="en-US" dirty="0"/>
-              <a:t>++ = *beg++;</a:t>
-            </a:r>
-          </a:p>
-          <a:p>
-            <a:r>
-              <a:rPr lang="en-US" dirty="0"/>
-              <a:t>  return beg;</a:t>
-            </a:r>
-          </a:p>
-          <a:p>
-            <a:r>
-              <a:rPr lang="en-US" dirty="0"/>
-              <a:t>}</a:t>
-            </a:r>
+              <a:t>::rotate on linked lists</a:t>
+            </a:r>
+          </a:p>
+          <a:p>
+            <a:endParaRPr lang="en-US" dirty="0"/>
           </a:p>
         </p:txBody>
       </p:sp>
     </p:spTree>
     <p:extLst>
       <p:ext uri="{BB962C8B-B14F-4D97-AF65-F5344CB8AC3E}">
-        <p14:creationId xmlns:p14="http://schemas.microsoft.com/office/powerpoint/2010/main" val="4041579981"/>
+        <p14:creationId xmlns:p14="http://schemas.microsoft.com/office/powerpoint/2010/main" val="605603655"/>
       </p:ext>
     </p:extLst>
   </p:cSld>
@@ -12424,16 +12671,16 @@
           <a:lstStyle/>
           <a:p>
             <a:r>
+              <a:rPr lang="en-US" dirty="0"/>
+              <a:t>Lessons </a:t>
+            </a:r>
+            <a:r>
               <a:rPr lang="en-US" dirty="0" smtClean="0"/>
-              <a:t>Caution while using </a:t>
-            </a:r>
-            <a:r>
-              <a:rPr lang="en-US" dirty="0" err="1" smtClean="0"/>
-              <a:t>std</a:t>
+              <a:t>learned (</a:t>
             </a:r>
             <a:r>
               <a:rPr lang="en-US" dirty="0" smtClean="0"/>
-              <a:t>::vector</a:t>
+              <a:t>containers)</a:t>
             </a:r>
             <a:endParaRPr lang="en-US" dirty="0"/>
           </a:p>
@@ -12452,42 +12699,35 @@
         <p:spPr/>
         <p:txBody>
           <a:bodyPr>
-            <a:normAutofit lnSpcReduction="10000"/>
+            <a:normAutofit/>
           </a:bodyPr>
           <a:lstStyle/>
           <a:p>
             <a:r>
-              <a:rPr lang="en-US" dirty="0" err="1" smtClean="0"/>
-              <a:t>push_back</a:t>
+              <a:rPr lang="en-US" dirty="0"/>
+              <a:t>v</a:t>
             </a:r>
             <a:r>
               <a:rPr lang="en-US" dirty="0" smtClean="0"/>
-              <a:t>:</a:t>
-            </a:r>
+              <a:t>ector</a:t>
+            </a:r>
+            <a:endParaRPr lang="en-US" dirty="0"/>
           </a:p>
           <a:p>
             <a:pPr lvl="1"/>
             <a:r>
               <a:rPr lang="en-US" dirty="0" smtClean="0"/>
-              <a:t>Invalidates iterators</a:t>
-            </a:r>
-          </a:p>
-          <a:p>
-            <a:pPr lvl="1"/>
+              <a:t>Causes </a:t>
+            </a:r>
             <a:r>
               <a:rPr lang="en-US" dirty="0" smtClean="0"/>
-              <a:t>Causes reallocation when enough space is not available (~2N space for N elements)</a:t>
-            </a:r>
-          </a:p>
-          <a:p>
-            <a:r>
-              <a:rPr lang="en-US" dirty="0"/>
-              <a:t>i</a:t>
+              <a:t>reallocation when enough space is not available (~2N space for N elements</a:t>
             </a:r>
             <a:r>
               <a:rPr lang="en-US" dirty="0" smtClean="0"/>
-              <a:t>nserting element(s) anywhere except the end will result in reallocation</a:t>
-            </a:r>
+              <a:t>)</a:t>
+            </a:r>
+            <a:endParaRPr lang="en-US" dirty="0" smtClean="0"/>
           </a:p>
           <a:p>
             <a:r>
@@ -12528,8 +12768,36 @@
             </a:r>
             <a:r>
               <a:rPr lang="en-US" dirty="0" smtClean="0"/>
-              <a:t>decide)</a:t>
-            </a:r>
+              <a:t>decide</a:t>
+            </a:r>
+            <a:r>
+              <a:rPr lang="en-US" dirty="0" smtClean="0"/>
+              <a:t>)</a:t>
+            </a:r>
+          </a:p>
+          <a:p>
+            <a:r>
+              <a:rPr lang="en-US" dirty="0"/>
+              <a:t>Consider using </a:t>
+            </a:r>
+            <a:r>
+              <a:rPr lang="en-US" dirty="0" err="1"/>
+              <a:t>unordered_map</a:t>
+            </a:r>
+            <a:r>
+              <a:rPr lang="en-US" dirty="0"/>
+              <a:t>/ </a:t>
+            </a:r>
+            <a:r>
+              <a:rPr lang="en-US" dirty="0" err="1"/>
+              <a:t>unordered_set</a:t>
+            </a:r>
+            <a:r>
+              <a:rPr lang="en-US" dirty="0"/>
+              <a:t> instead of map/set</a:t>
+            </a:r>
+          </a:p>
+          <a:p>
             <a:endParaRPr lang="en-US" dirty="0"/>
           </a:p>
           <a:p>
@@ -12590,16 +12858,16 @@
           <a:lstStyle/>
           <a:p>
             <a:r>
+              <a:rPr lang="en-US" dirty="0"/>
+              <a:t>Lessons </a:t>
+            </a:r>
+            <a:r>
               <a:rPr lang="en-US" dirty="0" smtClean="0"/>
-              <a:t>Caution with </a:t>
-            </a:r>
-            <a:r>
-              <a:rPr lang="en-US" dirty="0" err="1" smtClean="0"/>
-              <a:t>std</a:t>
-            </a:r>
-            <a:r>
-              <a:rPr lang="en-US" dirty="0" smtClean="0"/>
-              <a:t>::string</a:t>
+              <a:t>learned (</a:t>
+            </a:r>
+            <a:r>
+              <a:rPr lang="en-US" dirty="0"/>
+              <a:t>containers)</a:t>
             </a:r>
             <a:endParaRPr lang="en-US" dirty="0"/>
           </a:p>
@@ -12621,8 +12889,23 @@
           <a:lstStyle/>
           <a:p>
             <a:r>
+              <a:rPr lang="en-US" dirty="0"/>
+              <a:t>s</a:t>
+            </a:r>
+            <a:r>
               <a:rPr lang="en-US" dirty="0" smtClean="0"/>
-              <a:t>Calls </a:t>
+              <a:t>tring</a:t>
+            </a:r>
+          </a:p>
+          <a:p>
+            <a:pPr lvl="1"/>
+            <a:r>
+              <a:rPr lang="en-US" dirty="0"/>
+              <a:t>c</a:t>
+            </a:r>
+            <a:r>
+              <a:rPr lang="en-US" dirty="0" smtClean="0"/>
+              <a:t>alls </a:t>
             </a:r>
             <a:r>
               <a:rPr lang="en-US" dirty="0" err="1" smtClean="0"/>
@@ -12634,17 +12917,14 @@
             </a:r>
           </a:p>
           <a:p>
+            <a:pPr lvl="1"/>
             <a:r>
               <a:rPr lang="en-US" dirty="0" smtClean="0"/>
-              <a:t>The destructor of </a:t>
-            </a:r>
-            <a:r>
-              <a:rPr lang="en-US" dirty="0" err="1" smtClean="0"/>
-              <a:t>basic_string</a:t>
+              <a:t>destructor is </a:t>
             </a:r>
             <a:r>
               <a:rPr lang="en-US" dirty="0" smtClean="0"/>
-              <a:t> is difficult to optimize away</a:t>
+              <a:t>difficult to optimize away</a:t>
             </a:r>
           </a:p>
         </p:txBody>
@@ -12698,21 +12978,35 @@
         </p:nvSpPr>
         <p:spPr/>
         <p:txBody>
-          <a:bodyPr/>
+          <a:bodyPr>
+            <a:normAutofit fontScale="90000"/>
+          </a:bodyPr>
           <a:lstStyle/>
           <a:p>
             <a:r>
               <a:rPr lang="en-US" dirty="0"/>
-              <a:t>Caution with </a:t>
-            </a:r>
-            <a:r>
-              <a:rPr lang="en-US" dirty="0" err="1"/>
-              <a:t>std</a:t>
+              <a:t>Lessons </a:t>
+            </a:r>
+            <a:r>
+              <a:rPr lang="en-US" dirty="0" smtClean="0"/>
+              <a:t>learned (</a:t>
             </a:r>
             <a:r>
               <a:rPr lang="en-US" dirty="0"/>
-              <a:t>::string</a:t>
-            </a:r>
+              <a:t>containers</a:t>
+            </a:r>
+            <a:r>
+              <a:rPr lang="en-US" dirty="0" smtClean="0"/>
+              <a:t>)</a:t>
+            </a:r>
+            <a:br>
+              <a:rPr lang="en-US" dirty="0" smtClean="0"/>
+            </a:br>
+            <a:r>
+              <a:rPr lang="en-US" dirty="0" smtClean="0"/>
+              <a:t>optimizing destructor of string</a:t>
+            </a:r>
+            <a:endParaRPr lang="en-US" dirty="0"/>
           </a:p>
         </p:txBody>
       </p:sp>
@@ -12724,7 +13018,7 @@
         </p:nvSpPr>
         <p:spPr>
           <a:xfrm>
-            <a:off x="457200" y="3810000"/>
+            <a:off x="76200" y="3810000"/>
             <a:ext cx="4572000" cy="2308324"/>
           </a:xfrm>
           <a:prstGeom prst="rect">
@@ -12860,8 +13154,8 @@
         </p:nvSpPr>
         <p:spPr>
           <a:xfrm>
-            <a:off x="3048000" y="3951982"/>
-            <a:ext cx="6248400" cy="1077218"/>
+            <a:off x="2590800" y="3951982"/>
+            <a:ext cx="6705600" cy="954107"/>
           </a:xfrm>
           <a:prstGeom prst="rect">
             <a:avLst/>
@@ -12874,95 +13168,191 @@
           <a:lstStyle/>
           <a:p>
             <a:r>
-              <a:rPr lang="en-US" sz="1600" dirty="0" smtClean="0"/>
+              <a:rPr lang="en-US" sz="1400" dirty="0" smtClean="0">
+                <a:latin typeface="Verdana" panose="020B0604030504040204" pitchFamily="34" charset="0"/>
+                <a:ea typeface="Verdana" panose="020B0604030504040204" pitchFamily="34" charset="0"/>
+                <a:cs typeface="Verdana" panose="020B0604030504040204" pitchFamily="34" charset="0"/>
+              </a:rPr>
               <a:t>$ g</a:t>
             </a:r>
             <a:r>
-              <a:rPr lang="en-US" sz="1600" dirty="0"/>
+              <a:rPr lang="en-US" sz="1400" dirty="0">
+                <a:latin typeface="Verdana" panose="020B0604030504040204" pitchFamily="34" charset="0"/>
+                <a:ea typeface="Verdana" panose="020B0604030504040204" pitchFamily="34" charset="0"/>
+                <a:cs typeface="Verdana" panose="020B0604030504040204" pitchFamily="34" charset="0"/>
+              </a:rPr>
               <a:t>++ -O3 t.cpp -S –</a:t>
             </a:r>
             <a:r>
-              <a:rPr lang="en-US" sz="1600" dirty="0" err="1"/>
+              <a:rPr lang="en-US" sz="1400" dirty="0" err="1">
+                <a:latin typeface="Verdana" panose="020B0604030504040204" pitchFamily="34" charset="0"/>
+                <a:ea typeface="Verdana" panose="020B0604030504040204" pitchFamily="34" charset="0"/>
+                <a:cs typeface="Verdana" panose="020B0604030504040204" pitchFamily="34" charset="0"/>
+              </a:rPr>
               <a:t>fno</a:t>
             </a:r>
             <a:r>
-              <a:rPr lang="en-US" sz="1600" dirty="0"/>
+              <a:rPr lang="en-US" sz="1400" dirty="0">
+                <a:latin typeface="Verdana" panose="020B0604030504040204" pitchFamily="34" charset="0"/>
+                <a:ea typeface="Verdana" panose="020B0604030504040204" pitchFamily="34" charset="0"/>
+                <a:cs typeface="Verdana" panose="020B0604030504040204" pitchFamily="34" charset="0"/>
+              </a:rPr>
               <a:t>-exceptions –</a:t>
             </a:r>
             <a:r>
-              <a:rPr lang="en-US" sz="1600" dirty="0" err="1"/>
+              <a:rPr lang="en-US" sz="1400" dirty="0" err="1">
+                <a:latin typeface="Verdana" panose="020B0604030504040204" pitchFamily="34" charset="0"/>
+                <a:ea typeface="Verdana" panose="020B0604030504040204" pitchFamily="34" charset="0"/>
+                <a:cs typeface="Verdana" panose="020B0604030504040204" pitchFamily="34" charset="0"/>
+              </a:rPr>
               <a:t>std</a:t>
             </a:r>
             <a:r>
-              <a:rPr lang="en-US" sz="1600" dirty="0"/>
+              <a:rPr lang="en-US" sz="1400" dirty="0">
+                <a:latin typeface="Verdana" panose="020B0604030504040204" pitchFamily="34" charset="0"/>
+                <a:ea typeface="Verdana" panose="020B0604030504040204" pitchFamily="34" charset="0"/>
+                <a:cs typeface="Verdana" panose="020B0604030504040204" pitchFamily="34" charset="0"/>
+              </a:rPr>
               <a:t>=</a:t>
             </a:r>
             <a:r>
-              <a:rPr lang="en-US" sz="1600" dirty="0" err="1"/>
+              <a:rPr lang="en-US" sz="1400" dirty="0" err="1">
+                <a:latin typeface="Verdana" panose="020B0604030504040204" pitchFamily="34" charset="0"/>
+                <a:ea typeface="Verdana" panose="020B0604030504040204" pitchFamily="34" charset="0"/>
+                <a:cs typeface="Verdana" panose="020B0604030504040204" pitchFamily="34" charset="0"/>
+              </a:rPr>
               <a:t>c++</a:t>
             </a:r>
             <a:r>
-              <a:rPr lang="en-US" sz="1600" dirty="0"/>
+              <a:rPr lang="en-US" sz="1400" dirty="0">
+                <a:latin typeface="Verdana" panose="020B0604030504040204" pitchFamily="34" charset="0"/>
+                <a:ea typeface="Verdana" panose="020B0604030504040204" pitchFamily="34" charset="0"/>
+                <a:cs typeface="Verdana" panose="020B0604030504040204" pitchFamily="34" charset="0"/>
+              </a:rPr>
               <a:t>11 -o - | grep _</a:t>
             </a:r>
             <a:r>
-              <a:rPr lang="en-US" sz="1600" dirty="0" err="1"/>
+              <a:rPr lang="en-US" sz="1400" dirty="0" err="1">
+                <a:latin typeface="Verdana" panose="020B0604030504040204" pitchFamily="34" charset="0"/>
+                <a:ea typeface="Verdana" panose="020B0604030504040204" pitchFamily="34" charset="0"/>
+                <a:cs typeface="Verdana" panose="020B0604030504040204" pitchFamily="34" charset="0"/>
+              </a:rPr>
               <a:t>ZdlPv</a:t>
             </a:r>
-            <a:endParaRPr lang="en-US" sz="1600" dirty="0"/>
-          </a:p>
-          <a:p>
-            <a:r>
-              <a:rPr lang="en-US" sz="1600" dirty="0"/>
+            <a:endParaRPr lang="en-US" sz="1400" dirty="0">
+              <a:latin typeface="Verdana" panose="020B0604030504040204" pitchFamily="34" charset="0"/>
+              <a:ea typeface="Verdana" panose="020B0604030504040204" pitchFamily="34" charset="0"/>
+              <a:cs typeface="Verdana" panose="020B0604030504040204" pitchFamily="34" charset="0"/>
+            </a:endParaRPr>
+          </a:p>
+          <a:p>
+            <a:r>
+              <a:rPr lang="en-US" sz="1400" dirty="0">
+                <a:latin typeface="Verdana" panose="020B0604030504040204" pitchFamily="34" charset="0"/>
+                <a:ea typeface="Verdana" panose="020B0604030504040204" pitchFamily="34" charset="0"/>
+                <a:cs typeface="Verdana" panose="020B0604030504040204" pitchFamily="34" charset="0"/>
+              </a:rPr>
               <a:t>        call    _</a:t>
             </a:r>
             <a:r>
-              <a:rPr lang="en-US" sz="1600" dirty="0" err="1"/>
+              <a:rPr lang="en-US" sz="1400" dirty="0" err="1">
+                <a:latin typeface="Verdana" panose="020B0604030504040204" pitchFamily="34" charset="0"/>
+                <a:ea typeface="Verdana" panose="020B0604030504040204" pitchFamily="34" charset="0"/>
+                <a:cs typeface="Verdana" panose="020B0604030504040204" pitchFamily="34" charset="0"/>
+              </a:rPr>
               <a:t>ZdlPv</a:t>
             </a:r>
-            <a:endParaRPr lang="en-US" sz="1600" dirty="0"/>
-          </a:p>
-          <a:p>
-            <a:endParaRPr lang="en-US" sz="1600" dirty="0" smtClean="0"/>
-          </a:p>
-          <a:p>
-            <a:r>
-              <a:rPr lang="en-US" sz="1600" dirty="0" smtClean="0"/>
+            <a:endParaRPr lang="en-US" sz="1400" dirty="0">
+              <a:latin typeface="Verdana" panose="020B0604030504040204" pitchFamily="34" charset="0"/>
+              <a:ea typeface="Verdana" panose="020B0604030504040204" pitchFamily="34" charset="0"/>
+              <a:cs typeface="Verdana" panose="020B0604030504040204" pitchFamily="34" charset="0"/>
+            </a:endParaRPr>
+          </a:p>
+          <a:p>
+            <a:endParaRPr lang="en-US" sz="1400" dirty="0" smtClean="0">
+              <a:latin typeface="Verdana" panose="020B0604030504040204" pitchFamily="34" charset="0"/>
+              <a:ea typeface="Verdana" panose="020B0604030504040204" pitchFamily="34" charset="0"/>
+              <a:cs typeface="Verdana" panose="020B0604030504040204" pitchFamily="34" charset="0"/>
+            </a:endParaRPr>
+          </a:p>
+          <a:p>
+            <a:r>
+              <a:rPr lang="en-US" sz="1400" dirty="0" smtClean="0">
+                <a:latin typeface="Verdana" panose="020B0604030504040204" pitchFamily="34" charset="0"/>
+                <a:ea typeface="Verdana" panose="020B0604030504040204" pitchFamily="34" charset="0"/>
+                <a:cs typeface="Verdana" panose="020B0604030504040204" pitchFamily="34" charset="0"/>
+              </a:rPr>
               <a:t>$ clang</a:t>
             </a:r>
             <a:r>
-              <a:rPr lang="en-US" sz="1600" dirty="0"/>
+              <a:rPr lang="en-US" sz="1400" dirty="0">
+                <a:latin typeface="Verdana" panose="020B0604030504040204" pitchFamily="34" charset="0"/>
+                <a:ea typeface="Verdana" panose="020B0604030504040204" pitchFamily="34" charset="0"/>
+                <a:cs typeface="Verdana" panose="020B0604030504040204" pitchFamily="34" charset="0"/>
+              </a:rPr>
               <a:t>++ -O3 t.cpp -S –</a:t>
             </a:r>
             <a:r>
-              <a:rPr lang="en-US" sz="1600" dirty="0" err="1"/>
+              <a:rPr lang="en-US" sz="1400" dirty="0" err="1">
+                <a:latin typeface="Verdana" panose="020B0604030504040204" pitchFamily="34" charset="0"/>
+                <a:ea typeface="Verdana" panose="020B0604030504040204" pitchFamily="34" charset="0"/>
+                <a:cs typeface="Verdana" panose="020B0604030504040204" pitchFamily="34" charset="0"/>
+              </a:rPr>
               <a:t>fno</a:t>
             </a:r>
             <a:r>
-              <a:rPr lang="en-US" sz="1600" dirty="0"/>
+              <a:rPr lang="en-US" sz="1400" dirty="0">
+                <a:latin typeface="Verdana" panose="020B0604030504040204" pitchFamily="34" charset="0"/>
+                <a:ea typeface="Verdana" panose="020B0604030504040204" pitchFamily="34" charset="0"/>
+                <a:cs typeface="Verdana" panose="020B0604030504040204" pitchFamily="34" charset="0"/>
+              </a:rPr>
               <a:t>-exceptions –</a:t>
             </a:r>
             <a:r>
-              <a:rPr lang="en-US" sz="1600" dirty="0" err="1"/>
+              <a:rPr lang="en-US" sz="1400" dirty="0" err="1">
+                <a:latin typeface="Verdana" panose="020B0604030504040204" pitchFamily="34" charset="0"/>
+                <a:ea typeface="Verdana" panose="020B0604030504040204" pitchFamily="34" charset="0"/>
+                <a:cs typeface="Verdana" panose="020B0604030504040204" pitchFamily="34" charset="0"/>
+              </a:rPr>
               <a:t>std</a:t>
             </a:r>
             <a:r>
-              <a:rPr lang="en-US" sz="1600" dirty="0"/>
+              <a:rPr lang="en-US" sz="1400" dirty="0">
+                <a:latin typeface="Verdana" panose="020B0604030504040204" pitchFamily="34" charset="0"/>
+                <a:ea typeface="Verdana" panose="020B0604030504040204" pitchFamily="34" charset="0"/>
+                <a:cs typeface="Verdana" panose="020B0604030504040204" pitchFamily="34" charset="0"/>
+              </a:rPr>
               <a:t>=</a:t>
             </a:r>
             <a:r>
-              <a:rPr lang="en-US" sz="1600" dirty="0" err="1"/>
+              <a:rPr lang="en-US" sz="1400" dirty="0" err="1">
+                <a:latin typeface="Verdana" panose="020B0604030504040204" pitchFamily="34" charset="0"/>
+                <a:ea typeface="Verdana" panose="020B0604030504040204" pitchFamily="34" charset="0"/>
+                <a:cs typeface="Verdana" panose="020B0604030504040204" pitchFamily="34" charset="0"/>
+              </a:rPr>
               <a:t>c++</a:t>
             </a:r>
             <a:r>
-              <a:rPr lang="en-US" sz="1600" dirty="0"/>
+              <a:rPr lang="en-US" sz="1400" dirty="0">
+                <a:latin typeface="Verdana" panose="020B0604030504040204" pitchFamily="34" charset="0"/>
+                <a:ea typeface="Verdana" panose="020B0604030504040204" pitchFamily="34" charset="0"/>
+                <a:cs typeface="Verdana" panose="020B0604030504040204" pitchFamily="34" charset="0"/>
+              </a:rPr>
               <a:t>11 -o - | grep _</a:t>
             </a:r>
             <a:r>
-              <a:rPr lang="en-US" sz="1600" dirty="0" err="1" smtClean="0"/>
+              <a:rPr lang="en-US" sz="1400" dirty="0" err="1" smtClean="0">
+                <a:latin typeface="Verdana" panose="020B0604030504040204" pitchFamily="34" charset="0"/>
+                <a:ea typeface="Verdana" panose="020B0604030504040204" pitchFamily="34" charset="0"/>
+                <a:cs typeface="Verdana" panose="020B0604030504040204" pitchFamily="34" charset="0"/>
+              </a:rPr>
               <a:t>ZdlPv</a:t>
             </a:r>
-            <a:endParaRPr lang="en-US" sz="1600" dirty="0"/>
+            <a:endParaRPr lang="en-US" sz="1400" dirty="0">
+              <a:latin typeface="Verdana" panose="020B0604030504040204" pitchFamily="34" charset="0"/>
+              <a:ea typeface="Verdana" panose="020B0604030504040204" pitchFamily="34" charset="0"/>
+              <a:cs typeface="Verdana" panose="020B0604030504040204" pitchFamily="34" charset="0"/>
+            </a:endParaRPr>
           </a:p>
         </p:txBody>
       </p:sp>
@@ -12974,7 +13364,7 @@
         </p:nvSpPr>
         <p:spPr>
           <a:xfrm>
-            <a:off x="457200" y="1600200"/>
+            <a:off x="76200" y="1600200"/>
             <a:ext cx="4572000" cy="2031325"/>
           </a:xfrm>
           <a:prstGeom prst="rect">
@@ -13087,8 +13477,8 @@
         </p:nvSpPr>
         <p:spPr>
           <a:xfrm>
-            <a:off x="2895600" y="2057400"/>
-            <a:ext cx="6324600" cy="1077218"/>
+            <a:off x="2590800" y="2057400"/>
+            <a:ext cx="6781800" cy="954107"/>
           </a:xfrm>
           <a:prstGeom prst="rect">
             <a:avLst/>
@@ -13101,103 +13491,207 @@
           <a:lstStyle/>
           <a:p>
             <a:r>
-              <a:rPr lang="en-US" sz="1600" dirty="0" smtClean="0"/>
+              <a:rPr lang="en-US" sz="1400" dirty="0" smtClean="0">
+                <a:latin typeface="Verdana" panose="020B0604030504040204" pitchFamily="34" charset="0"/>
+                <a:ea typeface="Verdana" panose="020B0604030504040204" pitchFamily="34" charset="0"/>
+                <a:cs typeface="Verdana" panose="020B0604030504040204" pitchFamily="34" charset="0"/>
+              </a:rPr>
               <a:t>$ g++ </a:t>
             </a:r>
             <a:r>
-              <a:rPr lang="en-US" sz="1600" dirty="0"/>
+              <a:rPr lang="en-US" sz="1400" dirty="0">
+                <a:latin typeface="Verdana" panose="020B0604030504040204" pitchFamily="34" charset="0"/>
+                <a:ea typeface="Verdana" panose="020B0604030504040204" pitchFamily="34" charset="0"/>
+                <a:cs typeface="Verdana" panose="020B0604030504040204" pitchFamily="34" charset="0"/>
+              </a:rPr>
               <a:t>-O3 t.cpp -S </a:t>
             </a:r>
             <a:r>
-              <a:rPr lang="en-US" sz="1600" dirty="0" smtClean="0"/>
+              <a:rPr lang="en-US" sz="1400" dirty="0" smtClean="0">
+                <a:latin typeface="Verdana" panose="020B0604030504040204" pitchFamily="34" charset="0"/>
+                <a:ea typeface="Verdana" panose="020B0604030504040204" pitchFamily="34" charset="0"/>
+                <a:cs typeface="Verdana" panose="020B0604030504040204" pitchFamily="34" charset="0"/>
+              </a:rPr>
               <a:t>–</a:t>
             </a:r>
             <a:r>
-              <a:rPr lang="en-US" sz="1600" dirty="0" err="1" smtClean="0"/>
+              <a:rPr lang="en-US" sz="1400" dirty="0" err="1" smtClean="0">
+                <a:latin typeface="Verdana" panose="020B0604030504040204" pitchFamily="34" charset="0"/>
+                <a:ea typeface="Verdana" panose="020B0604030504040204" pitchFamily="34" charset="0"/>
+                <a:cs typeface="Verdana" panose="020B0604030504040204" pitchFamily="34" charset="0"/>
+              </a:rPr>
               <a:t>fno</a:t>
             </a:r>
             <a:r>
-              <a:rPr lang="en-US" sz="1600" dirty="0" smtClean="0"/>
+              <a:rPr lang="en-US" sz="1400" dirty="0" smtClean="0">
+                <a:latin typeface="Verdana" panose="020B0604030504040204" pitchFamily="34" charset="0"/>
+                <a:ea typeface="Verdana" panose="020B0604030504040204" pitchFamily="34" charset="0"/>
+                <a:cs typeface="Verdana" panose="020B0604030504040204" pitchFamily="34" charset="0"/>
+              </a:rPr>
               <a:t>-exceptions –</a:t>
             </a:r>
             <a:r>
-              <a:rPr lang="en-US" sz="1600" dirty="0" err="1" smtClean="0"/>
+              <a:rPr lang="en-US" sz="1400" dirty="0" err="1" smtClean="0">
+                <a:latin typeface="Verdana" panose="020B0604030504040204" pitchFamily="34" charset="0"/>
+                <a:ea typeface="Verdana" panose="020B0604030504040204" pitchFamily="34" charset="0"/>
+                <a:cs typeface="Verdana" panose="020B0604030504040204" pitchFamily="34" charset="0"/>
+              </a:rPr>
               <a:t>std</a:t>
             </a:r>
             <a:r>
-              <a:rPr lang="en-US" sz="1600" dirty="0" smtClean="0"/>
+              <a:rPr lang="en-US" sz="1400" dirty="0" smtClean="0">
+                <a:latin typeface="Verdana" panose="020B0604030504040204" pitchFamily="34" charset="0"/>
+                <a:ea typeface="Verdana" panose="020B0604030504040204" pitchFamily="34" charset="0"/>
+                <a:cs typeface="Verdana" panose="020B0604030504040204" pitchFamily="34" charset="0"/>
+              </a:rPr>
               <a:t>=</a:t>
             </a:r>
             <a:r>
-              <a:rPr lang="en-US" sz="1600" dirty="0" err="1" smtClean="0"/>
+              <a:rPr lang="en-US" sz="1400" dirty="0" err="1" smtClean="0">
+                <a:latin typeface="Verdana" panose="020B0604030504040204" pitchFamily="34" charset="0"/>
+                <a:ea typeface="Verdana" panose="020B0604030504040204" pitchFamily="34" charset="0"/>
+                <a:cs typeface="Verdana" panose="020B0604030504040204" pitchFamily="34" charset="0"/>
+              </a:rPr>
               <a:t>c++</a:t>
             </a:r>
             <a:r>
-              <a:rPr lang="en-US" sz="1600" dirty="0" smtClean="0"/>
+              <a:rPr lang="en-US" sz="1400" dirty="0" smtClean="0">
+                <a:latin typeface="Verdana" panose="020B0604030504040204" pitchFamily="34" charset="0"/>
+                <a:ea typeface="Verdana" panose="020B0604030504040204" pitchFamily="34" charset="0"/>
+                <a:cs typeface="Verdana" panose="020B0604030504040204" pitchFamily="34" charset="0"/>
+              </a:rPr>
               <a:t>11 -o </a:t>
             </a:r>
             <a:r>
-              <a:rPr lang="en-US" sz="1600" dirty="0"/>
+              <a:rPr lang="en-US" sz="1400" dirty="0">
+                <a:latin typeface="Verdana" panose="020B0604030504040204" pitchFamily="34" charset="0"/>
+                <a:ea typeface="Verdana" panose="020B0604030504040204" pitchFamily="34" charset="0"/>
+                <a:cs typeface="Verdana" panose="020B0604030504040204" pitchFamily="34" charset="0"/>
+              </a:rPr>
               <a:t>- | grep _</a:t>
             </a:r>
             <a:r>
-              <a:rPr lang="en-US" sz="1600" dirty="0" err="1" smtClean="0"/>
+              <a:rPr lang="en-US" sz="1400" dirty="0" err="1" smtClean="0">
+                <a:latin typeface="Verdana" panose="020B0604030504040204" pitchFamily="34" charset="0"/>
+                <a:ea typeface="Verdana" panose="020B0604030504040204" pitchFamily="34" charset="0"/>
+                <a:cs typeface="Verdana" panose="020B0604030504040204" pitchFamily="34" charset="0"/>
+              </a:rPr>
               <a:t>ZdlPv</a:t>
             </a:r>
-            <a:endParaRPr lang="en-US" sz="1600" dirty="0" smtClean="0"/>
-          </a:p>
-          <a:p>
-            <a:endParaRPr lang="en-US" sz="1600" dirty="0" smtClean="0"/>
-          </a:p>
-          <a:p>
-            <a:r>
-              <a:rPr lang="en-US" sz="1600" dirty="0" smtClean="0"/>
+            <a:endParaRPr lang="en-US" sz="1400" dirty="0" smtClean="0">
+              <a:latin typeface="Verdana" panose="020B0604030504040204" pitchFamily="34" charset="0"/>
+              <a:ea typeface="Verdana" panose="020B0604030504040204" pitchFamily="34" charset="0"/>
+              <a:cs typeface="Verdana" panose="020B0604030504040204" pitchFamily="34" charset="0"/>
+            </a:endParaRPr>
+          </a:p>
+          <a:p>
+            <a:endParaRPr lang="en-US" sz="1400" dirty="0" smtClean="0">
+              <a:latin typeface="Verdana" panose="020B0604030504040204" pitchFamily="34" charset="0"/>
+              <a:ea typeface="Verdana" panose="020B0604030504040204" pitchFamily="34" charset="0"/>
+              <a:cs typeface="Verdana" panose="020B0604030504040204" pitchFamily="34" charset="0"/>
+            </a:endParaRPr>
+          </a:p>
+          <a:p>
+            <a:r>
+              <a:rPr lang="en-US" sz="1400" dirty="0" smtClean="0">
+                <a:latin typeface="Verdana" panose="020B0604030504040204" pitchFamily="34" charset="0"/>
+                <a:ea typeface="Verdana" panose="020B0604030504040204" pitchFamily="34" charset="0"/>
+                <a:cs typeface="Verdana" panose="020B0604030504040204" pitchFamily="34" charset="0"/>
+              </a:rPr>
               <a:t>$ clang</a:t>
             </a:r>
             <a:r>
-              <a:rPr lang="en-US" sz="1600" dirty="0"/>
+              <a:rPr lang="en-US" sz="1400" dirty="0">
+                <a:latin typeface="Verdana" panose="020B0604030504040204" pitchFamily="34" charset="0"/>
+                <a:ea typeface="Verdana" panose="020B0604030504040204" pitchFamily="34" charset="0"/>
+                <a:cs typeface="Verdana" panose="020B0604030504040204" pitchFamily="34" charset="0"/>
+              </a:rPr>
               <a:t>++ -O3 t.cpp -S –</a:t>
             </a:r>
             <a:r>
-              <a:rPr lang="en-US" sz="1600" dirty="0" err="1"/>
+              <a:rPr lang="en-US" sz="1400" dirty="0" err="1">
+                <a:latin typeface="Verdana" panose="020B0604030504040204" pitchFamily="34" charset="0"/>
+                <a:ea typeface="Verdana" panose="020B0604030504040204" pitchFamily="34" charset="0"/>
+                <a:cs typeface="Verdana" panose="020B0604030504040204" pitchFamily="34" charset="0"/>
+              </a:rPr>
               <a:t>fno</a:t>
             </a:r>
             <a:r>
-              <a:rPr lang="en-US" sz="1600" dirty="0"/>
+              <a:rPr lang="en-US" sz="1400" dirty="0">
+                <a:latin typeface="Verdana" panose="020B0604030504040204" pitchFamily="34" charset="0"/>
+                <a:ea typeface="Verdana" panose="020B0604030504040204" pitchFamily="34" charset="0"/>
+                <a:cs typeface="Verdana" panose="020B0604030504040204" pitchFamily="34" charset="0"/>
+              </a:rPr>
               <a:t>-exceptions –</a:t>
             </a:r>
             <a:r>
-              <a:rPr lang="en-US" sz="1600" dirty="0" err="1"/>
+              <a:rPr lang="en-US" sz="1400" dirty="0" err="1">
+                <a:latin typeface="Verdana" panose="020B0604030504040204" pitchFamily="34" charset="0"/>
+                <a:ea typeface="Verdana" panose="020B0604030504040204" pitchFamily="34" charset="0"/>
+                <a:cs typeface="Verdana" panose="020B0604030504040204" pitchFamily="34" charset="0"/>
+              </a:rPr>
               <a:t>std</a:t>
             </a:r>
             <a:r>
-              <a:rPr lang="en-US" sz="1600" dirty="0"/>
+              <a:rPr lang="en-US" sz="1400" dirty="0">
+                <a:latin typeface="Verdana" panose="020B0604030504040204" pitchFamily="34" charset="0"/>
+                <a:ea typeface="Verdana" panose="020B0604030504040204" pitchFamily="34" charset="0"/>
+                <a:cs typeface="Verdana" panose="020B0604030504040204" pitchFamily="34" charset="0"/>
+              </a:rPr>
               <a:t>=</a:t>
             </a:r>
             <a:r>
-              <a:rPr lang="en-US" sz="1600" dirty="0" err="1"/>
+              <a:rPr lang="en-US" sz="1400" dirty="0" err="1">
+                <a:latin typeface="Verdana" panose="020B0604030504040204" pitchFamily="34" charset="0"/>
+                <a:ea typeface="Verdana" panose="020B0604030504040204" pitchFamily="34" charset="0"/>
+                <a:cs typeface="Verdana" panose="020B0604030504040204" pitchFamily="34" charset="0"/>
+              </a:rPr>
               <a:t>c++</a:t>
             </a:r>
             <a:r>
-              <a:rPr lang="en-US" sz="1600" dirty="0"/>
+              <a:rPr lang="en-US" sz="1400" dirty="0">
+                <a:latin typeface="Verdana" panose="020B0604030504040204" pitchFamily="34" charset="0"/>
+                <a:ea typeface="Verdana" panose="020B0604030504040204" pitchFamily="34" charset="0"/>
+                <a:cs typeface="Verdana" panose="020B0604030504040204" pitchFamily="34" charset="0"/>
+              </a:rPr>
               <a:t>11 -o - | grep _</a:t>
             </a:r>
             <a:r>
-              <a:rPr lang="en-US" sz="1600" dirty="0" err="1" smtClean="0"/>
+              <a:rPr lang="en-US" sz="1400" dirty="0" err="1" smtClean="0">
+                <a:latin typeface="Verdana" panose="020B0604030504040204" pitchFamily="34" charset="0"/>
+                <a:ea typeface="Verdana" panose="020B0604030504040204" pitchFamily="34" charset="0"/>
+                <a:cs typeface="Verdana" panose="020B0604030504040204" pitchFamily="34" charset="0"/>
+              </a:rPr>
               <a:t>ZdlPv</a:t>
             </a:r>
-            <a:endParaRPr lang="en-US" sz="1600" dirty="0" smtClean="0"/>
-          </a:p>
-          <a:p>
-            <a:r>
-              <a:rPr lang="en-US" sz="1600" dirty="0" smtClean="0"/>
+            <a:endParaRPr lang="en-US" sz="1400" dirty="0" smtClean="0">
+              <a:latin typeface="Verdana" panose="020B0604030504040204" pitchFamily="34" charset="0"/>
+              <a:ea typeface="Verdana" panose="020B0604030504040204" pitchFamily="34" charset="0"/>
+              <a:cs typeface="Verdana" panose="020B0604030504040204" pitchFamily="34" charset="0"/>
+            </a:endParaRPr>
+          </a:p>
+          <a:p>
+            <a:r>
+              <a:rPr lang="en-US" sz="1400" dirty="0" smtClean="0">
+                <a:latin typeface="Verdana" panose="020B0604030504040204" pitchFamily="34" charset="0"/>
+                <a:ea typeface="Verdana" panose="020B0604030504040204" pitchFamily="34" charset="0"/>
+                <a:cs typeface="Verdana" panose="020B0604030504040204" pitchFamily="34" charset="0"/>
+              </a:rPr>
               <a:t>        call    _</a:t>
             </a:r>
             <a:r>
-              <a:rPr lang="en-US" sz="1600" dirty="0" err="1" smtClean="0"/>
+              <a:rPr lang="en-US" sz="1400" dirty="0" err="1" smtClean="0">
+                <a:latin typeface="Verdana" panose="020B0604030504040204" pitchFamily="34" charset="0"/>
+                <a:ea typeface="Verdana" panose="020B0604030504040204" pitchFamily="34" charset="0"/>
+                <a:cs typeface="Verdana" panose="020B0604030504040204" pitchFamily="34" charset="0"/>
+              </a:rPr>
               <a:t>ZdlPv</a:t>
             </a:r>
-            <a:endParaRPr lang="en-US" sz="1600" dirty="0" smtClean="0"/>
+            <a:endParaRPr lang="en-US" sz="1400" dirty="0" smtClean="0">
+              <a:latin typeface="Verdana" panose="020B0604030504040204" pitchFamily="34" charset="0"/>
+              <a:ea typeface="Verdana" panose="020B0604030504040204" pitchFamily="34" charset="0"/>
+              <a:cs typeface="Verdana" panose="020B0604030504040204" pitchFamily="34" charset="0"/>
+            </a:endParaRPr>
           </a:p>
         </p:txBody>
       </p:sp>
@@ -13250,12 +13744,18 @@
         </p:nvSpPr>
         <p:spPr/>
         <p:txBody>
-          <a:bodyPr/>
+          <a:bodyPr>
+            <a:normAutofit/>
+          </a:bodyPr>
           <a:lstStyle/>
           <a:p>
             <a:r>
+              <a:rPr lang="en-US" dirty="0"/>
+              <a:t>Lessons </a:t>
+            </a:r>
+            <a:r>
               <a:rPr lang="en-US" dirty="0" smtClean="0"/>
-              <a:t>Algorithms</a:t>
+              <a:t>learned (Language/Library)</a:t>
             </a:r>
             <a:endParaRPr lang="en-US" dirty="0"/>
           </a:p>
@@ -13273,55 +13773,101 @@
         </p:nvSpPr>
         <p:spPr/>
         <p:txBody>
-          <a:bodyPr/>
+          <a:bodyPr>
+            <a:normAutofit/>
+          </a:bodyPr>
           <a:lstStyle/>
           <a:p>
             <a:r>
+              <a:rPr lang="en-US" dirty="0" smtClean="0"/>
+              <a:t>The constructor and destructor cannot be </a:t>
+            </a:r>
+            <a:r>
               <a:rPr lang="en-US" dirty="0" err="1" smtClean="0"/>
-              <a:t>std</a:t>
+              <a:t>const</a:t>
             </a:r>
             <a:r>
               <a:rPr lang="en-US" dirty="0" smtClean="0"/>
-              <a:t>::find may not always be the right choice</a:t>
-            </a:r>
-          </a:p>
-          <a:p>
+              <a:t> qualified*</a:t>
+            </a:r>
+          </a:p>
+          <a:p>
+            <a:r>
+              <a:rPr lang="en-US" dirty="0"/>
+              <a:t>Iterator based algorithms can lose information and hence, can result </a:t>
+            </a:r>
             <a:r>
               <a:rPr lang="en-US" dirty="0" smtClean="0"/>
-              <a:t>Rotate but not </a:t>
-            </a:r>
-            <a:r>
-              <a:rPr lang="en-US" dirty="0" err="1" smtClean="0"/>
-              <a:t>std</a:t>
-            </a:r>
-            <a:r>
-              <a:rPr lang="en-US" dirty="0" smtClean="0"/>
-              <a:t>::rotate on linked lists</a:t>
-            </a:r>
-          </a:p>
-          <a:p>
-            <a:r>
-              <a:rPr lang="en-US" dirty="0" smtClean="0"/>
-              <a:t>Consider using </a:t>
-            </a:r>
-            <a:r>
-              <a:rPr lang="en-US" dirty="0" err="1" smtClean="0"/>
-              <a:t>unordered_map</a:t>
-            </a:r>
-            <a:r>
-              <a:rPr lang="en-US" dirty="0" smtClean="0"/>
-              <a:t>/ </a:t>
-            </a:r>
-            <a:r>
-              <a:rPr lang="en-US" dirty="0" err="1" smtClean="0"/>
-              <a:t>unordered_set</a:t>
-            </a:r>
-            <a:r>
-              <a:rPr lang="en-US" dirty="0" smtClean="0"/>
-              <a:t> instead of map/set</a:t>
-            </a:r>
-          </a:p>
-          <a:p>
+              <a:t>in suboptimal performance</a:t>
+            </a:r>
+          </a:p>
+          <a:p>
+            <a:endParaRPr lang="en-US" dirty="0"/>
+          </a:p>
+          <a:p>
+            <a:endParaRPr lang="en-US" sz="1600" dirty="0" smtClean="0">
+              <a:hlinkClick r:id="rId2"/>
+            </a:endParaRPr>
+          </a:p>
+          <a:p>
+            <a:endParaRPr lang="en-US" sz="1600" dirty="0">
+              <a:hlinkClick r:id="rId2"/>
+            </a:endParaRPr>
+          </a:p>
+          <a:p>
+            <a:pPr marL="0" indent="0">
+              <a:buNone/>
+            </a:pPr>
+            <a:r>
+              <a:rPr lang="en-US" sz="1600" dirty="0" smtClean="0"/>
+              <a:t>(*) </a:t>
+            </a:r>
+            <a:r>
+              <a:rPr lang="en-US" sz="1600" dirty="0" err="1" smtClean="0"/>
+              <a:t>Kevlin</a:t>
+            </a:r>
+            <a:r>
+              <a:rPr lang="en-US" sz="1600" dirty="0" smtClean="0"/>
+              <a:t> </a:t>
+            </a:r>
+            <a:r>
+              <a:rPr lang="en-US" sz="1600" dirty="0" err="1" smtClean="0"/>
+              <a:t>Henney</a:t>
+            </a:r>
+            <a:r>
+              <a:rPr lang="en-US" sz="1600" dirty="0" smtClean="0"/>
+              <a:t>: </a:t>
+            </a:r>
+            <a:r>
+              <a:rPr lang="en-US" sz="1600" dirty="0" smtClean="0">
+                <a:hlinkClick r:id="rId2"/>
+              </a:rPr>
+              <a:t>http</a:t>
+            </a:r>
+            <a:r>
+              <a:rPr lang="en-US" sz="1600" dirty="0">
+                <a:hlinkClick r:id="rId2"/>
+              </a:rPr>
+              <a:t>://</a:t>
+            </a:r>
+            <a:r>
+              <a:rPr lang="en-US" sz="1600" dirty="0" smtClean="0">
+                <a:hlinkClick r:id="rId2"/>
+              </a:rPr>
+              <a:t>www.open-std.org/jtc1/sc22/wg21/docs/papers/1995/N0798.htm</a:t>
+            </a:r>
+            <a:endParaRPr lang="en-US" sz="1600" dirty="0" smtClean="0"/>
+          </a:p>
+          <a:p>
+            <a:pPr marL="0" indent="0">
+              <a:buNone/>
+            </a:pPr>
+            <a:endParaRPr lang="en-US" sz="1600" dirty="0" smtClean="0"/>
+          </a:p>
+          <a:p>
+            <a:pPr marL="0" indent="0">
+              <a:buNone/>
+            </a:pPr>
             <a:endParaRPr lang="en-US" dirty="0"/>
           </a:p>
         </p:txBody>
@@ -13329,7 +13875,7 @@
     </p:spTree>
     <p:extLst>
       <p:ext uri="{BB962C8B-B14F-4D97-AF65-F5344CB8AC3E}">
-        <p14:creationId xmlns:p14="http://schemas.microsoft.com/office/powerpoint/2010/main" val="605603655"/>
+        <p14:creationId xmlns:p14="http://schemas.microsoft.com/office/powerpoint/2010/main" val="2407417294"/>
       </p:ext>
     </p:extLst>
   </p:cSld>
@@ -15734,12 +16280,25 @@
         </p:nvSpPr>
         <p:spPr/>
         <p:txBody>
-          <a:bodyPr/>
+          <a:bodyPr>
+            <a:normAutofit fontScale="90000"/>
+          </a:bodyPr>
           <a:lstStyle/>
           <a:p>
             <a:r>
               <a:rPr lang="en-US" dirty="0" smtClean="0"/>
-              <a:t>Size (in bytes) of empty containers</a:t>
+              <a:t>Size (in bytes) of empty </a:t>
+            </a:r>
+            <a:r>
+              <a:rPr lang="en-US" dirty="0" smtClean="0"/>
+              <a:t>containers</a:t>
+            </a:r>
+            <a:br>
+              <a:rPr lang="en-US" dirty="0" smtClean="0"/>
+            </a:br>
+            <a:r>
+              <a:rPr lang="en-US" dirty="0" smtClean="0"/>
+              <a:t>64 bit</a:t>
             </a:r>
             <a:endParaRPr lang="en-US" dirty="0"/>
           </a:p>
@@ -17511,7 +18070,7 @@
           <p:nvPr>
             <p:extLst>
               <p:ext uri="{D42A27DB-BD31-4B8C-83A1-F6EECF244321}">
-                <p14:modId xmlns:p14="http://schemas.microsoft.com/office/powerpoint/2010/main" val="1104531396"/>
+                <p14:modId xmlns:p14="http://schemas.microsoft.com/office/powerpoint/2010/main" val="4037951595"/>
               </p:ext>
             </p:extLst>
           </p:nvPr>
@@ -17673,6 +18232,16 @@
                           <a:ea typeface="Verdana" panose="020B0604030504040204" pitchFamily="34" charset="0"/>
                           <a:cs typeface="Verdana" panose="020B0604030504040204" pitchFamily="34" charset="0"/>
                         </a:rPr>
+                        <a:t>  </a:t>
+                      </a:r>
+                    </a:p>
+                    <a:p>
+                      <a:r>
+                        <a:rPr lang="en-US" sz="1000" dirty="0" smtClean="0">
+                          <a:latin typeface="Verdana" panose="020B0604030504040204" pitchFamily="34" charset="0"/>
+                          <a:ea typeface="Verdana" panose="020B0604030504040204" pitchFamily="34" charset="0"/>
+                          <a:cs typeface="Verdana" panose="020B0604030504040204" pitchFamily="34" charset="0"/>
+                        </a:rPr>
                         <a:t>  test() {}</a:t>
                       </a:r>
                     </a:p>
@@ -17692,15 +18261,13 @@
                         </a:rPr>
                         <a:t>  void</a:t>
                       </a:r>
-                    </a:p>
-                    <a:p>
-                      <a:r>
-                        <a:rPr lang="en-US" sz="1000" dirty="0" smtClean="0">
+                      <a:r>
+                        <a:rPr lang="en-US" sz="1000" baseline="0" dirty="0" smtClean="0">
                           <a:latin typeface="Verdana" panose="020B0604030504040204" pitchFamily="34" charset="0"/>
                           <a:ea typeface="Verdana" panose="020B0604030504040204" pitchFamily="34" charset="0"/>
                           <a:cs typeface="Verdana" panose="020B0604030504040204" pitchFamily="34" charset="0"/>
                         </a:rPr>
-                        <a:t>  </a:t>
+                        <a:t> </a:t>
                       </a:r>
                       <a:r>
                         <a:rPr lang="en-US" sz="1000" dirty="0" err="1" smtClean="0">
@@ -17951,6 +18518,16 @@
                       </a:r>
                     </a:p>
                     <a:p>
+                      <a:endParaRPr lang="en-US" sz="1000" kern="1200" dirty="0" smtClean="0">
+                        <a:solidFill>
+                          <a:schemeClr val="tx1"/>
+                        </a:solidFill>
+                        <a:latin typeface="Verdana" panose="020B0604030504040204" pitchFamily="34" charset="0"/>
+                        <a:ea typeface="Verdana" panose="020B0604030504040204" pitchFamily="34" charset="0"/>
+                        <a:cs typeface="Verdana" panose="020B0604030504040204" pitchFamily="34" charset="0"/>
+                      </a:endParaRPr>
+                    </a:p>
+                    <a:p>
                       <a:r>
                         <a:rPr lang="en-US" sz="1000" kern="1200" dirty="0" smtClean="0">
                           <a:solidFill>
@@ -18120,6 +18697,16 @@
                         </a:rPr>
                         <a:t>, N);</a:t>
                       </a:r>
+                    </a:p>
+                    <a:p>
+                      <a:endParaRPr lang="en-US" sz="1000" kern="1200" dirty="0" smtClean="0">
+                        <a:solidFill>
+                          <a:schemeClr val="tx1"/>
+                        </a:solidFill>
+                        <a:latin typeface="Verdana" panose="020B0604030504040204" pitchFamily="34" charset="0"/>
+                        <a:ea typeface="Verdana" panose="020B0604030504040204" pitchFamily="34" charset="0"/>
+                        <a:cs typeface="Verdana" panose="020B0604030504040204" pitchFamily="34" charset="0"/>
+                      </a:endParaRPr>
                     </a:p>
                     <a:p>
                       <a:r>

--- a/docs/slides/slide-cppnow.pptx
+++ b/docs/slides/slide-cppnow.pptx
@@ -5,38 +5,39 @@
     <p:sldMasterId id="2147483648" r:id="rId1"/>
   </p:sldMasterIdLst>
   <p:notesMasterIdLst>
-    <p:notesMasterId r:id="rId31"/>
+    <p:notesMasterId r:id="rId32"/>
   </p:notesMasterIdLst>
   <p:sldIdLst>
     <p:sldId id="256" r:id="rId2"/>
-    <p:sldId id="258" r:id="rId3"/>
-    <p:sldId id="276" r:id="rId4"/>
-    <p:sldId id="278" r:id="rId5"/>
-    <p:sldId id="263" r:id="rId6"/>
-    <p:sldId id="264" r:id="rId7"/>
-    <p:sldId id="265" r:id="rId8"/>
-    <p:sldId id="257" r:id="rId9"/>
-    <p:sldId id="259" r:id="rId10"/>
-    <p:sldId id="261" r:id="rId11"/>
-    <p:sldId id="280" r:id="rId12"/>
-    <p:sldId id="266" r:id="rId13"/>
-    <p:sldId id="273" r:id="rId14"/>
-    <p:sldId id="275" r:id="rId15"/>
-    <p:sldId id="290" r:id="rId16"/>
-    <p:sldId id="289" r:id="rId17"/>
-    <p:sldId id="292" r:id="rId18"/>
-    <p:sldId id="293" r:id="rId19"/>
-    <p:sldId id="294" r:id="rId20"/>
-    <p:sldId id="283" r:id="rId21"/>
-    <p:sldId id="286" r:id="rId22"/>
-    <p:sldId id="272" r:id="rId23"/>
-    <p:sldId id="267" r:id="rId24"/>
-    <p:sldId id="270" r:id="rId25"/>
-    <p:sldId id="281" r:id="rId26"/>
-    <p:sldId id="288" r:id="rId27"/>
-    <p:sldId id="287" r:id="rId28"/>
-    <p:sldId id="279" r:id="rId29"/>
-    <p:sldId id="262" r:id="rId30"/>
+    <p:sldId id="295" r:id="rId3"/>
+    <p:sldId id="258" r:id="rId4"/>
+    <p:sldId id="276" r:id="rId5"/>
+    <p:sldId id="278" r:id="rId6"/>
+    <p:sldId id="263" r:id="rId7"/>
+    <p:sldId id="264" r:id="rId8"/>
+    <p:sldId id="265" r:id="rId9"/>
+    <p:sldId id="257" r:id="rId10"/>
+    <p:sldId id="259" r:id="rId11"/>
+    <p:sldId id="261" r:id="rId12"/>
+    <p:sldId id="280" r:id="rId13"/>
+    <p:sldId id="266" r:id="rId14"/>
+    <p:sldId id="273" r:id="rId15"/>
+    <p:sldId id="275" r:id="rId16"/>
+    <p:sldId id="290" r:id="rId17"/>
+    <p:sldId id="289" r:id="rId18"/>
+    <p:sldId id="292" r:id="rId19"/>
+    <p:sldId id="293" r:id="rId20"/>
+    <p:sldId id="294" r:id="rId21"/>
+    <p:sldId id="283" r:id="rId22"/>
+    <p:sldId id="286" r:id="rId23"/>
+    <p:sldId id="272" r:id="rId24"/>
+    <p:sldId id="267" r:id="rId25"/>
+    <p:sldId id="270" r:id="rId26"/>
+    <p:sldId id="281" r:id="rId27"/>
+    <p:sldId id="288" r:id="rId28"/>
+    <p:sldId id="287" r:id="rId29"/>
+    <p:sldId id="279" r:id="rId30"/>
+    <p:sldId id="262" r:id="rId31"/>
   </p:sldIdLst>
   <p:sldSz cx="9144000" cy="6858000" type="screen4x3"/>
   <p:notesSz cx="6858000" cy="9144000"/>
@@ -173,7 +174,6 @@
           </a:p>
         </c:rich>
       </c:tx>
-      <c:layout/>
       <c:overlay val="0"/>
     </c:title>
     <c:autoTitleDeleted val="0"/>
@@ -340,11 +340,11 @@
         </c:dLbls>
         <c:marker val="1"/>
         <c:smooth val="0"/>
-        <c:axId val="75410432"/>
-        <c:axId val="77485184"/>
+        <c:axId val="66648320"/>
+        <c:axId val="34668928"/>
       </c:lineChart>
       <c:catAx>
-        <c:axId val="75410432"/>
+        <c:axId val="66648320"/>
         <c:scaling>
           <c:orientation val="minMax"/>
         </c:scaling>
@@ -367,14 +367,13 @@
               </a:p>
             </c:rich>
           </c:tx>
-          <c:layout/>
           <c:overlay val="0"/>
         </c:title>
         <c:numFmt formatCode="General" sourceLinked="1"/>
         <c:majorTickMark val="out"/>
         <c:minorTickMark val="none"/>
         <c:tickLblPos val="nextTo"/>
-        <c:crossAx val="77485184"/>
+        <c:crossAx val="34668928"/>
         <c:crosses val="autoZero"/>
         <c:auto val="1"/>
         <c:lblAlgn val="ctr"/>
@@ -382,7 +381,7 @@
         <c:noMultiLvlLbl val="0"/>
       </c:catAx>
       <c:valAx>
-        <c:axId val="77485184"/>
+        <c:axId val="34668928"/>
         <c:scaling>
           <c:orientation val="minMax"/>
         </c:scaling>
@@ -393,7 +392,7 @@
         <c:majorTickMark val="out"/>
         <c:minorTickMark val="none"/>
         <c:tickLblPos val="nextTo"/>
-        <c:crossAx val="75410432"/>
+        <c:crossAx val="66648320"/>
         <c:crosses val="autoZero"/>
         <c:crossBetween val="between"/>
         <c:dispUnits>
@@ -491,7 +490,6 @@
           </a:p>
         </c:rich>
       </c:tx>
-      <c:layout/>
       <c:overlay val="0"/>
     </c:title>
     <c:autoTitleDeleted val="0"/>
@@ -658,11 +656,11 @@
         </c:dLbls>
         <c:marker val="1"/>
         <c:smooth val="0"/>
-        <c:axId val="77512704"/>
-        <c:axId val="77514624"/>
+        <c:axId val="34688000"/>
+        <c:axId val="34706560"/>
       </c:lineChart>
       <c:catAx>
-        <c:axId val="77512704"/>
+        <c:axId val="34688000"/>
         <c:scaling>
           <c:orientation val="minMax"/>
         </c:scaling>
@@ -689,14 +687,13 @@
               </a:p>
             </c:rich>
           </c:tx>
-          <c:layout/>
           <c:overlay val="0"/>
         </c:title>
         <c:numFmt formatCode="General" sourceLinked="1"/>
         <c:majorTickMark val="out"/>
         <c:minorTickMark val="none"/>
         <c:tickLblPos val="nextTo"/>
-        <c:crossAx val="77514624"/>
+        <c:crossAx val="34706560"/>
         <c:crosses val="autoZero"/>
         <c:auto val="1"/>
         <c:lblAlgn val="ctr"/>
@@ -704,7 +701,7 @@
         <c:noMultiLvlLbl val="0"/>
       </c:catAx>
       <c:valAx>
-        <c:axId val="77514624"/>
+        <c:axId val="34706560"/>
         <c:scaling>
           <c:orientation val="minMax"/>
         </c:scaling>
@@ -715,7 +712,7 @@
         <c:majorTickMark val="out"/>
         <c:minorTickMark val="none"/>
         <c:tickLblPos val="nextTo"/>
-        <c:crossAx val="77512704"/>
+        <c:crossAx val="34688000"/>
         <c:crosses val="autoZero"/>
         <c:crossBetween val="between"/>
         <c:dispUnits>
@@ -960,11 +957,11 @@
         </c:dLbls>
         <c:marker val="1"/>
         <c:smooth val="0"/>
-        <c:axId val="77628160"/>
-        <c:axId val="77629696"/>
+        <c:axId val="35602432"/>
+        <c:axId val="35603968"/>
       </c:lineChart>
       <c:catAx>
-        <c:axId val="77628160"/>
+        <c:axId val="35602432"/>
         <c:scaling>
           <c:orientation val="minMax"/>
         </c:scaling>
@@ -984,7 +981,7 @@
             <a:endParaRPr lang="en-US"/>
           </a:p>
         </c:txPr>
-        <c:crossAx val="77629696"/>
+        <c:crossAx val="35603968"/>
         <c:crosses val="autoZero"/>
         <c:auto val="1"/>
         <c:lblAlgn val="ctr"/>
@@ -992,7 +989,7 @@
         <c:noMultiLvlLbl val="0"/>
       </c:catAx>
       <c:valAx>
-        <c:axId val="77629696"/>
+        <c:axId val="35603968"/>
         <c:scaling>
           <c:orientation val="minMax"/>
         </c:scaling>
@@ -1019,14 +1016,13 @@
               </a:p>
             </c:rich>
           </c:tx>
-          <c:layout/>
           <c:overlay val="0"/>
         </c:title>
         <c:numFmt formatCode="General" sourceLinked="1"/>
         <c:majorTickMark val="none"/>
         <c:minorTickMark val="none"/>
         <c:tickLblPos val="nextTo"/>
-        <c:crossAx val="77628160"/>
+        <c:crossAx val="35602432"/>
         <c:crosses val="autoZero"/>
         <c:crossBetween val="between"/>
         <c:dispUnits>
@@ -1443,11 +1439,11 @@
         </c:dLbls>
         <c:marker val="1"/>
         <c:smooth val="0"/>
-        <c:axId val="78196096"/>
-        <c:axId val="78197888"/>
+        <c:axId val="35920512"/>
+        <c:axId val="35926400"/>
       </c:lineChart>
       <c:catAx>
-        <c:axId val="78196096"/>
+        <c:axId val="35920512"/>
         <c:scaling>
           <c:orientation val="minMax"/>
         </c:scaling>
@@ -1466,7 +1462,7 @@
             <a:endParaRPr lang="en-US"/>
           </a:p>
         </c:txPr>
-        <c:crossAx val="78197888"/>
+        <c:crossAx val="35926400"/>
         <c:crosses val="autoZero"/>
         <c:auto val="1"/>
         <c:lblAlgn val="ctr"/>
@@ -1474,7 +1470,7 @@
         <c:noMultiLvlLbl val="0"/>
       </c:catAx>
       <c:valAx>
-        <c:axId val="78197888"/>
+        <c:axId val="35926400"/>
         <c:scaling>
           <c:logBase val="10"/>
           <c:orientation val="minMax"/>
@@ -1506,14 +1502,13 @@
               </a:p>
             </c:rich>
           </c:tx>
-          <c:layout/>
           <c:overlay val="0"/>
         </c:title>
         <c:numFmt formatCode="General" sourceLinked="1"/>
         <c:majorTickMark val="none"/>
         <c:minorTickMark val="none"/>
         <c:tickLblPos val="nextTo"/>
-        <c:crossAx val="78196096"/>
+        <c:crossAx val="35920512"/>
         <c:crosses val="autoZero"/>
         <c:crossBetween val="between"/>
       </c:valAx>
@@ -1944,11 +1939,11 @@
         </c:dLbls>
         <c:marker val="1"/>
         <c:smooth val="0"/>
-        <c:axId val="78062720"/>
-        <c:axId val="78064640"/>
+        <c:axId val="35963264"/>
+        <c:axId val="35965184"/>
       </c:lineChart>
       <c:catAx>
-        <c:axId val="78062720"/>
+        <c:axId val="35963264"/>
         <c:scaling>
           <c:orientation val="minMax"/>
         </c:scaling>
@@ -1970,14 +1965,13 @@
               </a:p>
             </c:rich>
           </c:tx>
-          <c:layout/>
           <c:overlay val="0"/>
         </c:title>
         <c:numFmt formatCode="General" sourceLinked="1"/>
         <c:majorTickMark val="none"/>
         <c:minorTickMark val="none"/>
         <c:tickLblPos val="nextTo"/>
-        <c:crossAx val="78064640"/>
+        <c:crossAx val="35965184"/>
         <c:crosses val="autoZero"/>
         <c:auto val="1"/>
         <c:lblAlgn val="ctr"/>
@@ -1985,7 +1979,7 @@
         <c:noMultiLvlLbl val="0"/>
       </c:catAx>
       <c:valAx>
-        <c:axId val="78064640"/>
+        <c:axId val="35965184"/>
         <c:scaling>
           <c:logBase val="2"/>
           <c:orientation val="minMax"/>
@@ -2009,14 +2003,13 @@
               </a:p>
             </c:rich>
           </c:tx>
-          <c:layout/>
           <c:overlay val="0"/>
         </c:title>
         <c:numFmt formatCode="General" sourceLinked="1"/>
         <c:majorTickMark val="none"/>
         <c:minorTickMark val="none"/>
         <c:tickLblPos val="nextTo"/>
-        <c:crossAx val="78062720"/>
+        <c:crossAx val="35963264"/>
         <c:crosses val="autoZero"/>
         <c:crossBetween val="between"/>
         <c:dispUnits>
@@ -2440,11 +2433,11 @@
         </c:dLbls>
         <c:marker val="1"/>
         <c:smooth val="0"/>
-        <c:axId val="78105600"/>
-        <c:axId val="78111872"/>
+        <c:axId val="35809536"/>
+        <c:axId val="35828096"/>
       </c:lineChart>
       <c:catAx>
-        <c:axId val="78105600"/>
+        <c:axId val="35809536"/>
         <c:scaling>
           <c:orientation val="minMax"/>
         </c:scaling>
@@ -2471,14 +2464,13 @@
               </a:p>
             </c:rich>
           </c:tx>
-          <c:layout/>
           <c:overlay val="0"/>
         </c:title>
         <c:numFmt formatCode="General" sourceLinked="1"/>
         <c:majorTickMark val="none"/>
         <c:minorTickMark val="none"/>
         <c:tickLblPos val="nextTo"/>
-        <c:crossAx val="78111872"/>
+        <c:crossAx val="35828096"/>
         <c:crosses val="autoZero"/>
         <c:auto val="1"/>
         <c:lblAlgn val="ctr"/>
@@ -2486,7 +2478,7 @@
         <c:noMultiLvlLbl val="0"/>
       </c:catAx>
       <c:valAx>
-        <c:axId val="78111872"/>
+        <c:axId val="35828096"/>
         <c:scaling>
           <c:logBase val="2"/>
           <c:orientation val="minMax"/>
@@ -2510,14 +2502,13 @@
               </a:p>
             </c:rich>
           </c:tx>
-          <c:layout/>
           <c:overlay val="0"/>
         </c:title>
         <c:numFmt formatCode="General" sourceLinked="1"/>
         <c:majorTickMark val="none"/>
         <c:minorTickMark val="none"/>
         <c:tickLblPos val="nextTo"/>
-        <c:crossAx val="78105600"/>
+        <c:crossAx val="35809536"/>
         <c:crosses val="autoZero"/>
         <c:crossBetween val="between"/>
       </c:valAx>
@@ -2938,11 +2929,11 @@
         </c:dLbls>
         <c:marker val="1"/>
         <c:smooth val="0"/>
-        <c:axId val="78156544"/>
-        <c:axId val="78158464"/>
+        <c:axId val="35868672"/>
+        <c:axId val="35870592"/>
       </c:lineChart>
       <c:catAx>
-        <c:axId val="78156544"/>
+        <c:axId val="35868672"/>
         <c:scaling>
           <c:orientation val="minMax"/>
         </c:scaling>
@@ -2964,14 +2955,13 @@
               </a:p>
             </c:rich>
           </c:tx>
-          <c:layout/>
           <c:overlay val="0"/>
         </c:title>
         <c:numFmt formatCode="General" sourceLinked="1"/>
         <c:majorTickMark val="none"/>
         <c:minorTickMark val="none"/>
         <c:tickLblPos val="nextTo"/>
-        <c:crossAx val="78158464"/>
+        <c:crossAx val="35870592"/>
         <c:crosses val="autoZero"/>
         <c:auto val="1"/>
         <c:lblAlgn val="ctr"/>
@@ -2979,7 +2969,7 @@
         <c:noMultiLvlLbl val="0"/>
       </c:catAx>
       <c:valAx>
-        <c:axId val="78158464"/>
+        <c:axId val="35870592"/>
         <c:scaling>
           <c:logBase val="2"/>
           <c:orientation val="minMax"/>
@@ -3003,14 +2993,13 @@
               </a:p>
             </c:rich>
           </c:tx>
-          <c:layout/>
           <c:overlay val="0"/>
         </c:title>
         <c:numFmt formatCode="General" sourceLinked="1"/>
         <c:majorTickMark val="none"/>
         <c:minorTickMark val="none"/>
         <c:tickLblPos val="nextTo"/>
-        <c:crossAx val="78156544"/>
+        <c:crossAx val="35868672"/>
         <c:crosses val="autoZero"/>
         <c:crossBetween val="between"/>
       </c:valAx>
@@ -3466,11 +3455,11 @@
         </c:dLbls>
         <c:marker val="1"/>
         <c:smooth val="0"/>
-        <c:axId val="78538240"/>
-        <c:axId val="78540160"/>
+        <c:axId val="35984128"/>
+        <c:axId val="35986048"/>
       </c:lineChart>
       <c:catAx>
-        <c:axId val="78538240"/>
+        <c:axId val="35984128"/>
         <c:scaling>
           <c:orientation val="minMax"/>
         </c:scaling>
@@ -3497,13 +3486,12 @@
               </a:p>
             </c:rich>
           </c:tx>
-          <c:layout/>
           <c:overlay val="0"/>
         </c:title>
         <c:majorTickMark val="none"/>
         <c:minorTickMark val="none"/>
         <c:tickLblPos val="nextTo"/>
-        <c:crossAx val="78540160"/>
+        <c:crossAx val="35986048"/>
         <c:crosses val="autoZero"/>
         <c:auto val="1"/>
         <c:lblAlgn val="ctr"/>
@@ -3511,7 +3499,7 @@
         <c:noMultiLvlLbl val="0"/>
       </c:catAx>
       <c:valAx>
-        <c:axId val="78540160"/>
+        <c:axId val="35986048"/>
         <c:scaling>
           <c:logBase val="2"/>
           <c:orientation val="minMax"/>
@@ -3543,14 +3531,13 @@
               </a:p>
             </c:rich>
           </c:tx>
-          <c:layout/>
           <c:overlay val="0"/>
         </c:title>
         <c:numFmt formatCode="General" sourceLinked="1"/>
         <c:majorTickMark val="none"/>
         <c:minorTickMark val="none"/>
         <c:tickLblPos val="nextTo"/>
-        <c:crossAx val="78538240"/>
+        <c:crossAx val="35984128"/>
         <c:crosses val="autoZero"/>
         <c:crossBetween val="between"/>
         <c:dispUnits>
@@ -3674,7 +3661,7 @@
           <a:p>
             <a:fld id="{137A90A3-B617-4C31-B054-B5C14ABB61EF}" type="datetimeFigureOut">
               <a:rPr lang="en-US" smtClean="0"/>
-              <a:t>5/20/2017</a:t>
+              <a:t>6/7/2017</a:t>
             </a:fld>
             <a:endParaRPr lang="en-US"/>
           </a:p>
@@ -4051,7 +4038,7 @@
           <a:p>
             <a:fld id="{F42A69A2-F2E4-4636-9107-77998EAE3CD7}" type="slidenum">
               <a:rPr lang="en-US" smtClean="0"/>
-              <a:t>2</a:t>
+              <a:t>3</a:t>
             </a:fld>
             <a:endParaRPr lang="en-US"/>
           </a:p>
@@ -4147,7 +4134,7 @@
           <a:p>
             <a:fld id="{F42A69A2-F2E4-4636-9107-77998EAE3CD7}" type="slidenum">
               <a:rPr lang="en-US" smtClean="0"/>
-              <a:t>10</a:t>
+              <a:t>11</a:t>
             </a:fld>
             <a:endParaRPr lang="en-US"/>
           </a:p>
@@ -4347,7 +4334,7 @@
           <a:p>
             <a:fld id="{4ED8617E-1DA8-4F34-A257-6E2CF6A68E9B}" type="datetimeFigureOut">
               <a:rPr lang="en-US" smtClean="0"/>
-              <a:t>5/20/2017</a:t>
+              <a:t>6/7/2017</a:t>
             </a:fld>
             <a:endParaRPr lang="en-US"/>
           </a:p>
@@ -4517,7 +4504,7 @@
           <a:p>
             <a:fld id="{4ED8617E-1DA8-4F34-A257-6E2CF6A68E9B}" type="datetimeFigureOut">
               <a:rPr lang="en-US" smtClean="0"/>
-              <a:t>5/20/2017</a:t>
+              <a:t>6/7/2017</a:t>
             </a:fld>
             <a:endParaRPr lang="en-US"/>
           </a:p>
@@ -4697,7 +4684,7 @@
           <a:p>
             <a:fld id="{4ED8617E-1DA8-4F34-A257-6E2CF6A68E9B}" type="datetimeFigureOut">
               <a:rPr lang="en-US" smtClean="0"/>
-              <a:t>5/20/2017</a:t>
+              <a:t>6/7/2017</a:t>
             </a:fld>
             <a:endParaRPr lang="en-US"/>
           </a:p>
@@ -4867,7 +4854,7 @@
           <a:p>
             <a:fld id="{4ED8617E-1DA8-4F34-A257-6E2CF6A68E9B}" type="datetimeFigureOut">
               <a:rPr lang="en-US" smtClean="0"/>
-              <a:t>5/20/2017</a:t>
+              <a:t>6/7/2017</a:t>
             </a:fld>
             <a:endParaRPr lang="en-US"/>
           </a:p>
@@ -5113,7 +5100,7 @@
           <a:p>
             <a:fld id="{4ED8617E-1DA8-4F34-A257-6E2CF6A68E9B}" type="datetimeFigureOut">
               <a:rPr lang="en-US" smtClean="0"/>
-              <a:t>5/20/2017</a:t>
+              <a:t>6/7/2017</a:t>
             </a:fld>
             <a:endParaRPr lang="en-US"/>
           </a:p>
@@ -5401,7 +5388,7 @@
           <a:p>
             <a:fld id="{4ED8617E-1DA8-4F34-A257-6E2CF6A68E9B}" type="datetimeFigureOut">
               <a:rPr lang="en-US" smtClean="0"/>
-              <a:t>5/20/2017</a:t>
+              <a:t>6/7/2017</a:t>
             </a:fld>
             <a:endParaRPr lang="en-US"/>
           </a:p>
@@ -5823,7 +5810,7 @@
           <a:p>
             <a:fld id="{4ED8617E-1DA8-4F34-A257-6E2CF6A68E9B}" type="datetimeFigureOut">
               <a:rPr lang="en-US" smtClean="0"/>
-              <a:t>5/20/2017</a:t>
+              <a:t>6/7/2017</a:t>
             </a:fld>
             <a:endParaRPr lang="en-US"/>
           </a:p>
@@ -5941,7 +5928,7 @@
           <a:p>
             <a:fld id="{4ED8617E-1DA8-4F34-A257-6E2CF6A68E9B}" type="datetimeFigureOut">
               <a:rPr lang="en-US" smtClean="0"/>
-              <a:t>5/20/2017</a:t>
+              <a:t>6/7/2017</a:t>
             </a:fld>
             <a:endParaRPr lang="en-US"/>
           </a:p>
@@ -6036,7 +6023,7 @@
           <a:p>
             <a:fld id="{4ED8617E-1DA8-4F34-A257-6E2CF6A68E9B}" type="datetimeFigureOut">
               <a:rPr lang="en-US" smtClean="0"/>
-              <a:t>5/20/2017</a:t>
+              <a:t>6/7/2017</a:t>
             </a:fld>
             <a:endParaRPr lang="en-US"/>
           </a:p>
@@ -6313,7 +6300,7 @@
           <a:p>
             <a:fld id="{4ED8617E-1DA8-4F34-A257-6E2CF6A68E9B}" type="datetimeFigureOut">
               <a:rPr lang="en-US" smtClean="0"/>
-              <a:t>5/20/2017</a:t>
+              <a:t>6/7/2017</a:t>
             </a:fld>
             <a:endParaRPr lang="en-US"/>
           </a:p>
@@ -6566,7 +6553,7 @@
           <a:p>
             <a:fld id="{4ED8617E-1DA8-4F34-A257-6E2CF6A68E9B}" type="datetimeFigureOut">
               <a:rPr lang="en-US" smtClean="0"/>
-              <a:t>5/20/2017</a:t>
+              <a:t>6/7/2017</a:t>
             </a:fld>
             <a:endParaRPr lang="en-US"/>
           </a:p>
@@ -6779,7 +6766,7 @@
           <a:p>
             <a:fld id="{4ED8617E-1DA8-4F34-A257-6E2CF6A68E9B}" type="datetimeFigureOut">
               <a:rPr lang="en-US" smtClean="0"/>
-              <a:t>5/20/2017</a:t>
+              <a:t>6/7/2017</a:t>
             </a:fld>
             <a:endParaRPr lang="en-US"/>
           </a:p>
@@ -7275,6 +7262,425 @@
         <p:spPr/>
         <p:txBody>
           <a:bodyPr>
+            <a:normAutofit/>
+          </a:bodyPr>
+          <a:lstStyle/>
+          <a:p>
+            <a:r>
+              <a:rPr lang="en-US" dirty="0" smtClean="0"/>
+              <a:t>Missing function attributes (</a:t>
+            </a:r>
+            <a:r>
+              <a:rPr lang="en-US" dirty="0" err="1" smtClean="0"/>
+              <a:t>libc</a:t>
+            </a:r>
+            <a:r>
+              <a:rPr lang="en-US" dirty="0" smtClean="0"/>
+              <a:t>++)</a:t>
+            </a:r>
+            <a:endParaRPr lang="en-US" b="1" dirty="0"/>
+          </a:p>
+        </p:txBody>
+      </p:sp>
+      <p:sp>
+        <p:nvSpPr>
+          <p:cNvPr id="3" name="Content Placeholder 2"/>
+          <p:cNvSpPr>
+            <a:spLocks noGrp="1"/>
+          </p:cNvSpPr>
+          <p:nvPr>
+            <p:ph idx="1"/>
+          </p:nvPr>
+        </p:nvSpPr>
+        <p:spPr/>
+        <p:txBody>
+          <a:bodyPr>
+            <a:normAutofit fontScale="77500" lnSpcReduction="20000"/>
+          </a:bodyPr>
+          <a:lstStyle/>
+          <a:p>
+            <a:r>
+              <a:rPr lang="en-US" dirty="0" smtClean="0"/>
+              <a:t>Missing </a:t>
+            </a:r>
+            <a:r>
+              <a:rPr lang="en-US" dirty="0" smtClean="0">
+                <a:latin typeface="Verdana" panose="020B0604030504040204" pitchFamily="34" charset="0"/>
+                <a:ea typeface="Verdana" panose="020B0604030504040204" pitchFamily="34" charset="0"/>
+                <a:cs typeface="Verdana" panose="020B0604030504040204" pitchFamily="34" charset="0"/>
+              </a:rPr>
+              <a:t>__</a:t>
+            </a:r>
+            <a:r>
+              <a:rPr lang="en-US" dirty="0">
+                <a:latin typeface="Verdana" panose="020B0604030504040204" pitchFamily="34" charset="0"/>
+                <a:ea typeface="Verdana" panose="020B0604030504040204" pitchFamily="34" charset="0"/>
+                <a:cs typeface="Verdana" panose="020B0604030504040204" pitchFamily="34" charset="0"/>
+              </a:rPr>
+              <a:t>attribute__((__</a:t>
+            </a:r>
+            <a:r>
+              <a:rPr lang="en-US" dirty="0" err="1">
+                <a:latin typeface="Verdana" panose="020B0604030504040204" pitchFamily="34" charset="0"/>
+                <a:ea typeface="Verdana" panose="020B0604030504040204" pitchFamily="34" charset="0"/>
+                <a:cs typeface="Verdana" panose="020B0604030504040204" pitchFamily="34" charset="0"/>
+              </a:rPr>
+              <a:t>noreturn</a:t>
+            </a:r>
+            <a:r>
+              <a:rPr lang="en-US" dirty="0" smtClean="0">
+                <a:latin typeface="Verdana" panose="020B0604030504040204" pitchFamily="34" charset="0"/>
+                <a:ea typeface="Verdana" panose="020B0604030504040204" pitchFamily="34" charset="0"/>
+                <a:cs typeface="Verdana" panose="020B0604030504040204" pitchFamily="34" charset="0"/>
+              </a:rPr>
+              <a:t>__)) </a:t>
+            </a:r>
+            <a:r>
+              <a:rPr lang="en-US" dirty="0"/>
+              <a:t>in important functions</a:t>
+            </a:r>
+            <a:r>
+              <a:rPr lang="en-US" dirty="0" smtClean="0"/>
+              <a:t>.</a:t>
+            </a:r>
+          </a:p>
+          <a:p>
+            <a:pPr lvl="1"/>
+            <a:r>
+              <a:rPr lang="en-US" dirty="0" smtClean="0"/>
+              <a:t>Prevents important compiler optimizations</a:t>
+            </a:r>
+          </a:p>
+          <a:p>
+            <a:pPr lvl="1"/>
+            <a:r>
+              <a:rPr lang="en-US" dirty="0" smtClean="0"/>
+              <a:t>Results in false positives in static analysis results</a:t>
+            </a:r>
+          </a:p>
+          <a:p>
+            <a:r>
+              <a:rPr lang="en-US" dirty="0" smtClean="0"/>
+              <a:t>__throw.* functions in __locale, </a:t>
+            </a:r>
+            <a:r>
+              <a:rPr lang="en-US" dirty="0" err="1" smtClean="0"/>
+              <a:t>deque</a:t>
+            </a:r>
+            <a:r>
+              <a:rPr lang="en-US" dirty="0" smtClean="0"/>
+              <a:t>, future, regex, </a:t>
+            </a:r>
+            <a:r>
+              <a:rPr lang="en-US" dirty="0" err="1" smtClean="0"/>
+              <a:t>system_error</a:t>
+            </a:r>
+            <a:r>
+              <a:rPr lang="en-US" dirty="0" smtClean="0"/>
+              <a:t>, vector</a:t>
+            </a:r>
+          </a:p>
+          <a:p>
+            <a:pPr marL="0" indent="0">
+              <a:buNone/>
+            </a:pPr>
+            <a:endParaRPr lang="en-US" sz="2200" dirty="0" smtClean="0">
+              <a:latin typeface="Verdana" panose="020B0604030504040204" pitchFamily="34" charset="0"/>
+              <a:ea typeface="Verdana" panose="020B0604030504040204" pitchFamily="34" charset="0"/>
+              <a:cs typeface="Verdana" panose="020B0604030504040204" pitchFamily="34" charset="0"/>
+            </a:endParaRPr>
+          </a:p>
+          <a:p>
+            <a:pPr marL="0" indent="0">
+              <a:buNone/>
+            </a:pPr>
+            <a:endParaRPr lang="en-US" sz="2200" dirty="0">
+              <a:latin typeface="Verdana" panose="020B0604030504040204" pitchFamily="34" charset="0"/>
+              <a:ea typeface="Verdana" panose="020B0604030504040204" pitchFamily="34" charset="0"/>
+              <a:cs typeface="Verdana" panose="020B0604030504040204" pitchFamily="34" charset="0"/>
+            </a:endParaRPr>
+          </a:p>
+          <a:p>
+            <a:pPr marL="0" indent="0">
+              <a:buNone/>
+            </a:pPr>
+            <a:r>
+              <a:rPr lang="en-US" sz="2200" dirty="0" smtClean="0">
+                <a:latin typeface="Verdana" panose="020B0604030504040204" pitchFamily="34" charset="0"/>
+                <a:ea typeface="Verdana" panose="020B0604030504040204" pitchFamily="34" charset="0"/>
+                <a:cs typeface="Verdana" panose="020B0604030504040204" pitchFamily="34" charset="0"/>
+              </a:rPr>
+              <a:t>Example</a:t>
+            </a:r>
+            <a:r>
+              <a:rPr lang="en-US" sz="2200" dirty="0">
+                <a:latin typeface="Verdana" panose="020B0604030504040204" pitchFamily="34" charset="0"/>
+                <a:ea typeface="Verdana" panose="020B0604030504040204" pitchFamily="34" charset="0"/>
+                <a:cs typeface="Verdana" panose="020B0604030504040204" pitchFamily="34" charset="0"/>
+              </a:rPr>
+              <a:t>:</a:t>
+            </a:r>
+          </a:p>
+          <a:p>
+            <a:pPr marL="0" indent="0">
+              <a:buNone/>
+            </a:pPr>
+            <a:r>
+              <a:rPr lang="en-US" sz="2200" dirty="0">
+                <a:latin typeface="Verdana" panose="020B0604030504040204" pitchFamily="34" charset="0"/>
+                <a:ea typeface="Verdana" panose="020B0604030504040204" pitchFamily="34" charset="0"/>
+                <a:cs typeface="Verdana" panose="020B0604030504040204" pitchFamily="34" charset="0"/>
+              </a:rPr>
+              <a:t>class __</a:t>
+            </a:r>
+            <a:r>
+              <a:rPr lang="en-US" sz="2200" dirty="0" err="1" smtClean="0">
+                <a:latin typeface="Verdana" panose="020B0604030504040204" pitchFamily="34" charset="0"/>
+                <a:ea typeface="Verdana" panose="020B0604030504040204" pitchFamily="34" charset="0"/>
+                <a:cs typeface="Verdana" panose="020B0604030504040204" pitchFamily="34" charset="0"/>
+              </a:rPr>
+              <a:t>vector_base_common</a:t>
+            </a:r>
+            <a:r>
+              <a:rPr lang="en-US" sz="2200" dirty="0">
+                <a:latin typeface="Verdana" panose="020B0604030504040204" pitchFamily="34" charset="0"/>
+                <a:ea typeface="Verdana" panose="020B0604030504040204" pitchFamily="34" charset="0"/>
+                <a:cs typeface="Verdana" panose="020B0604030504040204" pitchFamily="34" charset="0"/>
+              </a:rPr>
+              <a:t> </a:t>
+            </a:r>
+            <a:r>
+              <a:rPr lang="en-US" sz="2200" dirty="0" smtClean="0">
+                <a:latin typeface="Verdana" panose="020B0604030504040204" pitchFamily="34" charset="0"/>
+                <a:ea typeface="Verdana" panose="020B0604030504040204" pitchFamily="34" charset="0"/>
+                <a:cs typeface="Verdana" panose="020B0604030504040204" pitchFamily="34" charset="0"/>
+              </a:rPr>
+              <a:t>{</a:t>
+            </a:r>
+            <a:endParaRPr lang="en-US" sz="2200" dirty="0">
+              <a:latin typeface="Verdana" panose="020B0604030504040204" pitchFamily="34" charset="0"/>
+              <a:ea typeface="Verdana" panose="020B0604030504040204" pitchFamily="34" charset="0"/>
+              <a:cs typeface="Verdana" panose="020B0604030504040204" pitchFamily="34" charset="0"/>
+            </a:endParaRPr>
+          </a:p>
+          <a:p>
+            <a:pPr marL="0" indent="0">
+              <a:buNone/>
+            </a:pPr>
+            <a:r>
+              <a:rPr lang="en-US" sz="2200" dirty="0">
+                <a:latin typeface="Verdana" panose="020B0604030504040204" pitchFamily="34" charset="0"/>
+                <a:ea typeface="Verdana" panose="020B0604030504040204" pitchFamily="34" charset="0"/>
+                <a:cs typeface="Verdana" panose="020B0604030504040204" pitchFamily="34" charset="0"/>
+              </a:rPr>
+              <a:t>protected:</a:t>
+            </a:r>
+          </a:p>
+          <a:p>
+            <a:pPr marL="0" indent="0">
+              <a:buNone/>
+            </a:pPr>
+            <a:r>
+              <a:rPr lang="en-US" sz="2200" dirty="0">
+                <a:latin typeface="Verdana" panose="020B0604030504040204" pitchFamily="34" charset="0"/>
+                <a:ea typeface="Verdana" panose="020B0604030504040204" pitchFamily="34" charset="0"/>
+                <a:cs typeface="Verdana" panose="020B0604030504040204" pitchFamily="34" charset="0"/>
+              </a:rPr>
+              <a:t> </a:t>
+            </a:r>
+            <a:r>
+              <a:rPr lang="en-US" sz="2200" dirty="0" smtClean="0">
+                <a:latin typeface="Verdana" panose="020B0604030504040204" pitchFamily="34" charset="0"/>
+                <a:ea typeface="Verdana" panose="020B0604030504040204" pitchFamily="34" charset="0"/>
+                <a:cs typeface="Verdana" panose="020B0604030504040204" pitchFamily="34" charset="0"/>
+              </a:rPr>
+              <a:t> __</a:t>
+            </a:r>
+            <a:r>
+              <a:rPr lang="en-US" sz="2200" dirty="0" err="1">
+                <a:latin typeface="Verdana" panose="020B0604030504040204" pitchFamily="34" charset="0"/>
+                <a:ea typeface="Verdana" panose="020B0604030504040204" pitchFamily="34" charset="0"/>
+                <a:cs typeface="Verdana" panose="020B0604030504040204" pitchFamily="34" charset="0"/>
+              </a:rPr>
+              <a:t>vector_base_common</a:t>
+            </a:r>
+            <a:r>
+              <a:rPr lang="en-US" sz="2200" dirty="0">
+                <a:latin typeface="Verdana" panose="020B0604030504040204" pitchFamily="34" charset="0"/>
+                <a:ea typeface="Verdana" panose="020B0604030504040204" pitchFamily="34" charset="0"/>
+                <a:cs typeface="Verdana" panose="020B0604030504040204" pitchFamily="34" charset="0"/>
+              </a:rPr>
+              <a:t>() {}</a:t>
+            </a:r>
+          </a:p>
+          <a:p>
+            <a:pPr marL="0" indent="0">
+              <a:buNone/>
+            </a:pPr>
+            <a:r>
+              <a:rPr lang="en-US" sz="2200" dirty="0">
+                <a:latin typeface="Verdana" panose="020B0604030504040204" pitchFamily="34" charset="0"/>
+                <a:ea typeface="Verdana" panose="020B0604030504040204" pitchFamily="34" charset="0"/>
+                <a:cs typeface="Verdana" panose="020B0604030504040204" pitchFamily="34" charset="0"/>
+              </a:rPr>
+              <a:t>  void __</a:t>
+            </a:r>
+            <a:r>
+              <a:rPr lang="en-US" sz="2200" dirty="0" err="1">
+                <a:latin typeface="Verdana" panose="020B0604030504040204" pitchFamily="34" charset="0"/>
+                <a:ea typeface="Verdana" panose="020B0604030504040204" pitchFamily="34" charset="0"/>
+                <a:cs typeface="Verdana" panose="020B0604030504040204" pitchFamily="34" charset="0"/>
+              </a:rPr>
+              <a:t>throw_length_error</a:t>
+            </a:r>
+            <a:r>
+              <a:rPr lang="en-US" sz="2200" dirty="0">
+                <a:latin typeface="Verdana" panose="020B0604030504040204" pitchFamily="34" charset="0"/>
+                <a:ea typeface="Verdana" panose="020B0604030504040204" pitchFamily="34" charset="0"/>
+                <a:cs typeface="Verdana" panose="020B0604030504040204" pitchFamily="34" charset="0"/>
+              </a:rPr>
+              <a:t>() </a:t>
+            </a:r>
+            <a:r>
+              <a:rPr lang="en-US" sz="2200" dirty="0" err="1" smtClean="0">
+                <a:latin typeface="Verdana" panose="020B0604030504040204" pitchFamily="34" charset="0"/>
+                <a:ea typeface="Verdana" panose="020B0604030504040204" pitchFamily="34" charset="0"/>
+                <a:cs typeface="Verdana" panose="020B0604030504040204" pitchFamily="34" charset="0"/>
+              </a:rPr>
+              <a:t>const</a:t>
+            </a:r>
+            <a:r>
+              <a:rPr lang="en-US" sz="2200" dirty="0" smtClean="0">
+                <a:latin typeface="Verdana" panose="020B0604030504040204" pitchFamily="34" charset="0"/>
+                <a:ea typeface="Verdana" panose="020B0604030504040204" pitchFamily="34" charset="0"/>
+                <a:cs typeface="Verdana" panose="020B0604030504040204" pitchFamily="34" charset="0"/>
+              </a:rPr>
+              <a:t>;</a:t>
+            </a:r>
+            <a:endParaRPr lang="en-US" sz="2200" dirty="0">
+              <a:latin typeface="Verdana" panose="020B0604030504040204" pitchFamily="34" charset="0"/>
+              <a:ea typeface="Verdana" panose="020B0604030504040204" pitchFamily="34" charset="0"/>
+              <a:cs typeface="Verdana" panose="020B0604030504040204" pitchFamily="34" charset="0"/>
+            </a:endParaRPr>
+          </a:p>
+          <a:p>
+            <a:pPr marL="0" indent="0">
+              <a:buNone/>
+            </a:pPr>
+            <a:r>
+              <a:rPr lang="en-US" sz="2200" dirty="0">
+                <a:latin typeface="Verdana" panose="020B0604030504040204" pitchFamily="34" charset="0"/>
+                <a:ea typeface="Verdana" panose="020B0604030504040204" pitchFamily="34" charset="0"/>
+                <a:cs typeface="Verdana" panose="020B0604030504040204" pitchFamily="34" charset="0"/>
+              </a:rPr>
+              <a:t>  void __</a:t>
+            </a:r>
+            <a:r>
+              <a:rPr lang="en-US" sz="2200" dirty="0" err="1">
+                <a:latin typeface="Verdana" panose="020B0604030504040204" pitchFamily="34" charset="0"/>
+                <a:ea typeface="Verdana" panose="020B0604030504040204" pitchFamily="34" charset="0"/>
+                <a:cs typeface="Verdana" panose="020B0604030504040204" pitchFamily="34" charset="0"/>
+              </a:rPr>
+              <a:t>throw_out_of_range</a:t>
+            </a:r>
+            <a:r>
+              <a:rPr lang="en-US" sz="2200" dirty="0">
+                <a:latin typeface="Verdana" panose="020B0604030504040204" pitchFamily="34" charset="0"/>
+                <a:ea typeface="Verdana" panose="020B0604030504040204" pitchFamily="34" charset="0"/>
+                <a:cs typeface="Verdana" panose="020B0604030504040204" pitchFamily="34" charset="0"/>
+              </a:rPr>
+              <a:t>() </a:t>
+            </a:r>
+            <a:r>
+              <a:rPr lang="en-US" sz="2200" dirty="0" err="1" smtClean="0">
+                <a:latin typeface="Verdana" panose="020B0604030504040204" pitchFamily="34" charset="0"/>
+                <a:ea typeface="Verdana" panose="020B0604030504040204" pitchFamily="34" charset="0"/>
+                <a:cs typeface="Verdana" panose="020B0604030504040204" pitchFamily="34" charset="0"/>
+              </a:rPr>
+              <a:t>const</a:t>
+            </a:r>
+            <a:r>
+              <a:rPr lang="en-US" sz="2200" dirty="0" smtClean="0">
+                <a:latin typeface="Verdana" panose="020B0604030504040204" pitchFamily="34" charset="0"/>
+                <a:ea typeface="Verdana" panose="020B0604030504040204" pitchFamily="34" charset="0"/>
+                <a:cs typeface="Verdana" panose="020B0604030504040204" pitchFamily="34" charset="0"/>
+              </a:rPr>
+              <a:t>;</a:t>
+            </a:r>
+            <a:endParaRPr lang="en-US" sz="2200" dirty="0">
+              <a:latin typeface="Verdana" panose="020B0604030504040204" pitchFamily="34" charset="0"/>
+              <a:ea typeface="Verdana" panose="020B0604030504040204" pitchFamily="34" charset="0"/>
+              <a:cs typeface="Verdana" panose="020B0604030504040204" pitchFamily="34" charset="0"/>
+            </a:endParaRPr>
+          </a:p>
+          <a:p>
+            <a:pPr marL="0" indent="0">
+              <a:buNone/>
+            </a:pPr>
+            <a:r>
+              <a:rPr lang="en-US" sz="2200" dirty="0">
+                <a:latin typeface="Verdana" panose="020B0604030504040204" pitchFamily="34" charset="0"/>
+                <a:ea typeface="Verdana" panose="020B0604030504040204" pitchFamily="34" charset="0"/>
+                <a:cs typeface="Verdana" panose="020B0604030504040204" pitchFamily="34" charset="0"/>
+              </a:rPr>
+              <a:t>};</a:t>
+            </a:r>
+          </a:p>
+          <a:p>
+            <a:endParaRPr lang="en-US" dirty="0"/>
+          </a:p>
+        </p:txBody>
+      </p:sp>
+    </p:spTree>
+    <p:extLst>
+      <p:ext uri="{BB962C8B-B14F-4D97-AF65-F5344CB8AC3E}">
+        <p14:creationId xmlns:p14="http://schemas.microsoft.com/office/powerpoint/2010/main" val="2871846934"/>
+      </p:ext>
+    </p:extLst>
+  </p:cSld>
+  <p:clrMapOvr>
+    <a:masterClrMapping/>
+  </p:clrMapOvr>
+  <p:timing>
+    <p:tnLst>
+      <p:par>
+        <p:cTn id="1" dur="indefinite" restart="never" nodeType="tmRoot"/>
+      </p:par>
+    </p:tnLst>
+  </p:timing>
+</p:sld>
+</file>
+
+<file path=ppt/slides/slide11.xml><?xml version="1.0" encoding="utf-8"?>
+<p:sld xmlns:a="http://schemas.openxmlformats.org/drawingml/2006/main" xmlns:r="http://schemas.openxmlformats.org/officeDocument/2006/relationships" xmlns:p="http://schemas.openxmlformats.org/presentationml/2006/main">
+  <p:cSld>
+    <p:spTree>
+      <p:nvGrpSpPr>
+        <p:cNvPr id="1" name=""/>
+        <p:cNvGrpSpPr/>
+        <p:nvPr/>
+      </p:nvGrpSpPr>
+      <p:grpSpPr>
+        <a:xfrm>
+          <a:off x="0" y="0"/>
+          <a:ext cx="0" cy="0"/>
+          <a:chOff x="0" y="0"/>
+          <a:chExt cx="0" cy="0"/>
+        </a:xfrm>
+      </p:grpSpPr>
+      <p:sp>
+        <p:nvSpPr>
+          <p:cNvPr id="2" name="Title 1"/>
+          <p:cNvSpPr>
+            <a:spLocks noGrp="1"/>
+          </p:cNvSpPr>
+          <p:nvPr>
+            <p:ph type="title"/>
+          </p:nvPr>
+        </p:nvSpPr>
+        <p:spPr/>
+        <p:txBody>
+          <a:bodyPr>
             <a:normAutofit fontScale="90000"/>
           </a:bodyPr>
           <a:lstStyle/>
@@ -7329,15 +7735,7 @@
             <a:pPr lvl="1"/>
             <a:r>
               <a:rPr lang="en-US" dirty="0" smtClean="0"/>
-              <a:t>Results in </a:t>
-            </a:r>
-            <a:r>
-              <a:rPr lang="en-US" dirty="0" smtClean="0"/>
-              <a:t>(</a:t>
-            </a:r>
-            <a:r>
-              <a:rPr lang="en-US" dirty="0" smtClean="0"/>
-              <a:t>unnecessary) calls to </a:t>
+              <a:t>Results in (unnecessary) calls to </a:t>
             </a:r>
             <a:r>
               <a:rPr lang="en-US" dirty="0" err="1" smtClean="0"/>
@@ -7396,7 +7794,7 @@
 </p:sld>
 </file>
 
-<file path=ppt/slides/slide11.xml><?xml version="1.0" encoding="utf-8"?>
+<file path=ppt/slides/slide12.xml><?xml version="1.0" encoding="utf-8"?>
 <p:sld xmlns:a="http://schemas.openxmlformats.org/drawingml/2006/main" xmlns:r="http://schemas.openxmlformats.org/officeDocument/2006/relationships" xmlns:p="http://schemas.openxmlformats.org/presentationml/2006/main">
   <p:cSld>
     <p:spTree>
@@ -7798,126 +8196,6 @@
 </p:sld>
 </file>
 
-<file path=ppt/slides/slide12.xml><?xml version="1.0" encoding="utf-8"?>
-<p:sld xmlns:a="http://schemas.openxmlformats.org/drawingml/2006/main" xmlns:r="http://schemas.openxmlformats.org/officeDocument/2006/relationships" xmlns:p="http://schemas.openxmlformats.org/presentationml/2006/main">
-  <p:cSld>
-    <p:spTree>
-      <p:nvGrpSpPr>
-        <p:cNvPr id="1" name=""/>
-        <p:cNvGrpSpPr/>
-        <p:nvPr/>
-      </p:nvGrpSpPr>
-      <p:grpSpPr>
-        <a:xfrm>
-          <a:off x="0" y="0"/>
-          <a:ext cx="0" cy="0"/>
-          <a:chOff x="0" y="0"/>
-          <a:chExt cx="0" cy="0"/>
-        </a:xfrm>
-      </p:grpSpPr>
-      <p:sp>
-        <p:nvSpPr>
-          <p:cNvPr id="2" name="Title 1"/>
-          <p:cNvSpPr>
-            <a:spLocks noGrp="1"/>
-          </p:cNvSpPr>
-          <p:nvPr>
-            <p:ph type="title"/>
-          </p:nvPr>
-        </p:nvSpPr>
-        <p:spPr/>
-        <p:txBody>
-          <a:bodyPr/>
-          <a:lstStyle/>
-          <a:p>
-            <a:r>
-              <a:rPr lang="en-US" dirty="0" err="1" smtClean="0"/>
-              <a:t>std</a:t>
-            </a:r>
-            <a:r>
-              <a:rPr lang="en-US" dirty="0" smtClean="0"/>
-              <a:t>-benchmark</a:t>
-            </a:r>
-            <a:endParaRPr lang="en-US" dirty="0"/>
-          </a:p>
-        </p:txBody>
-      </p:sp>
-      <p:sp>
-        <p:nvSpPr>
-          <p:cNvPr id="3" name="Content Placeholder 2"/>
-          <p:cNvSpPr>
-            <a:spLocks noGrp="1"/>
-          </p:cNvSpPr>
-          <p:nvPr>
-            <p:ph idx="1"/>
-          </p:nvPr>
-        </p:nvSpPr>
-        <p:spPr/>
-        <p:txBody>
-          <a:bodyPr>
-            <a:normAutofit/>
-          </a:bodyPr>
-          <a:lstStyle/>
-          <a:p>
-            <a:r>
-              <a:rPr lang="en-US" dirty="0" smtClean="0">
-                <a:hlinkClick r:id="rId2"/>
-              </a:rPr>
-              <a:t>https://github.com/hiraditya/std-benchmark</a:t>
-            </a:r>
-            <a:endParaRPr lang="en-US" dirty="0" smtClean="0"/>
-          </a:p>
-          <a:p>
-            <a:pPr lvl="1"/>
-            <a:r>
-              <a:rPr lang="en-US" dirty="0" smtClean="0"/>
-              <a:t>WIP</a:t>
-            </a:r>
-          </a:p>
-          <a:p>
-            <a:pPr lvl="1"/>
-            <a:r>
-              <a:rPr lang="en-US" dirty="0" smtClean="0"/>
-              <a:t>Builds on Linux, Windows (thanks to </a:t>
-            </a:r>
-            <a:r>
-              <a:rPr lang="en-US" dirty="0" err="1" smtClean="0"/>
-              <a:t>cmake</a:t>
-            </a:r>
-            <a:r>
-              <a:rPr lang="en-US" dirty="0" smtClean="0"/>
-              <a:t>)</a:t>
-            </a:r>
-          </a:p>
-          <a:p>
-            <a:pPr lvl="1"/>
-            <a:r>
-              <a:rPr lang="en-US" dirty="0" smtClean="0"/>
-              <a:t>Performance numbers are very stable (based on google-benchmark)</a:t>
-            </a:r>
-          </a:p>
-        </p:txBody>
-      </p:sp>
-    </p:spTree>
-    <p:extLst>
-      <p:ext uri="{BB962C8B-B14F-4D97-AF65-F5344CB8AC3E}">
-        <p14:creationId xmlns:p14="http://schemas.microsoft.com/office/powerpoint/2010/main" val="3889275006"/>
-      </p:ext>
-    </p:extLst>
-  </p:cSld>
-  <p:clrMapOvr>
-    <a:masterClrMapping/>
-  </p:clrMapOvr>
-  <p:timing>
-    <p:tnLst>
-      <p:par>
-        <p:cTn id="1" dur="indefinite" restart="never" nodeType="tmRoot"/>
-      </p:par>
-    </p:tnLst>
-  </p:timing>
-</p:sld>
-</file>
-
 <file path=ppt/slides/slide13.xml><?xml version="1.0" encoding="utf-8"?>
 <p:sld xmlns:a="http://schemas.openxmlformats.org/drawingml/2006/main" xmlns:r="http://schemas.openxmlformats.org/officeDocument/2006/relationships" xmlns:p="http://schemas.openxmlformats.org/presentationml/2006/main">
   <p:cSld>
@@ -7951,16 +8229,12 @@
           <a:lstStyle/>
           <a:p>
             <a:r>
+              <a:rPr lang="en-US" dirty="0" err="1" smtClean="0"/>
+              <a:t>std</a:t>
+            </a:r>
+            <a:r>
               <a:rPr lang="en-US" dirty="0" smtClean="0"/>
-              <a:t>Issues with sort (</a:t>
-            </a:r>
-            <a:r>
-              <a:rPr lang="en-US" dirty="0" err="1" smtClean="0"/>
-              <a:t>libc</a:t>
-            </a:r>
-            <a:r>
-              <a:rPr lang="en-US" dirty="0" smtClean="0"/>
-              <a:t>++)</a:t>
+              <a:t>-benchmark</a:t>
             </a:r>
             <a:endParaRPr lang="en-US" dirty="0"/>
           </a:p>
@@ -7978,104 +8252,46 @@
         </p:nvSpPr>
         <p:spPr/>
         <p:txBody>
-          <a:bodyPr/>
+          <a:bodyPr>
+            <a:normAutofit/>
+          </a:bodyPr>
           <a:lstStyle/>
           <a:p>
             <a:r>
+              <a:rPr lang="en-US" dirty="0" smtClean="0">
+                <a:hlinkClick r:id="rId2"/>
+              </a:rPr>
+              <a:t>https://github.com/hiraditya/std-benchmark</a:t>
+            </a:r>
+            <a:endParaRPr lang="en-US" dirty="0" smtClean="0"/>
+          </a:p>
+          <a:p>
+            <a:pPr lvl="1"/>
+            <a:r>
               <a:rPr lang="en-US" dirty="0" smtClean="0"/>
-              <a:t>Worst case</a:t>
+              <a:t>WIP</a:t>
             </a:r>
           </a:p>
           <a:p>
             <a:pPr lvl="1"/>
             <a:r>
-              <a:rPr lang="en-US" dirty="0"/>
-              <a:t>c</a:t>
-            </a:r>
-            <a:r>
               <a:rPr lang="en-US" dirty="0" smtClean="0"/>
-              <a:t>lang-</a:t>
+              <a:t>Builds on Linux, Windows (thanks to </a:t>
             </a:r>
             <a:r>
               <a:rPr lang="en-US" dirty="0" err="1" smtClean="0"/>
-              <a:t>libc</a:t>
-            </a:r>
-            <a:r>
-              <a:rPr lang="en-US" dirty="0" smtClean="0"/>
-              <a:t>++ O(N^2) vs. </a:t>
-            </a:r>
-            <a:r>
-              <a:rPr lang="en-US" dirty="0" err="1" smtClean="0"/>
-              <a:t>gcc-libstdc</a:t>
-            </a:r>
-            <a:r>
-              <a:rPr lang="en-US" dirty="0" smtClean="0"/>
-              <a:t>++ O(</a:t>
-            </a:r>
-            <a:r>
-              <a:rPr lang="en-US" dirty="0" err="1" smtClean="0"/>
-              <a:t>NlogN</a:t>
+              <a:t>cmake</a:t>
             </a:r>
             <a:r>
               <a:rPr lang="en-US" dirty="0" smtClean="0"/>
               <a:t>)</a:t>
             </a:r>
           </a:p>
-        </p:txBody>
-      </p:sp>
-      <p:graphicFrame>
-        <p:nvGraphicFramePr>
-          <p:cNvPr id="6" name="Content Placeholder 3"/>
-          <p:cNvGraphicFramePr>
-            <a:graphicFrameLocks/>
-          </p:cNvGraphicFramePr>
-          <p:nvPr>
-            <p:extLst>
-              <p:ext uri="{D42A27DB-BD31-4B8C-83A1-F6EECF244321}">
-                <p14:modId xmlns:p14="http://schemas.microsoft.com/office/powerpoint/2010/main" val="1126841784"/>
-              </p:ext>
-            </p:extLst>
-          </p:nvPr>
-        </p:nvGraphicFramePr>
-        <p:xfrm>
-          <a:off x="381000" y="2971800"/>
-          <a:ext cx="8077200" cy="3581400"/>
-        </p:xfrm>
-        <a:graphic>
-          <a:graphicData uri="http://schemas.openxmlformats.org/drawingml/2006/chart">
-            <c:chart xmlns:c="http://schemas.openxmlformats.org/drawingml/2006/chart" xmlns:r="http://schemas.openxmlformats.org/officeDocument/2006/relationships" r:id="rId2"/>
-          </a:graphicData>
-        </a:graphic>
-      </p:graphicFrame>
-      <p:sp>
-        <p:nvSpPr>
-          <p:cNvPr id="4" name="Rectangle 3"/>
-          <p:cNvSpPr/>
-          <p:nvPr/>
-        </p:nvSpPr>
-        <p:spPr>
-          <a:xfrm>
-            <a:off x="685800" y="6488668"/>
-            <a:ext cx="6019800" cy="369332"/>
-          </a:xfrm>
-          <a:prstGeom prst="rect">
-            <a:avLst/>
-          </a:prstGeom>
-        </p:spPr>
-        <p:txBody>
-          <a:bodyPr wrap="square">
-            <a:spAutoFit/>
-          </a:bodyPr>
-          <a:lstStyle/>
           <a:p>
             <a:pPr lvl="1"/>
             <a:r>
               <a:rPr lang="en-US" dirty="0" smtClean="0"/>
-              <a:t>* https</a:t>
-            </a:r>
-            <a:r>
-              <a:rPr lang="en-US" dirty="0"/>
-              <a:t>://bugs.llvm.org/show_bug.cgi?id=20837</a:t>
+              <a:t>Performance numbers are very stable (based on google-benchmark)</a:t>
             </a:r>
           </a:p>
         </p:txBody>
@@ -8083,7 +8299,7 @@
     </p:spTree>
     <p:extLst>
       <p:ext uri="{BB962C8B-B14F-4D97-AF65-F5344CB8AC3E}">
-        <p14:creationId xmlns:p14="http://schemas.microsoft.com/office/powerpoint/2010/main" val="2425145155"/>
+        <p14:creationId xmlns:p14="http://schemas.microsoft.com/office/powerpoint/2010/main" val="3889275006"/>
       </p:ext>
     </p:extLst>
   </p:cSld>
@@ -8134,6 +8350,188 @@
           <a:p>
             <a:r>
               <a:rPr lang="en-US" dirty="0" smtClean="0"/>
+              <a:t>Issues with sort (</a:t>
+            </a:r>
+            <a:r>
+              <a:rPr lang="en-US" dirty="0" err="1" smtClean="0"/>
+              <a:t>libc</a:t>
+            </a:r>
+            <a:r>
+              <a:rPr lang="en-US" dirty="0" smtClean="0"/>
+              <a:t>++)</a:t>
+            </a:r>
+            <a:endParaRPr lang="en-US" dirty="0"/>
+          </a:p>
+        </p:txBody>
+      </p:sp>
+      <p:sp>
+        <p:nvSpPr>
+          <p:cNvPr id="3" name="Content Placeholder 2"/>
+          <p:cNvSpPr>
+            <a:spLocks noGrp="1"/>
+          </p:cNvSpPr>
+          <p:nvPr>
+            <p:ph idx="1"/>
+          </p:nvPr>
+        </p:nvSpPr>
+        <p:spPr/>
+        <p:txBody>
+          <a:bodyPr/>
+          <a:lstStyle/>
+          <a:p>
+            <a:r>
+              <a:rPr lang="en-US" dirty="0" smtClean="0"/>
+              <a:t>Worst case</a:t>
+            </a:r>
+          </a:p>
+          <a:p>
+            <a:pPr lvl="1"/>
+            <a:r>
+              <a:rPr lang="en-US" dirty="0"/>
+              <a:t>c</a:t>
+            </a:r>
+            <a:r>
+              <a:rPr lang="en-US" dirty="0" smtClean="0"/>
+              <a:t>lang-</a:t>
+            </a:r>
+            <a:r>
+              <a:rPr lang="en-US" dirty="0" err="1" smtClean="0"/>
+              <a:t>libc</a:t>
+            </a:r>
+            <a:r>
+              <a:rPr lang="en-US" dirty="0" smtClean="0"/>
+              <a:t>++ O(N^2) vs. </a:t>
+            </a:r>
+            <a:r>
+              <a:rPr lang="en-US" dirty="0" err="1" smtClean="0"/>
+              <a:t>gcc-libstdc</a:t>
+            </a:r>
+            <a:r>
+              <a:rPr lang="en-US" dirty="0" smtClean="0"/>
+              <a:t>++ O(</a:t>
+            </a:r>
+            <a:r>
+              <a:rPr lang="en-US" dirty="0" err="1" smtClean="0"/>
+              <a:t>NlogN</a:t>
+            </a:r>
+            <a:r>
+              <a:rPr lang="en-US" dirty="0" smtClean="0"/>
+              <a:t>)</a:t>
+            </a:r>
+          </a:p>
+        </p:txBody>
+      </p:sp>
+      <p:graphicFrame>
+        <p:nvGraphicFramePr>
+          <p:cNvPr id="6" name="Content Placeholder 3"/>
+          <p:cNvGraphicFramePr>
+            <a:graphicFrameLocks/>
+          </p:cNvGraphicFramePr>
+          <p:nvPr>
+            <p:extLst>
+              <p:ext uri="{D42A27DB-BD31-4B8C-83A1-F6EECF244321}">
+                <p14:modId xmlns:p14="http://schemas.microsoft.com/office/powerpoint/2010/main" val="1126841784"/>
+              </p:ext>
+            </p:extLst>
+          </p:nvPr>
+        </p:nvGraphicFramePr>
+        <p:xfrm>
+          <a:off x="381000" y="2971800"/>
+          <a:ext cx="8077200" cy="3581400"/>
+        </p:xfrm>
+        <a:graphic>
+          <a:graphicData uri="http://schemas.openxmlformats.org/drawingml/2006/chart">
+            <c:chart xmlns:c="http://schemas.openxmlformats.org/drawingml/2006/chart" xmlns:r="http://schemas.openxmlformats.org/officeDocument/2006/relationships" r:id="rId2"/>
+          </a:graphicData>
+        </a:graphic>
+      </p:graphicFrame>
+      <p:sp>
+        <p:nvSpPr>
+          <p:cNvPr id="4" name="Rectangle 3"/>
+          <p:cNvSpPr/>
+          <p:nvPr/>
+        </p:nvSpPr>
+        <p:spPr>
+          <a:xfrm>
+            <a:off x="685800" y="6488668"/>
+            <a:ext cx="6019800" cy="369332"/>
+          </a:xfrm>
+          <a:prstGeom prst="rect">
+            <a:avLst/>
+          </a:prstGeom>
+        </p:spPr>
+        <p:txBody>
+          <a:bodyPr wrap="square">
+            <a:spAutoFit/>
+          </a:bodyPr>
+          <a:lstStyle/>
+          <a:p>
+            <a:pPr lvl="1"/>
+            <a:r>
+              <a:rPr lang="en-US" dirty="0" smtClean="0"/>
+              <a:t>* https</a:t>
+            </a:r>
+            <a:r>
+              <a:rPr lang="en-US" dirty="0"/>
+              <a:t>://bugs.llvm.org/show_bug.cgi?id=20837</a:t>
+            </a:r>
+          </a:p>
+        </p:txBody>
+      </p:sp>
+    </p:spTree>
+    <p:extLst>
+      <p:ext uri="{BB962C8B-B14F-4D97-AF65-F5344CB8AC3E}">
+        <p14:creationId xmlns:p14="http://schemas.microsoft.com/office/powerpoint/2010/main" val="2425145155"/>
+      </p:ext>
+    </p:extLst>
+  </p:cSld>
+  <p:clrMapOvr>
+    <a:masterClrMapping/>
+  </p:clrMapOvr>
+  <p:timing>
+    <p:tnLst>
+      <p:par>
+        <p:cTn id="1" dur="indefinite" restart="never" nodeType="tmRoot"/>
+      </p:par>
+    </p:tnLst>
+  </p:timing>
+</p:sld>
+</file>
+
+<file path=ppt/slides/slide15.xml><?xml version="1.0" encoding="utf-8"?>
+<p:sld xmlns:a="http://schemas.openxmlformats.org/drawingml/2006/main" xmlns:r="http://schemas.openxmlformats.org/officeDocument/2006/relationships" xmlns:p="http://schemas.openxmlformats.org/presentationml/2006/main">
+  <p:cSld>
+    <p:spTree>
+      <p:nvGrpSpPr>
+        <p:cNvPr id="1" name=""/>
+        <p:cNvGrpSpPr/>
+        <p:nvPr/>
+      </p:nvGrpSpPr>
+      <p:grpSpPr>
+        <a:xfrm>
+          <a:off x="0" y="0"/>
+          <a:ext cx="0" cy="0"/>
+          <a:chOff x="0" y="0"/>
+          <a:chExt cx="0" cy="0"/>
+        </a:xfrm>
+      </p:grpSpPr>
+      <p:sp>
+        <p:nvSpPr>
+          <p:cNvPr id="2" name="Title 1"/>
+          <p:cNvSpPr>
+            <a:spLocks noGrp="1"/>
+          </p:cNvSpPr>
+          <p:nvPr>
+            <p:ph type="title"/>
+          </p:nvPr>
+        </p:nvSpPr>
+        <p:spPr/>
+        <p:txBody>
+          <a:bodyPr/>
+          <a:lstStyle/>
+          <a:p>
+            <a:r>
+              <a:rPr lang="en-US" dirty="0" smtClean="0"/>
               <a:t>sort (Average case)</a:t>
             </a:r>
             <a:endParaRPr lang="en-US" dirty="0"/>
@@ -8185,7 +8583,7 @@
 </p:sld>
 </file>
 
-<file path=ppt/slides/slide15.xml><?xml version="1.0" encoding="utf-8"?>
+<file path=ppt/slides/slide16.xml><?xml version="1.0" encoding="utf-8"?>
 <p:sld xmlns:a="http://schemas.openxmlformats.org/drawingml/2006/main" xmlns:r="http://schemas.openxmlformats.org/officeDocument/2006/relationships" xmlns:p="http://schemas.openxmlformats.org/presentationml/2006/main">
   <p:cSld>
     <p:spTree>
@@ -8409,7 +8807,7 @@
 </p:sld>
 </file>
 
-<file path=ppt/slides/slide16.xml><?xml version="1.0" encoding="utf-8"?>
+<file path=ppt/slides/slide17.xml><?xml version="1.0" encoding="utf-8"?>
 <p:sld xmlns:a="http://schemas.openxmlformats.org/drawingml/2006/main" xmlns:r="http://schemas.openxmlformats.org/officeDocument/2006/relationships" xmlns:p="http://schemas.openxmlformats.org/presentationml/2006/main">
   <p:cSld>
     <p:spTree>
@@ -8678,160 +9076,6 @@
     <p:extLst>
       <p:ext uri="{BB962C8B-B14F-4D97-AF65-F5344CB8AC3E}">
         <p14:creationId xmlns:p14="http://schemas.microsoft.com/office/powerpoint/2010/main" val="4182025430"/>
-      </p:ext>
-    </p:extLst>
-  </p:cSld>
-  <p:clrMapOvr>
-    <a:masterClrMapping/>
-  </p:clrMapOvr>
-  <p:timing>
-    <p:tnLst>
-      <p:par>
-        <p:cTn id="1" dur="indefinite" restart="never" nodeType="tmRoot"/>
-      </p:par>
-    </p:tnLst>
-  </p:timing>
-</p:sld>
-</file>
-
-<file path=ppt/slides/slide17.xml><?xml version="1.0" encoding="utf-8"?>
-<p:sld xmlns:a="http://schemas.openxmlformats.org/drawingml/2006/main" xmlns:r="http://schemas.openxmlformats.org/officeDocument/2006/relationships" xmlns:p="http://schemas.openxmlformats.org/presentationml/2006/main">
-  <p:cSld>
-    <p:spTree>
-      <p:nvGrpSpPr>
-        <p:cNvPr id="1" name=""/>
-        <p:cNvGrpSpPr/>
-        <p:nvPr/>
-      </p:nvGrpSpPr>
-      <p:grpSpPr>
-        <a:xfrm>
-          <a:off x="0" y="0"/>
-          <a:ext cx="0" cy="0"/>
-          <a:chOff x="0" y="0"/>
-          <a:chExt cx="0" cy="0"/>
-        </a:xfrm>
-      </p:grpSpPr>
-      <p:sp>
-        <p:nvSpPr>
-          <p:cNvPr id="2" name="Title 1"/>
-          <p:cNvSpPr>
-            <a:spLocks noGrp="1"/>
-          </p:cNvSpPr>
-          <p:nvPr>
-            <p:ph type="title"/>
-          </p:nvPr>
-        </p:nvSpPr>
-        <p:spPr/>
-        <p:txBody>
-          <a:bodyPr>
-            <a:normAutofit/>
-          </a:bodyPr>
-          <a:lstStyle/>
-          <a:p>
-            <a:r>
-              <a:rPr lang="en-US" dirty="0" smtClean="0"/>
-              <a:t>vector vs. </a:t>
-            </a:r>
-            <a:r>
-              <a:rPr lang="en-US" dirty="0" err="1" smtClean="0"/>
-              <a:t>deque</a:t>
-            </a:r>
-            <a:r>
-              <a:rPr lang="en-US" dirty="0" smtClean="0"/>
-              <a:t> (</a:t>
-            </a:r>
-            <a:r>
-              <a:rPr lang="en-US" dirty="0" err="1" smtClean="0"/>
-              <a:t>push_back</a:t>
-            </a:r>
-            <a:r>
-              <a:rPr lang="en-US" dirty="0" smtClean="0"/>
-              <a:t>)</a:t>
-            </a:r>
-            <a:endParaRPr lang="en-US" dirty="0"/>
-          </a:p>
-        </p:txBody>
-      </p:sp>
-      <p:graphicFrame>
-        <p:nvGraphicFramePr>
-          <p:cNvPr id="4" name="Chart 3"/>
-          <p:cNvGraphicFramePr>
-            <a:graphicFrameLocks/>
-          </p:cNvGraphicFramePr>
-          <p:nvPr>
-            <p:extLst>
-              <p:ext uri="{D42A27DB-BD31-4B8C-83A1-F6EECF244321}">
-                <p14:modId xmlns:p14="http://schemas.microsoft.com/office/powerpoint/2010/main" val="177607767"/>
-              </p:ext>
-            </p:extLst>
-          </p:nvPr>
-        </p:nvGraphicFramePr>
-        <p:xfrm>
-          <a:off x="152400" y="1371600"/>
-          <a:ext cx="8763000" cy="4767263"/>
-        </p:xfrm>
-        <a:graphic>
-          <a:graphicData uri="http://schemas.openxmlformats.org/drawingml/2006/chart">
-            <c:chart xmlns:c="http://schemas.openxmlformats.org/drawingml/2006/chart" xmlns:r="http://schemas.openxmlformats.org/officeDocument/2006/relationships" r:id="rId2"/>
-          </a:graphicData>
-        </a:graphic>
-      </p:graphicFrame>
-      <p:sp>
-        <p:nvSpPr>
-          <p:cNvPr id="5" name="TextBox 4"/>
-          <p:cNvSpPr txBox="1"/>
-          <p:nvPr/>
-        </p:nvSpPr>
-        <p:spPr>
-          <a:xfrm>
-            <a:off x="381000" y="6324600"/>
-            <a:ext cx="2623923" cy="646331"/>
-          </a:xfrm>
-          <a:prstGeom prst="rect">
-            <a:avLst/>
-          </a:prstGeom>
-          <a:noFill/>
-        </p:spPr>
-        <p:txBody>
-          <a:bodyPr wrap="none" rtlCol="0">
-            <a:spAutoFit/>
-          </a:bodyPr>
-          <a:lstStyle/>
-          <a:p>
-            <a:r>
-              <a:rPr lang="en-US" dirty="0" smtClean="0"/>
-              <a:t>* [</a:t>
-            </a:r>
-            <a:r>
-              <a:rPr lang="en-US" dirty="0" err="1" smtClean="0"/>
-              <a:t>push_back</a:t>
-            </a:r>
-            <a:r>
-              <a:rPr lang="en-US" dirty="0" smtClean="0"/>
-              <a:t> N elements]</a:t>
-            </a:r>
-          </a:p>
-          <a:p>
-            <a:r>
-              <a:rPr lang="en-US" dirty="0" smtClean="0"/>
-              <a:t>* Lower </a:t>
-            </a:r>
-            <a:r>
-              <a:rPr lang="en-US" dirty="0"/>
-              <a:t>is better</a:t>
-            </a:r>
-            <a:r>
-              <a:rPr lang="en-US" dirty="0" smtClean="0"/>
-              <a:t>.</a:t>
-            </a:r>
-            <a:endParaRPr lang="en-US" dirty="0"/>
-          </a:p>
-        </p:txBody>
-      </p:sp>
-    </p:spTree>
-    <p:extLst>
-      <p:ext uri="{BB962C8B-B14F-4D97-AF65-F5344CB8AC3E}">
-        <p14:creationId xmlns:p14="http://schemas.microsoft.com/office/powerpoint/2010/main" val="2543384512"/>
       </p:ext>
     </p:extLst>
   </p:cSld>
@@ -8892,6 +9136,160 @@
             </a:r>
             <a:r>
               <a:rPr lang="en-US" dirty="0" smtClean="0"/>
+              <a:t> (</a:t>
+            </a:r>
+            <a:r>
+              <a:rPr lang="en-US" dirty="0" err="1" smtClean="0"/>
+              <a:t>push_back</a:t>
+            </a:r>
+            <a:r>
+              <a:rPr lang="en-US" dirty="0" smtClean="0"/>
+              <a:t>)</a:t>
+            </a:r>
+            <a:endParaRPr lang="en-US" dirty="0"/>
+          </a:p>
+        </p:txBody>
+      </p:sp>
+      <p:graphicFrame>
+        <p:nvGraphicFramePr>
+          <p:cNvPr id="4" name="Chart 3"/>
+          <p:cNvGraphicFramePr>
+            <a:graphicFrameLocks/>
+          </p:cNvGraphicFramePr>
+          <p:nvPr>
+            <p:extLst>
+              <p:ext uri="{D42A27DB-BD31-4B8C-83A1-F6EECF244321}">
+                <p14:modId xmlns:p14="http://schemas.microsoft.com/office/powerpoint/2010/main" val="177607767"/>
+              </p:ext>
+            </p:extLst>
+          </p:nvPr>
+        </p:nvGraphicFramePr>
+        <p:xfrm>
+          <a:off x="152400" y="1371600"/>
+          <a:ext cx="8763000" cy="4767263"/>
+        </p:xfrm>
+        <a:graphic>
+          <a:graphicData uri="http://schemas.openxmlformats.org/drawingml/2006/chart">
+            <c:chart xmlns:c="http://schemas.openxmlformats.org/drawingml/2006/chart" xmlns:r="http://schemas.openxmlformats.org/officeDocument/2006/relationships" r:id="rId2"/>
+          </a:graphicData>
+        </a:graphic>
+      </p:graphicFrame>
+      <p:sp>
+        <p:nvSpPr>
+          <p:cNvPr id="5" name="TextBox 4"/>
+          <p:cNvSpPr txBox="1"/>
+          <p:nvPr/>
+        </p:nvSpPr>
+        <p:spPr>
+          <a:xfrm>
+            <a:off x="381000" y="6324600"/>
+            <a:ext cx="2623923" cy="646331"/>
+          </a:xfrm>
+          <a:prstGeom prst="rect">
+            <a:avLst/>
+          </a:prstGeom>
+          <a:noFill/>
+        </p:spPr>
+        <p:txBody>
+          <a:bodyPr wrap="none" rtlCol="0">
+            <a:spAutoFit/>
+          </a:bodyPr>
+          <a:lstStyle/>
+          <a:p>
+            <a:r>
+              <a:rPr lang="en-US" dirty="0" smtClean="0"/>
+              <a:t>* [</a:t>
+            </a:r>
+            <a:r>
+              <a:rPr lang="en-US" dirty="0" err="1" smtClean="0"/>
+              <a:t>push_back</a:t>
+            </a:r>
+            <a:r>
+              <a:rPr lang="en-US" dirty="0" smtClean="0"/>
+              <a:t> N elements]</a:t>
+            </a:r>
+          </a:p>
+          <a:p>
+            <a:r>
+              <a:rPr lang="en-US" dirty="0" smtClean="0"/>
+              <a:t>* Lower </a:t>
+            </a:r>
+            <a:r>
+              <a:rPr lang="en-US" dirty="0"/>
+              <a:t>is better</a:t>
+            </a:r>
+            <a:r>
+              <a:rPr lang="en-US" dirty="0" smtClean="0"/>
+              <a:t>.</a:t>
+            </a:r>
+            <a:endParaRPr lang="en-US" dirty="0"/>
+          </a:p>
+        </p:txBody>
+      </p:sp>
+    </p:spTree>
+    <p:extLst>
+      <p:ext uri="{BB962C8B-B14F-4D97-AF65-F5344CB8AC3E}">
+        <p14:creationId xmlns:p14="http://schemas.microsoft.com/office/powerpoint/2010/main" val="2543384512"/>
+      </p:ext>
+    </p:extLst>
+  </p:cSld>
+  <p:clrMapOvr>
+    <a:masterClrMapping/>
+  </p:clrMapOvr>
+  <p:timing>
+    <p:tnLst>
+      <p:par>
+        <p:cTn id="1" dur="indefinite" restart="never" nodeType="tmRoot"/>
+      </p:par>
+    </p:tnLst>
+  </p:timing>
+</p:sld>
+</file>
+
+<file path=ppt/slides/slide19.xml><?xml version="1.0" encoding="utf-8"?>
+<p:sld xmlns:a="http://schemas.openxmlformats.org/drawingml/2006/main" xmlns:r="http://schemas.openxmlformats.org/officeDocument/2006/relationships" xmlns:p="http://schemas.openxmlformats.org/presentationml/2006/main">
+  <p:cSld>
+    <p:spTree>
+      <p:nvGrpSpPr>
+        <p:cNvPr id="1" name=""/>
+        <p:cNvGrpSpPr/>
+        <p:nvPr/>
+      </p:nvGrpSpPr>
+      <p:grpSpPr>
+        <a:xfrm>
+          <a:off x="0" y="0"/>
+          <a:ext cx="0" cy="0"/>
+          <a:chOff x="0" y="0"/>
+          <a:chExt cx="0" cy="0"/>
+        </a:xfrm>
+      </p:grpSpPr>
+      <p:sp>
+        <p:nvSpPr>
+          <p:cNvPr id="2" name="Title 1"/>
+          <p:cNvSpPr>
+            <a:spLocks noGrp="1"/>
+          </p:cNvSpPr>
+          <p:nvPr>
+            <p:ph type="title"/>
+          </p:nvPr>
+        </p:nvSpPr>
+        <p:spPr/>
+        <p:txBody>
+          <a:bodyPr>
+            <a:normAutofit/>
+          </a:bodyPr>
+          <a:lstStyle/>
+          <a:p>
+            <a:r>
+              <a:rPr lang="en-US" dirty="0" smtClean="0"/>
+              <a:t>vector vs. </a:t>
+            </a:r>
+            <a:r>
+              <a:rPr lang="en-US" dirty="0" err="1" smtClean="0"/>
+              <a:t>deque</a:t>
+            </a:r>
+            <a:r>
+              <a:rPr lang="en-US" dirty="0" smtClean="0"/>
               <a:t> (access)</a:t>
             </a:r>
             <a:endParaRPr lang="en-US" dirty="0"/>
@@ -8947,160 +9345,6 @@
             <a:r>
               <a:rPr lang="en-US" dirty="0" smtClean="0"/>
               <a:t>* [access N elements in sequence]</a:t>
-            </a:r>
-          </a:p>
-          <a:p>
-            <a:r>
-              <a:rPr lang="en-US" dirty="0" smtClean="0"/>
-              <a:t>* Lower </a:t>
-            </a:r>
-            <a:r>
-              <a:rPr lang="en-US" dirty="0"/>
-              <a:t>is better</a:t>
-            </a:r>
-            <a:r>
-              <a:rPr lang="en-US" dirty="0" smtClean="0"/>
-              <a:t>.</a:t>
-            </a:r>
-            <a:endParaRPr lang="en-US" dirty="0"/>
-          </a:p>
-        </p:txBody>
-      </p:sp>
-    </p:spTree>
-    <p:extLst>
-      <p:ext uri="{BB962C8B-B14F-4D97-AF65-F5344CB8AC3E}">
-        <p14:creationId xmlns:p14="http://schemas.microsoft.com/office/powerpoint/2010/main" val="1287024861"/>
-      </p:ext>
-    </p:extLst>
-  </p:cSld>
-  <p:clrMapOvr>
-    <a:masterClrMapping/>
-  </p:clrMapOvr>
-  <p:timing>
-    <p:tnLst>
-      <p:par>
-        <p:cTn id="1" dur="indefinite" restart="never" nodeType="tmRoot"/>
-      </p:par>
-    </p:tnLst>
-  </p:timing>
-</p:sld>
-</file>
-
-<file path=ppt/slides/slide19.xml><?xml version="1.0" encoding="utf-8"?>
-<p:sld xmlns:a="http://schemas.openxmlformats.org/drawingml/2006/main" xmlns:r="http://schemas.openxmlformats.org/officeDocument/2006/relationships" xmlns:p="http://schemas.openxmlformats.org/presentationml/2006/main">
-  <p:cSld>
-    <p:spTree>
-      <p:nvGrpSpPr>
-        <p:cNvPr id="1" name=""/>
-        <p:cNvGrpSpPr/>
-        <p:nvPr/>
-      </p:nvGrpSpPr>
-      <p:grpSpPr>
-        <a:xfrm>
-          <a:off x="0" y="0"/>
-          <a:ext cx="0" cy="0"/>
-          <a:chOff x="0" y="0"/>
-          <a:chExt cx="0" cy="0"/>
-        </a:xfrm>
-      </p:grpSpPr>
-      <p:sp>
-        <p:nvSpPr>
-          <p:cNvPr id="2" name="Title 1"/>
-          <p:cNvSpPr>
-            <a:spLocks noGrp="1"/>
-          </p:cNvSpPr>
-          <p:nvPr>
-            <p:ph type="title"/>
-          </p:nvPr>
-        </p:nvSpPr>
-        <p:spPr/>
-        <p:txBody>
-          <a:bodyPr>
-            <a:normAutofit fontScale="90000"/>
-          </a:bodyPr>
-          <a:lstStyle/>
-          <a:p>
-            <a:r>
-              <a:rPr lang="en-US" dirty="0" smtClean="0"/>
-              <a:t>vector vs. </a:t>
-            </a:r>
-            <a:r>
-              <a:rPr lang="en-US" dirty="0" err="1" smtClean="0"/>
-              <a:t>deque</a:t>
-            </a:r>
-            <a:r>
-              <a:rPr lang="en-US" dirty="0" smtClean="0"/>
-              <a:t> (</a:t>
-            </a:r>
-            <a:r>
-              <a:rPr lang="en-US" dirty="0" err="1" smtClean="0"/>
-              <a:t>push_back</a:t>
-            </a:r>
-            <a:r>
-              <a:rPr lang="en-US" dirty="0" smtClean="0"/>
-              <a:t> + access)</a:t>
-            </a:r>
-            <a:endParaRPr lang="en-US" dirty="0"/>
-          </a:p>
-        </p:txBody>
-      </p:sp>
-      <p:graphicFrame>
-        <p:nvGraphicFramePr>
-          <p:cNvPr id="6" name="Chart 5"/>
-          <p:cNvGraphicFramePr>
-            <a:graphicFrameLocks/>
-          </p:cNvGraphicFramePr>
-          <p:nvPr>
-            <p:extLst>
-              <p:ext uri="{D42A27DB-BD31-4B8C-83A1-F6EECF244321}">
-                <p14:modId xmlns:p14="http://schemas.microsoft.com/office/powerpoint/2010/main" val="1062812379"/>
-              </p:ext>
-            </p:extLst>
-          </p:nvPr>
-        </p:nvGraphicFramePr>
-        <p:xfrm>
-          <a:off x="533400" y="1393030"/>
-          <a:ext cx="8153400" cy="5160169"/>
-        </p:xfrm>
-        <a:graphic>
-          <a:graphicData uri="http://schemas.openxmlformats.org/drawingml/2006/chart">
-            <c:chart xmlns:c="http://schemas.openxmlformats.org/drawingml/2006/chart" xmlns:r="http://schemas.openxmlformats.org/officeDocument/2006/relationships" r:id="rId2"/>
-          </a:graphicData>
-        </a:graphic>
-      </p:graphicFrame>
-      <p:sp>
-        <p:nvSpPr>
-          <p:cNvPr id="3" name="TextBox 2"/>
-          <p:cNvSpPr txBox="1"/>
-          <p:nvPr/>
-        </p:nvSpPr>
-        <p:spPr>
-          <a:xfrm>
-            <a:off x="381000" y="6248400"/>
-            <a:ext cx="5697970" cy="646331"/>
-          </a:xfrm>
-          <a:prstGeom prst="rect">
-            <a:avLst/>
-          </a:prstGeom>
-          <a:noFill/>
-        </p:spPr>
-        <p:txBody>
-          <a:bodyPr wrap="none" rtlCol="0">
-            <a:spAutoFit/>
-          </a:bodyPr>
-          <a:lstStyle/>
-          <a:p>
-            <a:r>
-              <a:rPr lang="en-US" dirty="0" smtClean="0"/>
-              <a:t>* [</a:t>
-            </a:r>
-            <a:r>
-              <a:rPr lang="en-US" dirty="0" err="1" smtClean="0"/>
-              <a:t>push_back</a:t>
-            </a:r>
-            <a:r>
-              <a:rPr lang="en-US" dirty="0" smtClean="0"/>
-              <a:t> N elements + access N elements in sequence]</a:t>
             </a:r>
           </a:p>
           <a:p>
@@ -9169,40 +9413,14 @@
         </p:nvSpPr>
         <p:spPr/>
         <p:txBody>
-          <a:bodyPr>
-            <a:noAutofit/>
-          </a:bodyPr>
+          <a:bodyPr/>
           <a:lstStyle/>
           <a:p>
             <a:r>
-              <a:rPr lang="en-US" sz="4000" dirty="0"/>
-              <a:t>Suboptimal </a:t>
-            </a:r>
-            <a:r>
-              <a:rPr lang="en-US" sz="4000" dirty="0" err="1" smtClean="0"/>
-              <a:t>basic_streambuf</a:t>
-            </a:r>
-            <a:r>
-              <a:rPr lang="en-US" sz="4000" dirty="0"/>
-              <a:t>::</a:t>
-            </a:r>
-            <a:r>
-              <a:rPr lang="en-US" sz="4000" dirty="0" err="1" smtClean="0"/>
-              <a:t>xsgetn</a:t>
-            </a:r>
-            <a:r>
-              <a:rPr lang="en-US" sz="4000" dirty="0" smtClean="0"/>
-              <a:t> (</a:t>
-            </a:r>
-            <a:r>
-              <a:rPr lang="en-US" sz="4000" dirty="0" err="1" smtClean="0"/>
-              <a:t>libc</a:t>
-            </a:r>
-            <a:r>
-              <a:rPr lang="en-US" sz="4000" dirty="0" smtClean="0"/>
-              <a:t>++)</a:t>
-            </a:r>
-            <a:endParaRPr lang="en-US" sz="4000" dirty="0"/>
+              <a:rPr lang="en-US" dirty="0" smtClean="0"/>
+              <a:t>Apache 2.0</a:t>
+            </a:r>
+            <a:endParaRPr lang="en-US" dirty="0"/>
           </a:p>
         </p:txBody>
       </p:sp>
@@ -9218,710 +9436,178 @@
         </p:nvSpPr>
         <p:spPr/>
         <p:txBody>
-          <a:bodyPr>
-            <a:noAutofit/>
-          </a:bodyPr>
+          <a:bodyPr/>
           <a:lstStyle/>
           <a:p>
-            <a:pPr marL="0" indent="0">
-              <a:buNone/>
-            </a:pPr>
-            <a:r>
-              <a:rPr lang="en-US" sz="1400" dirty="0">
-                <a:latin typeface="Verdana" panose="020B0604030504040204" pitchFamily="34" charset="0"/>
-                <a:ea typeface="Verdana" panose="020B0604030504040204" pitchFamily="34" charset="0"/>
-                <a:cs typeface="Verdana" panose="020B0604030504040204" pitchFamily="34" charset="0"/>
-              </a:rPr>
-              <a:t>template &lt;class _</a:t>
-            </a:r>
-            <a:r>
-              <a:rPr lang="en-US" sz="1400" dirty="0" err="1">
-                <a:latin typeface="Verdana" panose="020B0604030504040204" pitchFamily="34" charset="0"/>
-                <a:ea typeface="Verdana" panose="020B0604030504040204" pitchFamily="34" charset="0"/>
-                <a:cs typeface="Verdana" panose="020B0604030504040204" pitchFamily="34" charset="0"/>
-              </a:rPr>
-              <a:t>CharT</a:t>
-            </a:r>
-            <a:r>
-              <a:rPr lang="en-US" sz="1400" dirty="0">
-                <a:latin typeface="Verdana" panose="020B0604030504040204" pitchFamily="34" charset="0"/>
-                <a:ea typeface="Verdana" panose="020B0604030504040204" pitchFamily="34" charset="0"/>
-                <a:cs typeface="Verdana" panose="020B0604030504040204" pitchFamily="34" charset="0"/>
-              </a:rPr>
-              <a:t>, class _Traits&gt;</a:t>
-            </a:r>
-          </a:p>
-          <a:p>
-            <a:pPr marL="0" indent="0">
-              <a:buNone/>
-            </a:pPr>
-            <a:r>
-              <a:rPr lang="en-US" sz="1400" dirty="0" err="1">
-                <a:latin typeface="Verdana" panose="020B0604030504040204" pitchFamily="34" charset="0"/>
-                <a:ea typeface="Verdana" panose="020B0604030504040204" pitchFamily="34" charset="0"/>
-                <a:cs typeface="Verdana" panose="020B0604030504040204" pitchFamily="34" charset="0"/>
-              </a:rPr>
-              <a:t>streamsize</a:t>
-            </a:r>
-            <a:endParaRPr lang="en-US" sz="1400" dirty="0">
-              <a:latin typeface="Verdana" panose="020B0604030504040204" pitchFamily="34" charset="0"/>
-              <a:ea typeface="Verdana" panose="020B0604030504040204" pitchFamily="34" charset="0"/>
-              <a:cs typeface="Verdana" panose="020B0604030504040204" pitchFamily="34" charset="0"/>
-            </a:endParaRPr>
-          </a:p>
-          <a:p>
-            <a:pPr marL="0" indent="0">
-              <a:buNone/>
-            </a:pPr>
-            <a:r>
-              <a:rPr lang="en-US" sz="1400" dirty="0" err="1">
-                <a:latin typeface="Verdana" panose="020B0604030504040204" pitchFamily="34" charset="0"/>
-                <a:ea typeface="Verdana" panose="020B0604030504040204" pitchFamily="34" charset="0"/>
-                <a:cs typeface="Verdana" panose="020B0604030504040204" pitchFamily="34" charset="0"/>
-              </a:rPr>
-              <a:t>basic_streambuf</a:t>
-            </a:r>
-            <a:r>
-              <a:rPr lang="en-US" sz="1400" dirty="0">
-                <a:latin typeface="Verdana" panose="020B0604030504040204" pitchFamily="34" charset="0"/>
-                <a:ea typeface="Verdana" panose="020B0604030504040204" pitchFamily="34" charset="0"/>
-                <a:cs typeface="Verdana" panose="020B0604030504040204" pitchFamily="34" charset="0"/>
-              </a:rPr>
-              <a:t>&lt;_</a:t>
-            </a:r>
-            <a:r>
-              <a:rPr lang="en-US" sz="1400" dirty="0" err="1">
-                <a:latin typeface="Verdana" panose="020B0604030504040204" pitchFamily="34" charset="0"/>
-                <a:ea typeface="Verdana" panose="020B0604030504040204" pitchFamily="34" charset="0"/>
-                <a:cs typeface="Verdana" panose="020B0604030504040204" pitchFamily="34" charset="0"/>
-              </a:rPr>
-              <a:t>CharT</a:t>
-            </a:r>
-            <a:r>
-              <a:rPr lang="en-US" sz="1400" dirty="0">
-                <a:latin typeface="Verdana" panose="020B0604030504040204" pitchFamily="34" charset="0"/>
-                <a:ea typeface="Verdana" panose="020B0604030504040204" pitchFamily="34" charset="0"/>
-                <a:cs typeface="Verdana" panose="020B0604030504040204" pitchFamily="34" charset="0"/>
-              </a:rPr>
-              <a:t>, _Traits&gt;::</a:t>
-            </a:r>
-            <a:r>
-              <a:rPr lang="en-US" sz="1400" dirty="0" err="1">
-                <a:latin typeface="Verdana" panose="020B0604030504040204" pitchFamily="34" charset="0"/>
-                <a:ea typeface="Verdana" panose="020B0604030504040204" pitchFamily="34" charset="0"/>
-                <a:cs typeface="Verdana" panose="020B0604030504040204" pitchFamily="34" charset="0"/>
-              </a:rPr>
-              <a:t>xsgetn</a:t>
-            </a:r>
-            <a:r>
-              <a:rPr lang="en-US" sz="1400" dirty="0">
-                <a:latin typeface="Verdana" panose="020B0604030504040204" pitchFamily="34" charset="0"/>
-                <a:ea typeface="Verdana" panose="020B0604030504040204" pitchFamily="34" charset="0"/>
-                <a:cs typeface="Verdana" panose="020B0604030504040204" pitchFamily="34" charset="0"/>
-              </a:rPr>
-              <a:t>(</a:t>
-            </a:r>
-            <a:r>
-              <a:rPr lang="en-US" sz="1400" dirty="0" err="1">
-                <a:latin typeface="Verdana" panose="020B0604030504040204" pitchFamily="34" charset="0"/>
-                <a:ea typeface="Verdana" panose="020B0604030504040204" pitchFamily="34" charset="0"/>
-                <a:cs typeface="Verdana" panose="020B0604030504040204" pitchFamily="34" charset="0"/>
-              </a:rPr>
-              <a:t>char_type</a:t>
-            </a:r>
-            <a:r>
-              <a:rPr lang="en-US" sz="1400" dirty="0">
-                <a:latin typeface="Verdana" panose="020B0604030504040204" pitchFamily="34" charset="0"/>
-                <a:ea typeface="Verdana" panose="020B0604030504040204" pitchFamily="34" charset="0"/>
-                <a:cs typeface="Verdana" panose="020B0604030504040204" pitchFamily="34" charset="0"/>
-              </a:rPr>
-              <a:t>* __s, </a:t>
-            </a:r>
-            <a:r>
-              <a:rPr lang="en-US" sz="1400" dirty="0" err="1">
-                <a:latin typeface="Verdana" panose="020B0604030504040204" pitchFamily="34" charset="0"/>
-                <a:ea typeface="Verdana" panose="020B0604030504040204" pitchFamily="34" charset="0"/>
-                <a:cs typeface="Verdana" panose="020B0604030504040204" pitchFamily="34" charset="0"/>
-              </a:rPr>
-              <a:t>streamsize</a:t>
-            </a:r>
-            <a:r>
-              <a:rPr lang="en-US" sz="1400" dirty="0">
-                <a:latin typeface="Verdana" panose="020B0604030504040204" pitchFamily="34" charset="0"/>
-                <a:ea typeface="Verdana" panose="020B0604030504040204" pitchFamily="34" charset="0"/>
-                <a:cs typeface="Verdana" panose="020B0604030504040204" pitchFamily="34" charset="0"/>
-              </a:rPr>
-              <a:t> __n)</a:t>
-            </a:r>
-          </a:p>
-          <a:p>
-            <a:pPr marL="0" indent="0">
-              <a:buNone/>
-            </a:pPr>
-            <a:r>
-              <a:rPr lang="en-US" sz="1400" dirty="0">
-                <a:latin typeface="Verdana" panose="020B0604030504040204" pitchFamily="34" charset="0"/>
-                <a:ea typeface="Verdana" panose="020B0604030504040204" pitchFamily="34" charset="0"/>
-                <a:cs typeface="Verdana" panose="020B0604030504040204" pitchFamily="34" charset="0"/>
-              </a:rPr>
-              <a:t>{</a:t>
-            </a:r>
-          </a:p>
-          <a:p>
-            <a:pPr marL="0" indent="0">
-              <a:buNone/>
-            </a:pPr>
-            <a:r>
-              <a:rPr lang="en-US" sz="1400" dirty="0">
-                <a:latin typeface="Verdana" panose="020B0604030504040204" pitchFamily="34" charset="0"/>
-                <a:ea typeface="Verdana" panose="020B0604030504040204" pitchFamily="34" charset="0"/>
-                <a:cs typeface="Verdana" panose="020B0604030504040204" pitchFamily="34" charset="0"/>
-              </a:rPr>
-              <a:t>    </a:t>
-            </a:r>
-            <a:r>
-              <a:rPr lang="en-US" sz="1400" dirty="0" err="1">
-                <a:latin typeface="Verdana" panose="020B0604030504040204" pitchFamily="34" charset="0"/>
-                <a:ea typeface="Verdana" panose="020B0604030504040204" pitchFamily="34" charset="0"/>
-                <a:cs typeface="Verdana" panose="020B0604030504040204" pitchFamily="34" charset="0"/>
-              </a:rPr>
-              <a:t>const</a:t>
-            </a:r>
-            <a:r>
-              <a:rPr lang="en-US" sz="1400" dirty="0">
-                <a:latin typeface="Verdana" panose="020B0604030504040204" pitchFamily="34" charset="0"/>
-                <a:ea typeface="Verdana" panose="020B0604030504040204" pitchFamily="34" charset="0"/>
-                <a:cs typeface="Verdana" panose="020B0604030504040204" pitchFamily="34" charset="0"/>
-              </a:rPr>
-              <a:t> </a:t>
-            </a:r>
-            <a:r>
-              <a:rPr lang="en-US" sz="1400" dirty="0" err="1">
-                <a:latin typeface="Verdana" panose="020B0604030504040204" pitchFamily="34" charset="0"/>
-                <a:ea typeface="Verdana" panose="020B0604030504040204" pitchFamily="34" charset="0"/>
-                <a:cs typeface="Verdana" panose="020B0604030504040204" pitchFamily="34" charset="0"/>
-              </a:rPr>
-              <a:t>int_type</a:t>
-            </a:r>
-            <a:r>
-              <a:rPr lang="en-US" sz="1400" dirty="0">
-                <a:latin typeface="Verdana" panose="020B0604030504040204" pitchFamily="34" charset="0"/>
-                <a:ea typeface="Verdana" panose="020B0604030504040204" pitchFamily="34" charset="0"/>
-                <a:cs typeface="Verdana" panose="020B0604030504040204" pitchFamily="34" charset="0"/>
-              </a:rPr>
-              <a:t> __</a:t>
-            </a:r>
-            <a:r>
-              <a:rPr lang="en-US" sz="1400" dirty="0" err="1">
-                <a:latin typeface="Verdana" panose="020B0604030504040204" pitchFamily="34" charset="0"/>
-                <a:ea typeface="Verdana" panose="020B0604030504040204" pitchFamily="34" charset="0"/>
-                <a:cs typeface="Verdana" panose="020B0604030504040204" pitchFamily="34" charset="0"/>
-              </a:rPr>
-              <a:t>eof</a:t>
-            </a:r>
-            <a:r>
-              <a:rPr lang="en-US" sz="1400" dirty="0">
-                <a:latin typeface="Verdana" panose="020B0604030504040204" pitchFamily="34" charset="0"/>
-                <a:ea typeface="Verdana" panose="020B0604030504040204" pitchFamily="34" charset="0"/>
-                <a:cs typeface="Verdana" panose="020B0604030504040204" pitchFamily="34" charset="0"/>
-              </a:rPr>
-              <a:t> = </a:t>
-            </a:r>
-            <a:r>
-              <a:rPr lang="en-US" sz="1400" dirty="0" err="1">
-                <a:latin typeface="Verdana" panose="020B0604030504040204" pitchFamily="34" charset="0"/>
-                <a:ea typeface="Verdana" panose="020B0604030504040204" pitchFamily="34" charset="0"/>
-                <a:cs typeface="Verdana" panose="020B0604030504040204" pitchFamily="34" charset="0"/>
-              </a:rPr>
-              <a:t>traits_type</a:t>
-            </a:r>
-            <a:r>
-              <a:rPr lang="en-US" sz="1400" dirty="0">
-                <a:latin typeface="Verdana" panose="020B0604030504040204" pitchFamily="34" charset="0"/>
-                <a:ea typeface="Verdana" panose="020B0604030504040204" pitchFamily="34" charset="0"/>
-                <a:cs typeface="Verdana" panose="020B0604030504040204" pitchFamily="34" charset="0"/>
-              </a:rPr>
-              <a:t>::</a:t>
-            </a:r>
-            <a:r>
-              <a:rPr lang="en-US" sz="1400" dirty="0" err="1">
-                <a:latin typeface="Verdana" panose="020B0604030504040204" pitchFamily="34" charset="0"/>
-                <a:ea typeface="Verdana" panose="020B0604030504040204" pitchFamily="34" charset="0"/>
-                <a:cs typeface="Verdana" panose="020B0604030504040204" pitchFamily="34" charset="0"/>
-              </a:rPr>
-              <a:t>eof</a:t>
-            </a:r>
-            <a:r>
-              <a:rPr lang="en-US" sz="1400" dirty="0">
-                <a:latin typeface="Verdana" panose="020B0604030504040204" pitchFamily="34" charset="0"/>
-                <a:ea typeface="Verdana" panose="020B0604030504040204" pitchFamily="34" charset="0"/>
-                <a:cs typeface="Verdana" panose="020B0604030504040204" pitchFamily="34" charset="0"/>
-              </a:rPr>
-              <a:t>();</a:t>
-            </a:r>
-          </a:p>
-          <a:p>
-            <a:pPr marL="0" indent="0">
-              <a:buNone/>
-            </a:pPr>
-            <a:r>
-              <a:rPr lang="en-US" sz="1400" dirty="0">
-                <a:latin typeface="Verdana" panose="020B0604030504040204" pitchFamily="34" charset="0"/>
-                <a:ea typeface="Verdana" panose="020B0604030504040204" pitchFamily="34" charset="0"/>
-                <a:cs typeface="Verdana" panose="020B0604030504040204" pitchFamily="34" charset="0"/>
-              </a:rPr>
-              <a:t>    </a:t>
-            </a:r>
-            <a:r>
-              <a:rPr lang="en-US" sz="1400" dirty="0" err="1">
-                <a:latin typeface="Verdana" panose="020B0604030504040204" pitchFamily="34" charset="0"/>
-                <a:ea typeface="Verdana" panose="020B0604030504040204" pitchFamily="34" charset="0"/>
-                <a:cs typeface="Verdana" panose="020B0604030504040204" pitchFamily="34" charset="0"/>
-              </a:rPr>
-              <a:t>int_type</a:t>
-            </a:r>
-            <a:r>
-              <a:rPr lang="en-US" sz="1400" dirty="0">
-                <a:latin typeface="Verdana" panose="020B0604030504040204" pitchFamily="34" charset="0"/>
-                <a:ea typeface="Verdana" panose="020B0604030504040204" pitchFamily="34" charset="0"/>
-                <a:cs typeface="Verdana" panose="020B0604030504040204" pitchFamily="34" charset="0"/>
-              </a:rPr>
-              <a:t> __c;</a:t>
-            </a:r>
-          </a:p>
-          <a:p>
-            <a:pPr marL="0" indent="0">
-              <a:buNone/>
-            </a:pPr>
-            <a:r>
-              <a:rPr lang="en-US" sz="1400" dirty="0">
-                <a:latin typeface="Verdana" panose="020B0604030504040204" pitchFamily="34" charset="0"/>
-                <a:ea typeface="Verdana" panose="020B0604030504040204" pitchFamily="34" charset="0"/>
-                <a:cs typeface="Verdana" panose="020B0604030504040204" pitchFamily="34" charset="0"/>
-              </a:rPr>
-              <a:t>    </a:t>
-            </a:r>
-            <a:r>
-              <a:rPr lang="en-US" sz="1400" dirty="0" err="1">
-                <a:latin typeface="Verdana" panose="020B0604030504040204" pitchFamily="34" charset="0"/>
-                <a:ea typeface="Verdana" panose="020B0604030504040204" pitchFamily="34" charset="0"/>
-                <a:cs typeface="Verdana" panose="020B0604030504040204" pitchFamily="34" charset="0"/>
-              </a:rPr>
-              <a:t>streamsize</a:t>
-            </a:r>
-            <a:r>
-              <a:rPr lang="en-US" sz="1400" dirty="0">
-                <a:latin typeface="Verdana" panose="020B0604030504040204" pitchFamily="34" charset="0"/>
-                <a:ea typeface="Verdana" panose="020B0604030504040204" pitchFamily="34" charset="0"/>
-                <a:cs typeface="Verdana" panose="020B0604030504040204" pitchFamily="34" charset="0"/>
-              </a:rPr>
-              <a:t> __</a:t>
-            </a:r>
-            <a:r>
-              <a:rPr lang="en-US" sz="1400" dirty="0" err="1">
-                <a:latin typeface="Verdana" panose="020B0604030504040204" pitchFamily="34" charset="0"/>
-                <a:ea typeface="Verdana" panose="020B0604030504040204" pitchFamily="34" charset="0"/>
-                <a:cs typeface="Verdana" panose="020B0604030504040204" pitchFamily="34" charset="0"/>
-              </a:rPr>
-              <a:t>i</a:t>
-            </a:r>
-            <a:r>
-              <a:rPr lang="en-US" sz="1400" dirty="0">
-                <a:latin typeface="Verdana" panose="020B0604030504040204" pitchFamily="34" charset="0"/>
-                <a:ea typeface="Verdana" panose="020B0604030504040204" pitchFamily="34" charset="0"/>
-                <a:cs typeface="Verdana" panose="020B0604030504040204" pitchFamily="34" charset="0"/>
-              </a:rPr>
-              <a:t> = 0;</a:t>
-            </a:r>
-          </a:p>
-          <a:p>
-            <a:pPr marL="0" indent="0">
-              <a:buNone/>
-            </a:pPr>
-            <a:r>
-              <a:rPr lang="en-US" sz="1400" dirty="0">
-                <a:latin typeface="Verdana" panose="020B0604030504040204" pitchFamily="34" charset="0"/>
-                <a:ea typeface="Verdana" panose="020B0604030504040204" pitchFamily="34" charset="0"/>
-                <a:cs typeface="Verdana" panose="020B0604030504040204" pitchFamily="34" charset="0"/>
-              </a:rPr>
-              <a:t>    for (;__</a:t>
-            </a:r>
-            <a:r>
-              <a:rPr lang="en-US" sz="1400" dirty="0" err="1">
-                <a:latin typeface="Verdana" panose="020B0604030504040204" pitchFamily="34" charset="0"/>
-                <a:ea typeface="Verdana" panose="020B0604030504040204" pitchFamily="34" charset="0"/>
-                <a:cs typeface="Verdana" panose="020B0604030504040204" pitchFamily="34" charset="0"/>
-              </a:rPr>
-              <a:t>i</a:t>
-            </a:r>
-            <a:r>
-              <a:rPr lang="en-US" sz="1400" dirty="0">
-                <a:latin typeface="Verdana" panose="020B0604030504040204" pitchFamily="34" charset="0"/>
-                <a:ea typeface="Verdana" panose="020B0604030504040204" pitchFamily="34" charset="0"/>
-                <a:cs typeface="Verdana" panose="020B0604030504040204" pitchFamily="34" charset="0"/>
-              </a:rPr>
-              <a:t> &lt; __n; ++__</a:t>
-            </a:r>
-            <a:r>
-              <a:rPr lang="en-US" sz="1400" dirty="0" err="1">
-                <a:latin typeface="Verdana" panose="020B0604030504040204" pitchFamily="34" charset="0"/>
-                <a:ea typeface="Verdana" panose="020B0604030504040204" pitchFamily="34" charset="0"/>
-                <a:cs typeface="Verdana" panose="020B0604030504040204" pitchFamily="34" charset="0"/>
-              </a:rPr>
-              <a:t>i</a:t>
-            </a:r>
-            <a:r>
-              <a:rPr lang="en-US" sz="1400" dirty="0">
-                <a:latin typeface="Verdana" panose="020B0604030504040204" pitchFamily="34" charset="0"/>
-                <a:ea typeface="Verdana" panose="020B0604030504040204" pitchFamily="34" charset="0"/>
-                <a:cs typeface="Verdana" panose="020B0604030504040204" pitchFamily="34" charset="0"/>
-              </a:rPr>
-              <a:t>, ++__s</a:t>
-            </a:r>
-            <a:r>
-              <a:rPr lang="en-US" sz="1400" dirty="0" smtClean="0">
-                <a:latin typeface="Verdana" panose="020B0604030504040204" pitchFamily="34" charset="0"/>
-                <a:ea typeface="Verdana" panose="020B0604030504040204" pitchFamily="34" charset="0"/>
-                <a:cs typeface="Verdana" panose="020B0604030504040204" pitchFamily="34" charset="0"/>
-              </a:rPr>
-              <a:t>) {</a:t>
-            </a:r>
-            <a:endParaRPr lang="en-US" sz="1400" dirty="0">
-              <a:latin typeface="Verdana" panose="020B0604030504040204" pitchFamily="34" charset="0"/>
-              <a:ea typeface="Verdana" panose="020B0604030504040204" pitchFamily="34" charset="0"/>
-              <a:cs typeface="Verdana" panose="020B0604030504040204" pitchFamily="34" charset="0"/>
-            </a:endParaRPr>
-          </a:p>
-          <a:p>
-            <a:pPr marL="0" marR="0" indent="0">
-              <a:spcBef>
-                <a:spcPts val="335"/>
-              </a:spcBef>
-              <a:spcAft>
-                <a:spcPts val="0"/>
-              </a:spcAft>
-              <a:buNone/>
-            </a:pPr>
-            <a:r>
-              <a:rPr lang="en-US" sz="1400" dirty="0">
-                <a:solidFill>
-                  <a:srgbClr val="000000"/>
-                </a:solidFill>
-                <a:latin typeface="Verdana"/>
-                <a:ea typeface="Verdana"/>
-                <a:cs typeface="Verdana"/>
-              </a:rPr>
-              <a:t>        </a:t>
-            </a:r>
-            <a:r>
-              <a:rPr lang="en-US" sz="1400" dirty="0">
-                <a:solidFill>
-                  <a:srgbClr val="000000"/>
-                </a:solidFill>
-                <a:highlight>
-                  <a:srgbClr val="FFFF00"/>
-                </a:highlight>
-                <a:latin typeface="Verdana"/>
-                <a:ea typeface="Verdana"/>
-                <a:cs typeface="Verdana"/>
-              </a:rPr>
-              <a:t>if (__</a:t>
-            </a:r>
-            <a:r>
-              <a:rPr lang="en-US" sz="1400" dirty="0" err="1">
-                <a:solidFill>
-                  <a:srgbClr val="000000"/>
-                </a:solidFill>
-                <a:highlight>
-                  <a:srgbClr val="FFFF00"/>
-                </a:highlight>
-                <a:latin typeface="Verdana"/>
-                <a:ea typeface="Verdana"/>
-                <a:cs typeface="Verdana"/>
-              </a:rPr>
-              <a:t>ninp</a:t>
-            </a:r>
-            <a:r>
-              <a:rPr lang="en-US" sz="1400" dirty="0">
-                <a:solidFill>
-                  <a:srgbClr val="000000"/>
-                </a:solidFill>
-                <a:highlight>
-                  <a:srgbClr val="FFFF00"/>
-                </a:highlight>
-                <a:latin typeface="Verdana"/>
-                <a:ea typeface="Verdana"/>
-                <a:cs typeface="Verdana"/>
-              </a:rPr>
-              <a:t>_ &lt; __</a:t>
-            </a:r>
-            <a:r>
-              <a:rPr lang="en-US" sz="1400" dirty="0" err="1">
-                <a:solidFill>
-                  <a:srgbClr val="000000"/>
-                </a:solidFill>
-                <a:highlight>
-                  <a:srgbClr val="FFFF00"/>
-                </a:highlight>
-                <a:latin typeface="Verdana"/>
-                <a:ea typeface="Verdana"/>
-                <a:cs typeface="Verdana"/>
-              </a:rPr>
-              <a:t>einp</a:t>
-            </a:r>
-            <a:r>
-              <a:rPr lang="en-US" sz="1400" dirty="0">
-                <a:solidFill>
-                  <a:srgbClr val="000000"/>
-                </a:solidFill>
-                <a:highlight>
-                  <a:srgbClr val="FFFF00"/>
-                </a:highlight>
-                <a:latin typeface="Verdana"/>
-                <a:ea typeface="Verdana"/>
-                <a:cs typeface="Verdana"/>
-              </a:rPr>
-              <a:t>_)</a:t>
-            </a:r>
-            <a:endParaRPr lang="en-US" sz="1200" dirty="0">
-              <a:latin typeface="Times New Roman"/>
-              <a:ea typeface="Times New Roman"/>
-            </a:endParaRPr>
-          </a:p>
-          <a:p>
-            <a:pPr marL="0" marR="0" indent="0">
-              <a:spcBef>
-                <a:spcPts val="335"/>
-              </a:spcBef>
-              <a:spcAft>
-                <a:spcPts val="0"/>
-              </a:spcAft>
-              <a:buNone/>
-            </a:pPr>
-            <a:r>
-              <a:rPr lang="en-US" sz="1400" dirty="0">
-                <a:solidFill>
-                  <a:srgbClr val="000000"/>
-                </a:solidFill>
-                <a:highlight>
-                  <a:srgbClr val="FFFF00"/>
-                </a:highlight>
-                <a:latin typeface="Verdana"/>
-                <a:ea typeface="Verdana"/>
-                <a:cs typeface="Verdana"/>
-              </a:rPr>
-              <a:t>            *__s = *__</a:t>
-            </a:r>
-            <a:r>
-              <a:rPr lang="en-US" sz="1400" dirty="0" err="1">
-                <a:solidFill>
-                  <a:srgbClr val="000000"/>
-                </a:solidFill>
-                <a:highlight>
-                  <a:srgbClr val="FFFF00"/>
-                </a:highlight>
-                <a:latin typeface="Verdana"/>
-                <a:ea typeface="Verdana"/>
-                <a:cs typeface="Verdana"/>
-              </a:rPr>
-              <a:t>ninp</a:t>
-            </a:r>
-            <a:r>
-              <a:rPr lang="en-US" sz="1400" dirty="0">
-                <a:solidFill>
-                  <a:srgbClr val="000000"/>
-                </a:solidFill>
-                <a:highlight>
-                  <a:srgbClr val="FFFF00"/>
-                </a:highlight>
-                <a:latin typeface="Verdana"/>
-                <a:ea typeface="Verdana"/>
-                <a:cs typeface="Verdana"/>
-              </a:rPr>
-              <a:t>_++;</a:t>
-            </a:r>
-            <a:endParaRPr lang="en-US" sz="1200" dirty="0">
-              <a:latin typeface="Times New Roman"/>
-              <a:ea typeface="Times New Roman"/>
-            </a:endParaRPr>
-          </a:p>
-          <a:p>
-            <a:pPr marL="0" indent="0">
-              <a:buNone/>
-            </a:pPr>
-            <a:r>
-              <a:rPr lang="en-US" sz="1400" dirty="0" smtClean="0">
-                <a:latin typeface="Verdana" panose="020B0604030504040204" pitchFamily="34" charset="0"/>
-                <a:ea typeface="Verdana" panose="020B0604030504040204" pitchFamily="34" charset="0"/>
-                <a:cs typeface="Verdana" panose="020B0604030504040204" pitchFamily="34" charset="0"/>
-              </a:rPr>
-              <a:t>        else if ((__c = </a:t>
-            </a:r>
-            <a:r>
-              <a:rPr lang="en-US" sz="1400" dirty="0" err="1" smtClean="0">
-                <a:latin typeface="Verdana" panose="020B0604030504040204" pitchFamily="34" charset="0"/>
-                <a:ea typeface="Verdana" panose="020B0604030504040204" pitchFamily="34" charset="0"/>
-                <a:cs typeface="Verdana" panose="020B0604030504040204" pitchFamily="34" charset="0"/>
-              </a:rPr>
-              <a:t>uflow</a:t>
-            </a:r>
-            <a:r>
-              <a:rPr lang="en-US" sz="1400" dirty="0" smtClean="0">
-                <a:latin typeface="Verdana" panose="020B0604030504040204" pitchFamily="34" charset="0"/>
-                <a:ea typeface="Verdana" panose="020B0604030504040204" pitchFamily="34" charset="0"/>
-                <a:cs typeface="Verdana" panose="020B0604030504040204" pitchFamily="34" charset="0"/>
-              </a:rPr>
-              <a:t>()) != __</a:t>
-            </a:r>
-            <a:r>
-              <a:rPr lang="en-US" sz="1400" dirty="0" err="1" smtClean="0">
-                <a:latin typeface="Verdana" panose="020B0604030504040204" pitchFamily="34" charset="0"/>
-                <a:ea typeface="Verdana" panose="020B0604030504040204" pitchFamily="34" charset="0"/>
-                <a:cs typeface="Verdana" panose="020B0604030504040204" pitchFamily="34" charset="0"/>
-              </a:rPr>
-              <a:t>eof</a:t>
-            </a:r>
-            <a:r>
-              <a:rPr lang="en-US" sz="1400" dirty="0" smtClean="0">
-                <a:latin typeface="Verdana" panose="020B0604030504040204" pitchFamily="34" charset="0"/>
-                <a:ea typeface="Verdana" panose="020B0604030504040204" pitchFamily="34" charset="0"/>
-                <a:cs typeface="Verdana" panose="020B0604030504040204" pitchFamily="34" charset="0"/>
-              </a:rPr>
-              <a:t>)</a:t>
-            </a:r>
-          </a:p>
-          <a:p>
-            <a:pPr marL="0" indent="0">
-              <a:buNone/>
-            </a:pPr>
-            <a:r>
-              <a:rPr lang="en-US" sz="1400" dirty="0">
-                <a:latin typeface="Verdana" panose="020B0604030504040204" pitchFamily="34" charset="0"/>
-                <a:ea typeface="Verdana" panose="020B0604030504040204" pitchFamily="34" charset="0"/>
-                <a:cs typeface="Verdana" panose="020B0604030504040204" pitchFamily="34" charset="0"/>
-              </a:rPr>
-              <a:t>            *__s = </a:t>
-            </a:r>
-            <a:r>
-              <a:rPr lang="en-US" sz="1400" dirty="0" err="1">
-                <a:latin typeface="Verdana" panose="020B0604030504040204" pitchFamily="34" charset="0"/>
-                <a:ea typeface="Verdana" panose="020B0604030504040204" pitchFamily="34" charset="0"/>
-                <a:cs typeface="Verdana" panose="020B0604030504040204" pitchFamily="34" charset="0"/>
-              </a:rPr>
-              <a:t>traits_type</a:t>
-            </a:r>
-            <a:r>
-              <a:rPr lang="en-US" sz="1400" dirty="0">
-                <a:latin typeface="Verdana" panose="020B0604030504040204" pitchFamily="34" charset="0"/>
-                <a:ea typeface="Verdana" panose="020B0604030504040204" pitchFamily="34" charset="0"/>
-                <a:cs typeface="Verdana" panose="020B0604030504040204" pitchFamily="34" charset="0"/>
-              </a:rPr>
-              <a:t>::</a:t>
-            </a:r>
-            <a:r>
-              <a:rPr lang="en-US" sz="1400" dirty="0" err="1">
-                <a:latin typeface="Verdana" panose="020B0604030504040204" pitchFamily="34" charset="0"/>
-                <a:ea typeface="Verdana" panose="020B0604030504040204" pitchFamily="34" charset="0"/>
-                <a:cs typeface="Verdana" panose="020B0604030504040204" pitchFamily="34" charset="0"/>
-              </a:rPr>
-              <a:t>to_char_type</a:t>
-            </a:r>
-            <a:r>
-              <a:rPr lang="en-US" sz="1400" dirty="0">
-                <a:latin typeface="Verdana" panose="020B0604030504040204" pitchFamily="34" charset="0"/>
-                <a:ea typeface="Verdana" panose="020B0604030504040204" pitchFamily="34" charset="0"/>
-                <a:cs typeface="Verdana" panose="020B0604030504040204" pitchFamily="34" charset="0"/>
-              </a:rPr>
-              <a:t>(__c);</a:t>
-            </a:r>
-          </a:p>
-          <a:p>
-            <a:pPr marL="0" indent="0">
-              <a:buNone/>
-            </a:pPr>
-            <a:r>
-              <a:rPr lang="en-US" sz="1400" dirty="0">
-                <a:latin typeface="Verdana" panose="020B0604030504040204" pitchFamily="34" charset="0"/>
-                <a:ea typeface="Verdana" panose="020B0604030504040204" pitchFamily="34" charset="0"/>
-                <a:cs typeface="Verdana" panose="020B0604030504040204" pitchFamily="34" charset="0"/>
-              </a:rPr>
-              <a:t>        else</a:t>
-            </a:r>
-          </a:p>
-          <a:p>
-            <a:pPr marL="0" indent="0">
-              <a:buNone/>
-            </a:pPr>
-            <a:r>
-              <a:rPr lang="en-US" sz="1400" dirty="0">
-                <a:latin typeface="Verdana" panose="020B0604030504040204" pitchFamily="34" charset="0"/>
-                <a:ea typeface="Verdana" panose="020B0604030504040204" pitchFamily="34" charset="0"/>
-                <a:cs typeface="Verdana" panose="020B0604030504040204" pitchFamily="34" charset="0"/>
-              </a:rPr>
-              <a:t>            break;</a:t>
-            </a:r>
-          </a:p>
-          <a:p>
-            <a:pPr marL="0" indent="0">
-              <a:buNone/>
-            </a:pPr>
-            <a:r>
-              <a:rPr lang="en-US" sz="1400" dirty="0">
-                <a:latin typeface="Verdana" panose="020B0604030504040204" pitchFamily="34" charset="0"/>
-                <a:ea typeface="Verdana" panose="020B0604030504040204" pitchFamily="34" charset="0"/>
-                <a:cs typeface="Verdana" panose="020B0604030504040204" pitchFamily="34" charset="0"/>
-              </a:rPr>
-              <a:t>    }</a:t>
-            </a:r>
-          </a:p>
-          <a:p>
-            <a:pPr marL="0" indent="0">
-              <a:buNone/>
-            </a:pPr>
-            <a:r>
-              <a:rPr lang="en-US" sz="1400" dirty="0">
-                <a:latin typeface="Verdana" panose="020B0604030504040204" pitchFamily="34" charset="0"/>
-                <a:ea typeface="Verdana" panose="020B0604030504040204" pitchFamily="34" charset="0"/>
-                <a:cs typeface="Verdana" panose="020B0604030504040204" pitchFamily="34" charset="0"/>
-              </a:rPr>
-              <a:t>    return __</a:t>
-            </a:r>
-            <a:r>
-              <a:rPr lang="en-US" sz="1400" dirty="0" err="1">
-                <a:latin typeface="Verdana" panose="020B0604030504040204" pitchFamily="34" charset="0"/>
-                <a:ea typeface="Verdana" panose="020B0604030504040204" pitchFamily="34" charset="0"/>
-                <a:cs typeface="Verdana" panose="020B0604030504040204" pitchFamily="34" charset="0"/>
-              </a:rPr>
-              <a:t>i</a:t>
-            </a:r>
-            <a:r>
-              <a:rPr lang="en-US" sz="1400" dirty="0">
-                <a:latin typeface="Verdana" panose="020B0604030504040204" pitchFamily="34" charset="0"/>
-                <a:ea typeface="Verdana" panose="020B0604030504040204" pitchFamily="34" charset="0"/>
-                <a:cs typeface="Verdana" panose="020B0604030504040204" pitchFamily="34" charset="0"/>
-              </a:rPr>
-              <a:t>;</a:t>
-            </a:r>
-          </a:p>
-          <a:p>
-            <a:pPr marL="0" indent="0">
-              <a:buNone/>
-            </a:pPr>
-            <a:r>
-              <a:rPr lang="en-US" sz="1400" dirty="0">
-                <a:latin typeface="Verdana" panose="020B0604030504040204" pitchFamily="34" charset="0"/>
-                <a:ea typeface="Verdana" panose="020B0604030504040204" pitchFamily="34" charset="0"/>
-                <a:cs typeface="Verdana" panose="020B0604030504040204" pitchFamily="34" charset="0"/>
-              </a:rPr>
-              <a:t>}</a:t>
-            </a:r>
+            <a:r>
+              <a:rPr lang="en-US" dirty="0" smtClean="0"/>
+              <a:t>This slide deck is available with the Apache 2.0 license. For details on license see:</a:t>
+            </a:r>
+          </a:p>
+          <a:p>
+            <a:r>
+              <a:rPr lang="en-US" dirty="0"/>
+              <a:t>http://</a:t>
+            </a:r>
+            <a:r>
+              <a:rPr lang="en-US" dirty="0" smtClean="0"/>
+              <a:t>www.apache.org/licenses</a:t>
+            </a:r>
+            <a:endParaRPr lang="en-US" dirty="0"/>
           </a:p>
         </p:txBody>
       </p:sp>
     </p:spTree>
     <p:extLst>
       <p:ext uri="{BB962C8B-B14F-4D97-AF65-F5344CB8AC3E}">
-        <p14:creationId xmlns:p14="http://schemas.microsoft.com/office/powerpoint/2010/main" val="4039179307"/>
+        <p14:creationId xmlns:p14="http://schemas.microsoft.com/office/powerpoint/2010/main" val="1714255906"/>
+      </p:ext>
+    </p:extLst>
+  </p:cSld>
+  <p:clrMapOvr>
+    <a:masterClrMapping/>
+  </p:clrMapOvr>
+</p:sld>
+</file>
+
+<file path=ppt/slides/slide20.xml><?xml version="1.0" encoding="utf-8"?>
+<p:sld xmlns:a="http://schemas.openxmlformats.org/drawingml/2006/main" xmlns:r="http://schemas.openxmlformats.org/officeDocument/2006/relationships" xmlns:p="http://schemas.openxmlformats.org/presentationml/2006/main">
+  <p:cSld>
+    <p:spTree>
+      <p:nvGrpSpPr>
+        <p:cNvPr id="1" name=""/>
+        <p:cNvGrpSpPr/>
+        <p:nvPr/>
+      </p:nvGrpSpPr>
+      <p:grpSpPr>
+        <a:xfrm>
+          <a:off x="0" y="0"/>
+          <a:ext cx="0" cy="0"/>
+          <a:chOff x="0" y="0"/>
+          <a:chExt cx="0" cy="0"/>
+        </a:xfrm>
+      </p:grpSpPr>
+      <p:sp>
+        <p:nvSpPr>
+          <p:cNvPr id="2" name="Title 1"/>
+          <p:cNvSpPr>
+            <a:spLocks noGrp="1"/>
+          </p:cNvSpPr>
+          <p:nvPr>
+            <p:ph type="title"/>
+          </p:nvPr>
+        </p:nvSpPr>
+        <p:spPr/>
+        <p:txBody>
+          <a:bodyPr>
+            <a:normAutofit fontScale="90000"/>
+          </a:bodyPr>
+          <a:lstStyle/>
+          <a:p>
+            <a:r>
+              <a:rPr lang="en-US" dirty="0" smtClean="0"/>
+              <a:t>vector vs. </a:t>
+            </a:r>
+            <a:r>
+              <a:rPr lang="en-US" dirty="0" err="1" smtClean="0"/>
+              <a:t>deque</a:t>
+            </a:r>
+            <a:r>
+              <a:rPr lang="en-US" dirty="0" smtClean="0"/>
+              <a:t> (</a:t>
+            </a:r>
+            <a:r>
+              <a:rPr lang="en-US" dirty="0" err="1" smtClean="0"/>
+              <a:t>push_back</a:t>
+            </a:r>
+            <a:r>
+              <a:rPr lang="en-US" dirty="0" smtClean="0"/>
+              <a:t> + access)</a:t>
+            </a:r>
+            <a:endParaRPr lang="en-US" dirty="0"/>
+          </a:p>
+        </p:txBody>
+      </p:sp>
+      <p:graphicFrame>
+        <p:nvGraphicFramePr>
+          <p:cNvPr id="6" name="Chart 5"/>
+          <p:cNvGraphicFramePr>
+            <a:graphicFrameLocks/>
+          </p:cNvGraphicFramePr>
+          <p:nvPr>
+            <p:extLst>
+              <p:ext uri="{D42A27DB-BD31-4B8C-83A1-F6EECF244321}">
+                <p14:modId xmlns:p14="http://schemas.microsoft.com/office/powerpoint/2010/main" val="1062812379"/>
+              </p:ext>
+            </p:extLst>
+          </p:nvPr>
+        </p:nvGraphicFramePr>
+        <p:xfrm>
+          <a:off x="533400" y="1393030"/>
+          <a:ext cx="8153400" cy="5160169"/>
+        </p:xfrm>
+        <a:graphic>
+          <a:graphicData uri="http://schemas.openxmlformats.org/drawingml/2006/chart">
+            <c:chart xmlns:c="http://schemas.openxmlformats.org/drawingml/2006/chart" xmlns:r="http://schemas.openxmlformats.org/officeDocument/2006/relationships" r:id="rId2"/>
+          </a:graphicData>
+        </a:graphic>
+      </p:graphicFrame>
+      <p:sp>
+        <p:nvSpPr>
+          <p:cNvPr id="3" name="TextBox 2"/>
+          <p:cNvSpPr txBox="1"/>
+          <p:nvPr/>
+        </p:nvSpPr>
+        <p:spPr>
+          <a:xfrm>
+            <a:off x="381000" y="6248400"/>
+            <a:ext cx="5697970" cy="646331"/>
+          </a:xfrm>
+          <a:prstGeom prst="rect">
+            <a:avLst/>
+          </a:prstGeom>
+          <a:noFill/>
+        </p:spPr>
+        <p:txBody>
+          <a:bodyPr wrap="none" rtlCol="0">
+            <a:spAutoFit/>
+          </a:bodyPr>
+          <a:lstStyle/>
+          <a:p>
+            <a:r>
+              <a:rPr lang="en-US" dirty="0" smtClean="0"/>
+              <a:t>* [</a:t>
+            </a:r>
+            <a:r>
+              <a:rPr lang="en-US" dirty="0" err="1" smtClean="0"/>
+              <a:t>push_back</a:t>
+            </a:r>
+            <a:r>
+              <a:rPr lang="en-US" dirty="0" smtClean="0"/>
+              <a:t> N elements + access N elements in sequence]</a:t>
+            </a:r>
+          </a:p>
+          <a:p>
+            <a:r>
+              <a:rPr lang="en-US" dirty="0" smtClean="0"/>
+              <a:t>* Lower </a:t>
+            </a:r>
+            <a:r>
+              <a:rPr lang="en-US" dirty="0"/>
+              <a:t>is better</a:t>
+            </a:r>
+            <a:r>
+              <a:rPr lang="en-US" dirty="0" smtClean="0"/>
+              <a:t>.</a:t>
+            </a:r>
+            <a:endParaRPr lang="en-US" dirty="0"/>
+          </a:p>
+        </p:txBody>
+      </p:sp>
+    </p:spTree>
+    <p:extLst>
+      <p:ext uri="{BB962C8B-B14F-4D97-AF65-F5344CB8AC3E}">
+        <p14:creationId xmlns:p14="http://schemas.microsoft.com/office/powerpoint/2010/main" val="1287024861"/>
       </p:ext>
     </p:extLst>
   </p:cSld>
@@ -9938,7 +9624,7 @@
 </p:sld>
 </file>
 
-<file path=ppt/slides/slide20.xml><?xml version="1.0" encoding="utf-8"?>
+<file path=ppt/slides/slide21.xml><?xml version="1.0" encoding="utf-8"?>
 <p:sld xmlns:a="http://schemas.openxmlformats.org/drawingml/2006/main" xmlns:r="http://schemas.openxmlformats.org/officeDocument/2006/relationships" xmlns:p="http://schemas.openxmlformats.org/presentationml/2006/main">
   <p:cSld>
     <p:spTree>
@@ -10061,7 +9747,7 @@
 </p:sld>
 </file>
 
-<file path=ppt/slides/slide21.xml><?xml version="1.0" encoding="utf-8"?>
+<file path=ppt/slides/slide22.xml><?xml version="1.0" encoding="utf-8"?>
 <p:sld xmlns:a="http://schemas.openxmlformats.org/drawingml/2006/main" xmlns:r="http://schemas.openxmlformats.org/officeDocument/2006/relationships" xmlns:p="http://schemas.openxmlformats.org/presentationml/2006/main">
   <p:cSld>
     <p:spTree>
@@ -11517,117 +11203,6 @@
 </p:sld>
 </file>
 
-<file path=ppt/slides/slide22.xml><?xml version="1.0" encoding="utf-8"?>
-<p:sld xmlns:a="http://schemas.openxmlformats.org/drawingml/2006/main" xmlns:r="http://schemas.openxmlformats.org/officeDocument/2006/relationships" xmlns:p="http://schemas.openxmlformats.org/presentationml/2006/main">
-  <p:cSld>
-    <p:spTree>
-      <p:nvGrpSpPr>
-        <p:cNvPr id="1" name=""/>
-        <p:cNvGrpSpPr/>
-        <p:nvPr/>
-      </p:nvGrpSpPr>
-      <p:grpSpPr>
-        <a:xfrm>
-          <a:off x="0" y="0"/>
-          <a:ext cx="0" cy="0"/>
-          <a:chOff x="0" y="0"/>
-          <a:chExt cx="0" cy="0"/>
-        </a:xfrm>
-      </p:grpSpPr>
-      <p:sp>
-        <p:nvSpPr>
-          <p:cNvPr id="2" name="Title 1"/>
-          <p:cNvSpPr>
-            <a:spLocks noGrp="1"/>
-          </p:cNvSpPr>
-          <p:nvPr>
-            <p:ph type="title"/>
-          </p:nvPr>
-        </p:nvSpPr>
-        <p:spPr/>
-        <p:txBody>
-          <a:bodyPr/>
-          <a:lstStyle/>
-          <a:p>
-            <a:r>
-              <a:rPr lang="en-US" dirty="0"/>
-              <a:t>Lessons </a:t>
-            </a:r>
-            <a:r>
-              <a:rPr lang="en-US" dirty="0" smtClean="0"/>
-              <a:t>learned (Algorithms)</a:t>
-            </a:r>
-            <a:endParaRPr lang="en-US" dirty="0"/>
-          </a:p>
-        </p:txBody>
-      </p:sp>
-      <p:sp>
-        <p:nvSpPr>
-          <p:cNvPr id="3" name="Content Placeholder 2"/>
-          <p:cNvSpPr>
-            <a:spLocks noGrp="1"/>
-          </p:cNvSpPr>
-          <p:nvPr>
-            <p:ph idx="1"/>
-          </p:nvPr>
-        </p:nvSpPr>
-        <p:spPr/>
-        <p:txBody>
-          <a:bodyPr/>
-          <a:lstStyle/>
-          <a:p>
-            <a:r>
-              <a:rPr lang="en-US" dirty="0" smtClean="0"/>
-              <a:t>rotate </a:t>
-            </a:r>
-            <a:r>
-              <a:rPr lang="en-US" dirty="0"/>
-              <a:t>but not </a:t>
-            </a:r>
-            <a:r>
-              <a:rPr lang="en-US" dirty="0" err="1"/>
-              <a:t>std</a:t>
-            </a:r>
-            <a:r>
-              <a:rPr lang="en-US" dirty="0"/>
-              <a:t>::rotate on linked lists</a:t>
-            </a:r>
-          </a:p>
-          <a:p>
-            <a:r>
-              <a:rPr lang="en-US" dirty="0" err="1" smtClean="0"/>
-              <a:t>std</a:t>
-            </a:r>
-            <a:r>
-              <a:rPr lang="en-US" dirty="0" smtClean="0"/>
-              <a:t>::find may not always be the right choice</a:t>
-            </a:r>
-          </a:p>
-          <a:p>
-            <a:endParaRPr lang="en-US" dirty="0"/>
-          </a:p>
-        </p:txBody>
-      </p:sp>
-    </p:spTree>
-    <p:extLst>
-      <p:ext uri="{BB962C8B-B14F-4D97-AF65-F5344CB8AC3E}">
-        <p14:creationId xmlns:p14="http://schemas.microsoft.com/office/powerpoint/2010/main" val="605603655"/>
-      </p:ext>
-    </p:extLst>
-  </p:cSld>
-  <p:clrMapOvr>
-    <a:masterClrMapping/>
-  </p:clrMapOvr>
-  <p:timing>
-    <p:tnLst>
-      <p:par>
-        <p:cTn id="1" dur="indefinite" restart="never" nodeType="tmRoot"/>
-      </p:par>
-    </p:tnLst>
-  </p:timing>
-</p:sld>
-</file>
-
 <file path=ppt/slides/slide23.xml><?xml version="1.0" encoding="utf-8"?>
 <p:sld xmlns:a="http://schemas.openxmlformats.org/drawingml/2006/main" xmlns:r="http://schemas.openxmlformats.org/officeDocument/2006/relationships" xmlns:p="http://schemas.openxmlformats.org/presentationml/2006/main">
   <p:cSld>
@@ -11666,7 +11241,7 @@
             </a:r>
             <a:r>
               <a:rPr lang="en-US" dirty="0" smtClean="0"/>
-              <a:t>learned (containers)</a:t>
+              <a:t>learned (Algorithms)</a:t>
             </a:r>
             <a:endParaRPr lang="en-US" dirty="0"/>
           </a:p>
@@ -11684,89 +11259,45 @@
         </p:nvSpPr>
         <p:spPr/>
         <p:txBody>
-          <a:bodyPr>
-            <a:normAutofit/>
-          </a:bodyPr>
+          <a:bodyPr/>
           <a:lstStyle/>
           <a:p>
             <a:r>
               <a:rPr lang="en-US" dirty="0" smtClean="0"/>
-              <a:t>Consider total cost</a:t>
-            </a:r>
-          </a:p>
-          <a:p>
-            <a:pPr lvl="1"/>
+              <a:t>rotate </a:t>
+            </a:r>
             <a:r>
               <a:rPr lang="en-US" dirty="0"/>
-              <a:t>Take ratio of reads/writes to </a:t>
+              <a:t>but not </a:t>
+            </a:r>
+            <a:r>
+              <a:rPr lang="en-US" dirty="0" err="1"/>
+              <a:t>std</a:t>
+            </a:r>
+            <a:r>
+              <a:rPr lang="en-US" dirty="0"/>
+              <a:t>::rotate on linked lists</a:t>
+            </a:r>
+          </a:p>
+          <a:p>
+            <a:r>
+              <a:rPr lang="en-US" dirty="0" err="1" smtClean="0"/>
+              <a:t>std</a:t>
             </a:r>
             <a:r>
               <a:rPr lang="en-US" dirty="0" smtClean="0"/>
-              <a:t>decide</a:t>
-            </a:r>
+              <a:t>::find may not always be the right choice</a:t>
+            </a:r>
+          </a:p>
+          <a:p>
             <a:endParaRPr lang="en-US" dirty="0"/>
-          </a:p>
-          <a:p>
-            <a:pPr lvl="1"/>
-            <a:r>
-              <a:rPr lang="en-US" dirty="0" smtClean="0"/>
-              <a:t>vector causes </a:t>
-            </a:r>
-            <a:r>
-              <a:rPr lang="en-US" dirty="0"/>
-              <a:t>memory fragmentation (~2N allocations for N elements)</a:t>
-            </a:r>
-          </a:p>
-          <a:p>
-            <a:pPr lvl="1"/>
-            <a:r>
-              <a:rPr lang="en-US" dirty="0" smtClean="0"/>
-              <a:t>if </a:t>
-            </a:r>
-            <a:r>
-              <a:rPr lang="en-US" dirty="0"/>
-              <a:t>reads </a:t>
-            </a:r>
-            <a:r>
-              <a:rPr lang="en-US" dirty="0" smtClean="0"/>
-              <a:t>&lt; writes, </a:t>
-            </a:r>
-            <a:r>
-              <a:rPr lang="en-US" dirty="0" err="1" smtClean="0"/>
-              <a:t>deque</a:t>
-            </a:r>
-            <a:r>
-              <a:rPr lang="en-US" dirty="0" smtClean="0"/>
-              <a:t> can be a </a:t>
-            </a:r>
-            <a:r>
-              <a:rPr lang="en-US" dirty="0"/>
-              <a:t>better </a:t>
-            </a:r>
-            <a:r>
-              <a:rPr lang="en-US" dirty="0" smtClean="0"/>
-              <a:t>choice</a:t>
-            </a:r>
-          </a:p>
-          <a:p>
-            <a:r>
-              <a:rPr lang="en-US" dirty="0" smtClean="0"/>
-              <a:t>‘resize’ </a:t>
-            </a:r>
-            <a:r>
-              <a:rPr lang="en-US" dirty="0" smtClean="0"/>
-              <a:t>initializes the memory</a:t>
-            </a:r>
-          </a:p>
-          <a:p>
-            <a:endParaRPr lang="en-US" dirty="0" smtClean="0"/>
           </a:p>
         </p:txBody>
       </p:sp>
     </p:spTree>
     <p:extLst>
       <p:ext uri="{BB962C8B-B14F-4D97-AF65-F5344CB8AC3E}">
-        <p14:creationId xmlns:p14="http://schemas.microsoft.com/office/powerpoint/2010/main" val="841457624"/>
+        <p14:creationId xmlns:p14="http://schemas.microsoft.com/office/powerpoint/2010/main" val="605603655"/>
       </p:ext>
     </p:extLst>
   </p:cSld>
@@ -11821,12 +11352,9 @@
             </a:r>
             <a:r>
               <a:rPr lang="en-US" dirty="0" smtClean="0"/>
-              <a:t>learned (</a:t>
-            </a:r>
-            <a:r>
-              <a:rPr lang="en-US" dirty="0"/>
-              <a:t>containers)</a:t>
-            </a:r>
+              <a:t>learned (containers)</a:t>
+            </a:r>
+            <a:endParaRPr lang="en-US" dirty="0"/>
           </a:p>
         </p:txBody>
       </p:sp>
@@ -11842,50 +11370,85 @@
         </p:nvSpPr>
         <p:spPr/>
         <p:txBody>
-          <a:bodyPr/>
+          <a:bodyPr>
+            <a:normAutofit/>
+          </a:bodyPr>
           <a:lstStyle/>
           <a:p>
             <a:r>
+              <a:rPr lang="en-US" dirty="0" smtClean="0"/>
+              <a:t>Consider total cost</a:t>
+            </a:r>
+          </a:p>
+          <a:p>
+            <a:pPr lvl="1"/>
+            <a:r>
               <a:rPr lang="en-US" dirty="0"/>
-              <a:t>s</a:t>
+              <a:t>Take ratio of reads/writes to </a:t>
             </a:r>
             <a:r>
               <a:rPr lang="en-US" dirty="0" smtClean="0"/>
-              <a:t>tring</a:t>
-            </a:r>
+              <a:t>decide</a:t>
+            </a:r>
+            <a:endParaRPr lang="en-US" dirty="0"/>
           </a:p>
           <a:p>
             <a:pPr lvl="1"/>
             <a:r>
+              <a:rPr lang="en-US" dirty="0" smtClean="0"/>
+              <a:t>vector causes </a:t>
+            </a:r>
+            <a:r>
               <a:rPr lang="en-US" dirty="0"/>
-              <a:t>c</a:t>
-            </a:r>
+              <a:t>memory fragmentation (~2N allocations for N elements)</a:t>
+            </a:r>
+          </a:p>
+          <a:p>
+            <a:pPr lvl="1"/>
             <a:r>
               <a:rPr lang="en-US" dirty="0" smtClean="0"/>
-              <a:t>alls </a:t>
+              <a:t>if </a:t>
+            </a:r>
+            <a:r>
+              <a:rPr lang="en-US" dirty="0"/>
+              <a:t>reads </a:t>
+            </a:r>
+            <a:r>
+              <a:rPr lang="en-US" dirty="0" smtClean="0"/>
+              <a:t>&lt; writes, </a:t>
             </a:r>
             <a:r>
               <a:rPr lang="en-US" dirty="0" err="1" smtClean="0"/>
-              <a:t>memset</a:t>
+              <a:t>deque</a:t>
             </a:r>
             <a:r>
               <a:rPr lang="en-US" dirty="0" smtClean="0"/>
-              <a:t> when resized</a:t>
-            </a:r>
-          </a:p>
-          <a:p>
-            <a:pPr lvl="1"/>
+              <a:t> can be a </a:t>
+            </a:r>
+            <a:r>
+              <a:rPr lang="en-US" dirty="0"/>
+              <a:t>better </a:t>
+            </a:r>
             <a:r>
               <a:rPr lang="en-US" dirty="0" smtClean="0"/>
-              <a:t>destructor is difficult to optimize away</a:t>
-            </a:r>
+              <a:t>choice</a:t>
+            </a:r>
+          </a:p>
+          <a:p>
+            <a:r>
+              <a:rPr lang="en-US" dirty="0" smtClean="0"/>
+              <a:t>‘resize’ initializes the memory</a:t>
+            </a:r>
+          </a:p>
+          <a:p>
+            <a:endParaRPr lang="en-US" dirty="0" smtClean="0"/>
           </a:p>
         </p:txBody>
       </p:sp>
     </p:spTree>
     <p:extLst>
       <p:ext uri="{BB962C8B-B14F-4D97-AF65-F5344CB8AC3E}">
-        <p14:creationId xmlns:p14="http://schemas.microsoft.com/office/powerpoint/2010/main" val="3491171639"/>
+        <p14:creationId xmlns:p14="http://schemas.microsoft.com/office/powerpoint/2010/main" val="841457624"/>
       </p:ext>
     </p:extLst>
   </p:cSld>
@@ -11931,9 +11494,7 @@
         </p:nvSpPr>
         <p:spPr/>
         <p:txBody>
-          <a:bodyPr>
-            <a:normAutofit fontScale="90000"/>
-          </a:bodyPr>
+          <a:bodyPr/>
           <a:lstStyle/>
           <a:p>
             <a:r>
@@ -11946,728 +11507,67 @@
             </a:r>
             <a:r>
               <a:rPr lang="en-US" dirty="0"/>
-              <a:t>containers</a:t>
-            </a:r>
-            <a:r>
-              <a:rPr lang="en-US" dirty="0" smtClean="0"/>
-              <a:t>)</a:t>
-            </a:r>
-            <a:br>
-              <a:rPr lang="en-US" dirty="0" smtClean="0"/>
-            </a:br>
-            <a:r>
-              <a:rPr lang="en-US" dirty="0" smtClean="0"/>
-              <a:t>optimizing destructor of string</a:t>
-            </a:r>
-            <a:endParaRPr lang="en-US" dirty="0"/>
+              <a:t>containers)</a:t>
+            </a:r>
           </a:p>
         </p:txBody>
       </p:sp>
       <p:sp>
         <p:nvSpPr>
-          <p:cNvPr id="4" name="Rectangle 3"/>
-          <p:cNvSpPr/>
-          <p:nvPr/>
+          <p:cNvPr id="3" name="Content Placeholder 2"/>
+          <p:cNvSpPr>
+            <a:spLocks noGrp="1"/>
+          </p:cNvSpPr>
+          <p:nvPr>
+            <p:ph idx="1"/>
+          </p:nvPr>
         </p:nvSpPr>
-        <p:spPr>
-          <a:xfrm>
-            <a:off x="76200" y="3810000"/>
-            <a:ext cx="4572000" cy="2308324"/>
-          </a:xfrm>
-          <a:prstGeom prst="rect">
-            <a:avLst/>
-          </a:prstGeom>
-        </p:spPr>
+        <p:spPr/>
         <p:txBody>
-          <a:bodyPr>
-            <a:spAutoFit/>
-          </a:bodyPr>
+          <a:bodyPr/>
           <a:lstStyle/>
           <a:p>
             <a:r>
-              <a:rPr lang="en-US" dirty="0">
-                <a:latin typeface="Verdana" panose="020B0604030504040204" pitchFamily="34" charset="0"/>
-                <a:ea typeface="Verdana" panose="020B0604030504040204" pitchFamily="34" charset="0"/>
-                <a:cs typeface="Verdana" panose="020B0604030504040204" pitchFamily="34" charset="0"/>
-              </a:rPr>
-              <a:t>#include&lt;string&gt;</a:t>
-            </a:r>
-          </a:p>
-          <a:p>
-            <a:r>
-              <a:rPr lang="en-US" dirty="0" smtClean="0">
-                <a:latin typeface="Verdana" panose="020B0604030504040204" pitchFamily="34" charset="0"/>
-                <a:ea typeface="Verdana" panose="020B0604030504040204" pitchFamily="34" charset="0"/>
-                <a:cs typeface="Verdana" panose="020B0604030504040204" pitchFamily="34" charset="0"/>
-              </a:rPr>
-              <a:t>void foo();</a:t>
-            </a:r>
-          </a:p>
-          <a:p>
-            <a:endParaRPr lang="en-US" dirty="0">
-              <a:latin typeface="Verdana" panose="020B0604030504040204" pitchFamily="34" charset="0"/>
-              <a:ea typeface="Verdana" panose="020B0604030504040204" pitchFamily="34" charset="0"/>
-              <a:cs typeface="Verdana" panose="020B0604030504040204" pitchFamily="34" charset="0"/>
-            </a:endParaRPr>
-          </a:p>
-          <a:p>
-            <a:r>
-              <a:rPr lang="en-US" dirty="0" err="1">
-                <a:latin typeface="Verdana" panose="020B0604030504040204" pitchFamily="34" charset="0"/>
-                <a:ea typeface="Verdana" panose="020B0604030504040204" pitchFamily="34" charset="0"/>
-                <a:cs typeface="Verdana" panose="020B0604030504040204" pitchFamily="34" charset="0"/>
-              </a:rPr>
-              <a:t>int</a:t>
-            </a:r>
-            <a:r>
-              <a:rPr lang="en-US" dirty="0">
-                <a:latin typeface="Verdana" panose="020B0604030504040204" pitchFamily="34" charset="0"/>
-                <a:ea typeface="Verdana" panose="020B0604030504040204" pitchFamily="34" charset="0"/>
-                <a:cs typeface="Verdana" panose="020B0604030504040204" pitchFamily="34" charset="0"/>
-              </a:rPr>
-              <a:t> main() {</a:t>
-            </a:r>
-          </a:p>
-          <a:p>
-            <a:r>
-              <a:rPr lang="en-US" dirty="0">
-                <a:latin typeface="Verdana" panose="020B0604030504040204" pitchFamily="34" charset="0"/>
-                <a:ea typeface="Verdana" panose="020B0604030504040204" pitchFamily="34" charset="0"/>
-                <a:cs typeface="Verdana" panose="020B0604030504040204" pitchFamily="34" charset="0"/>
-              </a:rPr>
-              <a:t>  </a:t>
-            </a:r>
-            <a:r>
-              <a:rPr lang="en-US" dirty="0" err="1" smtClean="0">
-                <a:latin typeface="Verdana" panose="020B0604030504040204" pitchFamily="34" charset="0"/>
-                <a:ea typeface="Verdana" panose="020B0604030504040204" pitchFamily="34" charset="0"/>
-                <a:cs typeface="Verdana" panose="020B0604030504040204" pitchFamily="34" charset="0"/>
-              </a:rPr>
-              <a:t>const</a:t>
-            </a:r>
-            <a:r>
-              <a:rPr lang="en-US" dirty="0" smtClean="0">
-                <a:latin typeface="Verdana" panose="020B0604030504040204" pitchFamily="34" charset="0"/>
-                <a:ea typeface="Verdana" panose="020B0604030504040204" pitchFamily="34" charset="0"/>
-                <a:cs typeface="Verdana" panose="020B0604030504040204" pitchFamily="34" charset="0"/>
-              </a:rPr>
-              <a:t> </a:t>
-            </a:r>
-            <a:r>
-              <a:rPr lang="en-US" dirty="0" err="1" smtClean="0">
-                <a:latin typeface="Verdana" panose="020B0604030504040204" pitchFamily="34" charset="0"/>
-                <a:ea typeface="Verdana" panose="020B0604030504040204" pitchFamily="34" charset="0"/>
-                <a:cs typeface="Verdana" panose="020B0604030504040204" pitchFamily="34" charset="0"/>
-              </a:rPr>
-              <a:t>std</a:t>
-            </a:r>
-            <a:r>
-              <a:rPr lang="en-US" dirty="0">
-                <a:latin typeface="Verdana" panose="020B0604030504040204" pitchFamily="34" charset="0"/>
-                <a:ea typeface="Verdana" panose="020B0604030504040204" pitchFamily="34" charset="0"/>
-                <a:cs typeface="Verdana" panose="020B0604030504040204" pitchFamily="34" charset="0"/>
-              </a:rPr>
-              <a:t>::string s("a");</a:t>
-            </a:r>
-          </a:p>
-          <a:p>
-            <a:r>
-              <a:rPr lang="en-US" dirty="0">
-                <a:latin typeface="Verdana" panose="020B0604030504040204" pitchFamily="34" charset="0"/>
-                <a:ea typeface="Verdana" panose="020B0604030504040204" pitchFamily="34" charset="0"/>
-                <a:cs typeface="Verdana" panose="020B0604030504040204" pitchFamily="34" charset="0"/>
-              </a:rPr>
-              <a:t>  </a:t>
-            </a:r>
-            <a:r>
-              <a:rPr lang="en-US" dirty="0" smtClean="0">
-                <a:latin typeface="Verdana" panose="020B0604030504040204" pitchFamily="34" charset="0"/>
-                <a:ea typeface="Verdana" panose="020B0604030504040204" pitchFamily="34" charset="0"/>
-                <a:cs typeface="Verdana" panose="020B0604030504040204" pitchFamily="34" charset="0"/>
-              </a:rPr>
-              <a:t>foo();</a:t>
-            </a:r>
-            <a:endParaRPr lang="en-US" dirty="0">
-              <a:latin typeface="Verdana" panose="020B0604030504040204" pitchFamily="34" charset="0"/>
-              <a:ea typeface="Verdana" panose="020B0604030504040204" pitchFamily="34" charset="0"/>
-              <a:cs typeface="Verdana" panose="020B0604030504040204" pitchFamily="34" charset="0"/>
-            </a:endParaRPr>
-          </a:p>
-          <a:p>
-            <a:r>
-              <a:rPr lang="en-US" dirty="0">
-                <a:latin typeface="Verdana" panose="020B0604030504040204" pitchFamily="34" charset="0"/>
-                <a:ea typeface="Verdana" panose="020B0604030504040204" pitchFamily="34" charset="0"/>
-                <a:cs typeface="Verdana" panose="020B0604030504040204" pitchFamily="34" charset="0"/>
-              </a:rPr>
-              <a:t>  return 0;</a:t>
-            </a:r>
-          </a:p>
-          <a:p>
-            <a:r>
-              <a:rPr lang="en-US" dirty="0">
-                <a:latin typeface="Verdana" panose="020B0604030504040204" pitchFamily="34" charset="0"/>
-                <a:ea typeface="Verdana" panose="020B0604030504040204" pitchFamily="34" charset="0"/>
-                <a:cs typeface="Verdana" panose="020B0604030504040204" pitchFamily="34" charset="0"/>
-              </a:rPr>
-              <a:t>}</a:t>
-            </a:r>
-          </a:p>
-        </p:txBody>
-      </p:sp>
-      <p:sp>
-        <p:nvSpPr>
-          <p:cNvPr id="5" name="Rectangle 4"/>
-          <p:cNvSpPr/>
-          <p:nvPr/>
-        </p:nvSpPr>
-        <p:spPr>
-          <a:xfrm>
-            <a:off x="2590800" y="3951982"/>
-            <a:ext cx="6705600" cy="954107"/>
-          </a:xfrm>
-          <a:prstGeom prst="rect">
-            <a:avLst/>
-          </a:prstGeom>
-        </p:spPr>
-        <p:txBody>
-          <a:bodyPr wrap="square">
-            <a:spAutoFit/>
-          </a:bodyPr>
-          <a:lstStyle/>
-          <a:p>
-            <a:r>
-              <a:rPr lang="en-US" sz="1400" dirty="0" smtClean="0">
-                <a:latin typeface="Verdana" panose="020B0604030504040204" pitchFamily="34" charset="0"/>
-                <a:ea typeface="Verdana" panose="020B0604030504040204" pitchFamily="34" charset="0"/>
-                <a:cs typeface="Verdana" panose="020B0604030504040204" pitchFamily="34" charset="0"/>
-              </a:rPr>
-              <a:t>$ g</a:t>
-            </a:r>
-            <a:r>
-              <a:rPr lang="en-US" sz="1400" dirty="0">
-                <a:latin typeface="Verdana" panose="020B0604030504040204" pitchFamily="34" charset="0"/>
-                <a:ea typeface="Verdana" panose="020B0604030504040204" pitchFamily="34" charset="0"/>
-                <a:cs typeface="Verdana" panose="020B0604030504040204" pitchFamily="34" charset="0"/>
-              </a:rPr>
-              <a:t>++ -O3 t.cpp -S –</a:t>
-            </a:r>
-            <a:r>
-              <a:rPr lang="en-US" sz="1400" dirty="0" err="1">
-                <a:latin typeface="Verdana" panose="020B0604030504040204" pitchFamily="34" charset="0"/>
-                <a:ea typeface="Verdana" panose="020B0604030504040204" pitchFamily="34" charset="0"/>
-                <a:cs typeface="Verdana" panose="020B0604030504040204" pitchFamily="34" charset="0"/>
-              </a:rPr>
-              <a:t>fno</a:t>
-            </a:r>
-            <a:r>
-              <a:rPr lang="en-US" sz="1400" dirty="0">
-                <a:latin typeface="Verdana" panose="020B0604030504040204" pitchFamily="34" charset="0"/>
-                <a:ea typeface="Verdana" panose="020B0604030504040204" pitchFamily="34" charset="0"/>
-                <a:cs typeface="Verdana" panose="020B0604030504040204" pitchFamily="34" charset="0"/>
-              </a:rPr>
-              <a:t>-exceptions –</a:t>
-            </a:r>
-            <a:r>
-              <a:rPr lang="en-US" sz="1400" dirty="0" err="1">
-                <a:latin typeface="Verdana" panose="020B0604030504040204" pitchFamily="34" charset="0"/>
-                <a:ea typeface="Verdana" panose="020B0604030504040204" pitchFamily="34" charset="0"/>
-                <a:cs typeface="Verdana" panose="020B0604030504040204" pitchFamily="34" charset="0"/>
-              </a:rPr>
-              <a:t>std</a:t>
-            </a:r>
-            <a:r>
-              <a:rPr lang="en-US" sz="1400" dirty="0">
-                <a:latin typeface="Verdana" panose="020B0604030504040204" pitchFamily="34" charset="0"/>
-                <a:ea typeface="Verdana" panose="020B0604030504040204" pitchFamily="34" charset="0"/>
-                <a:cs typeface="Verdana" panose="020B0604030504040204" pitchFamily="34" charset="0"/>
-              </a:rPr>
-              <a:t>=</a:t>
-            </a:r>
-            <a:r>
-              <a:rPr lang="en-US" sz="1400" dirty="0" err="1">
-                <a:latin typeface="Verdana" panose="020B0604030504040204" pitchFamily="34" charset="0"/>
-                <a:ea typeface="Verdana" panose="020B0604030504040204" pitchFamily="34" charset="0"/>
-                <a:cs typeface="Verdana" panose="020B0604030504040204" pitchFamily="34" charset="0"/>
-              </a:rPr>
-              <a:t>c++</a:t>
-            </a:r>
-            <a:r>
-              <a:rPr lang="en-US" sz="1400" dirty="0">
-                <a:latin typeface="Verdana" panose="020B0604030504040204" pitchFamily="34" charset="0"/>
-                <a:ea typeface="Verdana" panose="020B0604030504040204" pitchFamily="34" charset="0"/>
-                <a:cs typeface="Verdana" panose="020B0604030504040204" pitchFamily="34" charset="0"/>
-              </a:rPr>
-              <a:t>11 -o - | grep _</a:t>
-            </a:r>
-            <a:r>
-              <a:rPr lang="en-US" sz="1400" dirty="0" err="1">
-                <a:latin typeface="Verdana" panose="020B0604030504040204" pitchFamily="34" charset="0"/>
-                <a:ea typeface="Verdana" panose="020B0604030504040204" pitchFamily="34" charset="0"/>
-                <a:cs typeface="Verdana" panose="020B0604030504040204" pitchFamily="34" charset="0"/>
-              </a:rPr>
-              <a:t>ZdlPv</a:t>
-            </a:r>
-            <a:endParaRPr lang="en-US" sz="1400" dirty="0">
-              <a:latin typeface="Verdana" panose="020B0604030504040204" pitchFamily="34" charset="0"/>
-              <a:ea typeface="Verdana" panose="020B0604030504040204" pitchFamily="34" charset="0"/>
-              <a:cs typeface="Verdana" panose="020B0604030504040204" pitchFamily="34" charset="0"/>
-            </a:endParaRPr>
-          </a:p>
-          <a:p>
-            <a:r>
-              <a:rPr lang="en-US" sz="1400" dirty="0">
-                <a:latin typeface="Verdana" panose="020B0604030504040204" pitchFamily="34" charset="0"/>
-                <a:ea typeface="Verdana" panose="020B0604030504040204" pitchFamily="34" charset="0"/>
-                <a:cs typeface="Verdana" panose="020B0604030504040204" pitchFamily="34" charset="0"/>
-              </a:rPr>
-              <a:t>        call    _</a:t>
-            </a:r>
-            <a:r>
-              <a:rPr lang="en-US" sz="1400" dirty="0" err="1">
-                <a:latin typeface="Verdana" panose="020B0604030504040204" pitchFamily="34" charset="0"/>
-                <a:ea typeface="Verdana" panose="020B0604030504040204" pitchFamily="34" charset="0"/>
-                <a:cs typeface="Verdana" panose="020B0604030504040204" pitchFamily="34" charset="0"/>
-              </a:rPr>
-              <a:t>ZdlPv</a:t>
-            </a:r>
-            <a:endParaRPr lang="en-US" sz="1400" dirty="0">
-              <a:latin typeface="Verdana" panose="020B0604030504040204" pitchFamily="34" charset="0"/>
-              <a:ea typeface="Verdana" panose="020B0604030504040204" pitchFamily="34" charset="0"/>
-              <a:cs typeface="Verdana" panose="020B0604030504040204" pitchFamily="34" charset="0"/>
-            </a:endParaRPr>
-          </a:p>
-          <a:p>
-            <a:endParaRPr lang="en-US" sz="1400" dirty="0" smtClean="0">
-              <a:latin typeface="Verdana" panose="020B0604030504040204" pitchFamily="34" charset="0"/>
-              <a:ea typeface="Verdana" panose="020B0604030504040204" pitchFamily="34" charset="0"/>
-              <a:cs typeface="Verdana" panose="020B0604030504040204" pitchFamily="34" charset="0"/>
-            </a:endParaRPr>
-          </a:p>
-          <a:p>
-            <a:r>
-              <a:rPr lang="en-US" sz="1400" dirty="0" smtClean="0">
-                <a:latin typeface="Verdana" panose="020B0604030504040204" pitchFamily="34" charset="0"/>
-                <a:ea typeface="Verdana" panose="020B0604030504040204" pitchFamily="34" charset="0"/>
-                <a:cs typeface="Verdana" panose="020B0604030504040204" pitchFamily="34" charset="0"/>
-              </a:rPr>
-              <a:t>$ clang</a:t>
-            </a:r>
-            <a:r>
-              <a:rPr lang="en-US" sz="1400" dirty="0">
-                <a:latin typeface="Verdana" panose="020B0604030504040204" pitchFamily="34" charset="0"/>
-                <a:ea typeface="Verdana" panose="020B0604030504040204" pitchFamily="34" charset="0"/>
-                <a:cs typeface="Verdana" panose="020B0604030504040204" pitchFamily="34" charset="0"/>
-              </a:rPr>
-              <a:t>++ -O3 t.cpp -S –</a:t>
-            </a:r>
-            <a:r>
-              <a:rPr lang="en-US" sz="1400" dirty="0" err="1">
-                <a:latin typeface="Verdana" panose="020B0604030504040204" pitchFamily="34" charset="0"/>
-                <a:ea typeface="Verdana" panose="020B0604030504040204" pitchFamily="34" charset="0"/>
-                <a:cs typeface="Verdana" panose="020B0604030504040204" pitchFamily="34" charset="0"/>
-              </a:rPr>
-              <a:t>fno</a:t>
-            </a:r>
-            <a:r>
-              <a:rPr lang="en-US" sz="1400" dirty="0">
-                <a:latin typeface="Verdana" panose="020B0604030504040204" pitchFamily="34" charset="0"/>
-                <a:ea typeface="Verdana" panose="020B0604030504040204" pitchFamily="34" charset="0"/>
-                <a:cs typeface="Verdana" panose="020B0604030504040204" pitchFamily="34" charset="0"/>
-              </a:rPr>
-              <a:t>-exceptions –</a:t>
-            </a:r>
-            <a:r>
-              <a:rPr lang="en-US" sz="1400" dirty="0" err="1">
-                <a:latin typeface="Verdana" panose="020B0604030504040204" pitchFamily="34" charset="0"/>
-                <a:ea typeface="Verdana" panose="020B0604030504040204" pitchFamily="34" charset="0"/>
-                <a:cs typeface="Verdana" panose="020B0604030504040204" pitchFamily="34" charset="0"/>
-              </a:rPr>
-              <a:t>std</a:t>
-            </a:r>
-            <a:r>
-              <a:rPr lang="en-US" sz="1400" dirty="0">
-                <a:latin typeface="Verdana" panose="020B0604030504040204" pitchFamily="34" charset="0"/>
-                <a:ea typeface="Verdana" panose="020B0604030504040204" pitchFamily="34" charset="0"/>
-                <a:cs typeface="Verdana" panose="020B0604030504040204" pitchFamily="34" charset="0"/>
-              </a:rPr>
-              <a:t>=</a:t>
-            </a:r>
-            <a:r>
-              <a:rPr lang="en-US" sz="1400" dirty="0" err="1">
-                <a:latin typeface="Verdana" panose="020B0604030504040204" pitchFamily="34" charset="0"/>
-                <a:ea typeface="Verdana" panose="020B0604030504040204" pitchFamily="34" charset="0"/>
-                <a:cs typeface="Verdana" panose="020B0604030504040204" pitchFamily="34" charset="0"/>
-              </a:rPr>
-              <a:t>c++</a:t>
-            </a:r>
-            <a:r>
-              <a:rPr lang="en-US" sz="1400" dirty="0">
-                <a:latin typeface="Verdana" panose="020B0604030504040204" pitchFamily="34" charset="0"/>
-                <a:ea typeface="Verdana" panose="020B0604030504040204" pitchFamily="34" charset="0"/>
-                <a:cs typeface="Verdana" panose="020B0604030504040204" pitchFamily="34" charset="0"/>
-              </a:rPr>
-              <a:t>11 -o - | grep _</a:t>
-            </a:r>
-            <a:r>
-              <a:rPr lang="en-US" sz="1400" dirty="0" err="1" smtClean="0">
-                <a:latin typeface="Verdana" panose="020B0604030504040204" pitchFamily="34" charset="0"/>
-                <a:ea typeface="Verdana" panose="020B0604030504040204" pitchFamily="34" charset="0"/>
-                <a:cs typeface="Verdana" panose="020B0604030504040204" pitchFamily="34" charset="0"/>
-              </a:rPr>
-              <a:t>ZdlPv</a:t>
-            </a:r>
-            <a:endParaRPr lang="en-US" sz="1400" dirty="0">
-              <a:latin typeface="Verdana" panose="020B0604030504040204" pitchFamily="34" charset="0"/>
-              <a:ea typeface="Verdana" panose="020B0604030504040204" pitchFamily="34" charset="0"/>
-              <a:cs typeface="Verdana" panose="020B0604030504040204" pitchFamily="34" charset="0"/>
-            </a:endParaRPr>
-          </a:p>
-        </p:txBody>
-      </p:sp>
-      <p:sp>
-        <p:nvSpPr>
-          <p:cNvPr id="6" name="Rectangle 5"/>
-          <p:cNvSpPr/>
-          <p:nvPr/>
-        </p:nvSpPr>
-        <p:spPr>
-          <a:xfrm>
-            <a:off x="76200" y="1600200"/>
-            <a:ext cx="4572000" cy="2031325"/>
-          </a:xfrm>
-          <a:prstGeom prst="rect">
-            <a:avLst/>
-          </a:prstGeom>
-        </p:spPr>
-        <p:txBody>
-          <a:bodyPr>
-            <a:spAutoFit/>
-          </a:bodyPr>
-          <a:lstStyle/>
-          <a:p>
-            <a:r>
-              <a:rPr lang="en-US" dirty="0">
-                <a:latin typeface="Verdana" panose="020B0604030504040204" pitchFamily="34" charset="0"/>
-                <a:ea typeface="Verdana" panose="020B0604030504040204" pitchFamily="34" charset="0"/>
-                <a:cs typeface="Verdana" panose="020B0604030504040204" pitchFamily="34" charset="0"/>
-              </a:rPr>
-              <a:t>#include&lt;string&gt;</a:t>
-            </a:r>
-          </a:p>
-          <a:p>
-            <a:endParaRPr lang="en-US" dirty="0">
-              <a:latin typeface="Verdana" panose="020B0604030504040204" pitchFamily="34" charset="0"/>
-              <a:ea typeface="Verdana" panose="020B0604030504040204" pitchFamily="34" charset="0"/>
-              <a:cs typeface="Verdana" panose="020B0604030504040204" pitchFamily="34" charset="0"/>
-            </a:endParaRPr>
-          </a:p>
-          <a:p>
-            <a:r>
-              <a:rPr lang="en-US" dirty="0" err="1">
-                <a:latin typeface="Verdana" panose="020B0604030504040204" pitchFamily="34" charset="0"/>
-                <a:ea typeface="Verdana" panose="020B0604030504040204" pitchFamily="34" charset="0"/>
-                <a:cs typeface="Verdana" panose="020B0604030504040204" pitchFamily="34" charset="0"/>
-              </a:rPr>
-              <a:t>int</a:t>
-            </a:r>
-            <a:r>
-              <a:rPr lang="en-US" dirty="0">
-                <a:latin typeface="Verdana" panose="020B0604030504040204" pitchFamily="34" charset="0"/>
-                <a:ea typeface="Verdana" panose="020B0604030504040204" pitchFamily="34" charset="0"/>
-                <a:cs typeface="Verdana" panose="020B0604030504040204" pitchFamily="34" charset="0"/>
-              </a:rPr>
-              <a:t> main() {</a:t>
-            </a:r>
-          </a:p>
-          <a:p>
-            <a:r>
-              <a:rPr lang="en-US" dirty="0">
-                <a:latin typeface="Verdana" panose="020B0604030504040204" pitchFamily="34" charset="0"/>
-                <a:ea typeface="Verdana" panose="020B0604030504040204" pitchFamily="34" charset="0"/>
-                <a:cs typeface="Verdana" panose="020B0604030504040204" pitchFamily="34" charset="0"/>
-              </a:rPr>
-              <a:t>  </a:t>
-            </a:r>
-            <a:r>
-              <a:rPr lang="en-US" dirty="0" err="1">
-                <a:latin typeface="Verdana" panose="020B0604030504040204" pitchFamily="34" charset="0"/>
-                <a:ea typeface="Verdana" panose="020B0604030504040204" pitchFamily="34" charset="0"/>
-                <a:cs typeface="Verdana" panose="020B0604030504040204" pitchFamily="34" charset="0"/>
-              </a:rPr>
-              <a:t>std</a:t>
-            </a:r>
-            <a:r>
-              <a:rPr lang="en-US" dirty="0">
-                <a:latin typeface="Verdana" panose="020B0604030504040204" pitchFamily="34" charset="0"/>
-                <a:ea typeface="Verdana" panose="020B0604030504040204" pitchFamily="34" charset="0"/>
-                <a:cs typeface="Verdana" panose="020B0604030504040204" pitchFamily="34" charset="0"/>
-              </a:rPr>
-              <a:t>::string s("a");</a:t>
-            </a:r>
-          </a:p>
-          <a:p>
-            <a:r>
-              <a:rPr lang="en-US" dirty="0">
-                <a:latin typeface="Verdana" panose="020B0604030504040204" pitchFamily="34" charset="0"/>
-                <a:ea typeface="Verdana" panose="020B0604030504040204" pitchFamily="34" charset="0"/>
-                <a:cs typeface="Verdana" panose="020B0604030504040204" pitchFamily="34" charset="0"/>
-              </a:rPr>
-              <a:t>  s+='a';</a:t>
-            </a:r>
-          </a:p>
-          <a:p>
-            <a:r>
-              <a:rPr lang="en-US" dirty="0">
-                <a:latin typeface="Verdana" panose="020B0604030504040204" pitchFamily="34" charset="0"/>
-                <a:ea typeface="Verdana" panose="020B0604030504040204" pitchFamily="34" charset="0"/>
-                <a:cs typeface="Verdana" panose="020B0604030504040204" pitchFamily="34" charset="0"/>
-              </a:rPr>
-              <a:t>  return 0;</a:t>
-            </a:r>
-          </a:p>
-          <a:p>
-            <a:r>
-              <a:rPr lang="en-US" dirty="0">
-                <a:latin typeface="Verdana" panose="020B0604030504040204" pitchFamily="34" charset="0"/>
-                <a:ea typeface="Verdana" panose="020B0604030504040204" pitchFamily="34" charset="0"/>
-                <a:cs typeface="Verdana" panose="020B0604030504040204" pitchFamily="34" charset="0"/>
-              </a:rPr>
-              <a:t>}</a:t>
-            </a:r>
-          </a:p>
-        </p:txBody>
-      </p:sp>
-      <p:sp>
-        <p:nvSpPr>
-          <p:cNvPr id="7" name="Rectangle 6"/>
-          <p:cNvSpPr/>
-          <p:nvPr/>
-        </p:nvSpPr>
-        <p:spPr>
-          <a:xfrm>
-            <a:off x="2590800" y="2057400"/>
-            <a:ext cx="6781800" cy="954107"/>
-          </a:xfrm>
-          <a:prstGeom prst="rect">
-            <a:avLst/>
-          </a:prstGeom>
-        </p:spPr>
-        <p:txBody>
-          <a:bodyPr wrap="square">
-            <a:spAutoFit/>
-          </a:bodyPr>
-          <a:lstStyle/>
-          <a:p>
-            <a:r>
-              <a:rPr lang="en-US" sz="1400" dirty="0" smtClean="0">
-                <a:latin typeface="Verdana" panose="020B0604030504040204" pitchFamily="34" charset="0"/>
-                <a:ea typeface="Verdana" panose="020B0604030504040204" pitchFamily="34" charset="0"/>
-                <a:cs typeface="Verdana" panose="020B0604030504040204" pitchFamily="34" charset="0"/>
-              </a:rPr>
-              <a:t>$ g++ </a:t>
-            </a:r>
-            <a:r>
-              <a:rPr lang="en-US" sz="1400" dirty="0">
-                <a:latin typeface="Verdana" panose="020B0604030504040204" pitchFamily="34" charset="0"/>
-                <a:ea typeface="Verdana" panose="020B0604030504040204" pitchFamily="34" charset="0"/>
-                <a:cs typeface="Verdana" panose="020B0604030504040204" pitchFamily="34" charset="0"/>
-              </a:rPr>
-              <a:t>-O3 t.cpp -S </a:t>
-            </a:r>
-            <a:r>
-              <a:rPr lang="en-US" sz="1400" dirty="0" smtClean="0">
-                <a:latin typeface="Verdana" panose="020B0604030504040204" pitchFamily="34" charset="0"/>
-                <a:ea typeface="Verdana" panose="020B0604030504040204" pitchFamily="34" charset="0"/>
-                <a:cs typeface="Verdana" panose="020B0604030504040204" pitchFamily="34" charset="0"/>
-              </a:rPr>
-              <a:t>–</a:t>
-            </a:r>
-            <a:r>
-              <a:rPr lang="en-US" sz="1400" dirty="0" err="1" smtClean="0">
-                <a:latin typeface="Verdana" panose="020B0604030504040204" pitchFamily="34" charset="0"/>
-                <a:ea typeface="Verdana" panose="020B0604030504040204" pitchFamily="34" charset="0"/>
-                <a:cs typeface="Verdana" panose="020B0604030504040204" pitchFamily="34" charset="0"/>
-              </a:rPr>
-              <a:t>fno</a:t>
-            </a:r>
-            <a:r>
-              <a:rPr lang="en-US" sz="1400" dirty="0" smtClean="0">
-                <a:latin typeface="Verdana" panose="020B0604030504040204" pitchFamily="34" charset="0"/>
-                <a:ea typeface="Verdana" panose="020B0604030504040204" pitchFamily="34" charset="0"/>
-                <a:cs typeface="Verdana" panose="020B0604030504040204" pitchFamily="34" charset="0"/>
-              </a:rPr>
-              <a:t>-exceptions –</a:t>
-            </a:r>
-            <a:r>
-              <a:rPr lang="en-US" sz="1400" dirty="0" err="1" smtClean="0">
-                <a:latin typeface="Verdana" panose="020B0604030504040204" pitchFamily="34" charset="0"/>
-                <a:ea typeface="Verdana" panose="020B0604030504040204" pitchFamily="34" charset="0"/>
-                <a:cs typeface="Verdana" panose="020B0604030504040204" pitchFamily="34" charset="0"/>
-              </a:rPr>
-              <a:t>std</a:t>
-            </a:r>
-            <a:r>
-              <a:rPr lang="en-US" sz="1400" dirty="0" smtClean="0">
-                <a:latin typeface="Verdana" panose="020B0604030504040204" pitchFamily="34" charset="0"/>
-                <a:ea typeface="Verdana" panose="020B0604030504040204" pitchFamily="34" charset="0"/>
-                <a:cs typeface="Verdana" panose="020B0604030504040204" pitchFamily="34" charset="0"/>
-              </a:rPr>
-              <a:t>=</a:t>
-            </a:r>
-            <a:r>
-              <a:rPr lang="en-US" sz="1400" dirty="0" err="1" smtClean="0">
-                <a:latin typeface="Verdana" panose="020B0604030504040204" pitchFamily="34" charset="0"/>
-                <a:ea typeface="Verdana" panose="020B0604030504040204" pitchFamily="34" charset="0"/>
-                <a:cs typeface="Verdana" panose="020B0604030504040204" pitchFamily="34" charset="0"/>
-              </a:rPr>
-              <a:t>c++</a:t>
-            </a:r>
-            <a:r>
-              <a:rPr lang="en-US" sz="1400" dirty="0" smtClean="0">
-                <a:latin typeface="Verdana" panose="020B0604030504040204" pitchFamily="34" charset="0"/>
-                <a:ea typeface="Verdana" panose="020B0604030504040204" pitchFamily="34" charset="0"/>
-                <a:cs typeface="Verdana" panose="020B0604030504040204" pitchFamily="34" charset="0"/>
-              </a:rPr>
-              <a:t>11 -o </a:t>
-            </a:r>
-            <a:r>
-              <a:rPr lang="en-US" sz="1400" dirty="0">
-                <a:latin typeface="Verdana" panose="020B0604030504040204" pitchFamily="34" charset="0"/>
-                <a:ea typeface="Verdana" panose="020B0604030504040204" pitchFamily="34" charset="0"/>
-                <a:cs typeface="Verdana" panose="020B0604030504040204" pitchFamily="34" charset="0"/>
-              </a:rPr>
-              <a:t>- | grep _</a:t>
-            </a:r>
-            <a:r>
-              <a:rPr lang="en-US" sz="1400" dirty="0" err="1" smtClean="0">
-                <a:latin typeface="Verdana" panose="020B0604030504040204" pitchFamily="34" charset="0"/>
-                <a:ea typeface="Verdana" panose="020B0604030504040204" pitchFamily="34" charset="0"/>
-                <a:cs typeface="Verdana" panose="020B0604030504040204" pitchFamily="34" charset="0"/>
-              </a:rPr>
-              <a:t>ZdlPv</a:t>
-            </a:r>
-            <a:endParaRPr lang="en-US" sz="1400" dirty="0" smtClean="0">
-              <a:latin typeface="Verdana" panose="020B0604030504040204" pitchFamily="34" charset="0"/>
-              <a:ea typeface="Verdana" panose="020B0604030504040204" pitchFamily="34" charset="0"/>
-              <a:cs typeface="Verdana" panose="020B0604030504040204" pitchFamily="34" charset="0"/>
-            </a:endParaRPr>
-          </a:p>
-          <a:p>
-            <a:endParaRPr lang="en-US" sz="1400" dirty="0" smtClean="0">
-              <a:latin typeface="Verdana" panose="020B0604030504040204" pitchFamily="34" charset="0"/>
-              <a:ea typeface="Verdana" panose="020B0604030504040204" pitchFamily="34" charset="0"/>
-              <a:cs typeface="Verdana" panose="020B0604030504040204" pitchFamily="34" charset="0"/>
-            </a:endParaRPr>
-          </a:p>
-          <a:p>
-            <a:r>
-              <a:rPr lang="en-US" sz="1400" dirty="0" smtClean="0">
-                <a:latin typeface="Verdana" panose="020B0604030504040204" pitchFamily="34" charset="0"/>
-                <a:ea typeface="Verdana" panose="020B0604030504040204" pitchFamily="34" charset="0"/>
-                <a:cs typeface="Verdana" panose="020B0604030504040204" pitchFamily="34" charset="0"/>
-              </a:rPr>
-              <a:t>$ clang</a:t>
-            </a:r>
-            <a:r>
-              <a:rPr lang="en-US" sz="1400" dirty="0">
-                <a:latin typeface="Verdana" panose="020B0604030504040204" pitchFamily="34" charset="0"/>
-                <a:ea typeface="Verdana" panose="020B0604030504040204" pitchFamily="34" charset="0"/>
-                <a:cs typeface="Verdana" panose="020B0604030504040204" pitchFamily="34" charset="0"/>
-              </a:rPr>
-              <a:t>++ -O3 t.cpp -S –</a:t>
-            </a:r>
-            <a:r>
-              <a:rPr lang="en-US" sz="1400" dirty="0" err="1">
-                <a:latin typeface="Verdana" panose="020B0604030504040204" pitchFamily="34" charset="0"/>
-                <a:ea typeface="Verdana" panose="020B0604030504040204" pitchFamily="34" charset="0"/>
-                <a:cs typeface="Verdana" panose="020B0604030504040204" pitchFamily="34" charset="0"/>
-              </a:rPr>
-              <a:t>fno</a:t>
-            </a:r>
-            <a:r>
-              <a:rPr lang="en-US" sz="1400" dirty="0">
-                <a:latin typeface="Verdana" panose="020B0604030504040204" pitchFamily="34" charset="0"/>
-                <a:ea typeface="Verdana" panose="020B0604030504040204" pitchFamily="34" charset="0"/>
-                <a:cs typeface="Verdana" panose="020B0604030504040204" pitchFamily="34" charset="0"/>
-              </a:rPr>
-              <a:t>-exceptions –</a:t>
-            </a:r>
-            <a:r>
-              <a:rPr lang="en-US" sz="1400" dirty="0" err="1">
-                <a:latin typeface="Verdana" panose="020B0604030504040204" pitchFamily="34" charset="0"/>
-                <a:ea typeface="Verdana" panose="020B0604030504040204" pitchFamily="34" charset="0"/>
-                <a:cs typeface="Verdana" panose="020B0604030504040204" pitchFamily="34" charset="0"/>
-              </a:rPr>
-              <a:t>std</a:t>
-            </a:r>
-            <a:r>
-              <a:rPr lang="en-US" sz="1400" dirty="0">
-                <a:latin typeface="Verdana" panose="020B0604030504040204" pitchFamily="34" charset="0"/>
-                <a:ea typeface="Verdana" panose="020B0604030504040204" pitchFamily="34" charset="0"/>
-                <a:cs typeface="Verdana" panose="020B0604030504040204" pitchFamily="34" charset="0"/>
-              </a:rPr>
-              <a:t>=</a:t>
-            </a:r>
-            <a:r>
-              <a:rPr lang="en-US" sz="1400" dirty="0" err="1">
-                <a:latin typeface="Verdana" panose="020B0604030504040204" pitchFamily="34" charset="0"/>
-                <a:ea typeface="Verdana" panose="020B0604030504040204" pitchFamily="34" charset="0"/>
-                <a:cs typeface="Verdana" panose="020B0604030504040204" pitchFamily="34" charset="0"/>
-              </a:rPr>
-              <a:t>c++</a:t>
-            </a:r>
-            <a:r>
-              <a:rPr lang="en-US" sz="1400" dirty="0">
-                <a:latin typeface="Verdana" panose="020B0604030504040204" pitchFamily="34" charset="0"/>
-                <a:ea typeface="Verdana" panose="020B0604030504040204" pitchFamily="34" charset="0"/>
-                <a:cs typeface="Verdana" panose="020B0604030504040204" pitchFamily="34" charset="0"/>
-              </a:rPr>
-              <a:t>11 -o - | grep _</a:t>
-            </a:r>
-            <a:r>
-              <a:rPr lang="en-US" sz="1400" dirty="0" err="1" smtClean="0">
-                <a:latin typeface="Verdana" panose="020B0604030504040204" pitchFamily="34" charset="0"/>
-                <a:ea typeface="Verdana" panose="020B0604030504040204" pitchFamily="34" charset="0"/>
-                <a:cs typeface="Verdana" panose="020B0604030504040204" pitchFamily="34" charset="0"/>
-              </a:rPr>
-              <a:t>ZdlPv</a:t>
-            </a:r>
-            <a:endParaRPr lang="en-US" sz="1400" dirty="0" smtClean="0">
-              <a:latin typeface="Verdana" panose="020B0604030504040204" pitchFamily="34" charset="0"/>
-              <a:ea typeface="Verdana" panose="020B0604030504040204" pitchFamily="34" charset="0"/>
-              <a:cs typeface="Verdana" panose="020B0604030504040204" pitchFamily="34" charset="0"/>
-            </a:endParaRPr>
-          </a:p>
-          <a:p>
-            <a:r>
-              <a:rPr lang="en-US" sz="1400" dirty="0" smtClean="0">
-                <a:latin typeface="Verdana" panose="020B0604030504040204" pitchFamily="34" charset="0"/>
-                <a:ea typeface="Verdana" panose="020B0604030504040204" pitchFamily="34" charset="0"/>
-                <a:cs typeface="Verdana" panose="020B0604030504040204" pitchFamily="34" charset="0"/>
-              </a:rPr>
-              <a:t>        call    _</a:t>
-            </a:r>
-            <a:r>
-              <a:rPr lang="en-US" sz="1400" dirty="0" err="1" smtClean="0">
-                <a:latin typeface="Verdana" panose="020B0604030504040204" pitchFamily="34" charset="0"/>
-                <a:ea typeface="Verdana" panose="020B0604030504040204" pitchFamily="34" charset="0"/>
-                <a:cs typeface="Verdana" panose="020B0604030504040204" pitchFamily="34" charset="0"/>
-              </a:rPr>
-              <a:t>ZdlPv</a:t>
-            </a:r>
-            <a:endParaRPr lang="en-US" sz="1400" dirty="0" smtClean="0">
-              <a:latin typeface="Verdana" panose="020B0604030504040204" pitchFamily="34" charset="0"/>
-              <a:ea typeface="Verdana" panose="020B0604030504040204" pitchFamily="34" charset="0"/>
-              <a:cs typeface="Verdana" panose="020B0604030504040204" pitchFamily="34" charset="0"/>
-            </a:endParaRPr>
+              <a:rPr lang="en-US" dirty="0"/>
+              <a:t>s</a:t>
+            </a:r>
+            <a:r>
+              <a:rPr lang="en-US" dirty="0" smtClean="0"/>
+              <a:t>tring</a:t>
+            </a:r>
+          </a:p>
+          <a:p>
+            <a:pPr lvl="1"/>
+            <a:r>
+              <a:rPr lang="en-US" dirty="0"/>
+              <a:t>c</a:t>
+            </a:r>
+            <a:r>
+              <a:rPr lang="en-US" dirty="0" smtClean="0"/>
+              <a:t>alls </a:t>
+            </a:r>
+            <a:r>
+              <a:rPr lang="en-US" dirty="0" err="1" smtClean="0"/>
+              <a:t>memset</a:t>
+            </a:r>
+            <a:r>
+              <a:rPr lang="en-US" dirty="0" smtClean="0"/>
+              <a:t> when resized</a:t>
+            </a:r>
+          </a:p>
+          <a:p>
+            <a:pPr lvl="1"/>
+            <a:r>
+              <a:rPr lang="en-US" dirty="0" smtClean="0"/>
+              <a:t>destructor is difficult to optimize away</a:t>
+            </a:r>
           </a:p>
         </p:txBody>
       </p:sp>
     </p:spTree>
     <p:extLst>
       <p:ext uri="{BB962C8B-B14F-4D97-AF65-F5344CB8AC3E}">
-        <p14:creationId xmlns:p14="http://schemas.microsoft.com/office/powerpoint/2010/main" val="1727283042"/>
+        <p14:creationId xmlns:p14="http://schemas.microsoft.com/office/powerpoint/2010/main" val="3491171639"/>
       </p:ext>
     </p:extLst>
   </p:cSld>
@@ -12714,6 +11614,788 @@
         <p:spPr/>
         <p:txBody>
           <a:bodyPr>
+            <a:normAutofit fontScale="90000"/>
+          </a:bodyPr>
+          <a:lstStyle/>
+          <a:p>
+            <a:r>
+              <a:rPr lang="en-US" dirty="0"/>
+              <a:t>Lessons </a:t>
+            </a:r>
+            <a:r>
+              <a:rPr lang="en-US" dirty="0" smtClean="0"/>
+              <a:t>learned (</a:t>
+            </a:r>
+            <a:r>
+              <a:rPr lang="en-US" dirty="0"/>
+              <a:t>containers</a:t>
+            </a:r>
+            <a:r>
+              <a:rPr lang="en-US" dirty="0" smtClean="0"/>
+              <a:t>)</a:t>
+            </a:r>
+            <a:br>
+              <a:rPr lang="en-US" dirty="0" smtClean="0"/>
+            </a:br>
+            <a:r>
+              <a:rPr lang="en-US" dirty="0" smtClean="0"/>
+              <a:t>optimizing destructor of string</a:t>
+            </a:r>
+            <a:endParaRPr lang="en-US" dirty="0"/>
+          </a:p>
+        </p:txBody>
+      </p:sp>
+      <p:sp>
+        <p:nvSpPr>
+          <p:cNvPr id="4" name="Rectangle 3"/>
+          <p:cNvSpPr/>
+          <p:nvPr/>
+        </p:nvSpPr>
+        <p:spPr>
+          <a:xfrm>
+            <a:off x="76200" y="3810000"/>
+            <a:ext cx="4572000" cy="2308324"/>
+          </a:xfrm>
+          <a:prstGeom prst="rect">
+            <a:avLst/>
+          </a:prstGeom>
+        </p:spPr>
+        <p:txBody>
+          <a:bodyPr>
+            <a:spAutoFit/>
+          </a:bodyPr>
+          <a:lstStyle/>
+          <a:p>
+            <a:r>
+              <a:rPr lang="en-US" dirty="0">
+                <a:latin typeface="Verdana" panose="020B0604030504040204" pitchFamily="34" charset="0"/>
+                <a:ea typeface="Verdana" panose="020B0604030504040204" pitchFamily="34" charset="0"/>
+                <a:cs typeface="Verdana" panose="020B0604030504040204" pitchFamily="34" charset="0"/>
+              </a:rPr>
+              <a:t>#include&lt;string&gt;</a:t>
+            </a:r>
+          </a:p>
+          <a:p>
+            <a:r>
+              <a:rPr lang="en-US" dirty="0" smtClean="0">
+                <a:latin typeface="Verdana" panose="020B0604030504040204" pitchFamily="34" charset="0"/>
+                <a:ea typeface="Verdana" panose="020B0604030504040204" pitchFamily="34" charset="0"/>
+                <a:cs typeface="Verdana" panose="020B0604030504040204" pitchFamily="34" charset="0"/>
+              </a:rPr>
+              <a:t>void foo();</a:t>
+            </a:r>
+          </a:p>
+          <a:p>
+            <a:endParaRPr lang="en-US" dirty="0">
+              <a:latin typeface="Verdana" panose="020B0604030504040204" pitchFamily="34" charset="0"/>
+              <a:ea typeface="Verdana" panose="020B0604030504040204" pitchFamily="34" charset="0"/>
+              <a:cs typeface="Verdana" panose="020B0604030504040204" pitchFamily="34" charset="0"/>
+            </a:endParaRPr>
+          </a:p>
+          <a:p>
+            <a:r>
+              <a:rPr lang="en-US" dirty="0" err="1">
+                <a:latin typeface="Verdana" panose="020B0604030504040204" pitchFamily="34" charset="0"/>
+                <a:ea typeface="Verdana" panose="020B0604030504040204" pitchFamily="34" charset="0"/>
+                <a:cs typeface="Verdana" panose="020B0604030504040204" pitchFamily="34" charset="0"/>
+              </a:rPr>
+              <a:t>int</a:t>
+            </a:r>
+            <a:r>
+              <a:rPr lang="en-US" dirty="0">
+                <a:latin typeface="Verdana" panose="020B0604030504040204" pitchFamily="34" charset="0"/>
+                <a:ea typeface="Verdana" panose="020B0604030504040204" pitchFamily="34" charset="0"/>
+                <a:cs typeface="Verdana" panose="020B0604030504040204" pitchFamily="34" charset="0"/>
+              </a:rPr>
+              <a:t> main() {</a:t>
+            </a:r>
+          </a:p>
+          <a:p>
+            <a:r>
+              <a:rPr lang="en-US" dirty="0">
+                <a:latin typeface="Verdana" panose="020B0604030504040204" pitchFamily="34" charset="0"/>
+                <a:ea typeface="Verdana" panose="020B0604030504040204" pitchFamily="34" charset="0"/>
+                <a:cs typeface="Verdana" panose="020B0604030504040204" pitchFamily="34" charset="0"/>
+              </a:rPr>
+              <a:t>  </a:t>
+            </a:r>
+            <a:r>
+              <a:rPr lang="en-US" dirty="0" err="1" smtClean="0">
+                <a:latin typeface="Verdana" panose="020B0604030504040204" pitchFamily="34" charset="0"/>
+                <a:ea typeface="Verdana" panose="020B0604030504040204" pitchFamily="34" charset="0"/>
+                <a:cs typeface="Verdana" panose="020B0604030504040204" pitchFamily="34" charset="0"/>
+              </a:rPr>
+              <a:t>const</a:t>
+            </a:r>
+            <a:r>
+              <a:rPr lang="en-US" dirty="0" smtClean="0">
+                <a:latin typeface="Verdana" panose="020B0604030504040204" pitchFamily="34" charset="0"/>
+                <a:ea typeface="Verdana" panose="020B0604030504040204" pitchFamily="34" charset="0"/>
+                <a:cs typeface="Verdana" panose="020B0604030504040204" pitchFamily="34" charset="0"/>
+              </a:rPr>
+              <a:t> </a:t>
+            </a:r>
+            <a:r>
+              <a:rPr lang="en-US" dirty="0" err="1" smtClean="0">
+                <a:latin typeface="Verdana" panose="020B0604030504040204" pitchFamily="34" charset="0"/>
+                <a:ea typeface="Verdana" panose="020B0604030504040204" pitchFamily="34" charset="0"/>
+                <a:cs typeface="Verdana" panose="020B0604030504040204" pitchFamily="34" charset="0"/>
+              </a:rPr>
+              <a:t>std</a:t>
+            </a:r>
+            <a:r>
+              <a:rPr lang="en-US" dirty="0">
+                <a:latin typeface="Verdana" panose="020B0604030504040204" pitchFamily="34" charset="0"/>
+                <a:ea typeface="Verdana" panose="020B0604030504040204" pitchFamily="34" charset="0"/>
+                <a:cs typeface="Verdana" panose="020B0604030504040204" pitchFamily="34" charset="0"/>
+              </a:rPr>
+              <a:t>::string s("a");</a:t>
+            </a:r>
+          </a:p>
+          <a:p>
+            <a:r>
+              <a:rPr lang="en-US" dirty="0">
+                <a:latin typeface="Verdana" panose="020B0604030504040204" pitchFamily="34" charset="0"/>
+                <a:ea typeface="Verdana" panose="020B0604030504040204" pitchFamily="34" charset="0"/>
+                <a:cs typeface="Verdana" panose="020B0604030504040204" pitchFamily="34" charset="0"/>
+              </a:rPr>
+              <a:t>  </a:t>
+            </a:r>
+            <a:r>
+              <a:rPr lang="en-US" dirty="0" smtClean="0">
+                <a:latin typeface="Verdana" panose="020B0604030504040204" pitchFamily="34" charset="0"/>
+                <a:ea typeface="Verdana" panose="020B0604030504040204" pitchFamily="34" charset="0"/>
+                <a:cs typeface="Verdana" panose="020B0604030504040204" pitchFamily="34" charset="0"/>
+              </a:rPr>
+              <a:t>foo();</a:t>
+            </a:r>
+            <a:endParaRPr lang="en-US" dirty="0">
+              <a:latin typeface="Verdana" panose="020B0604030504040204" pitchFamily="34" charset="0"/>
+              <a:ea typeface="Verdana" panose="020B0604030504040204" pitchFamily="34" charset="0"/>
+              <a:cs typeface="Verdana" panose="020B0604030504040204" pitchFamily="34" charset="0"/>
+            </a:endParaRPr>
+          </a:p>
+          <a:p>
+            <a:r>
+              <a:rPr lang="en-US" dirty="0">
+                <a:latin typeface="Verdana" panose="020B0604030504040204" pitchFamily="34" charset="0"/>
+                <a:ea typeface="Verdana" panose="020B0604030504040204" pitchFamily="34" charset="0"/>
+                <a:cs typeface="Verdana" panose="020B0604030504040204" pitchFamily="34" charset="0"/>
+              </a:rPr>
+              <a:t>  return 0;</a:t>
+            </a:r>
+          </a:p>
+          <a:p>
+            <a:r>
+              <a:rPr lang="en-US" dirty="0">
+                <a:latin typeface="Verdana" panose="020B0604030504040204" pitchFamily="34" charset="0"/>
+                <a:ea typeface="Verdana" panose="020B0604030504040204" pitchFamily="34" charset="0"/>
+                <a:cs typeface="Verdana" panose="020B0604030504040204" pitchFamily="34" charset="0"/>
+              </a:rPr>
+              <a:t>}</a:t>
+            </a:r>
+          </a:p>
+        </p:txBody>
+      </p:sp>
+      <p:sp>
+        <p:nvSpPr>
+          <p:cNvPr id="5" name="Rectangle 4"/>
+          <p:cNvSpPr/>
+          <p:nvPr/>
+        </p:nvSpPr>
+        <p:spPr>
+          <a:xfrm>
+            <a:off x="2590800" y="3951982"/>
+            <a:ext cx="6705600" cy="954107"/>
+          </a:xfrm>
+          <a:prstGeom prst="rect">
+            <a:avLst/>
+          </a:prstGeom>
+        </p:spPr>
+        <p:txBody>
+          <a:bodyPr wrap="square">
+            <a:spAutoFit/>
+          </a:bodyPr>
+          <a:lstStyle/>
+          <a:p>
+            <a:r>
+              <a:rPr lang="en-US" sz="1400" dirty="0" smtClean="0">
+                <a:latin typeface="Verdana" panose="020B0604030504040204" pitchFamily="34" charset="0"/>
+                <a:ea typeface="Verdana" panose="020B0604030504040204" pitchFamily="34" charset="0"/>
+                <a:cs typeface="Verdana" panose="020B0604030504040204" pitchFamily="34" charset="0"/>
+              </a:rPr>
+              <a:t>$ g</a:t>
+            </a:r>
+            <a:r>
+              <a:rPr lang="en-US" sz="1400" dirty="0">
+                <a:latin typeface="Verdana" panose="020B0604030504040204" pitchFamily="34" charset="0"/>
+                <a:ea typeface="Verdana" panose="020B0604030504040204" pitchFamily="34" charset="0"/>
+                <a:cs typeface="Verdana" panose="020B0604030504040204" pitchFamily="34" charset="0"/>
+              </a:rPr>
+              <a:t>++ -O3 t.cpp -S –</a:t>
+            </a:r>
+            <a:r>
+              <a:rPr lang="en-US" sz="1400" dirty="0" err="1">
+                <a:latin typeface="Verdana" panose="020B0604030504040204" pitchFamily="34" charset="0"/>
+                <a:ea typeface="Verdana" panose="020B0604030504040204" pitchFamily="34" charset="0"/>
+                <a:cs typeface="Verdana" panose="020B0604030504040204" pitchFamily="34" charset="0"/>
+              </a:rPr>
+              <a:t>fno</a:t>
+            </a:r>
+            <a:r>
+              <a:rPr lang="en-US" sz="1400" dirty="0">
+                <a:latin typeface="Verdana" panose="020B0604030504040204" pitchFamily="34" charset="0"/>
+                <a:ea typeface="Verdana" panose="020B0604030504040204" pitchFamily="34" charset="0"/>
+                <a:cs typeface="Verdana" panose="020B0604030504040204" pitchFamily="34" charset="0"/>
+              </a:rPr>
+              <a:t>-exceptions –</a:t>
+            </a:r>
+            <a:r>
+              <a:rPr lang="en-US" sz="1400" dirty="0" err="1">
+                <a:latin typeface="Verdana" panose="020B0604030504040204" pitchFamily="34" charset="0"/>
+                <a:ea typeface="Verdana" panose="020B0604030504040204" pitchFamily="34" charset="0"/>
+                <a:cs typeface="Verdana" panose="020B0604030504040204" pitchFamily="34" charset="0"/>
+              </a:rPr>
+              <a:t>std</a:t>
+            </a:r>
+            <a:r>
+              <a:rPr lang="en-US" sz="1400" dirty="0">
+                <a:latin typeface="Verdana" panose="020B0604030504040204" pitchFamily="34" charset="0"/>
+                <a:ea typeface="Verdana" panose="020B0604030504040204" pitchFamily="34" charset="0"/>
+                <a:cs typeface="Verdana" panose="020B0604030504040204" pitchFamily="34" charset="0"/>
+              </a:rPr>
+              <a:t>=</a:t>
+            </a:r>
+            <a:r>
+              <a:rPr lang="en-US" sz="1400" dirty="0" err="1">
+                <a:latin typeface="Verdana" panose="020B0604030504040204" pitchFamily="34" charset="0"/>
+                <a:ea typeface="Verdana" panose="020B0604030504040204" pitchFamily="34" charset="0"/>
+                <a:cs typeface="Verdana" panose="020B0604030504040204" pitchFamily="34" charset="0"/>
+              </a:rPr>
+              <a:t>c++</a:t>
+            </a:r>
+            <a:r>
+              <a:rPr lang="en-US" sz="1400" dirty="0">
+                <a:latin typeface="Verdana" panose="020B0604030504040204" pitchFamily="34" charset="0"/>
+                <a:ea typeface="Verdana" panose="020B0604030504040204" pitchFamily="34" charset="0"/>
+                <a:cs typeface="Verdana" panose="020B0604030504040204" pitchFamily="34" charset="0"/>
+              </a:rPr>
+              <a:t>11 -o - | grep _</a:t>
+            </a:r>
+            <a:r>
+              <a:rPr lang="en-US" sz="1400" dirty="0" err="1">
+                <a:latin typeface="Verdana" panose="020B0604030504040204" pitchFamily="34" charset="0"/>
+                <a:ea typeface="Verdana" panose="020B0604030504040204" pitchFamily="34" charset="0"/>
+                <a:cs typeface="Verdana" panose="020B0604030504040204" pitchFamily="34" charset="0"/>
+              </a:rPr>
+              <a:t>ZdlPv</a:t>
+            </a:r>
+            <a:endParaRPr lang="en-US" sz="1400" dirty="0">
+              <a:latin typeface="Verdana" panose="020B0604030504040204" pitchFamily="34" charset="0"/>
+              <a:ea typeface="Verdana" panose="020B0604030504040204" pitchFamily="34" charset="0"/>
+              <a:cs typeface="Verdana" panose="020B0604030504040204" pitchFamily="34" charset="0"/>
+            </a:endParaRPr>
+          </a:p>
+          <a:p>
+            <a:r>
+              <a:rPr lang="en-US" sz="1400" dirty="0">
+                <a:latin typeface="Verdana" panose="020B0604030504040204" pitchFamily="34" charset="0"/>
+                <a:ea typeface="Verdana" panose="020B0604030504040204" pitchFamily="34" charset="0"/>
+                <a:cs typeface="Verdana" panose="020B0604030504040204" pitchFamily="34" charset="0"/>
+              </a:rPr>
+              <a:t>        call    _</a:t>
+            </a:r>
+            <a:r>
+              <a:rPr lang="en-US" sz="1400" dirty="0" err="1">
+                <a:latin typeface="Verdana" panose="020B0604030504040204" pitchFamily="34" charset="0"/>
+                <a:ea typeface="Verdana" panose="020B0604030504040204" pitchFamily="34" charset="0"/>
+                <a:cs typeface="Verdana" panose="020B0604030504040204" pitchFamily="34" charset="0"/>
+              </a:rPr>
+              <a:t>ZdlPv</a:t>
+            </a:r>
+            <a:endParaRPr lang="en-US" sz="1400" dirty="0">
+              <a:latin typeface="Verdana" panose="020B0604030504040204" pitchFamily="34" charset="0"/>
+              <a:ea typeface="Verdana" panose="020B0604030504040204" pitchFamily="34" charset="0"/>
+              <a:cs typeface="Verdana" panose="020B0604030504040204" pitchFamily="34" charset="0"/>
+            </a:endParaRPr>
+          </a:p>
+          <a:p>
+            <a:endParaRPr lang="en-US" sz="1400" dirty="0" smtClean="0">
+              <a:latin typeface="Verdana" panose="020B0604030504040204" pitchFamily="34" charset="0"/>
+              <a:ea typeface="Verdana" panose="020B0604030504040204" pitchFamily="34" charset="0"/>
+              <a:cs typeface="Verdana" panose="020B0604030504040204" pitchFamily="34" charset="0"/>
+            </a:endParaRPr>
+          </a:p>
+          <a:p>
+            <a:r>
+              <a:rPr lang="en-US" sz="1400" dirty="0" smtClean="0">
+                <a:latin typeface="Verdana" panose="020B0604030504040204" pitchFamily="34" charset="0"/>
+                <a:ea typeface="Verdana" panose="020B0604030504040204" pitchFamily="34" charset="0"/>
+                <a:cs typeface="Verdana" panose="020B0604030504040204" pitchFamily="34" charset="0"/>
+              </a:rPr>
+              <a:t>$ clang</a:t>
+            </a:r>
+            <a:r>
+              <a:rPr lang="en-US" sz="1400" dirty="0">
+                <a:latin typeface="Verdana" panose="020B0604030504040204" pitchFamily="34" charset="0"/>
+                <a:ea typeface="Verdana" panose="020B0604030504040204" pitchFamily="34" charset="0"/>
+                <a:cs typeface="Verdana" panose="020B0604030504040204" pitchFamily="34" charset="0"/>
+              </a:rPr>
+              <a:t>++ -O3 t.cpp -S –</a:t>
+            </a:r>
+            <a:r>
+              <a:rPr lang="en-US" sz="1400" dirty="0" err="1">
+                <a:latin typeface="Verdana" panose="020B0604030504040204" pitchFamily="34" charset="0"/>
+                <a:ea typeface="Verdana" panose="020B0604030504040204" pitchFamily="34" charset="0"/>
+                <a:cs typeface="Verdana" panose="020B0604030504040204" pitchFamily="34" charset="0"/>
+              </a:rPr>
+              <a:t>fno</a:t>
+            </a:r>
+            <a:r>
+              <a:rPr lang="en-US" sz="1400" dirty="0">
+                <a:latin typeface="Verdana" panose="020B0604030504040204" pitchFamily="34" charset="0"/>
+                <a:ea typeface="Verdana" panose="020B0604030504040204" pitchFamily="34" charset="0"/>
+                <a:cs typeface="Verdana" panose="020B0604030504040204" pitchFamily="34" charset="0"/>
+              </a:rPr>
+              <a:t>-exceptions –</a:t>
+            </a:r>
+            <a:r>
+              <a:rPr lang="en-US" sz="1400" dirty="0" err="1">
+                <a:latin typeface="Verdana" panose="020B0604030504040204" pitchFamily="34" charset="0"/>
+                <a:ea typeface="Verdana" panose="020B0604030504040204" pitchFamily="34" charset="0"/>
+                <a:cs typeface="Verdana" panose="020B0604030504040204" pitchFamily="34" charset="0"/>
+              </a:rPr>
+              <a:t>std</a:t>
+            </a:r>
+            <a:r>
+              <a:rPr lang="en-US" sz="1400" dirty="0">
+                <a:latin typeface="Verdana" panose="020B0604030504040204" pitchFamily="34" charset="0"/>
+                <a:ea typeface="Verdana" panose="020B0604030504040204" pitchFamily="34" charset="0"/>
+                <a:cs typeface="Verdana" panose="020B0604030504040204" pitchFamily="34" charset="0"/>
+              </a:rPr>
+              <a:t>=</a:t>
+            </a:r>
+            <a:r>
+              <a:rPr lang="en-US" sz="1400" dirty="0" err="1">
+                <a:latin typeface="Verdana" panose="020B0604030504040204" pitchFamily="34" charset="0"/>
+                <a:ea typeface="Verdana" panose="020B0604030504040204" pitchFamily="34" charset="0"/>
+                <a:cs typeface="Verdana" panose="020B0604030504040204" pitchFamily="34" charset="0"/>
+              </a:rPr>
+              <a:t>c++</a:t>
+            </a:r>
+            <a:r>
+              <a:rPr lang="en-US" sz="1400" dirty="0">
+                <a:latin typeface="Verdana" panose="020B0604030504040204" pitchFamily="34" charset="0"/>
+                <a:ea typeface="Verdana" panose="020B0604030504040204" pitchFamily="34" charset="0"/>
+                <a:cs typeface="Verdana" panose="020B0604030504040204" pitchFamily="34" charset="0"/>
+              </a:rPr>
+              <a:t>11 -o - | grep _</a:t>
+            </a:r>
+            <a:r>
+              <a:rPr lang="en-US" sz="1400" dirty="0" err="1" smtClean="0">
+                <a:latin typeface="Verdana" panose="020B0604030504040204" pitchFamily="34" charset="0"/>
+                <a:ea typeface="Verdana" panose="020B0604030504040204" pitchFamily="34" charset="0"/>
+                <a:cs typeface="Verdana" panose="020B0604030504040204" pitchFamily="34" charset="0"/>
+              </a:rPr>
+              <a:t>ZdlPv</a:t>
+            </a:r>
+            <a:endParaRPr lang="en-US" sz="1400" dirty="0">
+              <a:latin typeface="Verdana" panose="020B0604030504040204" pitchFamily="34" charset="0"/>
+              <a:ea typeface="Verdana" panose="020B0604030504040204" pitchFamily="34" charset="0"/>
+              <a:cs typeface="Verdana" panose="020B0604030504040204" pitchFamily="34" charset="0"/>
+            </a:endParaRPr>
+          </a:p>
+        </p:txBody>
+      </p:sp>
+      <p:sp>
+        <p:nvSpPr>
+          <p:cNvPr id="6" name="Rectangle 5"/>
+          <p:cNvSpPr/>
+          <p:nvPr/>
+        </p:nvSpPr>
+        <p:spPr>
+          <a:xfrm>
+            <a:off x="76200" y="1600200"/>
+            <a:ext cx="4572000" cy="2031325"/>
+          </a:xfrm>
+          <a:prstGeom prst="rect">
+            <a:avLst/>
+          </a:prstGeom>
+        </p:spPr>
+        <p:txBody>
+          <a:bodyPr>
+            <a:spAutoFit/>
+          </a:bodyPr>
+          <a:lstStyle/>
+          <a:p>
+            <a:r>
+              <a:rPr lang="en-US" dirty="0">
+                <a:latin typeface="Verdana" panose="020B0604030504040204" pitchFamily="34" charset="0"/>
+                <a:ea typeface="Verdana" panose="020B0604030504040204" pitchFamily="34" charset="0"/>
+                <a:cs typeface="Verdana" panose="020B0604030504040204" pitchFamily="34" charset="0"/>
+              </a:rPr>
+              <a:t>#include&lt;string&gt;</a:t>
+            </a:r>
+          </a:p>
+          <a:p>
+            <a:endParaRPr lang="en-US" dirty="0">
+              <a:latin typeface="Verdana" panose="020B0604030504040204" pitchFamily="34" charset="0"/>
+              <a:ea typeface="Verdana" panose="020B0604030504040204" pitchFamily="34" charset="0"/>
+              <a:cs typeface="Verdana" panose="020B0604030504040204" pitchFamily="34" charset="0"/>
+            </a:endParaRPr>
+          </a:p>
+          <a:p>
+            <a:r>
+              <a:rPr lang="en-US" dirty="0" err="1">
+                <a:latin typeface="Verdana" panose="020B0604030504040204" pitchFamily="34" charset="0"/>
+                <a:ea typeface="Verdana" panose="020B0604030504040204" pitchFamily="34" charset="0"/>
+                <a:cs typeface="Verdana" panose="020B0604030504040204" pitchFamily="34" charset="0"/>
+              </a:rPr>
+              <a:t>int</a:t>
+            </a:r>
+            <a:r>
+              <a:rPr lang="en-US" dirty="0">
+                <a:latin typeface="Verdana" panose="020B0604030504040204" pitchFamily="34" charset="0"/>
+                <a:ea typeface="Verdana" panose="020B0604030504040204" pitchFamily="34" charset="0"/>
+                <a:cs typeface="Verdana" panose="020B0604030504040204" pitchFamily="34" charset="0"/>
+              </a:rPr>
+              <a:t> main() {</a:t>
+            </a:r>
+          </a:p>
+          <a:p>
+            <a:r>
+              <a:rPr lang="en-US" dirty="0">
+                <a:latin typeface="Verdana" panose="020B0604030504040204" pitchFamily="34" charset="0"/>
+                <a:ea typeface="Verdana" panose="020B0604030504040204" pitchFamily="34" charset="0"/>
+                <a:cs typeface="Verdana" panose="020B0604030504040204" pitchFamily="34" charset="0"/>
+              </a:rPr>
+              <a:t>  </a:t>
+            </a:r>
+            <a:r>
+              <a:rPr lang="en-US" dirty="0" err="1">
+                <a:latin typeface="Verdana" panose="020B0604030504040204" pitchFamily="34" charset="0"/>
+                <a:ea typeface="Verdana" panose="020B0604030504040204" pitchFamily="34" charset="0"/>
+                <a:cs typeface="Verdana" panose="020B0604030504040204" pitchFamily="34" charset="0"/>
+              </a:rPr>
+              <a:t>std</a:t>
+            </a:r>
+            <a:r>
+              <a:rPr lang="en-US" dirty="0">
+                <a:latin typeface="Verdana" panose="020B0604030504040204" pitchFamily="34" charset="0"/>
+                <a:ea typeface="Verdana" panose="020B0604030504040204" pitchFamily="34" charset="0"/>
+                <a:cs typeface="Verdana" panose="020B0604030504040204" pitchFamily="34" charset="0"/>
+              </a:rPr>
+              <a:t>::string s("a");</a:t>
+            </a:r>
+          </a:p>
+          <a:p>
+            <a:r>
+              <a:rPr lang="en-US" dirty="0">
+                <a:latin typeface="Verdana" panose="020B0604030504040204" pitchFamily="34" charset="0"/>
+                <a:ea typeface="Verdana" panose="020B0604030504040204" pitchFamily="34" charset="0"/>
+                <a:cs typeface="Verdana" panose="020B0604030504040204" pitchFamily="34" charset="0"/>
+              </a:rPr>
+              <a:t>  s+='a';</a:t>
+            </a:r>
+          </a:p>
+          <a:p>
+            <a:r>
+              <a:rPr lang="en-US" dirty="0">
+                <a:latin typeface="Verdana" panose="020B0604030504040204" pitchFamily="34" charset="0"/>
+                <a:ea typeface="Verdana" panose="020B0604030504040204" pitchFamily="34" charset="0"/>
+                <a:cs typeface="Verdana" panose="020B0604030504040204" pitchFamily="34" charset="0"/>
+              </a:rPr>
+              <a:t>  return 0;</a:t>
+            </a:r>
+          </a:p>
+          <a:p>
+            <a:r>
+              <a:rPr lang="en-US" dirty="0">
+                <a:latin typeface="Verdana" panose="020B0604030504040204" pitchFamily="34" charset="0"/>
+                <a:ea typeface="Verdana" panose="020B0604030504040204" pitchFamily="34" charset="0"/>
+                <a:cs typeface="Verdana" panose="020B0604030504040204" pitchFamily="34" charset="0"/>
+              </a:rPr>
+              <a:t>}</a:t>
+            </a:r>
+          </a:p>
+        </p:txBody>
+      </p:sp>
+      <p:sp>
+        <p:nvSpPr>
+          <p:cNvPr id="7" name="Rectangle 6"/>
+          <p:cNvSpPr/>
+          <p:nvPr/>
+        </p:nvSpPr>
+        <p:spPr>
+          <a:xfrm>
+            <a:off x="2590800" y="2057400"/>
+            <a:ext cx="6781800" cy="954107"/>
+          </a:xfrm>
+          <a:prstGeom prst="rect">
+            <a:avLst/>
+          </a:prstGeom>
+        </p:spPr>
+        <p:txBody>
+          <a:bodyPr wrap="square">
+            <a:spAutoFit/>
+          </a:bodyPr>
+          <a:lstStyle/>
+          <a:p>
+            <a:r>
+              <a:rPr lang="en-US" sz="1400" dirty="0" smtClean="0">
+                <a:latin typeface="Verdana" panose="020B0604030504040204" pitchFamily="34" charset="0"/>
+                <a:ea typeface="Verdana" panose="020B0604030504040204" pitchFamily="34" charset="0"/>
+                <a:cs typeface="Verdana" panose="020B0604030504040204" pitchFamily="34" charset="0"/>
+              </a:rPr>
+              <a:t>$ g++ </a:t>
+            </a:r>
+            <a:r>
+              <a:rPr lang="en-US" sz="1400" dirty="0">
+                <a:latin typeface="Verdana" panose="020B0604030504040204" pitchFamily="34" charset="0"/>
+                <a:ea typeface="Verdana" panose="020B0604030504040204" pitchFamily="34" charset="0"/>
+                <a:cs typeface="Verdana" panose="020B0604030504040204" pitchFamily="34" charset="0"/>
+              </a:rPr>
+              <a:t>-O3 t.cpp -S </a:t>
+            </a:r>
+            <a:r>
+              <a:rPr lang="en-US" sz="1400" dirty="0" smtClean="0">
+                <a:latin typeface="Verdana" panose="020B0604030504040204" pitchFamily="34" charset="0"/>
+                <a:ea typeface="Verdana" panose="020B0604030504040204" pitchFamily="34" charset="0"/>
+                <a:cs typeface="Verdana" panose="020B0604030504040204" pitchFamily="34" charset="0"/>
+              </a:rPr>
+              <a:t>–</a:t>
+            </a:r>
+            <a:r>
+              <a:rPr lang="en-US" sz="1400" dirty="0" err="1" smtClean="0">
+                <a:latin typeface="Verdana" panose="020B0604030504040204" pitchFamily="34" charset="0"/>
+                <a:ea typeface="Verdana" panose="020B0604030504040204" pitchFamily="34" charset="0"/>
+                <a:cs typeface="Verdana" panose="020B0604030504040204" pitchFamily="34" charset="0"/>
+              </a:rPr>
+              <a:t>fno</a:t>
+            </a:r>
+            <a:r>
+              <a:rPr lang="en-US" sz="1400" dirty="0" smtClean="0">
+                <a:latin typeface="Verdana" panose="020B0604030504040204" pitchFamily="34" charset="0"/>
+                <a:ea typeface="Verdana" panose="020B0604030504040204" pitchFamily="34" charset="0"/>
+                <a:cs typeface="Verdana" panose="020B0604030504040204" pitchFamily="34" charset="0"/>
+              </a:rPr>
+              <a:t>-exceptions –</a:t>
+            </a:r>
+            <a:r>
+              <a:rPr lang="en-US" sz="1400" dirty="0" err="1" smtClean="0">
+                <a:latin typeface="Verdana" panose="020B0604030504040204" pitchFamily="34" charset="0"/>
+                <a:ea typeface="Verdana" panose="020B0604030504040204" pitchFamily="34" charset="0"/>
+                <a:cs typeface="Verdana" panose="020B0604030504040204" pitchFamily="34" charset="0"/>
+              </a:rPr>
+              <a:t>std</a:t>
+            </a:r>
+            <a:r>
+              <a:rPr lang="en-US" sz="1400" dirty="0" smtClean="0">
+                <a:latin typeface="Verdana" panose="020B0604030504040204" pitchFamily="34" charset="0"/>
+                <a:ea typeface="Verdana" panose="020B0604030504040204" pitchFamily="34" charset="0"/>
+                <a:cs typeface="Verdana" panose="020B0604030504040204" pitchFamily="34" charset="0"/>
+              </a:rPr>
+              <a:t>=</a:t>
+            </a:r>
+            <a:r>
+              <a:rPr lang="en-US" sz="1400" dirty="0" err="1" smtClean="0">
+                <a:latin typeface="Verdana" panose="020B0604030504040204" pitchFamily="34" charset="0"/>
+                <a:ea typeface="Verdana" panose="020B0604030504040204" pitchFamily="34" charset="0"/>
+                <a:cs typeface="Verdana" panose="020B0604030504040204" pitchFamily="34" charset="0"/>
+              </a:rPr>
+              <a:t>c++</a:t>
+            </a:r>
+            <a:r>
+              <a:rPr lang="en-US" sz="1400" dirty="0" smtClean="0">
+                <a:latin typeface="Verdana" panose="020B0604030504040204" pitchFamily="34" charset="0"/>
+                <a:ea typeface="Verdana" panose="020B0604030504040204" pitchFamily="34" charset="0"/>
+                <a:cs typeface="Verdana" panose="020B0604030504040204" pitchFamily="34" charset="0"/>
+              </a:rPr>
+              <a:t>11 -o </a:t>
+            </a:r>
+            <a:r>
+              <a:rPr lang="en-US" sz="1400" dirty="0">
+                <a:latin typeface="Verdana" panose="020B0604030504040204" pitchFamily="34" charset="0"/>
+                <a:ea typeface="Verdana" panose="020B0604030504040204" pitchFamily="34" charset="0"/>
+                <a:cs typeface="Verdana" panose="020B0604030504040204" pitchFamily="34" charset="0"/>
+              </a:rPr>
+              <a:t>- | grep _</a:t>
+            </a:r>
+            <a:r>
+              <a:rPr lang="en-US" sz="1400" dirty="0" err="1" smtClean="0">
+                <a:latin typeface="Verdana" panose="020B0604030504040204" pitchFamily="34" charset="0"/>
+                <a:ea typeface="Verdana" panose="020B0604030504040204" pitchFamily="34" charset="0"/>
+                <a:cs typeface="Verdana" panose="020B0604030504040204" pitchFamily="34" charset="0"/>
+              </a:rPr>
+              <a:t>ZdlPv</a:t>
+            </a:r>
+            <a:endParaRPr lang="en-US" sz="1400" dirty="0" smtClean="0">
+              <a:latin typeface="Verdana" panose="020B0604030504040204" pitchFamily="34" charset="0"/>
+              <a:ea typeface="Verdana" panose="020B0604030504040204" pitchFamily="34" charset="0"/>
+              <a:cs typeface="Verdana" panose="020B0604030504040204" pitchFamily="34" charset="0"/>
+            </a:endParaRPr>
+          </a:p>
+          <a:p>
+            <a:endParaRPr lang="en-US" sz="1400" dirty="0" smtClean="0">
+              <a:latin typeface="Verdana" panose="020B0604030504040204" pitchFamily="34" charset="0"/>
+              <a:ea typeface="Verdana" panose="020B0604030504040204" pitchFamily="34" charset="0"/>
+              <a:cs typeface="Verdana" panose="020B0604030504040204" pitchFamily="34" charset="0"/>
+            </a:endParaRPr>
+          </a:p>
+          <a:p>
+            <a:r>
+              <a:rPr lang="en-US" sz="1400" dirty="0" smtClean="0">
+                <a:latin typeface="Verdana" panose="020B0604030504040204" pitchFamily="34" charset="0"/>
+                <a:ea typeface="Verdana" panose="020B0604030504040204" pitchFamily="34" charset="0"/>
+                <a:cs typeface="Verdana" panose="020B0604030504040204" pitchFamily="34" charset="0"/>
+              </a:rPr>
+              <a:t>$ clang</a:t>
+            </a:r>
+            <a:r>
+              <a:rPr lang="en-US" sz="1400" dirty="0">
+                <a:latin typeface="Verdana" panose="020B0604030504040204" pitchFamily="34" charset="0"/>
+                <a:ea typeface="Verdana" panose="020B0604030504040204" pitchFamily="34" charset="0"/>
+                <a:cs typeface="Verdana" panose="020B0604030504040204" pitchFamily="34" charset="0"/>
+              </a:rPr>
+              <a:t>++ -O3 t.cpp -S –</a:t>
+            </a:r>
+            <a:r>
+              <a:rPr lang="en-US" sz="1400" dirty="0" err="1">
+                <a:latin typeface="Verdana" panose="020B0604030504040204" pitchFamily="34" charset="0"/>
+                <a:ea typeface="Verdana" panose="020B0604030504040204" pitchFamily="34" charset="0"/>
+                <a:cs typeface="Verdana" panose="020B0604030504040204" pitchFamily="34" charset="0"/>
+              </a:rPr>
+              <a:t>fno</a:t>
+            </a:r>
+            <a:r>
+              <a:rPr lang="en-US" sz="1400" dirty="0">
+                <a:latin typeface="Verdana" panose="020B0604030504040204" pitchFamily="34" charset="0"/>
+                <a:ea typeface="Verdana" panose="020B0604030504040204" pitchFamily="34" charset="0"/>
+                <a:cs typeface="Verdana" panose="020B0604030504040204" pitchFamily="34" charset="0"/>
+              </a:rPr>
+              <a:t>-exceptions –</a:t>
+            </a:r>
+            <a:r>
+              <a:rPr lang="en-US" sz="1400" dirty="0" err="1">
+                <a:latin typeface="Verdana" panose="020B0604030504040204" pitchFamily="34" charset="0"/>
+                <a:ea typeface="Verdana" panose="020B0604030504040204" pitchFamily="34" charset="0"/>
+                <a:cs typeface="Verdana" panose="020B0604030504040204" pitchFamily="34" charset="0"/>
+              </a:rPr>
+              <a:t>std</a:t>
+            </a:r>
+            <a:r>
+              <a:rPr lang="en-US" sz="1400" dirty="0">
+                <a:latin typeface="Verdana" panose="020B0604030504040204" pitchFamily="34" charset="0"/>
+                <a:ea typeface="Verdana" panose="020B0604030504040204" pitchFamily="34" charset="0"/>
+                <a:cs typeface="Verdana" panose="020B0604030504040204" pitchFamily="34" charset="0"/>
+              </a:rPr>
+              <a:t>=</a:t>
+            </a:r>
+            <a:r>
+              <a:rPr lang="en-US" sz="1400" dirty="0" err="1">
+                <a:latin typeface="Verdana" panose="020B0604030504040204" pitchFamily="34" charset="0"/>
+                <a:ea typeface="Verdana" panose="020B0604030504040204" pitchFamily="34" charset="0"/>
+                <a:cs typeface="Verdana" panose="020B0604030504040204" pitchFamily="34" charset="0"/>
+              </a:rPr>
+              <a:t>c++</a:t>
+            </a:r>
+            <a:r>
+              <a:rPr lang="en-US" sz="1400" dirty="0">
+                <a:latin typeface="Verdana" panose="020B0604030504040204" pitchFamily="34" charset="0"/>
+                <a:ea typeface="Verdana" panose="020B0604030504040204" pitchFamily="34" charset="0"/>
+                <a:cs typeface="Verdana" panose="020B0604030504040204" pitchFamily="34" charset="0"/>
+              </a:rPr>
+              <a:t>11 -o - | grep _</a:t>
+            </a:r>
+            <a:r>
+              <a:rPr lang="en-US" sz="1400" dirty="0" err="1" smtClean="0">
+                <a:latin typeface="Verdana" panose="020B0604030504040204" pitchFamily="34" charset="0"/>
+                <a:ea typeface="Verdana" panose="020B0604030504040204" pitchFamily="34" charset="0"/>
+                <a:cs typeface="Verdana" panose="020B0604030504040204" pitchFamily="34" charset="0"/>
+              </a:rPr>
+              <a:t>ZdlPv</a:t>
+            </a:r>
+            <a:endParaRPr lang="en-US" sz="1400" dirty="0" smtClean="0">
+              <a:latin typeface="Verdana" panose="020B0604030504040204" pitchFamily="34" charset="0"/>
+              <a:ea typeface="Verdana" panose="020B0604030504040204" pitchFamily="34" charset="0"/>
+              <a:cs typeface="Verdana" panose="020B0604030504040204" pitchFamily="34" charset="0"/>
+            </a:endParaRPr>
+          </a:p>
+          <a:p>
+            <a:r>
+              <a:rPr lang="en-US" sz="1400" dirty="0" smtClean="0">
+                <a:latin typeface="Verdana" panose="020B0604030504040204" pitchFamily="34" charset="0"/>
+                <a:ea typeface="Verdana" panose="020B0604030504040204" pitchFamily="34" charset="0"/>
+                <a:cs typeface="Verdana" panose="020B0604030504040204" pitchFamily="34" charset="0"/>
+              </a:rPr>
+              <a:t>        call    _</a:t>
+            </a:r>
+            <a:r>
+              <a:rPr lang="en-US" sz="1400" dirty="0" err="1" smtClean="0">
+                <a:latin typeface="Verdana" panose="020B0604030504040204" pitchFamily="34" charset="0"/>
+                <a:ea typeface="Verdana" panose="020B0604030504040204" pitchFamily="34" charset="0"/>
+                <a:cs typeface="Verdana" panose="020B0604030504040204" pitchFamily="34" charset="0"/>
+              </a:rPr>
+              <a:t>ZdlPv</a:t>
+            </a:r>
+            <a:endParaRPr lang="en-US" sz="1400" dirty="0" smtClean="0">
+              <a:latin typeface="Verdana" panose="020B0604030504040204" pitchFamily="34" charset="0"/>
+              <a:ea typeface="Verdana" panose="020B0604030504040204" pitchFamily="34" charset="0"/>
+              <a:cs typeface="Verdana" panose="020B0604030504040204" pitchFamily="34" charset="0"/>
+            </a:endParaRPr>
+          </a:p>
+        </p:txBody>
+      </p:sp>
+    </p:spTree>
+    <p:extLst>
+      <p:ext uri="{BB962C8B-B14F-4D97-AF65-F5344CB8AC3E}">
+        <p14:creationId xmlns:p14="http://schemas.microsoft.com/office/powerpoint/2010/main" val="1727283042"/>
+      </p:ext>
+    </p:extLst>
+  </p:cSld>
+  <p:clrMapOvr>
+    <a:masterClrMapping/>
+  </p:clrMapOvr>
+  <p:timing>
+    <p:tnLst>
+      <p:par>
+        <p:cTn id="1" dur="indefinite" restart="never" nodeType="tmRoot"/>
+      </p:par>
+    </p:tnLst>
+  </p:timing>
+</p:sld>
+</file>
+
+<file path=ppt/slides/slide27.xml><?xml version="1.0" encoding="utf-8"?>
+<p:sld xmlns:a="http://schemas.openxmlformats.org/drawingml/2006/main" xmlns:r="http://schemas.openxmlformats.org/officeDocument/2006/relationships" xmlns:p="http://schemas.openxmlformats.org/presentationml/2006/main">
+  <p:cSld>
+    <p:spTree>
+      <p:nvGrpSpPr>
+        <p:cNvPr id="1" name=""/>
+        <p:cNvGrpSpPr/>
+        <p:nvPr/>
+      </p:nvGrpSpPr>
+      <p:grpSpPr>
+        <a:xfrm>
+          <a:off x="0" y="0"/>
+          <a:ext cx="0" cy="0"/>
+          <a:chOff x="0" y="0"/>
+          <a:chExt cx="0" cy="0"/>
+        </a:xfrm>
+      </p:grpSpPr>
+      <p:sp>
+        <p:nvSpPr>
+          <p:cNvPr id="2" name="Title 1"/>
+          <p:cNvSpPr>
+            <a:spLocks noGrp="1"/>
+          </p:cNvSpPr>
+          <p:nvPr>
+            <p:ph type="title"/>
+          </p:nvPr>
+        </p:nvSpPr>
+        <p:spPr/>
+        <p:txBody>
+          <a:bodyPr>
             <a:normAutofit/>
           </a:bodyPr>
           <a:lstStyle/>
@@ -12773,11 +12455,7 @@
           <a:p>
             <a:r>
               <a:rPr lang="en-US" dirty="0" smtClean="0"/>
-              <a:t>No optimized algorithms for non-char </a:t>
-            </a:r>
-            <a:r>
-              <a:rPr lang="en-US" dirty="0" smtClean="0"/>
-              <a:t>arrays</a:t>
+              <a:t>No optimized algorithms for non-char arrays</a:t>
             </a:r>
           </a:p>
           <a:p>
@@ -12808,7 +12486,6 @@
               <a:rPr lang="en-US" dirty="0" smtClean="0"/>
               <a:t> (gcc.gnu.org/PR48052)</a:t>
             </a:r>
-            <a:endParaRPr lang="en-US" dirty="0" smtClean="0"/>
           </a:p>
           <a:p>
             <a:endParaRPr lang="en-US" dirty="0"/>
@@ -12901,7 +12578,7 @@
 </p:sld>
 </file>
 
-<file path=ppt/slides/slide27.xml><?xml version="1.0" encoding="utf-8"?>
+<file path=ppt/slides/slide28.xml><?xml version="1.0" encoding="utf-8"?>
 <p:sld xmlns:a="http://schemas.openxmlformats.org/drawingml/2006/main" xmlns:r="http://schemas.openxmlformats.org/officeDocument/2006/relationships" xmlns:p="http://schemas.openxmlformats.org/presentationml/2006/main">
   <p:cSld>
     <p:spTree>
@@ -14939,7 +14616,7 @@
 </p:sld>
 </file>
 
-<file path=ppt/slides/slide28.xml><?xml version="1.0" encoding="utf-8"?>
+<file path=ppt/slides/slide29.xml><?xml version="1.0" encoding="utf-8"?>
 <p:sld xmlns:a="http://schemas.openxmlformats.org/drawingml/2006/main" xmlns:r="http://schemas.openxmlformats.org/officeDocument/2006/relationships" xmlns:p="http://schemas.openxmlformats.org/presentationml/2006/main">
   <p:cSld>
     <p:spTree>
@@ -15264,7 +14941,805 @@
 </p:sld>
 </file>
 
-<file path=ppt/slides/slide29.xml><?xml version="1.0" encoding="utf-8"?>
+<file path=ppt/slides/slide3.xml><?xml version="1.0" encoding="utf-8"?>
+<p:sld xmlns:a="http://schemas.openxmlformats.org/drawingml/2006/main" xmlns:r="http://schemas.openxmlformats.org/officeDocument/2006/relationships" xmlns:p="http://schemas.openxmlformats.org/presentationml/2006/main">
+  <p:cSld>
+    <p:spTree>
+      <p:nvGrpSpPr>
+        <p:cNvPr id="1" name=""/>
+        <p:cNvGrpSpPr/>
+        <p:nvPr/>
+      </p:nvGrpSpPr>
+      <p:grpSpPr>
+        <a:xfrm>
+          <a:off x="0" y="0"/>
+          <a:ext cx="0" cy="0"/>
+          <a:chOff x="0" y="0"/>
+          <a:chExt cx="0" cy="0"/>
+        </a:xfrm>
+      </p:grpSpPr>
+      <p:sp>
+        <p:nvSpPr>
+          <p:cNvPr id="2" name="Title 1"/>
+          <p:cNvSpPr>
+            <a:spLocks noGrp="1"/>
+          </p:cNvSpPr>
+          <p:nvPr>
+            <p:ph type="title"/>
+          </p:nvPr>
+        </p:nvSpPr>
+        <p:spPr/>
+        <p:txBody>
+          <a:bodyPr>
+            <a:noAutofit/>
+          </a:bodyPr>
+          <a:lstStyle/>
+          <a:p>
+            <a:r>
+              <a:rPr lang="en-US" sz="4000" dirty="0"/>
+              <a:t>Suboptimal </a:t>
+            </a:r>
+            <a:r>
+              <a:rPr lang="en-US" sz="4000" dirty="0" err="1" smtClean="0"/>
+              <a:t>basic_streambuf</a:t>
+            </a:r>
+            <a:r>
+              <a:rPr lang="en-US" sz="4000" dirty="0"/>
+              <a:t>::</a:t>
+            </a:r>
+            <a:r>
+              <a:rPr lang="en-US" sz="4000" dirty="0" err="1" smtClean="0"/>
+              <a:t>xsgetn</a:t>
+            </a:r>
+            <a:r>
+              <a:rPr lang="en-US" sz="4000" dirty="0" smtClean="0"/>
+              <a:t> (</a:t>
+            </a:r>
+            <a:r>
+              <a:rPr lang="en-US" sz="4000" dirty="0" err="1" smtClean="0"/>
+              <a:t>libc</a:t>
+            </a:r>
+            <a:r>
+              <a:rPr lang="en-US" sz="4000" dirty="0" smtClean="0"/>
+              <a:t>++)</a:t>
+            </a:r>
+            <a:endParaRPr lang="en-US" sz="4000" dirty="0"/>
+          </a:p>
+        </p:txBody>
+      </p:sp>
+      <p:sp>
+        <p:nvSpPr>
+          <p:cNvPr id="3" name="Content Placeholder 2"/>
+          <p:cNvSpPr>
+            <a:spLocks noGrp="1"/>
+          </p:cNvSpPr>
+          <p:nvPr>
+            <p:ph idx="1"/>
+          </p:nvPr>
+        </p:nvSpPr>
+        <p:spPr/>
+        <p:txBody>
+          <a:bodyPr>
+            <a:noAutofit/>
+          </a:bodyPr>
+          <a:lstStyle/>
+          <a:p>
+            <a:pPr marL="0" indent="0">
+              <a:buNone/>
+            </a:pPr>
+            <a:r>
+              <a:rPr lang="en-US" sz="1400" dirty="0">
+                <a:latin typeface="Verdana" panose="020B0604030504040204" pitchFamily="34" charset="0"/>
+                <a:ea typeface="Verdana" panose="020B0604030504040204" pitchFamily="34" charset="0"/>
+                <a:cs typeface="Verdana" panose="020B0604030504040204" pitchFamily="34" charset="0"/>
+              </a:rPr>
+              <a:t>template &lt;class _</a:t>
+            </a:r>
+            <a:r>
+              <a:rPr lang="en-US" sz="1400" dirty="0" err="1">
+                <a:latin typeface="Verdana" panose="020B0604030504040204" pitchFamily="34" charset="0"/>
+                <a:ea typeface="Verdana" panose="020B0604030504040204" pitchFamily="34" charset="0"/>
+                <a:cs typeface="Verdana" panose="020B0604030504040204" pitchFamily="34" charset="0"/>
+              </a:rPr>
+              <a:t>CharT</a:t>
+            </a:r>
+            <a:r>
+              <a:rPr lang="en-US" sz="1400" dirty="0">
+                <a:latin typeface="Verdana" panose="020B0604030504040204" pitchFamily="34" charset="0"/>
+                <a:ea typeface="Verdana" panose="020B0604030504040204" pitchFamily="34" charset="0"/>
+                <a:cs typeface="Verdana" panose="020B0604030504040204" pitchFamily="34" charset="0"/>
+              </a:rPr>
+              <a:t>, class _Traits&gt;</a:t>
+            </a:r>
+          </a:p>
+          <a:p>
+            <a:pPr marL="0" indent="0">
+              <a:buNone/>
+            </a:pPr>
+            <a:r>
+              <a:rPr lang="en-US" sz="1400" dirty="0" err="1">
+                <a:latin typeface="Verdana" panose="020B0604030504040204" pitchFamily="34" charset="0"/>
+                <a:ea typeface="Verdana" panose="020B0604030504040204" pitchFamily="34" charset="0"/>
+                <a:cs typeface="Verdana" panose="020B0604030504040204" pitchFamily="34" charset="0"/>
+              </a:rPr>
+              <a:t>streamsize</a:t>
+            </a:r>
+            <a:endParaRPr lang="en-US" sz="1400" dirty="0">
+              <a:latin typeface="Verdana" panose="020B0604030504040204" pitchFamily="34" charset="0"/>
+              <a:ea typeface="Verdana" panose="020B0604030504040204" pitchFamily="34" charset="0"/>
+              <a:cs typeface="Verdana" panose="020B0604030504040204" pitchFamily="34" charset="0"/>
+            </a:endParaRPr>
+          </a:p>
+          <a:p>
+            <a:pPr marL="0" indent="0">
+              <a:buNone/>
+            </a:pPr>
+            <a:r>
+              <a:rPr lang="en-US" sz="1400" dirty="0" err="1">
+                <a:latin typeface="Verdana" panose="020B0604030504040204" pitchFamily="34" charset="0"/>
+                <a:ea typeface="Verdana" panose="020B0604030504040204" pitchFamily="34" charset="0"/>
+                <a:cs typeface="Verdana" panose="020B0604030504040204" pitchFamily="34" charset="0"/>
+              </a:rPr>
+              <a:t>basic_streambuf</a:t>
+            </a:r>
+            <a:r>
+              <a:rPr lang="en-US" sz="1400" dirty="0">
+                <a:latin typeface="Verdana" panose="020B0604030504040204" pitchFamily="34" charset="0"/>
+                <a:ea typeface="Verdana" panose="020B0604030504040204" pitchFamily="34" charset="0"/>
+                <a:cs typeface="Verdana" panose="020B0604030504040204" pitchFamily="34" charset="0"/>
+              </a:rPr>
+              <a:t>&lt;_</a:t>
+            </a:r>
+            <a:r>
+              <a:rPr lang="en-US" sz="1400" dirty="0" err="1">
+                <a:latin typeface="Verdana" panose="020B0604030504040204" pitchFamily="34" charset="0"/>
+                <a:ea typeface="Verdana" panose="020B0604030504040204" pitchFamily="34" charset="0"/>
+                <a:cs typeface="Verdana" panose="020B0604030504040204" pitchFamily="34" charset="0"/>
+              </a:rPr>
+              <a:t>CharT</a:t>
+            </a:r>
+            <a:r>
+              <a:rPr lang="en-US" sz="1400" dirty="0">
+                <a:latin typeface="Verdana" panose="020B0604030504040204" pitchFamily="34" charset="0"/>
+                <a:ea typeface="Verdana" panose="020B0604030504040204" pitchFamily="34" charset="0"/>
+                <a:cs typeface="Verdana" panose="020B0604030504040204" pitchFamily="34" charset="0"/>
+              </a:rPr>
+              <a:t>, _Traits&gt;::</a:t>
+            </a:r>
+            <a:r>
+              <a:rPr lang="en-US" sz="1400" dirty="0" err="1">
+                <a:latin typeface="Verdana" panose="020B0604030504040204" pitchFamily="34" charset="0"/>
+                <a:ea typeface="Verdana" panose="020B0604030504040204" pitchFamily="34" charset="0"/>
+                <a:cs typeface="Verdana" panose="020B0604030504040204" pitchFamily="34" charset="0"/>
+              </a:rPr>
+              <a:t>xsgetn</a:t>
+            </a:r>
+            <a:r>
+              <a:rPr lang="en-US" sz="1400" dirty="0">
+                <a:latin typeface="Verdana" panose="020B0604030504040204" pitchFamily="34" charset="0"/>
+                <a:ea typeface="Verdana" panose="020B0604030504040204" pitchFamily="34" charset="0"/>
+                <a:cs typeface="Verdana" panose="020B0604030504040204" pitchFamily="34" charset="0"/>
+              </a:rPr>
+              <a:t>(</a:t>
+            </a:r>
+            <a:r>
+              <a:rPr lang="en-US" sz="1400" dirty="0" err="1">
+                <a:latin typeface="Verdana" panose="020B0604030504040204" pitchFamily="34" charset="0"/>
+                <a:ea typeface="Verdana" panose="020B0604030504040204" pitchFamily="34" charset="0"/>
+                <a:cs typeface="Verdana" panose="020B0604030504040204" pitchFamily="34" charset="0"/>
+              </a:rPr>
+              <a:t>char_type</a:t>
+            </a:r>
+            <a:r>
+              <a:rPr lang="en-US" sz="1400" dirty="0">
+                <a:latin typeface="Verdana" panose="020B0604030504040204" pitchFamily="34" charset="0"/>
+                <a:ea typeface="Verdana" panose="020B0604030504040204" pitchFamily="34" charset="0"/>
+                <a:cs typeface="Verdana" panose="020B0604030504040204" pitchFamily="34" charset="0"/>
+              </a:rPr>
+              <a:t>* __s, </a:t>
+            </a:r>
+            <a:r>
+              <a:rPr lang="en-US" sz="1400" dirty="0" err="1">
+                <a:latin typeface="Verdana" panose="020B0604030504040204" pitchFamily="34" charset="0"/>
+                <a:ea typeface="Verdana" panose="020B0604030504040204" pitchFamily="34" charset="0"/>
+                <a:cs typeface="Verdana" panose="020B0604030504040204" pitchFamily="34" charset="0"/>
+              </a:rPr>
+              <a:t>streamsize</a:t>
+            </a:r>
+            <a:r>
+              <a:rPr lang="en-US" sz="1400" dirty="0">
+                <a:latin typeface="Verdana" panose="020B0604030504040204" pitchFamily="34" charset="0"/>
+                <a:ea typeface="Verdana" panose="020B0604030504040204" pitchFamily="34" charset="0"/>
+                <a:cs typeface="Verdana" panose="020B0604030504040204" pitchFamily="34" charset="0"/>
+              </a:rPr>
+              <a:t> __n)</a:t>
+            </a:r>
+          </a:p>
+          <a:p>
+            <a:pPr marL="0" indent="0">
+              <a:buNone/>
+            </a:pPr>
+            <a:r>
+              <a:rPr lang="en-US" sz="1400" dirty="0">
+                <a:latin typeface="Verdana" panose="020B0604030504040204" pitchFamily="34" charset="0"/>
+                <a:ea typeface="Verdana" panose="020B0604030504040204" pitchFamily="34" charset="0"/>
+                <a:cs typeface="Verdana" panose="020B0604030504040204" pitchFamily="34" charset="0"/>
+              </a:rPr>
+              <a:t>{</a:t>
+            </a:r>
+          </a:p>
+          <a:p>
+            <a:pPr marL="0" indent="0">
+              <a:buNone/>
+            </a:pPr>
+            <a:r>
+              <a:rPr lang="en-US" sz="1400" dirty="0">
+                <a:latin typeface="Verdana" panose="020B0604030504040204" pitchFamily="34" charset="0"/>
+                <a:ea typeface="Verdana" panose="020B0604030504040204" pitchFamily="34" charset="0"/>
+                <a:cs typeface="Verdana" panose="020B0604030504040204" pitchFamily="34" charset="0"/>
+              </a:rPr>
+              <a:t>    </a:t>
+            </a:r>
+            <a:r>
+              <a:rPr lang="en-US" sz="1400" dirty="0" err="1">
+                <a:latin typeface="Verdana" panose="020B0604030504040204" pitchFamily="34" charset="0"/>
+                <a:ea typeface="Verdana" panose="020B0604030504040204" pitchFamily="34" charset="0"/>
+                <a:cs typeface="Verdana" panose="020B0604030504040204" pitchFamily="34" charset="0"/>
+              </a:rPr>
+              <a:t>const</a:t>
+            </a:r>
+            <a:r>
+              <a:rPr lang="en-US" sz="1400" dirty="0">
+                <a:latin typeface="Verdana" panose="020B0604030504040204" pitchFamily="34" charset="0"/>
+                <a:ea typeface="Verdana" panose="020B0604030504040204" pitchFamily="34" charset="0"/>
+                <a:cs typeface="Verdana" panose="020B0604030504040204" pitchFamily="34" charset="0"/>
+              </a:rPr>
+              <a:t> </a:t>
+            </a:r>
+            <a:r>
+              <a:rPr lang="en-US" sz="1400" dirty="0" err="1">
+                <a:latin typeface="Verdana" panose="020B0604030504040204" pitchFamily="34" charset="0"/>
+                <a:ea typeface="Verdana" panose="020B0604030504040204" pitchFamily="34" charset="0"/>
+                <a:cs typeface="Verdana" panose="020B0604030504040204" pitchFamily="34" charset="0"/>
+              </a:rPr>
+              <a:t>int_type</a:t>
+            </a:r>
+            <a:r>
+              <a:rPr lang="en-US" sz="1400" dirty="0">
+                <a:latin typeface="Verdana" panose="020B0604030504040204" pitchFamily="34" charset="0"/>
+                <a:ea typeface="Verdana" panose="020B0604030504040204" pitchFamily="34" charset="0"/>
+                <a:cs typeface="Verdana" panose="020B0604030504040204" pitchFamily="34" charset="0"/>
+              </a:rPr>
+              <a:t> __</a:t>
+            </a:r>
+            <a:r>
+              <a:rPr lang="en-US" sz="1400" dirty="0" err="1">
+                <a:latin typeface="Verdana" panose="020B0604030504040204" pitchFamily="34" charset="0"/>
+                <a:ea typeface="Verdana" panose="020B0604030504040204" pitchFamily="34" charset="0"/>
+                <a:cs typeface="Verdana" panose="020B0604030504040204" pitchFamily="34" charset="0"/>
+              </a:rPr>
+              <a:t>eof</a:t>
+            </a:r>
+            <a:r>
+              <a:rPr lang="en-US" sz="1400" dirty="0">
+                <a:latin typeface="Verdana" panose="020B0604030504040204" pitchFamily="34" charset="0"/>
+                <a:ea typeface="Verdana" panose="020B0604030504040204" pitchFamily="34" charset="0"/>
+                <a:cs typeface="Verdana" panose="020B0604030504040204" pitchFamily="34" charset="0"/>
+              </a:rPr>
+              <a:t> = </a:t>
+            </a:r>
+            <a:r>
+              <a:rPr lang="en-US" sz="1400" dirty="0" err="1">
+                <a:latin typeface="Verdana" panose="020B0604030504040204" pitchFamily="34" charset="0"/>
+                <a:ea typeface="Verdana" panose="020B0604030504040204" pitchFamily="34" charset="0"/>
+                <a:cs typeface="Verdana" panose="020B0604030504040204" pitchFamily="34" charset="0"/>
+              </a:rPr>
+              <a:t>traits_type</a:t>
+            </a:r>
+            <a:r>
+              <a:rPr lang="en-US" sz="1400" dirty="0">
+                <a:latin typeface="Verdana" panose="020B0604030504040204" pitchFamily="34" charset="0"/>
+                <a:ea typeface="Verdana" panose="020B0604030504040204" pitchFamily="34" charset="0"/>
+                <a:cs typeface="Verdana" panose="020B0604030504040204" pitchFamily="34" charset="0"/>
+              </a:rPr>
+              <a:t>::</a:t>
+            </a:r>
+            <a:r>
+              <a:rPr lang="en-US" sz="1400" dirty="0" err="1">
+                <a:latin typeface="Verdana" panose="020B0604030504040204" pitchFamily="34" charset="0"/>
+                <a:ea typeface="Verdana" panose="020B0604030504040204" pitchFamily="34" charset="0"/>
+                <a:cs typeface="Verdana" panose="020B0604030504040204" pitchFamily="34" charset="0"/>
+              </a:rPr>
+              <a:t>eof</a:t>
+            </a:r>
+            <a:r>
+              <a:rPr lang="en-US" sz="1400" dirty="0">
+                <a:latin typeface="Verdana" panose="020B0604030504040204" pitchFamily="34" charset="0"/>
+                <a:ea typeface="Verdana" panose="020B0604030504040204" pitchFamily="34" charset="0"/>
+                <a:cs typeface="Verdana" panose="020B0604030504040204" pitchFamily="34" charset="0"/>
+              </a:rPr>
+              <a:t>();</a:t>
+            </a:r>
+          </a:p>
+          <a:p>
+            <a:pPr marL="0" indent="0">
+              <a:buNone/>
+            </a:pPr>
+            <a:r>
+              <a:rPr lang="en-US" sz="1400" dirty="0">
+                <a:latin typeface="Verdana" panose="020B0604030504040204" pitchFamily="34" charset="0"/>
+                <a:ea typeface="Verdana" panose="020B0604030504040204" pitchFamily="34" charset="0"/>
+                <a:cs typeface="Verdana" panose="020B0604030504040204" pitchFamily="34" charset="0"/>
+              </a:rPr>
+              <a:t>    </a:t>
+            </a:r>
+            <a:r>
+              <a:rPr lang="en-US" sz="1400" dirty="0" err="1">
+                <a:latin typeface="Verdana" panose="020B0604030504040204" pitchFamily="34" charset="0"/>
+                <a:ea typeface="Verdana" panose="020B0604030504040204" pitchFamily="34" charset="0"/>
+                <a:cs typeface="Verdana" panose="020B0604030504040204" pitchFamily="34" charset="0"/>
+              </a:rPr>
+              <a:t>int_type</a:t>
+            </a:r>
+            <a:r>
+              <a:rPr lang="en-US" sz="1400" dirty="0">
+                <a:latin typeface="Verdana" panose="020B0604030504040204" pitchFamily="34" charset="0"/>
+                <a:ea typeface="Verdana" panose="020B0604030504040204" pitchFamily="34" charset="0"/>
+                <a:cs typeface="Verdana" panose="020B0604030504040204" pitchFamily="34" charset="0"/>
+              </a:rPr>
+              <a:t> __c;</a:t>
+            </a:r>
+          </a:p>
+          <a:p>
+            <a:pPr marL="0" indent="0">
+              <a:buNone/>
+            </a:pPr>
+            <a:r>
+              <a:rPr lang="en-US" sz="1400" dirty="0">
+                <a:latin typeface="Verdana" panose="020B0604030504040204" pitchFamily="34" charset="0"/>
+                <a:ea typeface="Verdana" panose="020B0604030504040204" pitchFamily="34" charset="0"/>
+                <a:cs typeface="Verdana" panose="020B0604030504040204" pitchFamily="34" charset="0"/>
+              </a:rPr>
+              <a:t>    </a:t>
+            </a:r>
+            <a:r>
+              <a:rPr lang="en-US" sz="1400" dirty="0" err="1">
+                <a:latin typeface="Verdana" panose="020B0604030504040204" pitchFamily="34" charset="0"/>
+                <a:ea typeface="Verdana" panose="020B0604030504040204" pitchFamily="34" charset="0"/>
+                <a:cs typeface="Verdana" panose="020B0604030504040204" pitchFamily="34" charset="0"/>
+              </a:rPr>
+              <a:t>streamsize</a:t>
+            </a:r>
+            <a:r>
+              <a:rPr lang="en-US" sz="1400" dirty="0">
+                <a:latin typeface="Verdana" panose="020B0604030504040204" pitchFamily="34" charset="0"/>
+                <a:ea typeface="Verdana" panose="020B0604030504040204" pitchFamily="34" charset="0"/>
+                <a:cs typeface="Verdana" panose="020B0604030504040204" pitchFamily="34" charset="0"/>
+              </a:rPr>
+              <a:t> __</a:t>
+            </a:r>
+            <a:r>
+              <a:rPr lang="en-US" sz="1400" dirty="0" err="1">
+                <a:latin typeface="Verdana" panose="020B0604030504040204" pitchFamily="34" charset="0"/>
+                <a:ea typeface="Verdana" panose="020B0604030504040204" pitchFamily="34" charset="0"/>
+                <a:cs typeface="Verdana" panose="020B0604030504040204" pitchFamily="34" charset="0"/>
+              </a:rPr>
+              <a:t>i</a:t>
+            </a:r>
+            <a:r>
+              <a:rPr lang="en-US" sz="1400" dirty="0">
+                <a:latin typeface="Verdana" panose="020B0604030504040204" pitchFamily="34" charset="0"/>
+                <a:ea typeface="Verdana" panose="020B0604030504040204" pitchFamily="34" charset="0"/>
+                <a:cs typeface="Verdana" panose="020B0604030504040204" pitchFamily="34" charset="0"/>
+              </a:rPr>
+              <a:t> = 0;</a:t>
+            </a:r>
+          </a:p>
+          <a:p>
+            <a:pPr marL="0" indent="0">
+              <a:buNone/>
+            </a:pPr>
+            <a:r>
+              <a:rPr lang="en-US" sz="1400" dirty="0">
+                <a:latin typeface="Verdana" panose="020B0604030504040204" pitchFamily="34" charset="0"/>
+                <a:ea typeface="Verdana" panose="020B0604030504040204" pitchFamily="34" charset="0"/>
+                <a:cs typeface="Verdana" panose="020B0604030504040204" pitchFamily="34" charset="0"/>
+              </a:rPr>
+              <a:t>    for (;__</a:t>
+            </a:r>
+            <a:r>
+              <a:rPr lang="en-US" sz="1400" dirty="0" err="1">
+                <a:latin typeface="Verdana" panose="020B0604030504040204" pitchFamily="34" charset="0"/>
+                <a:ea typeface="Verdana" panose="020B0604030504040204" pitchFamily="34" charset="0"/>
+                <a:cs typeface="Verdana" panose="020B0604030504040204" pitchFamily="34" charset="0"/>
+              </a:rPr>
+              <a:t>i</a:t>
+            </a:r>
+            <a:r>
+              <a:rPr lang="en-US" sz="1400" dirty="0">
+                <a:latin typeface="Verdana" panose="020B0604030504040204" pitchFamily="34" charset="0"/>
+                <a:ea typeface="Verdana" panose="020B0604030504040204" pitchFamily="34" charset="0"/>
+                <a:cs typeface="Verdana" panose="020B0604030504040204" pitchFamily="34" charset="0"/>
+              </a:rPr>
+              <a:t> &lt; __n; ++__</a:t>
+            </a:r>
+            <a:r>
+              <a:rPr lang="en-US" sz="1400" dirty="0" err="1">
+                <a:latin typeface="Verdana" panose="020B0604030504040204" pitchFamily="34" charset="0"/>
+                <a:ea typeface="Verdana" panose="020B0604030504040204" pitchFamily="34" charset="0"/>
+                <a:cs typeface="Verdana" panose="020B0604030504040204" pitchFamily="34" charset="0"/>
+              </a:rPr>
+              <a:t>i</a:t>
+            </a:r>
+            <a:r>
+              <a:rPr lang="en-US" sz="1400" dirty="0">
+                <a:latin typeface="Verdana" panose="020B0604030504040204" pitchFamily="34" charset="0"/>
+                <a:ea typeface="Verdana" panose="020B0604030504040204" pitchFamily="34" charset="0"/>
+                <a:cs typeface="Verdana" panose="020B0604030504040204" pitchFamily="34" charset="0"/>
+              </a:rPr>
+              <a:t>, ++__s</a:t>
+            </a:r>
+            <a:r>
+              <a:rPr lang="en-US" sz="1400" dirty="0" smtClean="0">
+                <a:latin typeface="Verdana" panose="020B0604030504040204" pitchFamily="34" charset="0"/>
+                <a:ea typeface="Verdana" panose="020B0604030504040204" pitchFamily="34" charset="0"/>
+                <a:cs typeface="Verdana" panose="020B0604030504040204" pitchFamily="34" charset="0"/>
+              </a:rPr>
+              <a:t>) {</a:t>
+            </a:r>
+            <a:endParaRPr lang="en-US" sz="1400" dirty="0">
+              <a:latin typeface="Verdana" panose="020B0604030504040204" pitchFamily="34" charset="0"/>
+              <a:ea typeface="Verdana" panose="020B0604030504040204" pitchFamily="34" charset="0"/>
+              <a:cs typeface="Verdana" panose="020B0604030504040204" pitchFamily="34" charset="0"/>
+            </a:endParaRPr>
+          </a:p>
+          <a:p>
+            <a:pPr marL="0" marR="0" indent="0">
+              <a:spcBef>
+                <a:spcPts val="335"/>
+              </a:spcBef>
+              <a:spcAft>
+                <a:spcPts val="0"/>
+              </a:spcAft>
+              <a:buNone/>
+            </a:pPr>
+            <a:r>
+              <a:rPr lang="en-US" sz="1400" dirty="0">
+                <a:solidFill>
+                  <a:srgbClr val="000000"/>
+                </a:solidFill>
+                <a:latin typeface="Verdana"/>
+                <a:ea typeface="Verdana"/>
+                <a:cs typeface="Verdana"/>
+              </a:rPr>
+              <a:t>        </a:t>
+            </a:r>
+            <a:r>
+              <a:rPr lang="en-US" sz="1400" dirty="0">
+                <a:solidFill>
+                  <a:srgbClr val="000000"/>
+                </a:solidFill>
+                <a:highlight>
+                  <a:srgbClr val="FFFF00"/>
+                </a:highlight>
+                <a:latin typeface="Verdana"/>
+                <a:ea typeface="Verdana"/>
+                <a:cs typeface="Verdana"/>
+              </a:rPr>
+              <a:t>if (__</a:t>
+            </a:r>
+            <a:r>
+              <a:rPr lang="en-US" sz="1400" dirty="0" err="1">
+                <a:solidFill>
+                  <a:srgbClr val="000000"/>
+                </a:solidFill>
+                <a:highlight>
+                  <a:srgbClr val="FFFF00"/>
+                </a:highlight>
+                <a:latin typeface="Verdana"/>
+                <a:ea typeface="Verdana"/>
+                <a:cs typeface="Verdana"/>
+              </a:rPr>
+              <a:t>ninp</a:t>
+            </a:r>
+            <a:r>
+              <a:rPr lang="en-US" sz="1400" dirty="0">
+                <a:solidFill>
+                  <a:srgbClr val="000000"/>
+                </a:solidFill>
+                <a:highlight>
+                  <a:srgbClr val="FFFF00"/>
+                </a:highlight>
+                <a:latin typeface="Verdana"/>
+                <a:ea typeface="Verdana"/>
+                <a:cs typeface="Verdana"/>
+              </a:rPr>
+              <a:t>_ &lt; __</a:t>
+            </a:r>
+            <a:r>
+              <a:rPr lang="en-US" sz="1400" dirty="0" err="1">
+                <a:solidFill>
+                  <a:srgbClr val="000000"/>
+                </a:solidFill>
+                <a:highlight>
+                  <a:srgbClr val="FFFF00"/>
+                </a:highlight>
+                <a:latin typeface="Verdana"/>
+                <a:ea typeface="Verdana"/>
+                <a:cs typeface="Verdana"/>
+              </a:rPr>
+              <a:t>einp</a:t>
+            </a:r>
+            <a:r>
+              <a:rPr lang="en-US" sz="1400" dirty="0">
+                <a:solidFill>
+                  <a:srgbClr val="000000"/>
+                </a:solidFill>
+                <a:highlight>
+                  <a:srgbClr val="FFFF00"/>
+                </a:highlight>
+                <a:latin typeface="Verdana"/>
+                <a:ea typeface="Verdana"/>
+                <a:cs typeface="Verdana"/>
+              </a:rPr>
+              <a:t>_)</a:t>
+            </a:r>
+            <a:endParaRPr lang="en-US" sz="1200" dirty="0">
+              <a:latin typeface="Times New Roman"/>
+              <a:ea typeface="Times New Roman"/>
+            </a:endParaRPr>
+          </a:p>
+          <a:p>
+            <a:pPr marL="0" marR="0" indent="0">
+              <a:spcBef>
+                <a:spcPts val="335"/>
+              </a:spcBef>
+              <a:spcAft>
+                <a:spcPts val="0"/>
+              </a:spcAft>
+              <a:buNone/>
+            </a:pPr>
+            <a:r>
+              <a:rPr lang="en-US" sz="1400" dirty="0">
+                <a:solidFill>
+                  <a:srgbClr val="000000"/>
+                </a:solidFill>
+                <a:highlight>
+                  <a:srgbClr val="FFFF00"/>
+                </a:highlight>
+                <a:latin typeface="Verdana"/>
+                <a:ea typeface="Verdana"/>
+                <a:cs typeface="Verdana"/>
+              </a:rPr>
+              <a:t>            *__s = *__</a:t>
+            </a:r>
+            <a:r>
+              <a:rPr lang="en-US" sz="1400" dirty="0" err="1">
+                <a:solidFill>
+                  <a:srgbClr val="000000"/>
+                </a:solidFill>
+                <a:highlight>
+                  <a:srgbClr val="FFFF00"/>
+                </a:highlight>
+                <a:latin typeface="Verdana"/>
+                <a:ea typeface="Verdana"/>
+                <a:cs typeface="Verdana"/>
+              </a:rPr>
+              <a:t>ninp</a:t>
+            </a:r>
+            <a:r>
+              <a:rPr lang="en-US" sz="1400" dirty="0">
+                <a:solidFill>
+                  <a:srgbClr val="000000"/>
+                </a:solidFill>
+                <a:highlight>
+                  <a:srgbClr val="FFFF00"/>
+                </a:highlight>
+                <a:latin typeface="Verdana"/>
+                <a:ea typeface="Verdana"/>
+                <a:cs typeface="Verdana"/>
+              </a:rPr>
+              <a:t>_++;</a:t>
+            </a:r>
+            <a:endParaRPr lang="en-US" sz="1200" dirty="0">
+              <a:latin typeface="Times New Roman"/>
+              <a:ea typeface="Times New Roman"/>
+            </a:endParaRPr>
+          </a:p>
+          <a:p>
+            <a:pPr marL="0" indent="0">
+              <a:buNone/>
+            </a:pPr>
+            <a:r>
+              <a:rPr lang="en-US" sz="1400" dirty="0" smtClean="0">
+                <a:latin typeface="Verdana" panose="020B0604030504040204" pitchFamily="34" charset="0"/>
+                <a:ea typeface="Verdana" panose="020B0604030504040204" pitchFamily="34" charset="0"/>
+                <a:cs typeface="Verdana" panose="020B0604030504040204" pitchFamily="34" charset="0"/>
+              </a:rPr>
+              <a:t>        else if ((__c = </a:t>
+            </a:r>
+            <a:r>
+              <a:rPr lang="en-US" sz="1400" dirty="0" err="1" smtClean="0">
+                <a:latin typeface="Verdana" panose="020B0604030504040204" pitchFamily="34" charset="0"/>
+                <a:ea typeface="Verdana" panose="020B0604030504040204" pitchFamily="34" charset="0"/>
+                <a:cs typeface="Verdana" panose="020B0604030504040204" pitchFamily="34" charset="0"/>
+              </a:rPr>
+              <a:t>uflow</a:t>
+            </a:r>
+            <a:r>
+              <a:rPr lang="en-US" sz="1400" dirty="0" smtClean="0">
+                <a:latin typeface="Verdana" panose="020B0604030504040204" pitchFamily="34" charset="0"/>
+                <a:ea typeface="Verdana" panose="020B0604030504040204" pitchFamily="34" charset="0"/>
+                <a:cs typeface="Verdana" panose="020B0604030504040204" pitchFamily="34" charset="0"/>
+              </a:rPr>
+              <a:t>()) != __</a:t>
+            </a:r>
+            <a:r>
+              <a:rPr lang="en-US" sz="1400" dirty="0" err="1" smtClean="0">
+                <a:latin typeface="Verdana" panose="020B0604030504040204" pitchFamily="34" charset="0"/>
+                <a:ea typeface="Verdana" panose="020B0604030504040204" pitchFamily="34" charset="0"/>
+                <a:cs typeface="Verdana" panose="020B0604030504040204" pitchFamily="34" charset="0"/>
+              </a:rPr>
+              <a:t>eof</a:t>
+            </a:r>
+            <a:r>
+              <a:rPr lang="en-US" sz="1400" dirty="0" smtClean="0">
+                <a:latin typeface="Verdana" panose="020B0604030504040204" pitchFamily="34" charset="0"/>
+                <a:ea typeface="Verdana" panose="020B0604030504040204" pitchFamily="34" charset="0"/>
+                <a:cs typeface="Verdana" panose="020B0604030504040204" pitchFamily="34" charset="0"/>
+              </a:rPr>
+              <a:t>)</a:t>
+            </a:r>
+          </a:p>
+          <a:p>
+            <a:pPr marL="0" indent="0">
+              <a:buNone/>
+            </a:pPr>
+            <a:r>
+              <a:rPr lang="en-US" sz="1400" dirty="0">
+                <a:latin typeface="Verdana" panose="020B0604030504040204" pitchFamily="34" charset="0"/>
+                <a:ea typeface="Verdana" panose="020B0604030504040204" pitchFamily="34" charset="0"/>
+                <a:cs typeface="Verdana" panose="020B0604030504040204" pitchFamily="34" charset="0"/>
+              </a:rPr>
+              <a:t>            *__s = </a:t>
+            </a:r>
+            <a:r>
+              <a:rPr lang="en-US" sz="1400" dirty="0" err="1">
+                <a:latin typeface="Verdana" panose="020B0604030504040204" pitchFamily="34" charset="0"/>
+                <a:ea typeface="Verdana" panose="020B0604030504040204" pitchFamily="34" charset="0"/>
+                <a:cs typeface="Verdana" panose="020B0604030504040204" pitchFamily="34" charset="0"/>
+              </a:rPr>
+              <a:t>traits_type</a:t>
+            </a:r>
+            <a:r>
+              <a:rPr lang="en-US" sz="1400" dirty="0">
+                <a:latin typeface="Verdana" panose="020B0604030504040204" pitchFamily="34" charset="0"/>
+                <a:ea typeface="Verdana" panose="020B0604030504040204" pitchFamily="34" charset="0"/>
+                <a:cs typeface="Verdana" panose="020B0604030504040204" pitchFamily="34" charset="0"/>
+              </a:rPr>
+              <a:t>::</a:t>
+            </a:r>
+            <a:r>
+              <a:rPr lang="en-US" sz="1400" dirty="0" err="1">
+                <a:latin typeface="Verdana" panose="020B0604030504040204" pitchFamily="34" charset="0"/>
+                <a:ea typeface="Verdana" panose="020B0604030504040204" pitchFamily="34" charset="0"/>
+                <a:cs typeface="Verdana" panose="020B0604030504040204" pitchFamily="34" charset="0"/>
+              </a:rPr>
+              <a:t>to_char_type</a:t>
+            </a:r>
+            <a:r>
+              <a:rPr lang="en-US" sz="1400" dirty="0">
+                <a:latin typeface="Verdana" panose="020B0604030504040204" pitchFamily="34" charset="0"/>
+                <a:ea typeface="Verdana" panose="020B0604030504040204" pitchFamily="34" charset="0"/>
+                <a:cs typeface="Verdana" panose="020B0604030504040204" pitchFamily="34" charset="0"/>
+              </a:rPr>
+              <a:t>(__c);</a:t>
+            </a:r>
+          </a:p>
+          <a:p>
+            <a:pPr marL="0" indent="0">
+              <a:buNone/>
+            </a:pPr>
+            <a:r>
+              <a:rPr lang="en-US" sz="1400" dirty="0">
+                <a:latin typeface="Verdana" panose="020B0604030504040204" pitchFamily="34" charset="0"/>
+                <a:ea typeface="Verdana" panose="020B0604030504040204" pitchFamily="34" charset="0"/>
+                <a:cs typeface="Verdana" panose="020B0604030504040204" pitchFamily="34" charset="0"/>
+              </a:rPr>
+              <a:t>        else</a:t>
+            </a:r>
+          </a:p>
+          <a:p>
+            <a:pPr marL="0" indent="0">
+              <a:buNone/>
+            </a:pPr>
+            <a:r>
+              <a:rPr lang="en-US" sz="1400" dirty="0">
+                <a:latin typeface="Verdana" panose="020B0604030504040204" pitchFamily="34" charset="0"/>
+                <a:ea typeface="Verdana" panose="020B0604030504040204" pitchFamily="34" charset="0"/>
+                <a:cs typeface="Verdana" panose="020B0604030504040204" pitchFamily="34" charset="0"/>
+              </a:rPr>
+              <a:t>            break;</a:t>
+            </a:r>
+          </a:p>
+          <a:p>
+            <a:pPr marL="0" indent="0">
+              <a:buNone/>
+            </a:pPr>
+            <a:r>
+              <a:rPr lang="en-US" sz="1400" dirty="0">
+                <a:latin typeface="Verdana" panose="020B0604030504040204" pitchFamily="34" charset="0"/>
+                <a:ea typeface="Verdana" panose="020B0604030504040204" pitchFamily="34" charset="0"/>
+                <a:cs typeface="Verdana" panose="020B0604030504040204" pitchFamily="34" charset="0"/>
+              </a:rPr>
+              <a:t>    }</a:t>
+            </a:r>
+          </a:p>
+          <a:p>
+            <a:pPr marL="0" indent="0">
+              <a:buNone/>
+            </a:pPr>
+            <a:r>
+              <a:rPr lang="en-US" sz="1400" dirty="0">
+                <a:latin typeface="Verdana" panose="020B0604030504040204" pitchFamily="34" charset="0"/>
+                <a:ea typeface="Verdana" panose="020B0604030504040204" pitchFamily="34" charset="0"/>
+                <a:cs typeface="Verdana" panose="020B0604030504040204" pitchFamily="34" charset="0"/>
+              </a:rPr>
+              <a:t>    return __</a:t>
+            </a:r>
+            <a:r>
+              <a:rPr lang="en-US" sz="1400" dirty="0" err="1">
+                <a:latin typeface="Verdana" panose="020B0604030504040204" pitchFamily="34" charset="0"/>
+                <a:ea typeface="Verdana" panose="020B0604030504040204" pitchFamily="34" charset="0"/>
+                <a:cs typeface="Verdana" panose="020B0604030504040204" pitchFamily="34" charset="0"/>
+              </a:rPr>
+              <a:t>i</a:t>
+            </a:r>
+            <a:r>
+              <a:rPr lang="en-US" sz="1400" dirty="0">
+                <a:latin typeface="Verdana" panose="020B0604030504040204" pitchFamily="34" charset="0"/>
+                <a:ea typeface="Verdana" panose="020B0604030504040204" pitchFamily="34" charset="0"/>
+                <a:cs typeface="Verdana" panose="020B0604030504040204" pitchFamily="34" charset="0"/>
+              </a:rPr>
+              <a:t>;</a:t>
+            </a:r>
+          </a:p>
+          <a:p>
+            <a:pPr marL="0" indent="0">
+              <a:buNone/>
+            </a:pPr>
+            <a:r>
+              <a:rPr lang="en-US" sz="1400" dirty="0">
+                <a:latin typeface="Verdana" panose="020B0604030504040204" pitchFamily="34" charset="0"/>
+                <a:ea typeface="Verdana" panose="020B0604030504040204" pitchFamily="34" charset="0"/>
+                <a:cs typeface="Verdana" panose="020B0604030504040204" pitchFamily="34" charset="0"/>
+              </a:rPr>
+              <a:t>}</a:t>
+            </a:r>
+          </a:p>
+        </p:txBody>
+      </p:sp>
+    </p:spTree>
+    <p:extLst>
+      <p:ext uri="{BB962C8B-B14F-4D97-AF65-F5344CB8AC3E}">
+        <p14:creationId xmlns:p14="http://schemas.microsoft.com/office/powerpoint/2010/main" val="4039179307"/>
+      </p:ext>
+    </p:extLst>
+  </p:cSld>
+  <p:clrMapOvr>
+    <a:masterClrMapping/>
+  </p:clrMapOvr>
+  <p:timing>
+    <p:tnLst>
+      <p:par>
+        <p:cTn id="1" dur="indefinite" restart="never" nodeType="tmRoot"/>
+      </p:par>
+    </p:tnLst>
+  </p:timing>
+</p:sld>
+</file>
+
+<file path=ppt/slides/slide30.xml><?xml version="1.0" encoding="utf-8"?>
 <p:sld xmlns:a="http://schemas.openxmlformats.org/drawingml/2006/main" xmlns:r="http://schemas.openxmlformats.org/officeDocument/2006/relationships" xmlns:p="http://schemas.openxmlformats.org/presentationml/2006/main">
   <p:cSld>
     <p:spTree>
@@ -15452,7 +15927,7 @@
 </p:sld>
 </file>
 
-<file path=ppt/slides/slide3.xml><?xml version="1.0" encoding="utf-8"?>
+<file path=ppt/slides/slide4.xml><?xml version="1.0" encoding="utf-8"?>
 <p:sld xmlns:a="http://schemas.openxmlformats.org/drawingml/2006/main" xmlns:r="http://schemas.openxmlformats.org/officeDocument/2006/relationships" xmlns:p="http://schemas.openxmlformats.org/presentationml/2006/main">
   <p:cSld>
     <p:spTree>
@@ -17832,7 +18307,7 @@
 </p:sld>
 </file>
 
-<file path=ppt/slides/slide4.xml><?xml version="1.0" encoding="utf-8"?>
+<file path=ppt/slides/slide5.xml><?xml version="1.0" encoding="utf-8"?>
 <p:sld xmlns:a="http://schemas.openxmlformats.org/drawingml/2006/main" xmlns:r="http://schemas.openxmlformats.org/officeDocument/2006/relationships" xmlns:p="http://schemas.openxmlformats.org/presentationml/2006/main">
   <p:cSld>
     <p:spTree>
@@ -19140,7 +19615,7 @@
 </p:sld>
 </file>
 
-<file path=ppt/slides/slide5.xml><?xml version="1.0" encoding="utf-8"?>
+<file path=ppt/slides/slide6.xml><?xml version="1.0" encoding="utf-8"?>
 <p:sld xmlns:a="http://schemas.openxmlformats.org/drawingml/2006/main" xmlns:r="http://schemas.openxmlformats.org/officeDocument/2006/relationships" xmlns:p="http://schemas.openxmlformats.org/presentationml/2006/main">
   <p:cSld>
     <p:spTree>
@@ -19882,7 +20357,7 @@
 </p:sld>
 </file>
 
-<file path=ppt/slides/slide6.xml><?xml version="1.0" encoding="utf-8"?>
+<file path=ppt/slides/slide7.xml><?xml version="1.0" encoding="utf-8"?>
 <p:sld xmlns:a="http://schemas.openxmlformats.org/drawingml/2006/main" xmlns:r="http://schemas.openxmlformats.org/officeDocument/2006/relationships" xmlns:p="http://schemas.openxmlformats.org/presentationml/2006/main">
   <p:cSld>
     <p:spTree>
@@ -20576,7 +21051,7 @@
 </p:sld>
 </file>
 
-<file path=ppt/slides/slide7.xml><?xml version="1.0" encoding="utf-8"?>
+<file path=ppt/slides/slide8.xml><?xml version="1.0" encoding="utf-8"?>
 <p:sld xmlns:a="http://schemas.openxmlformats.org/drawingml/2006/main" xmlns:r="http://schemas.openxmlformats.org/officeDocument/2006/relationships" xmlns:p="http://schemas.openxmlformats.org/presentationml/2006/main">
   <p:cSld>
     <p:spTree>
@@ -21477,7 +21952,7 @@
 </p:sld>
 </file>
 
-<file path=ppt/slides/slide8.xml><?xml version="1.0" encoding="utf-8"?>
+<file path=ppt/slides/slide9.xml><?xml version="1.0" encoding="utf-8"?>
 <p:sld xmlns:a="http://schemas.openxmlformats.org/drawingml/2006/main" xmlns:r="http://schemas.openxmlformats.org/officeDocument/2006/relationships" xmlns:p="http://schemas.openxmlformats.org/presentationml/2006/main">
   <p:cSld>
     <p:spTree>
@@ -21759,425 +22234,6 @@
     <p:extLst>
       <p:ext uri="{BB962C8B-B14F-4D97-AF65-F5344CB8AC3E}">
         <p14:creationId xmlns:p14="http://schemas.microsoft.com/office/powerpoint/2010/main" val="1222252026"/>
-      </p:ext>
-    </p:extLst>
-  </p:cSld>
-  <p:clrMapOvr>
-    <a:masterClrMapping/>
-  </p:clrMapOvr>
-  <p:timing>
-    <p:tnLst>
-      <p:par>
-        <p:cTn id="1" dur="indefinite" restart="never" nodeType="tmRoot"/>
-      </p:par>
-    </p:tnLst>
-  </p:timing>
-</p:sld>
-</file>
-
-<file path=ppt/slides/slide9.xml><?xml version="1.0" encoding="utf-8"?>
-<p:sld xmlns:a="http://schemas.openxmlformats.org/drawingml/2006/main" xmlns:r="http://schemas.openxmlformats.org/officeDocument/2006/relationships" xmlns:p="http://schemas.openxmlformats.org/presentationml/2006/main">
-  <p:cSld>
-    <p:spTree>
-      <p:nvGrpSpPr>
-        <p:cNvPr id="1" name=""/>
-        <p:cNvGrpSpPr/>
-        <p:nvPr/>
-      </p:nvGrpSpPr>
-      <p:grpSpPr>
-        <a:xfrm>
-          <a:off x="0" y="0"/>
-          <a:ext cx="0" cy="0"/>
-          <a:chOff x="0" y="0"/>
-          <a:chExt cx="0" cy="0"/>
-        </a:xfrm>
-      </p:grpSpPr>
-      <p:sp>
-        <p:nvSpPr>
-          <p:cNvPr id="2" name="Title 1"/>
-          <p:cNvSpPr>
-            <a:spLocks noGrp="1"/>
-          </p:cNvSpPr>
-          <p:nvPr>
-            <p:ph type="title"/>
-          </p:nvPr>
-        </p:nvSpPr>
-        <p:spPr/>
-        <p:txBody>
-          <a:bodyPr>
-            <a:normAutofit/>
-          </a:bodyPr>
-          <a:lstStyle/>
-          <a:p>
-            <a:r>
-              <a:rPr lang="en-US" dirty="0" smtClean="0"/>
-              <a:t>Missing function attributes (</a:t>
-            </a:r>
-            <a:r>
-              <a:rPr lang="en-US" dirty="0" err="1" smtClean="0"/>
-              <a:t>libc</a:t>
-            </a:r>
-            <a:r>
-              <a:rPr lang="en-US" dirty="0" smtClean="0"/>
-              <a:t>++)</a:t>
-            </a:r>
-            <a:endParaRPr lang="en-US" b="1" dirty="0"/>
-          </a:p>
-        </p:txBody>
-      </p:sp>
-      <p:sp>
-        <p:nvSpPr>
-          <p:cNvPr id="3" name="Content Placeholder 2"/>
-          <p:cNvSpPr>
-            <a:spLocks noGrp="1"/>
-          </p:cNvSpPr>
-          <p:nvPr>
-            <p:ph idx="1"/>
-          </p:nvPr>
-        </p:nvSpPr>
-        <p:spPr/>
-        <p:txBody>
-          <a:bodyPr>
-            <a:normAutofit fontScale="77500" lnSpcReduction="20000"/>
-          </a:bodyPr>
-          <a:lstStyle/>
-          <a:p>
-            <a:r>
-              <a:rPr lang="en-US" dirty="0" smtClean="0"/>
-              <a:t>Missing </a:t>
-            </a:r>
-            <a:r>
-              <a:rPr lang="en-US" dirty="0" smtClean="0">
-                <a:latin typeface="Verdana" panose="020B0604030504040204" pitchFamily="34" charset="0"/>
-                <a:ea typeface="Verdana" panose="020B0604030504040204" pitchFamily="34" charset="0"/>
-                <a:cs typeface="Verdana" panose="020B0604030504040204" pitchFamily="34" charset="0"/>
-              </a:rPr>
-              <a:t>__</a:t>
-            </a:r>
-            <a:r>
-              <a:rPr lang="en-US" dirty="0">
-                <a:latin typeface="Verdana" panose="020B0604030504040204" pitchFamily="34" charset="0"/>
-                <a:ea typeface="Verdana" panose="020B0604030504040204" pitchFamily="34" charset="0"/>
-                <a:cs typeface="Verdana" panose="020B0604030504040204" pitchFamily="34" charset="0"/>
-              </a:rPr>
-              <a:t>attribute__((__</a:t>
-            </a:r>
-            <a:r>
-              <a:rPr lang="en-US" dirty="0" err="1">
-                <a:latin typeface="Verdana" panose="020B0604030504040204" pitchFamily="34" charset="0"/>
-                <a:ea typeface="Verdana" panose="020B0604030504040204" pitchFamily="34" charset="0"/>
-                <a:cs typeface="Verdana" panose="020B0604030504040204" pitchFamily="34" charset="0"/>
-              </a:rPr>
-              <a:t>noreturn</a:t>
-            </a:r>
-            <a:r>
-              <a:rPr lang="en-US" dirty="0" smtClean="0">
-                <a:latin typeface="Verdana" panose="020B0604030504040204" pitchFamily="34" charset="0"/>
-                <a:ea typeface="Verdana" panose="020B0604030504040204" pitchFamily="34" charset="0"/>
-                <a:cs typeface="Verdana" panose="020B0604030504040204" pitchFamily="34" charset="0"/>
-              </a:rPr>
-              <a:t>__)) </a:t>
-            </a:r>
-            <a:r>
-              <a:rPr lang="en-US" dirty="0"/>
-              <a:t>in important functions</a:t>
-            </a:r>
-            <a:r>
-              <a:rPr lang="en-US" dirty="0" smtClean="0"/>
-              <a:t>.</a:t>
-            </a:r>
-          </a:p>
-          <a:p>
-            <a:pPr lvl="1"/>
-            <a:r>
-              <a:rPr lang="en-US" dirty="0" smtClean="0"/>
-              <a:t>Prevents important compiler optimizations</a:t>
-            </a:r>
-          </a:p>
-          <a:p>
-            <a:pPr lvl="1"/>
-            <a:r>
-              <a:rPr lang="en-US" dirty="0" smtClean="0"/>
-              <a:t>Results in false positives in static analysis results</a:t>
-            </a:r>
-          </a:p>
-          <a:p>
-            <a:r>
-              <a:rPr lang="en-US" dirty="0" smtClean="0"/>
-              <a:t>__throw.* functions in __locale, </a:t>
-            </a:r>
-            <a:r>
-              <a:rPr lang="en-US" dirty="0" err="1" smtClean="0"/>
-              <a:t>deque</a:t>
-            </a:r>
-            <a:r>
-              <a:rPr lang="en-US" dirty="0" smtClean="0"/>
-              <a:t>, future, regex, </a:t>
-            </a:r>
-            <a:r>
-              <a:rPr lang="en-US" dirty="0" err="1" smtClean="0"/>
-              <a:t>system_error</a:t>
-            </a:r>
-            <a:r>
-              <a:rPr lang="en-US" dirty="0" smtClean="0"/>
-              <a:t>, vector</a:t>
-            </a:r>
-          </a:p>
-          <a:p>
-            <a:pPr marL="0" indent="0">
-              <a:buNone/>
-            </a:pPr>
-            <a:endParaRPr lang="en-US" sz="2200" dirty="0" smtClean="0">
-              <a:latin typeface="Verdana" panose="020B0604030504040204" pitchFamily="34" charset="0"/>
-              <a:ea typeface="Verdana" panose="020B0604030504040204" pitchFamily="34" charset="0"/>
-              <a:cs typeface="Verdana" panose="020B0604030504040204" pitchFamily="34" charset="0"/>
-            </a:endParaRPr>
-          </a:p>
-          <a:p>
-            <a:pPr marL="0" indent="0">
-              <a:buNone/>
-            </a:pPr>
-            <a:endParaRPr lang="en-US" sz="2200" dirty="0">
-              <a:latin typeface="Verdana" panose="020B0604030504040204" pitchFamily="34" charset="0"/>
-              <a:ea typeface="Verdana" panose="020B0604030504040204" pitchFamily="34" charset="0"/>
-              <a:cs typeface="Verdana" panose="020B0604030504040204" pitchFamily="34" charset="0"/>
-            </a:endParaRPr>
-          </a:p>
-          <a:p>
-            <a:pPr marL="0" indent="0">
-              <a:buNone/>
-            </a:pPr>
-            <a:r>
-              <a:rPr lang="en-US" sz="2200" dirty="0" smtClean="0">
-                <a:latin typeface="Verdana" panose="020B0604030504040204" pitchFamily="34" charset="0"/>
-                <a:ea typeface="Verdana" panose="020B0604030504040204" pitchFamily="34" charset="0"/>
-                <a:cs typeface="Verdana" panose="020B0604030504040204" pitchFamily="34" charset="0"/>
-              </a:rPr>
-              <a:t>Example</a:t>
-            </a:r>
-            <a:r>
-              <a:rPr lang="en-US" sz="2200" dirty="0">
-                <a:latin typeface="Verdana" panose="020B0604030504040204" pitchFamily="34" charset="0"/>
-                <a:ea typeface="Verdana" panose="020B0604030504040204" pitchFamily="34" charset="0"/>
-                <a:cs typeface="Verdana" panose="020B0604030504040204" pitchFamily="34" charset="0"/>
-              </a:rPr>
-              <a:t>:</a:t>
-            </a:r>
-          </a:p>
-          <a:p>
-            <a:pPr marL="0" indent="0">
-              <a:buNone/>
-            </a:pPr>
-            <a:r>
-              <a:rPr lang="en-US" sz="2200" dirty="0">
-                <a:latin typeface="Verdana" panose="020B0604030504040204" pitchFamily="34" charset="0"/>
-                <a:ea typeface="Verdana" panose="020B0604030504040204" pitchFamily="34" charset="0"/>
-                <a:cs typeface="Verdana" panose="020B0604030504040204" pitchFamily="34" charset="0"/>
-              </a:rPr>
-              <a:t>class __</a:t>
-            </a:r>
-            <a:r>
-              <a:rPr lang="en-US" sz="2200" dirty="0" err="1" smtClean="0">
-                <a:latin typeface="Verdana" panose="020B0604030504040204" pitchFamily="34" charset="0"/>
-                <a:ea typeface="Verdana" panose="020B0604030504040204" pitchFamily="34" charset="0"/>
-                <a:cs typeface="Verdana" panose="020B0604030504040204" pitchFamily="34" charset="0"/>
-              </a:rPr>
-              <a:t>vector_base_common</a:t>
-            </a:r>
-            <a:r>
-              <a:rPr lang="en-US" sz="2200" dirty="0">
-                <a:latin typeface="Verdana" panose="020B0604030504040204" pitchFamily="34" charset="0"/>
-                <a:ea typeface="Verdana" panose="020B0604030504040204" pitchFamily="34" charset="0"/>
-                <a:cs typeface="Verdana" panose="020B0604030504040204" pitchFamily="34" charset="0"/>
-              </a:rPr>
-              <a:t> </a:t>
-            </a:r>
-            <a:r>
-              <a:rPr lang="en-US" sz="2200" dirty="0" smtClean="0">
-                <a:latin typeface="Verdana" panose="020B0604030504040204" pitchFamily="34" charset="0"/>
-                <a:ea typeface="Verdana" panose="020B0604030504040204" pitchFamily="34" charset="0"/>
-                <a:cs typeface="Verdana" panose="020B0604030504040204" pitchFamily="34" charset="0"/>
-              </a:rPr>
-              <a:t>{</a:t>
-            </a:r>
-            <a:endParaRPr lang="en-US" sz="2200" dirty="0">
-              <a:latin typeface="Verdana" panose="020B0604030504040204" pitchFamily="34" charset="0"/>
-              <a:ea typeface="Verdana" panose="020B0604030504040204" pitchFamily="34" charset="0"/>
-              <a:cs typeface="Verdana" panose="020B0604030504040204" pitchFamily="34" charset="0"/>
-            </a:endParaRPr>
-          </a:p>
-          <a:p>
-            <a:pPr marL="0" indent="0">
-              <a:buNone/>
-            </a:pPr>
-            <a:r>
-              <a:rPr lang="en-US" sz="2200" dirty="0">
-                <a:latin typeface="Verdana" panose="020B0604030504040204" pitchFamily="34" charset="0"/>
-                <a:ea typeface="Verdana" panose="020B0604030504040204" pitchFamily="34" charset="0"/>
-                <a:cs typeface="Verdana" panose="020B0604030504040204" pitchFamily="34" charset="0"/>
-              </a:rPr>
-              <a:t>protected:</a:t>
-            </a:r>
-          </a:p>
-          <a:p>
-            <a:pPr marL="0" indent="0">
-              <a:buNone/>
-            </a:pPr>
-            <a:r>
-              <a:rPr lang="en-US" sz="2200" dirty="0">
-                <a:latin typeface="Verdana" panose="020B0604030504040204" pitchFamily="34" charset="0"/>
-                <a:ea typeface="Verdana" panose="020B0604030504040204" pitchFamily="34" charset="0"/>
-                <a:cs typeface="Verdana" panose="020B0604030504040204" pitchFamily="34" charset="0"/>
-              </a:rPr>
-              <a:t> </a:t>
-            </a:r>
-            <a:r>
-              <a:rPr lang="en-US" sz="2200" dirty="0" smtClean="0">
-                <a:latin typeface="Verdana" panose="020B0604030504040204" pitchFamily="34" charset="0"/>
-                <a:ea typeface="Verdana" panose="020B0604030504040204" pitchFamily="34" charset="0"/>
-                <a:cs typeface="Verdana" panose="020B0604030504040204" pitchFamily="34" charset="0"/>
-              </a:rPr>
-              <a:t> __</a:t>
-            </a:r>
-            <a:r>
-              <a:rPr lang="en-US" sz="2200" dirty="0" err="1">
-                <a:latin typeface="Verdana" panose="020B0604030504040204" pitchFamily="34" charset="0"/>
-                <a:ea typeface="Verdana" panose="020B0604030504040204" pitchFamily="34" charset="0"/>
-                <a:cs typeface="Verdana" panose="020B0604030504040204" pitchFamily="34" charset="0"/>
-              </a:rPr>
-              <a:t>vector_base_common</a:t>
-            </a:r>
-            <a:r>
-              <a:rPr lang="en-US" sz="2200" dirty="0">
-                <a:latin typeface="Verdana" panose="020B0604030504040204" pitchFamily="34" charset="0"/>
-                <a:ea typeface="Verdana" panose="020B0604030504040204" pitchFamily="34" charset="0"/>
-                <a:cs typeface="Verdana" panose="020B0604030504040204" pitchFamily="34" charset="0"/>
-              </a:rPr>
-              <a:t>() {}</a:t>
-            </a:r>
-          </a:p>
-          <a:p>
-            <a:pPr marL="0" indent="0">
-              <a:buNone/>
-            </a:pPr>
-            <a:r>
-              <a:rPr lang="en-US" sz="2200" dirty="0">
-                <a:latin typeface="Verdana" panose="020B0604030504040204" pitchFamily="34" charset="0"/>
-                <a:ea typeface="Verdana" panose="020B0604030504040204" pitchFamily="34" charset="0"/>
-                <a:cs typeface="Verdana" panose="020B0604030504040204" pitchFamily="34" charset="0"/>
-              </a:rPr>
-              <a:t>  void __</a:t>
-            </a:r>
-            <a:r>
-              <a:rPr lang="en-US" sz="2200" dirty="0" err="1">
-                <a:latin typeface="Verdana" panose="020B0604030504040204" pitchFamily="34" charset="0"/>
-                <a:ea typeface="Verdana" panose="020B0604030504040204" pitchFamily="34" charset="0"/>
-                <a:cs typeface="Verdana" panose="020B0604030504040204" pitchFamily="34" charset="0"/>
-              </a:rPr>
-              <a:t>throw_length_error</a:t>
-            </a:r>
-            <a:r>
-              <a:rPr lang="en-US" sz="2200" dirty="0">
-                <a:latin typeface="Verdana" panose="020B0604030504040204" pitchFamily="34" charset="0"/>
-                <a:ea typeface="Verdana" panose="020B0604030504040204" pitchFamily="34" charset="0"/>
-                <a:cs typeface="Verdana" panose="020B0604030504040204" pitchFamily="34" charset="0"/>
-              </a:rPr>
-              <a:t>() </a:t>
-            </a:r>
-            <a:r>
-              <a:rPr lang="en-US" sz="2200" dirty="0" err="1" smtClean="0">
-                <a:latin typeface="Verdana" panose="020B0604030504040204" pitchFamily="34" charset="0"/>
-                <a:ea typeface="Verdana" panose="020B0604030504040204" pitchFamily="34" charset="0"/>
-                <a:cs typeface="Verdana" panose="020B0604030504040204" pitchFamily="34" charset="0"/>
-              </a:rPr>
-              <a:t>const</a:t>
-            </a:r>
-            <a:r>
-              <a:rPr lang="en-US" sz="2200" dirty="0" smtClean="0">
-                <a:latin typeface="Verdana" panose="020B0604030504040204" pitchFamily="34" charset="0"/>
-                <a:ea typeface="Verdana" panose="020B0604030504040204" pitchFamily="34" charset="0"/>
-                <a:cs typeface="Verdana" panose="020B0604030504040204" pitchFamily="34" charset="0"/>
-              </a:rPr>
-              <a:t>;</a:t>
-            </a:r>
-            <a:endParaRPr lang="en-US" sz="2200" dirty="0">
-              <a:latin typeface="Verdana" panose="020B0604030504040204" pitchFamily="34" charset="0"/>
-              <a:ea typeface="Verdana" panose="020B0604030504040204" pitchFamily="34" charset="0"/>
-              <a:cs typeface="Verdana" panose="020B0604030504040204" pitchFamily="34" charset="0"/>
-            </a:endParaRPr>
-          </a:p>
-          <a:p>
-            <a:pPr marL="0" indent="0">
-              <a:buNone/>
-            </a:pPr>
-            <a:r>
-              <a:rPr lang="en-US" sz="2200" dirty="0">
-                <a:latin typeface="Verdana" panose="020B0604030504040204" pitchFamily="34" charset="0"/>
-                <a:ea typeface="Verdana" panose="020B0604030504040204" pitchFamily="34" charset="0"/>
-                <a:cs typeface="Verdana" panose="020B0604030504040204" pitchFamily="34" charset="0"/>
-              </a:rPr>
-              <a:t>  void __</a:t>
-            </a:r>
-            <a:r>
-              <a:rPr lang="en-US" sz="2200" dirty="0" err="1">
-                <a:latin typeface="Verdana" panose="020B0604030504040204" pitchFamily="34" charset="0"/>
-                <a:ea typeface="Verdana" panose="020B0604030504040204" pitchFamily="34" charset="0"/>
-                <a:cs typeface="Verdana" panose="020B0604030504040204" pitchFamily="34" charset="0"/>
-              </a:rPr>
-              <a:t>throw_out_of_range</a:t>
-            </a:r>
-            <a:r>
-              <a:rPr lang="en-US" sz="2200" dirty="0">
-                <a:latin typeface="Verdana" panose="020B0604030504040204" pitchFamily="34" charset="0"/>
-                <a:ea typeface="Verdana" panose="020B0604030504040204" pitchFamily="34" charset="0"/>
-                <a:cs typeface="Verdana" panose="020B0604030504040204" pitchFamily="34" charset="0"/>
-              </a:rPr>
-              <a:t>() </a:t>
-            </a:r>
-            <a:r>
-              <a:rPr lang="en-US" sz="2200" dirty="0" err="1" smtClean="0">
-                <a:latin typeface="Verdana" panose="020B0604030504040204" pitchFamily="34" charset="0"/>
-                <a:ea typeface="Verdana" panose="020B0604030504040204" pitchFamily="34" charset="0"/>
-                <a:cs typeface="Verdana" panose="020B0604030504040204" pitchFamily="34" charset="0"/>
-              </a:rPr>
-              <a:t>const</a:t>
-            </a:r>
-            <a:r>
-              <a:rPr lang="en-US" sz="2200" dirty="0" smtClean="0">
-                <a:latin typeface="Verdana" panose="020B0604030504040204" pitchFamily="34" charset="0"/>
-                <a:ea typeface="Verdana" panose="020B0604030504040204" pitchFamily="34" charset="0"/>
-                <a:cs typeface="Verdana" panose="020B0604030504040204" pitchFamily="34" charset="0"/>
-              </a:rPr>
-              <a:t>;</a:t>
-            </a:r>
-            <a:endParaRPr lang="en-US" sz="2200" dirty="0">
-              <a:latin typeface="Verdana" panose="020B0604030504040204" pitchFamily="34" charset="0"/>
-              <a:ea typeface="Verdana" panose="020B0604030504040204" pitchFamily="34" charset="0"/>
-              <a:cs typeface="Verdana" panose="020B0604030504040204" pitchFamily="34" charset="0"/>
-            </a:endParaRPr>
-          </a:p>
-          <a:p>
-            <a:pPr marL="0" indent="0">
-              <a:buNone/>
-            </a:pPr>
-            <a:r>
-              <a:rPr lang="en-US" sz="2200" dirty="0">
-                <a:latin typeface="Verdana" panose="020B0604030504040204" pitchFamily="34" charset="0"/>
-                <a:ea typeface="Verdana" panose="020B0604030504040204" pitchFamily="34" charset="0"/>
-                <a:cs typeface="Verdana" panose="020B0604030504040204" pitchFamily="34" charset="0"/>
-              </a:rPr>
-              <a:t>};</a:t>
-            </a:r>
-          </a:p>
-          <a:p>
-            <a:endParaRPr lang="en-US" dirty="0"/>
-          </a:p>
-        </p:txBody>
-      </p:sp>
-    </p:spTree>
-    <p:extLst>
-      <p:ext uri="{BB962C8B-B14F-4D97-AF65-F5344CB8AC3E}">
-        <p14:creationId xmlns:p14="http://schemas.microsoft.com/office/powerpoint/2010/main" val="2871846934"/>
       </p:ext>
     </p:extLst>
   </p:cSld>
